--- a/Seminar_JNI/Slide_00 - Hieu ung.pptx
+++ b/Seminar_JNI/Slide_00 - Hieu ung.pptx
@@ -3741,36 +3741,23 @@
               <a:rPr lang="en-US" smtClean="0"/>
               <a:t>  </a:t>
             </a:r>
-            <a:endParaRPr lang="en-US" smtClean="0"/>
           </a:p>
           <a:p>
             <a:r>
               <a:rPr lang="en-US" smtClean="0"/>
-              <a:t>env</a:t>
-            </a:r>
+              <a:t>env: JNIEnv interface pointer.</a:t>
+            </a:r>
+          </a:p>
+          <a:p>
             <a:r>
               <a:rPr lang="en-US" smtClean="0"/>
-              <a:t>: JNIEnv interface pointer.</a:t>
+              <a:t>jclass: trỏ đến class có field được truy xuất.</a:t>
             </a:r>
           </a:p>
           <a:p>
             <a:r>
               <a:rPr lang="en-US" smtClean="0"/>
-              <a:t>jclass</a:t>
-            </a:r>
-            <a:r>
-              <a:rPr lang="en-US" smtClean="0"/>
-              <a:t>: trỏ đến class có field được truy xuất.</a:t>
-            </a:r>
-          </a:p>
-          <a:p>
-            <a:r>
-              <a:rPr lang="en-US" smtClean="0"/>
-              <a:t>fieldID</a:t>
-            </a:r>
-            <a:r>
-              <a:rPr lang="en-US" smtClean="0"/>
-              <a:t>: một biến có kiểu jfieldID đại diện cho field được truy xuất.</a:t>
+              <a:t>fieldID: một biến có kiểu jfieldID đại diện cho field được truy xuất.</a:t>
             </a:r>
           </a:p>
           <a:p>
@@ -3909,19 +3896,7 @@
                 <a:ea typeface="+mn-ea"/>
                 <a:cs typeface="+mn-cs"/>
               </a:rPr>
-              <a:t>Có </a:t>
-            </a:r>
-            <a:r>
-              <a:rPr lang="en-US" sz="1200" kern="1200" smtClean="0">
-                <a:solidFill>
-                  <a:schemeClr val="tx1"/>
-                </a:solidFill>
-                <a:effectLst/>
-                <a:latin typeface="+mn-lt"/>
-                <a:ea typeface="+mn-ea"/>
-                <a:cs typeface="+mn-cs"/>
-              </a:rPr>
-              <a:t>một cách khác để biết chuỗi mô tả của các filed trong lớp java là dùng tool javap đi kèm trong JDK với tham số -s -p TenClass</a:t>
+              <a:t>Có một cách khác để biết chuỗi mô tả của các filed trong lớp java là dùng tool javap đi kèm trong JDK với tham số -s -p TenClass</a:t>
             </a:r>
           </a:p>
           <a:p>
@@ -6532,19 +6507,7 @@
                 <a:ea typeface="+mn-ea"/>
                 <a:cs typeface="+mn-cs"/>
               </a:rPr>
-              <a:t>JNI tạo ra phương thức để thao tác chuyển đổi chuỗi jstring. Jstring không được sử dụng như 1 string bình thường trong C mà phải qua các phương thức trong </a:t>
-            </a:r>
-            <a:r>
-              <a:rPr lang="en-US" sz="1200" kern="1200" smtClean="0">
-                <a:solidFill>
-                  <a:schemeClr val="tx1"/>
-                </a:solidFill>
-                <a:effectLst/>
-                <a:latin typeface="+mn-lt"/>
-                <a:ea typeface="+mn-ea"/>
-                <a:cs typeface="+mn-cs"/>
-              </a:rPr>
-              <a:t>JNI</a:t>
+              <a:t>JNI tạo ra phương thức để thao tác chuyển đổi chuỗi jstring. Jstring không được sử dụng như 1 string bình thường trong C mà phải qua các phương thức trong JNI</a:t>
             </a:r>
             <a:endParaRPr lang="en-US"/>
           </a:p>
@@ -6666,19 +6629,7 @@
                 <a:ea typeface="+mn-ea"/>
                 <a:cs typeface="+mn-cs"/>
               </a:rPr>
-              <a:t>mảng nguyên thủy và các mảng đối tượng khác nhau. Mảng nguyên thủy có chứa các yếu tố là các loại nguyên thủy như int và boolean. Mảng đối tượng chứa các yếu tố là các loại object chẳng hạn như trường hợp class và các mảng 2 chiều</a:t>
-            </a:r>
-            <a:r>
-              <a:rPr lang="en-US" sz="1200" kern="1200" smtClean="0">
-                <a:solidFill>
-                  <a:schemeClr val="tx1"/>
-                </a:solidFill>
-                <a:effectLst/>
-                <a:latin typeface="+mn-lt"/>
-                <a:ea typeface="+mn-ea"/>
-                <a:cs typeface="+mn-cs"/>
-              </a:rPr>
-              <a:t>.</a:t>
+              <a:t>mảng nguyên thủy và các mảng đối tượng khác nhau. Mảng nguyên thủy có chứa các yếu tố là các loại nguyên thủy như int và boolean. Mảng đối tượng chứa các yếu tố là các loại object chẳng hạn như trường hợp class và các mảng 2 chiều.</a:t>
             </a:r>
           </a:p>
         </p:txBody>
@@ -11091,6 +11042,18 @@
   <p:clrMapOvr>
     <a:masterClrMapping/>
   </p:clrMapOvr>
+  <mc:AlternateContent xmlns:mc="http://schemas.openxmlformats.org/markup-compatibility/2006">
+    <mc:Choice xmlns:p14="http://schemas.microsoft.com/office/powerpoint/2010/main" Requires="p14">
+      <p:transition spd="slow" p14:dur="1600">
+        <p14:gallery dir="l"/>
+      </p:transition>
+    </mc:Choice>
+    <mc:Fallback>
+      <p:transition spd="slow">
+        <p:fade/>
+      </p:transition>
+    </mc:Fallback>
+  </mc:AlternateContent>
   <p:timing>
     <p:tnLst>
       <p:par>
@@ -11503,12 +11466,499 @@
   <p:clrMapOvr>
     <a:masterClrMapping/>
   </p:clrMapOvr>
+  <mc:AlternateContent xmlns:mc="http://schemas.openxmlformats.org/markup-compatibility/2006">
+    <mc:Choice xmlns:p14="http://schemas.microsoft.com/office/powerpoint/2010/main" Requires="p14">
+      <p:transition spd="slow" p14:dur="1600">
+        <p14:gallery dir="l"/>
+      </p:transition>
+    </mc:Choice>
+    <mc:Fallback>
+      <p:transition spd="slow">
+        <p:fade/>
+      </p:transition>
+    </mc:Fallback>
+  </mc:AlternateContent>
   <p:timing>
     <p:tnLst>
       <p:par>
-        <p:cTn id="1" dur="indefinite" restart="never" nodeType="tmRoot"/>
+        <p:cTn id="1" dur="indefinite" restart="never" nodeType="tmRoot">
+          <p:childTnLst>
+            <p:seq concurrent="1" nextAc="seek">
+              <p:cTn id="2" dur="indefinite" nodeType="mainSeq">
+                <p:childTnLst>
+                  <p:par>
+                    <p:cTn id="3" fill="hold">
+                      <p:stCondLst>
+                        <p:cond delay="indefinite"/>
+                      </p:stCondLst>
+                      <p:childTnLst>
+                        <p:par>
+                          <p:cTn id="4" fill="hold">
+                            <p:stCondLst>
+                              <p:cond delay="0"/>
+                            </p:stCondLst>
+                            <p:childTnLst>
+                              <p:par>
+                                <p:cTn id="5" presetID="2" presetClass="entr" presetSubtype="4" fill="hold" grpId="0" nodeType="clickEffect">
+                                  <p:stCondLst>
+                                    <p:cond delay="0"/>
+                                  </p:stCondLst>
+                                  <p:childTnLst>
+                                    <p:set>
+                                      <p:cBhvr>
+                                        <p:cTn id="6" dur="1" fill="hold">
+                                          <p:stCondLst>
+                                            <p:cond delay="0"/>
+                                          </p:stCondLst>
+                                        </p:cTn>
+                                        <p:tgtEl>
+                                          <p:spTgt spid="2"/>
+                                        </p:tgtEl>
+                                        <p:attrNameLst>
+                                          <p:attrName>style.visibility</p:attrName>
+                                        </p:attrNameLst>
+                                      </p:cBhvr>
+                                      <p:to>
+                                        <p:strVal val="visible"/>
+                                      </p:to>
+                                    </p:set>
+                                    <p:anim calcmode="lin" valueType="num">
+                                      <p:cBhvr additive="base">
+                                        <p:cTn id="7" dur="500" fill="hold"/>
+                                        <p:tgtEl>
+                                          <p:spTgt spid="2"/>
+                                        </p:tgtEl>
+                                        <p:attrNameLst>
+                                          <p:attrName>ppt_x</p:attrName>
+                                        </p:attrNameLst>
+                                      </p:cBhvr>
+                                      <p:tavLst>
+                                        <p:tav tm="0">
+                                          <p:val>
+                                            <p:strVal val="#ppt_x"/>
+                                          </p:val>
+                                        </p:tav>
+                                        <p:tav tm="100000">
+                                          <p:val>
+                                            <p:strVal val="#ppt_x"/>
+                                          </p:val>
+                                        </p:tav>
+                                      </p:tavLst>
+                                    </p:anim>
+                                    <p:anim calcmode="lin" valueType="num">
+                                      <p:cBhvr additive="base">
+                                        <p:cTn id="8" dur="500" fill="hold"/>
+                                        <p:tgtEl>
+                                          <p:spTgt spid="2"/>
+                                        </p:tgtEl>
+                                        <p:attrNameLst>
+                                          <p:attrName>ppt_y</p:attrName>
+                                        </p:attrNameLst>
+                                      </p:cBhvr>
+                                      <p:tavLst>
+                                        <p:tav tm="0">
+                                          <p:val>
+                                            <p:strVal val="1+#ppt_h/2"/>
+                                          </p:val>
+                                        </p:tav>
+                                        <p:tav tm="100000">
+                                          <p:val>
+                                            <p:strVal val="#ppt_y"/>
+                                          </p:val>
+                                        </p:tav>
+                                      </p:tavLst>
+                                    </p:anim>
+                                  </p:childTnLst>
+                                </p:cTn>
+                              </p:par>
+                            </p:childTnLst>
+                          </p:cTn>
+                        </p:par>
+                      </p:childTnLst>
+                    </p:cTn>
+                  </p:par>
+                  <p:par>
+                    <p:cTn id="9" fill="hold">
+                      <p:stCondLst>
+                        <p:cond delay="indefinite"/>
+                      </p:stCondLst>
+                      <p:childTnLst>
+                        <p:par>
+                          <p:cTn id="10" fill="hold">
+                            <p:stCondLst>
+                              <p:cond delay="0"/>
+                            </p:stCondLst>
+                            <p:childTnLst>
+                              <p:par>
+                                <p:cTn id="11" presetID="2" presetClass="entr" presetSubtype="4" fill="hold" nodeType="clickEffect">
+                                  <p:stCondLst>
+                                    <p:cond delay="0"/>
+                                  </p:stCondLst>
+                                  <p:childTnLst>
+                                    <p:set>
+                                      <p:cBhvr>
+                                        <p:cTn id="12" dur="1" fill="hold">
+                                          <p:stCondLst>
+                                            <p:cond delay="0"/>
+                                          </p:stCondLst>
+                                        </p:cTn>
+                                        <p:tgtEl>
+                                          <p:spTgt spid="2">
+                                            <p:txEl>
+                                              <p:pRg st="2" end="2"/>
+                                            </p:txEl>
+                                          </p:spTgt>
+                                        </p:tgtEl>
+                                        <p:attrNameLst>
+                                          <p:attrName>style.visibility</p:attrName>
+                                        </p:attrNameLst>
+                                      </p:cBhvr>
+                                      <p:to>
+                                        <p:strVal val="visible"/>
+                                      </p:to>
+                                    </p:set>
+                                    <p:anim calcmode="lin" valueType="num">
+                                      <p:cBhvr additive="base">
+                                        <p:cTn id="13" dur="500" fill="hold"/>
+                                        <p:tgtEl>
+                                          <p:spTgt spid="2">
+                                            <p:txEl>
+                                              <p:pRg st="2" end="2"/>
+                                            </p:txEl>
+                                          </p:spTgt>
+                                        </p:tgtEl>
+                                        <p:attrNameLst>
+                                          <p:attrName>ppt_x</p:attrName>
+                                        </p:attrNameLst>
+                                      </p:cBhvr>
+                                      <p:tavLst>
+                                        <p:tav tm="0">
+                                          <p:val>
+                                            <p:strVal val="#ppt_x"/>
+                                          </p:val>
+                                        </p:tav>
+                                        <p:tav tm="100000">
+                                          <p:val>
+                                            <p:strVal val="#ppt_x"/>
+                                          </p:val>
+                                        </p:tav>
+                                      </p:tavLst>
+                                    </p:anim>
+                                    <p:anim calcmode="lin" valueType="num">
+                                      <p:cBhvr additive="base">
+                                        <p:cTn id="14" dur="500" fill="hold"/>
+                                        <p:tgtEl>
+                                          <p:spTgt spid="2">
+                                            <p:txEl>
+                                              <p:pRg st="2" end="2"/>
+                                            </p:txEl>
+                                          </p:spTgt>
+                                        </p:tgtEl>
+                                        <p:attrNameLst>
+                                          <p:attrName>ppt_y</p:attrName>
+                                        </p:attrNameLst>
+                                      </p:cBhvr>
+                                      <p:tavLst>
+                                        <p:tav tm="0">
+                                          <p:val>
+                                            <p:strVal val="1+#ppt_h/2"/>
+                                          </p:val>
+                                        </p:tav>
+                                        <p:tav tm="100000">
+                                          <p:val>
+                                            <p:strVal val="#ppt_y"/>
+                                          </p:val>
+                                        </p:tav>
+                                      </p:tavLst>
+                                    </p:anim>
+                                  </p:childTnLst>
+                                </p:cTn>
+                              </p:par>
+                              <p:par>
+                                <p:cTn id="15" presetID="2" presetClass="entr" presetSubtype="4" fill="hold" nodeType="withEffect">
+                                  <p:stCondLst>
+                                    <p:cond delay="0"/>
+                                  </p:stCondLst>
+                                  <p:childTnLst>
+                                    <p:set>
+                                      <p:cBhvr>
+                                        <p:cTn id="16" dur="1" fill="hold">
+                                          <p:stCondLst>
+                                            <p:cond delay="0"/>
+                                          </p:stCondLst>
+                                        </p:cTn>
+                                        <p:tgtEl>
+                                          <p:spTgt spid="2">
+                                            <p:txEl>
+                                              <p:pRg st="3" end="3"/>
+                                            </p:txEl>
+                                          </p:spTgt>
+                                        </p:tgtEl>
+                                        <p:attrNameLst>
+                                          <p:attrName>style.visibility</p:attrName>
+                                        </p:attrNameLst>
+                                      </p:cBhvr>
+                                      <p:to>
+                                        <p:strVal val="visible"/>
+                                      </p:to>
+                                    </p:set>
+                                    <p:anim calcmode="lin" valueType="num">
+                                      <p:cBhvr additive="base">
+                                        <p:cTn id="17" dur="500" fill="hold"/>
+                                        <p:tgtEl>
+                                          <p:spTgt spid="2">
+                                            <p:txEl>
+                                              <p:pRg st="3" end="3"/>
+                                            </p:txEl>
+                                          </p:spTgt>
+                                        </p:tgtEl>
+                                        <p:attrNameLst>
+                                          <p:attrName>ppt_x</p:attrName>
+                                        </p:attrNameLst>
+                                      </p:cBhvr>
+                                      <p:tavLst>
+                                        <p:tav tm="0">
+                                          <p:val>
+                                            <p:strVal val="#ppt_x"/>
+                                          </p:val>
+                                        </p:tav>
+                                        <p:tav tm="100000">
+                                          <p:val>
+                                            <p:strVal val="#ppt_x"/>
+                                          </p:val>
+                                        </p:tav>
+                                      </p:tavLst>
+                                    </p:anim>
+                                    <p:anim calcmode="lin" valueType="num">
+                                      <p:cBhvr additive="base">
+                                        <p:cTn id="18" dur="500" fill="hold"/>
+                                        <p:tgtEl>
+                                          <p:spTgt spid="2">
+                                            <p:txEl>
+                                              <p:pRg st="3" end="3"/>
+                                            </p:txEl>
+                                          </p:spTgt>
+                                        </p:tgtEl>
+                                        <p:attrNameLst>
+                                          <p:attrName>ppt_y</p:attrName>
+                                        </p:attrNameLst>
+                                      </p:cBhvr>
+                                      <p:tavLst>
+                                        <p:tav tm="0">
+                                          <p:val>
+                                            <p:strVal val="1+#ppt_h/2"/>
+                                          </p:val>
+                                        </p:tav>
+                                        <p:tav tm="100000">
+                                          <p:val>
+                                            <p:strVal val="#ppt_y"/>
+                                          </p:val>
+                                        </p:tav>
+                                      </p:tavLst>
+                                    </p:anim>
+                                  </p:childTnLst>
+                                </p:cTn>
+                              </p:par>
+                              <p:par>
+                                <p:cTn id="19" presetID="2" presetClass="entr" presetSubtype="4" fill="hold" nodeType="withEffect">
+                                  <p:stCondLst>
+                                    <p:cond delay="0"/>
+                                  </p:stCondLst>
+                                  <p:childTnLst>
+                                    <p:set>
+                                      <p:cBhvr>
+                                        <p:cTn id="20" dur="1" fill="hold">
+                                          <p:stCondLst>
+                                            <p:cond delay="0"/>
+                                          </p:stCondLst>
+                                        </p:cTn>
+                                        <p:tgtEl>
+                                          <p:spTgt spid="2">
+                                            <p:txEl>
+                                              <p:pRg st="4" end="4"/>
+                                            </p:txEl>
+                                          </p:spTgt>
+                                        </p:tgtEl>
+                                        <p:attrNameLst>
+                                          <p:attrName>style.visibility</p:attrName>
+                                        </p:attrNameLst>
+                                      </p:cBhvr>
+                                      <p:to>
+                                        <p:strVal val="visible"/>
+                                      </p:to>
+                                    </p:set>
+                                    <p:anim calcmode="lin" valueType="num">
+                                      <p:cBhvr additive="base">
+                                        <p:cTn id="21" dur="500" fill="hold"/>
+                                        <p:tgtEl>
+                                          <p:spTgt spid="2">
+                                            <p:txEl>
+                                              <p:pRg st="4" end="4"/>
+                                            </p:txEl>
+                                          </p:spTgt>
+                                        </p:tgtEl>
+                                        <p:attrNameLst>
+                                          <p:attrName>ppt_x</p:attrName>
+                                        </p:attrNameLst>
+                                      </p:cBhvr>
+                                      <p:tavLst>
+                                        <p:tav tm="0">
+                                          <p:val>
+                                            <p:strVal val="#ppt_x"/>
+                                          </p:val>
+                                        </p:tav>
+                                        <p:tav tm="100000">
+                                          <p:val>
+                                            <p:strVal val="#ppt_x"/>
+                                          </p:val>
+                                        </p:tav>
+                                      </p:tavLst>
+                                    </p:anim>
+                                    <p:anim calcmode="lin" valueType="num">
+                                      <p:cBhvr additive="base">
+                                        <p:cTn id="22" dur="500" fill="hold"/>
+                                        <p:tgtEl>
+                                          <p:spTgt spid="2">
+                                            <p:txEl>
+                                              <p:pRg st="4" end="4"/>
+                                            </p:txEl>
+                                          </p:spTgt>
+                                        </p:tgtEl>
+                                        <p:attrNameLst>
+                                          <p:attrName>ppt_y</p:attrName>
+                                        </p:attrNameLst>
+                                      </p:cBhvr>
+                                      <p:tavLst>
+                                        <p:tav tm="0">
+                                          <p:val>
+                                            <p:strVal val="1+#ppt_h/2"/>
+                                          </p:val>
+                                        </p:tav>
+                                        <p:tav tm="100000">
+                                          <p:val>
+                                            <p:strVal val="#ppt_y"/>
+                                          </p:val>
+                                        </p:tav>
+                                      </p:tavLst>
+                                    </p:anim>
+                                  </p:childTnLst>
+                                </p:cTn>
+                              </p:par>
+                              <p:par>
+                                <p:cTn id="23" presetID="2" presetClass="entr" presetSubtype="4" fill="hold" nodeType="withEffect">
+                                  <p:stCondLst>
+                                    <p:cond delay="0"/>
+                                  </p:stCondLst>
+                                  <p:childTnLst>
+                                    <p:set>
+                                      <p:cBhvr>
+                                        <p:cTn id="24" dur="1" fill="hold">
+                                          <p:stCondLst>
+                                            <p:cond delay="0"/>
+                                          </p:stCondLst>
+                                        </p:cTn>
+                                        <p:tgtEl>
+                                          <p:spTgt spid="2">
+                                            <p:txEl>
+                                              <p:pRg st="5" end="5"/>
+                                            </p:txEl>
+                                          </p:spTgt>
+                                        </p:tgtEl>
+                                        <p:attrNameLst>
+                                          <p:attrName>style.visibility</p:attrName>
+                                        </p:attrNameLst>
+                                      </p:cBhvr>
+                                      <p:to>
+                                        <p:strVal val="visible"/>
+                                      </p:to>
+                                    </p:set>
+                                    <p:anim calcmode="lin" valueType="num">
+                                      <p:cBhvr additive="base">
+                                        <p:cTn id="25" dur="500" fill="hold"/>
+                                        <p:tgtEl>
+                                          <p:spTgt spid="2">
+                                            <p:txEl>
+                                              <p:pRg st="5" end="5"/>
+                                            </p:txEl>
+                                          </p:spTgt>
+                                        </p:tgtEl>
+                                        <p:attrNameLst>
+                                          <p:attrName>ppt_x</p:attrName>
+                                        </p:attrNameLst>
+                                      </p:cBhvr>
+                                      <p:tavLst>
+                                        <p:tav tm="0">
+                                          <p:val>
+                                            <p:strVal val="#ppt_x"/>
+                                          </p:val>
+                                        </p:tav>
+                                        <p:tav tm="100000">
+                                          <p:val>
+                                            <p:strVal val="#ppt_x"/>
+                                          </p:val>
+                                        </p:tav>
+                                      </p:tavLst>
+                                    </p:anim>
+                                    <p:anim calcmode="lin" valueType="num">
+                                      <p:cBhvr additive="base">
+                                        <p:cTn id="26" dur="500" fill="hold"/>
+                                        <p:tgtEl>
+                                          <p:spTgt spid="2">
+                                            <p:txEl>
+                                              <p:pRg st="5" end="5"/>
+                                            </p:txEl>
+                                          </p:spTgt>
+                                        </p:tgtEl>
+                                        <p:attrNameLst>
+                                          <p:attrName>ppt_y</p:attrName>
+                                        </p:attrNameLst>
+                                      </p:cBhvr>
+                                      <p:tavLst>
+                                        <p:tav tm="0">
+                                          <p:val>
+                                            <p:strVal val="1+#ppt_h/2"/>
+                                          </p:val>
+                                        </p:tav>
+                                        <p:tav tm="100000">
+                                          <p:val>
+                                            <p:strVal val="#ppt_y"/>
+                                          </p:val>
+                                        </p:tav>
+                                      </p:tavLst>
+                                    </p:anim>
+                                  </p:childTnLst>
+                                </p:cTn>
+                              </p:par>
+                            </p:childTnLst>
+                          </p:cTn>
+                        </p:par>
+                      </p:childTnLst>
+                    </p:cTn>
+                  </p:par>
+                </p:childTnLst>
+              </p:cTn>
+              <p:prevCondLst>
+                <p:cond evt="onPrev" delay="0">
+                  <p:tgtEl>
+                    <p:sldTgt/>
+                  </p:tgtEl>
+                </p:cond>
+              </p:prevCondLst>
+              <p:nextCondLst>
+                <p:cond evt="onNext" delay="0">
+                  <p:tgtEl>
+                    <p:sldTgt/>
+                  </p:tgtEl>
+                </p:cond>
+              </p:nextCondLst>
+            </p:seq>
+          </p:childTnLst>
+        </p:cTn>
       </p:par>
     </p:tnLst>
+    <p:bldLst>
+      <p:bldP spid="2" grpId="0"/>
+    </p:bldLst>
   </p:timing>
 </p:sld>
 </file>
@@ -12670,6 +13120,18 @@
   <p:clrMapOvr>
     <a:masterClrMapping/>
   </p:clrMapOvr>
+  <mc:AlternateContent xmlns:mc="http://schemas.openxmlformats.org/markup-compatibility/2006">
+    <mc:Choice xmlns:p14="http://schemas.microsoft.com/office/powerpoint/2010/main" Requires="p14">
+      <p:transition spd="slow" p14:dur="1600">
+        <p14:gallery dir="l"/>
+      </p:transition>
+    </mc:Choice>
+    <mc:Fallback>
+      <p:transition spd="slow">
+        <p:fade/>
+      </p:transition>
+    </mc:Fallback>
+  </mc:AlternateContent>
   <p:timing>
     <p:tnLst>
       <p:par>
@@ -13534,12 +13996,414 @@
   <p:clrMapOvr>
     <a:masterClrMapping/>
   </p:clrMapOvr>
+  <mc:AlternateContent xmlns:mc="http://schemas.openxmlformats.org/markup-compatibility/2006">
+    <mc:Choice xmlns:p14="http://schemas.microsoft.com/office/powerpoint/2010/main" Requires="p14">
+      <p:transition spd="slow" p14:dur="1600">
+        <p14:gallery dir="l"/>
+      </p:transition>
+    </mc:Choice>
+    <mc:Fallback>
+      <p:transition spd="slow">
+        <p:fade/>
+      </p:transition>
+    </mc:Fallback>
+  </mc:AlternateContent>
   <p:timing>
     <p:tnLst>
       <p:par>
-        <p:cTn id="1" dur="indefinite" restart="never" nodeType="tmRoot"/>
+        <p:cTn id="1" dur="indefinite" restart="never" nodeType="tmRoot">
+          <p:childTnLst>
+            <p:seq concurrent="1" nextAc="seek">
+              <p:cTn id="2" dur="indefinite" nodeType="mainSeq">
+                <p:childTnLst>
+                  <p:par>
+                    <p:cTn id="3" fill="hold">
+                      <p:stCondLst>
+                        <p:cond delay="indefinite"/>
+                      </p:stCondLst>
+                      <p:childTnLst>
+                        <p:par>
+                          <p:cTn id="4" fill="hold">
+                            <p:stCondLst>
+                              <p:cond delay="0"/>
+                            </p:stCondLst>
+                            <p:childTnLst>
+                              <p:par>
+                                <p:cTn id="5" presetID="2" presetClass="entr" presetSubtype="4" fill="hold" grpId="0" nodeType="clickEffect">
+                                  <p:stCondLst>
+                                    <p:cond delay="0"/>
+                                  </p:stCondLst>
+                                  <p:childTnLst>
+                                    <p:set>
+                                      <p:cBhvr>
+                                        <p:cTn id="6" dur="1" fill="hold">
+                                          <p:stCondLst>
+                                            <p:cond delay="0"/>
+                                          </p:stCondLst>
+                                        </p:cTn>
+                                        <p:tgtEl>
+                                          <p:spTgt spid="2">
+                                            <p:txEl>
+                                              <p:pRg st="0" end="0"/>
+                                            </p:txEl>
+                                          </p:spTgt>
+                                        </p:tgtEl>
+                                        <p:attrNameLst>
+                                          <p:attrName>style.visibility</p:attrName>
+                                        </p:attrNameLst>
+                                      </p:cBhvr>
+                                      <p:to>
+                                        <p:strVal val="visible"/>
+                                      </p:to>
+                                    </p:set>
+                                    <p:anim calcmode="lin" valueType="num">
+                                      <p:cBhvr additive="base">
+                                        <p:cTn id="7" dur="500" fill="hold"/>
+                                        <p:tgtEl>
+                                          <p:spTgt spid="2">
+                                            <p:txEl>
+                                              <p:pRg st="0" end="0"/>
+                                            </p:txEl>
+                                          </p:spTgt>
+                                        </p:tgtEl>
+                                        <p:attrNameLst>
+                                          <p:attrName>ppt_x</p:attrName>
+                                        </p:attrNameLst>
+                                      </p:cBhvr>
+                                      <p:tavLst>
+                                        <p:tav tm="0">
+                                          <p:val>
+                                            <p:strVal val="#ppt_x"/>
+                                          </p:val>
+                                        </p:tav>
+                                        <p:tav tm="100000">
+                                          <p:val>
+                                            <p:strVal val="#ppt_x"/>
+                                          </p:val>
+                                        </p:tav>
+                                      </p:tavLst>
+                                    </p:anim>
+                                    <p:anim calcmode="lin" valueType="num">
+                                      <p:cBhvr additive="base">
+                                        <p:cTn id="8" dur="500" fill="hold"/>
+                                        <p:tgtEl>
+                                          <p:spTgt spid="2">
+                                            <p:txEl>
+                                              <p:pRg st="0" end="0"/>
+                                            </p:txEl>
+                                          </p:spTgt>
+                                        </p:tgtEl>
+                                        <p:attrNameLst>
+                                          <p:attrName>ppt_y</p:attrName>
+                                        </p:attrNameLst>
+                                      </p:cBhvr>
+                                      <p:tavLst>
+                                        <p:tav tm="0">
+                                          <p:val>
+                                            <p:strVal val="1+#ppt_h/2"/>
+                                          </p:val>
+                                        </p:tav>
+                                        <p:tav tm="100000">
+                                          <p:val>
+                                            <p:strVal val="#ppt_y"/>
+                                          </p:val>
+                                        </p:tav>
+                                      </p:tavLst>
+                                    </p:anim>
+                                  </p:childTnLst>
+                                </p:cTn>
+                              </p:par>
+                              <p:par>
+                                <p:cTn id="9" presetID="2" presetClass="entr" presetSubtype="4" fill="hold" grpId="0" nodeType="withEffect">
+                                  <p:stCondLst>
+                                    <p:cond delay="0"/>
+                                  </p:stCondLst>
+                                  <p:childTnLst>
+                                    <p:set>
+                                      <p:cBhvr>
+                                        <p:cTn id="10" dur="1" fill="hold">
+                                          <p:stCondLst>
+                                            <p:cond delay="0"/>
+                                          </p:stCondLst>
+                                        </p:cTn>
+                                        <p:tgtEl>
+                                          <p:spTgt spid="2">
+                                            <p:txEl>
+                                              <p:pRg st="1" end="1"/>
+                                            </p:txEl>
+                                          </p:spTgt>
+                                        </p:tgtEl>
+                                        <p:attrNameLst>
+                                          <p:attrName>style.visibility</p:attrName>
+                                        </p:attrNameLst>
+                                      </p:cBhvr>
+                                      <p:to>
+                                        <p:strVal val="visible"/>
+                                      </p:to>
+                                    </p:set>
+                                    <p:anim calcmode="lin" valueType="num">
+                                      <p:cBhvr additive="base">
+                                        <p:cTn id="11" dur="500" fill="hold"/>
+                                        <p:tgtEl>
+                                          <p:spTgt spid="2">
+                                            <p:txEl>
+                                              <p:pRg st="1" end="1"/>
+                                            </p:txEl>
+                                          </p:spTgt>
+                                        </p:tgtEl>
+                                        <p:attrNameLst>
+                                          <p:attrName>ppt_x</p:attrName>
+                                        </p:attrNameLst>
+                                      </p:cBhvr>
+                                      <p:tavLst>
+                                        <p:tav tm="0">
+                                          <p:val>
+                                            <p:strVal val="#ppt_x"/>
+                                          </p:val>
+                                        </p:tav>
+                                        <p:tav tm="100000">
+                                          <p:val>
+                                            <p:strVal val="#ppt_x"/>
+                                          </p:val>
+                                        </p:tav>
+                                      </p:tavLst>
+                                    </p:anim>
+                                    <p:anim calcmode="lin" valueType="num">
+                                      <p:cBhvr additive="base">
+                                        <p:cTn id="12" dur="500" fill="hold"/>
+                                        <p:tgtEl>
+                                          <p:spTgt spid="2">
+                                            <p:txEl>
+                                              <p:pRg st="1" end="1"/>
+                                            </p:txEl>
+                                          </p:spTgt>
+                                        </p:tgtEl>
+                                        <p:attrNameLst>
+                                          <p:attrName>ppt_y</p:attrName>
+                                        </p:attrNameLst>
+                                      </p:cBhvr>
+                                      <p:tavLst>
+                                        <p:tav tm="0">
+                                          <p:val>
+                                            <p:strVal val="1+#ppt_h/2"/>
+                                          </p:val>
+                                        </p:tav>
+                                        <p:tav tm="100000">
+                                          <p:val>
+                                            <p:strVal val="#ppt_y"/>
+                                          </p:val>
+                                        </p:tav>
+                                      </p:tavLst>
+                                    </p:anim>
+                                  </p:childTnLst>
+                                </p:cTn>
+                              </p:par>
+                              <p:par>
+                                <p:cTn id="13" presetID="2" presetClass="entr" presetSubtype="4" fill="hold" grpId="0" nodeType="withEffect">
+                                  <p:stCondLst>
+                                    <p:cond delay="0"/>
+                                  </p:stCondLst>
+                                  <p:childTnLst>
+                                    <p:set>
+                                      <p:cBhvr>
+                                        <p:cTn id="14" dur="1" fill="hold">
+                                          <p:stCondLst>
+                                            <p:cond delay="0"/>
+                                          </p:stCondLst>
+                                        </p:cTn>
+                                        <p:tgtEl>
+                                          <p:spTgt spid="2">
+                                            <p:txEl>
+                                              <p:pRg st="2" end="2"/>
+                                            </p:txEl>
+                                          </p:spTgt>
+                                        </p:tgtEl>
+                                        <p:attrNameLst>
+                                          <p:attrName>style.visibility</p:attrName>
+                                        </p:attrNameLst>
+                                      </p:cBhvr>
+                                      <p:to>
+                                        <p:strVal val="visible"/>
+                                      </p:to>
+                                    </p:set>
+                                    <p:anim calcmode="lin" valueType="num">
+                                      <p:cBhvr additive="base">
+                                        <p:cTn id="15" dur="500" fill="hold"/>
+                                        <p:tgtEl>
+                                          <p:spTgt spid="2">
+                                            <p:txEl>
+                                              <p:pRg st="2" end="2"/>
+                                            </p:txEl>
+                                          </p:spTgt>
+                                        </p:tgtEl>
+                                        <p:attrNameLst>
+                                          <p:attrName>ppt_x</p:attrName>
+                                        </p:attrNameLst>
+                                      </p:cBhvr>
+                                      <p:tavLst>
+                                        <p:tav tm="0">
+                                          <p:val>
+                                            <p:strVal val="#ppt_x"/>
+                                          </p:val>
+                                        </p:tav>
+                                        <p:tav tm="100000">
+                                          <p:val>
+                                            <p:strVal val="#ppt_x"/>
+                                          </p:val>
+                                        </p:tav>
+                                      </p:tavLst>
+                                    </p:anim>
+                                    <p:anim calcmode="lin" valueType="num">
+                                      <p:cBhvr additive="base">
+                                        <p:cTn id="16" dur="500" fill="hold"/>
+                                        <p:tgtEl>
+                                          <p:spTgt spid="2">
+                                            <p:txEl>
+                                              <p:pRg st="2" end="2"/>
+                                            </p:txEl>
+                                          </p:spTgt>
+                                        </p:tgtEl>
+                                        <p:attrNameLst>
+                                          <p:attrName>ppt_y</p:attrName>
+                                        </p:attrNameLst>
+                                      </p:cBhvr>
+                                      <p:tavLst>
+                                        <p:tav tm="0">
+                                          <p:val>
+                                            <p:strVal val="1+#ppt_h/2"/>
+                                          </p:val>
+                                        </p:tav>
+                                        <p:tav tm="100000">
+                                          <p:val>
+                                            <p:strVal val="#ppt_y"/>
+                                          </p:val>
+                                        </p:tav>
+                                      </p:tavLst>
+                                    </p:anim>
+                                  </p:childTnLst>
+                                </p:cTn>
+                              </p:par>
+                            </p:childTnLst>
+                          </p:cTn>
+                        </p:par>
+                      </p:childTnLst>
+                    </p:cTn>
+                  </p:par>
+                  <p:par>
+                    <p:cTn id="17" fill="hold">
+                      <p:stCondLst>
+                        <p:cond delay="indefinite"/>
+                      </p:stCondLst>
+                      <p:childTnLst>
+                        <p:par>
+                          <p:cTn id="18" fill="hold">
+                            <p:stCondLst>
+                              <p:cond delay="0"/>
+                            </p:stCondLst>
+                            <p:childTnLst>
+                              <p:par>
+                                <p:cTn id="19" presetID="2" presetClass="entr" presetSubtype="4" fill="hold" nodeType="clickEffect">
+                                  <p:stCondLst>
+                                    <p:cond delay="0"/>
+                                  </p:stCondLst>
+                                  <p:childTnLst>
+                                    <p:set>
+                                      <p:cBhvr>
+                                        <p:cTn id="20" dur="1" fill="hold">
+                                          <p:stCondLst>
+                                            <p:cond delay="0"/>
+                                          </p:stCondLst>
+                                        </p:cTn>
+                                        <p:tgtEl>
+                                          <p:spTgt spid="7"/>
+                                        </p:tgtEl>
+                                        <p:attrNameLst>
+                                          <p:attrName>style.visibility</p:attrName>
+                                        </p:attrNameLst>
+                                      </p:cBhvr>
+                                      <p:to>
+                                        <p:strVal val="visible"/>
+                                      </p:to>
+                                    </p:set>
+                                    <p:anim calcmode="lin" valueType="num">
+                                      <p:cBhvr additive="base">
+                                        <p:cTn id="21" dur="500" fill="hold"/>
+                                        <p:tgtEl>
+                                          <p:spTgt spid="7"/>
+                                        </p:tgtEl>
+                                        <p:attrNameLst>
+                                          <p:attrName>ppt_x</p:attrName>
+                                        </p:attrNameLst>
+                                      </p:cBhvr>
+                                      <p:tavLst>
+                                        <p:tav tm="0">
+                                          <p:val>
+                                            <p:strVal val="#ppt_x"/>
+                                          </p:val>
+                                        </p:tav>
+                                        <p:tav tm="100000">
+                                          <p:val>
+                                            <p:strVal val="#ppt_x"/>
+                                          </p:val>
+                                        </p:tav>
+                                      </p:tavLst>
+                                    </p:anim>
+                                    <p:anim calcmode="lin" valueType="num">
+                                      <p:cBhvr additive="base">
+                                        <p:cTn id="22" dur="500" fill="hold"/>
+                                        <p:tgtEl>
+                                          <p:spTgt spid="7"/>
+                                        </p:tgtEl>
+                                        <p:attrNameLst>
+                                          <p:attrName>ppt_y</p:attrName>
+                                        </p:attrNameLst>
+                                      </p:cBhvr>
+                                      <p:tavLst>
+                                        <p:tav tm="0">
+                                          <p:val>
+                                            <p:strVal val="1+#ppt_h/2"/>
+                                          </p:val>
+                                        </p:tav>
+                                        <p:tav tm="100000">
+                                          <p:val>
+                                            <p:strVal val="#ppt_y"/>
+                                          </p:val>
+                                        </p:tav>
+                                      </p:tavLst>
+                                    </p:anim>
+                                  </p:childTnLst>
+                                </p:cTn>
+                              </p:par>
+                            </p:childTnLst>
+                          </p:cTn>
+                        </p:par>
+                      </p:childTnLst>
+                    </p:cTn>
+                  </p:par>
+                </p:childTnLst>
+              </p:cTn>
+              <p:prevCondLst>
+                <p:cond evt="onPrev" delay="0">
+                  <p:tgtEl>
+                    <p:sldTgt/>
+                  </p:tgtEl>
+                </p:cond>
+              </p:prevCondLst>
+              <p:nextCondLst>
+                <p:cond evt="onNext" delay="0">
+                  <p:tgtEl>
+                    <p:sldTgt/>
+                  </p:tgtEl>
+                </p:cond>
+              </p:nextCondLst>
+            </p:seq>
+          </p:childTnLst>
+        </p:cTn>
       </p:par>
     </p:tnLst>
+    <p:bldLst>
+      <p:bldP spid="2" grpId="0" build="allAtOnce"/>
+    </p:bldLst>
   </p:timing>
 </p:sld>
 </file>
@@ -14339,12 +15203,414 @@
   <p:clrMapOvr>
     <a:masterClrMapping/>
   </p:clrMapOvr>
+  <mc:AlternateContent xmlns:mc="http://schemas.openxmlformats.org/markup-compatibility/2006">
+    <mc:Choice xmlns:p14="http://schemas.microsoft.com/office/powerpoint/2010/main" Requires="p14">
+      <p:transition spd="slow" p14:dur="1600">
+        <p14:gallery dir="l"/>
+      </p:transition>
+    </mc:Choice>
+    <mc:Fallback>
+      <p:transition spd="slow">
+        <p:fade/>
+      </p:transition>
+    </mc:Fallback>
+  </mc:AlternateContent>
   <p:timing>
     <p:tnLst>
       <p:par>
-        <p:cTn id="1" dur="indefinite" restart="never" nodeType="tmRoot"/>
+        <p:cTn id="1" dur="indefinite" restart="never" nodeType="tmRoot">
+          <p:childTnLst>
+            <p:seq concurrent="1" nextAc="seek">
+              <p:cTn id="2" dur="indefinite" nodeType="mainSeq">
+                <p:childTnLst>
+                  <p:par>
+                    <p:cTn id="3" fill="hold">
+                      <p:stCondLst>
+                        <p:cond delay="indefinite"/>
+                      </p:stCondLst>
+                      <p:childTnLst>
+                        <p:par>
+                          <p:cTn id="4" fill="hold">
+                            <p:stCondLst>
+                              <p:cond delay="0"/>
+                            </p:stCondLst>
+                            <p:childTnLst>
+                              <p:par>
+                                <p:cTn id="5" presetID="2" presetClass="entr" presetSubtype="4" fill="hold" grpId="0" nodeType="clickEffect">
+                                  <p:stCondLst>
+                                    <p:cond delay="0"/>
+                                  </p:stCondLst>
+                                  <p:childTnLst>
+                                    <p:set>
+                                      <p:cBhvr>
+                                        <p:cTn id="6" dur="1" fill="hold">
+                                          <p:stCondLst>
+                                            <p:cond delay="0"/>
+                                          </p:stCondLst>
+                                        </p:cTn>
+                                        <p:tgtEl>
+                                          <p:spTgt spid="2">
+                                            <p:txEl>
+                                              <p:pRg st="0" end="0"/>
+                                            </p:txEl>
+                                          </p:spTgt>
+                                        </p:tgtEl>
+                                        <p:attrNameLst>
+                                          <p:attrName>style.visibility</p:attrName>
+                                        </p:attrNameLst>
+                                      </p:cBhvr>
+                                      <p:to>
+                                        <p:strVal val="visible"/>
+                                      </p:to>
+                                    </p:set>
+                                    <p:anim calcmode="lin" valueType="num">
+                                      <p:cBhvr additive="base">
+                                        <p:cTn id="7" dur="500" fill="hold"/>
+                                        <p:tgtEl>
+                                          <p:spTgt spid="2">
+                                            <p:txEl>
+                                              <p:pRg st="0" end="0"/>
+                                            </p:txEl>
+                                          </p:spTgt>
+                                        </p:tgtEl>
+                                        <p:attrNameLst>
+                                          <p:attrName>ppt_x</p:attrName>
+                                        </p:attrNameLst>
+                                      </p:cBhvr>
+                                      <p:tavLst>
+                                        <p:tav tm="0">
+                                          <p:val>
+                                            <p:strVal val="#ppt_x"/>
+                                          </p:val>
+                                        </p:tav>
+                                        <p:tav tm="100000">
+                                          <p:val>
+                                            <p:strVal val="#ppt_x"/>
+                                          </p:val>
+                                        </p:tav>
+                                      </p:tavLst>
+                                    </p:anim>
+                                    <p:anim calcmode="lin" valueType="num">
+                                      <p:cBhvr additive="base">
+                                        <p:cTn id="8" dur="500" fill="hold"/>
+                                        <p:tgtEl>
+                                          <p:spTgt spid="2">
+                                            <p:txEl>
+                                              <p:pRg st="0" end="0"/>
+                                            </p:txEl>
+                                          </p:spTgt>
+                                        </p:tgtEl>
+                                        <p:attrNameLst>
+                                          <p:attrName>ppt_y</p:attrName>
+                                        </p:attrNameLst>
+                                      </p:cBhvr>
+                                      <p:tavLst>
+                                        <p:tav tm="0">
+                                          <p:val>
+                                            <p:strVal val="1+#ppt_h/2"/>
+                                          </p:val>
+                                        </p:tav>
+                                        <p:tav tm="100000">
+                                          <p:val>
+                                            <p:strVal val="#ppt_y"/>
+                                          </p:val>
+                                        </p:tav>
+                                      </p:tavLst>
+                                    </p:anim>
+                                  </p:childTnLst>
+                                </p:cTn>
+                              </p:par>
+                              <p:par>
+                                <p:cTn id="9" presetID="2" presetClass="entr" presetSubtype="4" fill="hold" grpId="0" nodeType="withEffect">
+                                  <p:stCondLst>
+                                    <p:cond delay="0"/>
+                                  </p:stCondLst>
+                                  <p:childTnLst>
+                                    <p:set>
+                                      <p:cBhvr>
+                                        <p:cTn id="10" dur="1" fill="hold">
+                                          <p:stCondLst>
+                                            <p:cond delay="0"/>
+                                          </p:stCondLst>
+                                        </p:cTn>
+                                        <p:tgtEl>
+                                          <p:spTgt spid="2">
+                                            <p:txEl>
+                                              <p:pRg st="1" end="1"/>
+                                            </p:txEl>
+                                          </p:spTgt>
+                                        </p:tgtEl>
+                                        <p:attrNameLst>
+                                          <p:attrName>style.visibility</p:attrName>
+                                        </p:attrNameLst>
+                                      </p:cBhvr>
+                                      <p:to>
+                                        <p:strVal val="visible"/>
+                                      </p:to>
+                                    </p:set>
+                                    <p:anim calcmode="lin" valueType="num">
+                                      <p:cBhvr additive="base">
+                                        <p:cTn id="11" dur="500" fill="hold"/>
+                                        <p:tgtEl>
+                                          <p:spTgt spid="2">
+                                            <p:txEl>
+                                              <p:pRg st="1" end="1"/>
+                                            </p:txEl>
+                                          </p:spTgt>
+                                        </p:tgtEl>
+                                        <p:attrNameLst>
+                                          <p:attrName>ppt_x</p:attrName>
+                                        </p:attrNameLst>
+                                      </p:cBhvr>
+                                      <p:tavLst>
+                                        <p:tav tm="0">
+                                          <p:val>
+                                            <p:strVal val="#ppt_x"/>
+                                          </p:val>
+                                        </p:tav>
+                                        <p:tav tm="100000">
+                                          <p:val>
+                                            <p:strVal val="#ppt_x"/>
+                                          </p:val>
+                                        </p:tav>
+                                      </p:tavLst>
+                                    </p:anim>
+                                    <p:anim calcmode="lin" valueType="num">
+                                      <p:cBhvr additive="base">
+                                        <p:cTn id="12" dur="500" fill="hold"/>
+                                        <p:tgtEl>
+                                          <p:spTgt spid="2">
+                                            <p:txEl>
+                                              <p:pRg st="1" end="1"/>
+                                            </p:txEl>
+                                          </p:spTgt>
+                                        </p:tgtEl>
+                                        <p:attrNameLst>
+                                          <p:attrName>ppt_y</p:attrName>
+                                        </p:attrNameLst>
+                                      </p:cBhvr>
+                                      <p:tavLst>
+                                        <p:tav tm="0">
+                                          <p:val>
+                                            <p:strVal val="1+#ppt_h/2"/>
+                                          </p:val>
+                                        </p:tav>
+                                        <p:tav tm="100000">
+                                          <p:val>
+                                            <p:strVal val="#ppt_y"/>
+                                          </p:val>
+                                        </p:tav>
+                                      </p:tavLst>
+                                    </p:anim>
+                                  </p:childTnLst>
+                                </p:cTn>
+                              </p:par>
+                              <p:par>
+                                <p:cTn id="13" presetID="2" presetClass="entr" presetSubtype="4" fill="hold" grpId="0" nodeType="withEffect">
+                                  <p:stCondLst>
+                                    <p:cond delay="0"/>
+                                  </p:stCondLst>
+                                  <p:childTnLst>
+                                    <p:set>
+                                      <p:cBhvr>
+                                        <p:cTn id="14" dur="1" fill="hold">
+                                          <p:stCondLst>
+                                            <p:cond delay="0"/>
+                                          </p:stCondLst>
+                                        </p:cTn>
+                                        <p:tgtEl>
+                                          <p:spTgt spid="2">
+                                            <p:txEl>
+                                              <p:pRg st="2" end="2"/>
+                                            </p:txEl>
+                                          </p:spTgt>
+                                        </p:tgtEl>
+                                        <p:attrNameLst>
+                                          <p:attrName>style.visibility</p:attrName>
+                                        </p:attrNameLst>
+                                      </p:cBhvr>
+                                      <p:to>
+                                        <p:strVal val="visible"/>
+                                      </p:to>
+                                    </p:set>
+                                    <p:anim calcmode="lin" valueType="num">
+                                      <p:cBhvr additive="base">
+                                        <p:cTn id="15" dur="500" fill="hold"/>
+                                        <p:tgtEl>
+                                          <p:spTgt spid="2">
+                                            <p:txEl>
+                                              <p:pRg st="2" end="2"/>
+                                            </p:txEl>
+                                          </p:spTgt>
+                                        </p:tgtEl>
+                                        <p:attrNameLst>
+                                          <p:attrName>ppt_x</p:attrName>
+                                        </p:attrNameLst>
+                                      </p:cBhvr>
+                                      <p:tavLst>
+                                        <p:tav tm="0">
+                                          <p:val>
+                                            <p:strVal val="#ppt_x"/>
+                                          </p:val>
+                                        </p:tav>
+                                        <p:tav tm="100000">
+                                          <p:val>
+                                            <p:strVal val="#ppt_x"/>
+                                          </p:val>
+                                        </p:tav>
+                                      </p:tavLst>
+                                    </p:anim>
+                                    <p:anim calcmode="lin" valueType="num">
+                                      <p:cBhvr additive="base">
+                                        <p:cTn id="16" dur="500" fill="hold"/>
+                                        <p:tgtEl>
+                                          <p:spTgt spid="2">
+                                            <p:txEl>
+                                              <p:pRg st="2" end="2"/>
+                                            </p:txEl>
+                                          </p:spTgt>
+                                        </p:tgtEl>
+                                        <p:attrNameLst>
+                                          <p:attrName>ppt_y</p:attrName>
+                                        </p:attrNameLst>
+                                      </p:cBhvr>
+                                      <p:tavLst>
+                                        <p:tav tm="0">
+                                          <p:val>
+                                            <p:strVal val="1+#ppt_h/2"/>
+                                          </p:val>
+                                        </p:tav>
+                                        <p:tav tm="100000">
+                                          <p:val>
+                                            <p:strVal val="#ppt_y"/>
+                                          </p:val>
+                                        </p:tav>
+                                      </p:tavLst>
+                                    </p:anim>
+                                  </p:childTnLst>
+                                </p:cTn>
+                              </p:par>
+                            </p:childTnLst>
+                          </p:cTn>
+                        </p:par>
+                      </p:childTnLst>
+                    </p:cTn>
+                  </p:par>
+                  <p:par>
+                    <p:cTn id="17" fill="hold">
+                      <p:stCondLst>
+                        <p:cond delay="indefinite"/>
+                      </p:stCondLst>
+                      <p:childTnLst>
+                        <p:par>
+                          <p:cTn id="18" fill="hold">
+                            <p:stCondLst>
+                              <p:cond delay="0"/>
+                            </p:stCondLst>
+                            <p:childTnLst>
+                              <p:par>
+                                <p:cTn id="19" presetID="2" presetClass="entr" presetSubtype="4" fill="hold" nodeType="clickEffect">
+                                  <p:stCondLst>
+                                    <p:cond delay="0"/>
+                                  </p:stCondLst>
+                                  <p:childTnLst>
+                                    <p:set>
+                                      <p:cBhvr>
+                                        <p:cTn id="20" dur="1" fill="hold">
+                                          <p:stCondLst>
+                                            <p:cond delay="0"/>
+                                          </p:stCondLst>
+                                        </p:cTn>
+                                        <p:tgtEl>
+                                          <p:spTgt spid="3"/>
+                                        </p:tgtEl>
+                                        <p:attrNameLst>
+                                          <p:attrName>style.visibility</p:attrName>
+                                        </p:attrNameLst>
+                                      </p:cBhvr>
+                                      <p:to>
+                                        <p:strVal val="visible"/>
+                                      </p:to>
+                                    </p:set>
+                                    <p:anim calcmode="lin" valueType="num">
+                                      <p:cBhvr additive="base">
+                                        <p:cTn id="21" dur="500" fill="hold"/>
+                                        <p:tgtEl>
+                                          <p:spTgt spid="3"/>
+                                        </p:tgtEl>
+                                        <p:attrNameLst>
+                                          <p:attrName>ppt_x</p:attrName>
+                                        </p:attrNameLst>
+                                      </p:cBhvr>
+                                      <p:tavLst>
+                                        <p:tav tm="0">
+                                          <p:val>
+                                            <p:strVal val="#ppt_x"/>
+                                          </p:val>
+                                        </p:tav>
+                                        <p:tav tm="100000">
+                                          <p:val>
+                                            <p:strVal val="#ppt_x"/>
+                                          </p:val>
+                                        </p:tav>
+                                      </p:tavLst>
+                                    </p:anim>
+                                    <p:anim calcmode="lin" valueType="num">
+                                      <p:cBhvr additive="base">
+                                        <p:cTn id="22" dur="500" fill="hold"/>
+                                        <p:tgtEl>
+                                          <p:spTgt spid="3"/>
+                                        </p:tgtEl>
+                                        <p:attrNameLst>
+                                          <p:attrName>ppt_y</p:attrName>
+                                        </p:attrNameLst>
+                                      </p:cBhvr>
+                                      <p:tavLst>
+                                        <p:tav tm="0">
+                                          <p:val>
+                                            <p:strVal val="1+#ppt_h/2"/>
+                                          </p:val>
+                                        </p:tav>
+                                        <p:tav tm="100000">
+                                          <p:val>
+                                            <p:strVal val="#ppt_y"/>
+                                          </p:val>
+                                        </p:tav>
+                                      </p:tavLst>
+                                    </p:anim>
+                                  </p:childTnLst>
+                                </p:cTn>
+                              </p:par>
+                            </p:childTnLst>
+                          </p:cTn>
+                        </p:par>
+                      </p:childTnLst>
+                    </p:cTn>
+                  </p:par>
+                </p:childTnLst>
+              </p:cTn>
+              <p:prevCondLst>
+                <p:cond evt="onPrev" delay="0">
+                  <p:tgtEl>
+                    <p:sldTgt/>
+                  </p:tgtEl>
+                </p:cond>
+              </p:prevCondLst>
+              <p:nextCondLst>
+                <p:cond evt="onNext" delay="0">
+                  <p:tgtEl>
+                    <p:sldTgt/>
+                  </p:tgtEl>
+                </p:cond>
+              </p:nextCondLst>
+            </p:seq>
+          </p:childTnLst>
+        </p:cTn>
       </p:par>
     </p:tnLst>
+    <p:bldLst>
+      <p:bldP spid="2" grpId="0" build="allAtOnce"/>
+    </p:bldLst>
   </p:timing>
 </p:sld>
 </file>
@@ -14723,12 +15989,408 @@
   <p:clrMapOvr>
     <a:masterClrMapping/>
   </p:clrMapOvr>
+  <mc:AlternateContent xmlns:mc="http://schemas.openxmlformats.org/markup-compatibility/2006">
+    <mc:Choice xmlns:p14="http://schemas.microsoft.com/office/powerpoint/2010/main" Requires="p14">
+      <p:transition spd="slow" p14:dur="1600">
+        <p14:gallery dir="l"/>
+      </p:transition>
+    </mc:Choice>
+    <mc:Fallback>
+      <p:transition spd="slow">
+        <p:fade/>
+      </p:transition>
+    </mc:Fallback>
+  </mc:AlternateContent>
   <p:timing>
     <p:tnLst>
       <p:par>
-        <p:cTn id="1" dur="indefinite" restart="never" nodeType="tmRoot"/>
+        <p:cTn id="1" dur="indefinite" restart="never" nodeType="tmRoot">
+          <p:childTnLst>
+            <p:seq concurrent="1" nextAc="seek">
+              <p:cTn id="2" dur="indefinite" nodeType="mainSeq">
+                <p:childTnLst>
+                  <p:par>
+                    <p:cTn id="3" fill="hold">
+                      <p:stCondLst>
+                        <p:cond delay="indefinite"/>
+                      </p:stCondLst>
+                      <p:childTnLst>
+                        <p:par>
+                          <p:cTn id="4" fill="hold">
+                            <p:stCondLst>
+                              <p:cond delay="0"/>
+                            </p:stCondLst>
+                            <p:childTnLst>
+                              <p:par>
+                                <p:cTn id="5" presetID="2" presetClass="entr" presetSubtype="4" fill="hold" grpId="0" nodeType="clickEffect">
+                                  <p:stCondLst>
+                                    <p:cond delay="0"/>
+                                  </p:stCondLst>
+                                  <p:childTnLst>
+                                    <p:set>
+                                      <p:cBhvr>
+                                        <p:cTn id="6" dur="1" fill="hold">
+                                          <p:stCondLst>
+                                            <p:cond delay="0"/>
+                                          </p:stCondLst>
+                                        </p:cTn>
+                                        <p:tgtEl>
+                                          <p:spTgt spid="2">
+                                            <p:txEl>
+                                              <p:pRg st="0" end="0"/>
+                                            </p:txEl>
+                                          </p:spTgt>
+                                        </p:tgtEl>
+                                        <p:attrNameLst>
+                                          <p:attrName>style.visibility</p:attrName>
+                                        </p:attrNameLst>
+                                      </p:cBhvr>
+                                      <p:to>
+                                        <p:strVal val="visible"/>
+                                      </p:to>
+                                    </p:set>
+                                    <p:anim calcmode="lin" valueType="num">
+                                      <p:cBhvr additive="base">
+                                        <p:cTn id="7" dur="500" fill="hold"/>
+                                        <p:tgtEl>
+                                          <p:spTgt spid="2">
+                                            <p:txEl>
+                                              <p:pRg st="0" end="0"/>
+                                            </p:txEl>
+                                          </p:spTgt>
+                                        </p:tgtEl>
+                                        <p:attrNameLst>
+                                          <p:attrName>ppt_x</p:attrName>
+                                        </p:attrNameLst>
+                                      </p:cBhvr>
+                                      <p:tavLst>
+                                        <p:tav tm="0">
+                                          <p:val>
+                                            <p:strVal val="#ppt_x"/>
+                                          </p:val>
+                                        </p:tav>
+                                        <p:tav tm="100000">
+                                          <p:val>
+                                            <p:strVal val="#ppt_x"/>
+                                          </p:val>
+                                        </p:tav>
+                                      </p:tavLst>
+                                    </p:anim>
+                                    <p:anim calcmode="lin" valueType="num">
+                                      <p:cBhvr additive="base">
+                                        <p:cTn id="8" dur="500" fill="hold"/>
+                                        <p:tgtEl>
+                                          <p:spTgt spid="2">
+                                            <p:txEl>
+                                              <p:pRg st="0" end="0"/>
+                                            </p:txEl>
+                                          </p:spTgt>
+                                        </p:tgtEl>
+                                        <p:attrNameLst>
+                                          <p:attrName>ppt_y</p:attrName>
+                                        </p:attrNameLst>
+                                      </p:cBhvr>
+                                      <p:tavLst>
+                                        <p:tav tm="0">
+                                          <p:val>
+                                            <p:strVal val="1+#ppt_h/2"/>
+                                          </p:val>
+                                        </p:tav>
+                                        <p:tav tm="100000">
+                                          <p:val>
+                                            <p:strVal val="#ppt_y"/>
+                                          </p:val>
+                                        </p:tav>
+                                      </p:tavLst>
+                                    </p:anim>
+                                  </p:childTnLst>
+                                </p:cTn>
+                              </p:par>
+                              <p:par>
+                                <p:cTn id="9" presetID="2" presetClass="entr" presetSubtype="4" fill="hold" grpId="0" nodeType="withEffect">
+                                  <p:stCondLst>
+                                    <p:cond delay="0"/>
+                                  </p:stCondLst>
+                                  <p:childTnLst>
+                                    <p:set>
+                                      <p:cBhvr>
+                                        <p:cTn id="10" dur="1" fill="hold">
+                                          <p:stCondLst>
+                                            <p:cond delay="0"/>
+                                          </p:stCondLst>
+                                        </p:cTn>
+                                        <p:tgtEl>
+                                          <p:spTgt spid="2">
+                                            <p:txEl>
+                                              <p:pRg st="1" end="1"/>
+                                            </p:txEl>
+                                          </p:spTgt>
+                                        </p:tgtEl>
+                                        <p:attrNameLst>
+                                          <p:attrName>style.visibility</p:attrName>
+                                        </p:attrNameLst>
+                                      </p:cBhvr>
+                                      <p:to>
+                                        <p:strVal val="visible"/>
+                                      </p:to>
+                                    </p:set>
+                                    <p:anim calcmode="lin" valueType="num">
+                                      <p:cBhvr additive="base">
+                                        <p:cTn id="11" dur="500" fill="hold"/>
+                                        <p:tgtEl>
+                                          <p:spTgt spid="2">
+                                            <p:txEl>
+                                              <p:pRg st="1" end="1"/>
+                                            </p:txEl>
+                                          </p:spTgt>
+                                        </p:tgtEl>
+                                        <p:attrNameLst>
+                                          <p:attrName>ppt_x</p:attrName>
+                                        </p:attrNameLst>
+                                      </p:cBhvr>
+                                      <p:tavLst>
+                                        <p:tav tm="0">
+                                          <p:val>
+                                            <p:strVal val="#ppt_x"/>
+                                          </p:val>
+                                        </p:tav>
+                                        <p:tav tm="100000">
+                                          <p:val>
+                                            <p:strVal val="#ppt_x"/>
+                                          </p:val>
+                                        </p:tav>
+                                      </p:tavLst>
+                                    </p:anim>
+                                    <p:anim calcmode="lin" valueType="num">
+                                      <p:cBhvr additive="base">
+                                        <p:cTn id="12" dur="500" fill="hold"/>
+                                        <p:tgtEl>
+                                          <p:spTgt spid="2">
+                                            <p:txEl>
+                                              <p:pRg st="1" end="1"/>
+                                            </p:txEl>
+                                          </p:spTgt>
+                                        </p:tgtEl>
+                                        <p:attrNameLst>
+                                          <p:attrName>ppt_y</p:attrName>
+                                        </p:attrNameLst>
+                                      </p:cBhvr>
+                                      <p:tavLst>
+                                        <p:tav tm="0">
+                                          <p:val>
+                                            <p:strVal val="1+#ppt_h/2"/>
+                                          </p:val>
+                                        </p:tav>
+                                        <p:tav tm="100000">
+                                          <p:val>
+                                            <p:strVal val="#ppt_y"/>
+                                          </p:val>
+                                        </p:tav>
+                                      </p:tavLst>
+                                    </p:anim>
+                                  </p:childTnLst>
+                                </p:cTn>
+                              </p:par>
+                              <p:par>
+                                <p:cTn id="13" presetID="2" presetClass="entr" presetSubtype="4" fill="hold" grpId="0" nodeType="withEffect">
+                                  <p:stCondLst>
+                                    <p:cond delay="0"/>
+                                  </p:stCondLst>
+                                  <p:childTnLst>
+                                    <p:set>
+                                      <p:cBhvr>
+                                        <p:cTn id="14" dur="1" fill="hold">
+                                          <p:stCondLst>
+                                            <p:cond delay="0"/>
+                                          </p:stCondLst>
+                                        </p:cTn>
+                                        <p:tgtEl>
+                                          <p:spTgt spid="2">
+                                            <p:txEl>
+                                              <p:pRg st="3" end="3"/>
+                                            </p:txEl>
+                                          </p:spTgt>
+                                        </p:tgtEl>
+                                        <p:attrNameLst>
+                                          <p:attrName>style.visibility</p:attrName>
+                                        </p:attrNameLst>
+                                      </p:cBhvr>
+                                      <p:to>
+                                        <p:strVal val="visible"/>
+                                      </p:to>
+                                    </p:set>
+                                    <p:anim calcmode="lin" valueType="num">
+                                      <p:cBhvr additive="base">
+                                        <p:cTn id="15" dur="500" fill="hold"/>
+                                        <p:tgtEl>
+                                          <p:spTgt spid="2">
+                                            <p:txEl>
+                                              <p:pRg st="3" end="3"/>
+                                            </p:txEl>
+                                          </p:spTgt>
+                                        </p:tgtEl>
+                                        <p:attrNameLst>
+                                          <p:attrName>ppt_x</p:attrName>
+                                        </p:attrNameLst>
+                                      </p:cBhvr>
+                                      <p:tavLst>
+                                        <p:tav tm="0">
+                                          <p:val>
+                                            <p:strVal val="#ppt_x"/>
+                                          </p:val>
+                                        </p:tav>
+                                        <p:tav tm="100000">
+                                          <p:val>
+                                            <p:strVal val="#ppt_x"/>
+                                          </p:val>
+                                        </p:tav>
+                                      </p:tavLst>
+                                    </p:anim>
+                                    <p:anim calcmode="lin" valueType="num">
+                                      <p:cBhvr additive="base">
+                                        <p:cTn id="16" dur="500" fill="hold"/>
+                                        <p:tgtEl>
+                                          <p:spTgt spid="2">
+                                            <p:txEl>
+                                              <p:pRg st="3" end="3"/>
+                                            </p:txEl>
+                                          </p:spTgt>
+                                        </p:tgtEl>
+                                        <p:attrNameLst>
+                                          <p:attrName>ppt_y</p:attrName>
+                                        </p:attrNameLst>
+                                      </p:cBhvr>
+                                      <p:tavLst>
+                                        <p:tav tm="0">
+                                          <p:val>
+                                            <p:strVal val="1+#ppt_h/2"/>
+                                          </p:val>
+                                        </p:tav>
+                                        <p:tav tm="100000">
+                                          <p:val>
+                                            <p:strVal val="#ppt_y"/>
+                                          </p:val>
+                                        </p:tav>
+                                      </p:tavLst>
+                                    </p:anim>
+                                  </p:childTnLst>
+                                </p:cTn>
+                              </p:par>
+                              <p:par>
+                                <p:cTn id="17" presetID="2" presetClass="entr" presetSubtype="4" fill="hold" grpId="0" nodeType="withEffect">
+                                  <p:stCondLst>
+                                    <p:cond delay="0"/>
+                                  </p:stCondLst>
+                                  <p:childTnLst>
+                                    <p:set>
+                                      <p:cBhvr>
+                                        <p:cTn id="18" dur="1" fill="hold">
+                                          <p:stCondLst>
+                                            <p:cond delay="0"/>
+                                          </p:stCondLst>
+                                        </p:cTn>
+                                        <p:tgtEl>
+                                          <p:spTgt spid="2">
+                                            <p:txEl>
+                                              <p:pRg st="4" end="4"/>
+                                            </p:txEl>
+                                          </p:spTgt>
+                                        </p:tgtEl>
+                                        <p:attrNameLst>
+                                          <p:attrName>style.visibility</p:attrName>
+                                        </p:attrNameLst>
+                                      </p:cBhvr>
+                                      <p:to>
+                                        <p:strVal val="visible"/>
+                                      </p:to>
+                                    </p:set>
+                                    <p:anim calcmode="lin" valueType="num">
+                                      <p:cBhvr additive="base">
+                                        <p:cTn id="19" dur="500" fill="hold"/>
+                                        <p:tgtEl>
+                                          <p:spTgt spid="2">
+                                            <p:txEl>
+                                              <p:pRg st="4" end="4"/>
+                                            </p:txEl>
+                                          </p:spTgt>
+                                        </p:tgtEl>
+                                        <p:attrNameLst>
+                                          <p:attrName>ppt_x</p:attrName>
+                                        </p:attrNameLst>
+                                      </p:cBhvr>
+                                      <p:tavLst>
+                                        <p:tav tm="0">
+                                          <p:val>
+                                            <p:strVal val="#ppt_x"/>
+                                          </p:val>
+                                        </p:tav>
+                                        <p:tav tm="100000">
+                                          <p:val>
+                                            <p:strVal val="#ppt_x"/>
+                                          </p:val>
+                                        </p:tav>
+                                      </p:tavLst>
+                                    </p:anim>
+                                    <p:anim calcmode="lin" valueType="num">
+                                      <p:cBhvr additive="base">
+                                        <p:cTn id="20" dur="500" fill="hold"/>
+                                        <p:tgtEl>
+                                          <p:spTgt spid="2">
+                                            <p:txEl>
+                                              <p:pRg st="4" end="4"/>
+                                            </p:txEl>
+                                          </p:spTgt>
+                                        </p:tgtEl>
+                                        <p:attrNameLst>
+                                          <p:attrName>ppt_y</p:attrName>
+                                        </p:attrNameLst>
+                                      </p:cBhvr>
+                                      <p:tavLst>
+                                        <p:tav tm="0">
+                                          <p:val>
+                                            <p:strVal val="1+#ppt_h/2"/>
+                                          </p:val>
+                                        </p:tav>
+                                        <p:tav tm="100000">
+                                          <p:val>
+                                            <p:strVal val="#ppt_y"/>
+                                          </p:val>
+                                        </p:tav>
+                                      </p:tavLst>
+                                    </p:anim>
+                                  </p:childTnLst>
+                                </p:cTn>
+                              </p:par>
+                            </p:childTnLst>
+                          </p:cTn>
+                        </p:par>
+                      </p:childTnLst>
+                    </p:cTn>
+                  </p:par>
+                </p:childTnLst>
+              </p:cTn>
+              <p:prevCondLst>
+                <p:cond evt="onPrev" delay="0">
+                  <p:tgtEl>
+                    <p:sldTgt/>
+                  </p:tgtEl>
+                </p:cond>
+              </p:prevCondLst>
+              <p:nextCondLst>
+                <p:cond evt="onNext" delay="0">
+                  <p:tgtEl>
+                    <p:sldTgt/>
+                  </p:tgtEl>
+                </p:cond>
+              </p:nextCondLst>
+            </p:seq>
+          </p:childTnLst>
+        </p:cTn>
       </p:par>
     </p:tnLst>
+    <p:bldLst>
+      <p:bldP spid="2" grpId="0" build="allAtOnce"/>
+    </p:bldLst>
   </p:timing>
 </p:sld>
 </file>
@@ -15709,6 +17371,18 @@
   <p:clrMapOvr>
     <a:masterClrMapping/>
   </p:clrMapOvr>
+  <mc:AlternateContent xmlns:mc="http://schemas.openxmlformats.org/markup-compatibility/2006">
+    <mc:Choice xmlns:p14="http://schemas.microsoft.com/office/powerpoint/2010/main" Requires="p14">
+      <p:transition spd="slow" p14:dur="1600">
+        <p14:gallery dir="l"/>
+      </p:transition>
+    </mc:Choice>
+    <mc:Fallback>
+      <p:transition spd="slow">
+        <p:fade/>
+      </p:transition>
+    </mc:Fallback>
+  </mc:AlternateContent>
   <p:timing>
     <p:tnLst>
       <p:par>
@@ -16246,12 +17920,414 @@
   <p:clrMapOvr>
     <a:masterClrMapping/>
   </p:clrMapOvr>
+  <mc:AlternateContent xmlns:mc="http://schemas.openxmlformats.org/markup-compatibility/2006">
+    <mc:Choice xmlns:p14="http://schemas.microsoft.com/office/powerpoint/2010/main" Requires="p14">
+      <p:transition spd="slow" p14:dur="1600">
+        <p14:gallery dir="l"/>
+      </p:transition>
+    </mc:Choice>
+    <mc:Fallback>
+      <p:transition spd="slow">
+        <p:fade/>
+      </p:transition>
+    </mc:Fallback>
+  </mc:AlternateContent>
   <p:timing>
     <p:tnLst>
       <p:par>
-        <p:cTn id="1" dur="indefinite" restart="never" nodeType="tmRoot"/>
+        <p:cTn id="1" dur="indefinite" restart="never" nodeType="tmRoot">
+          <p:childTnLst>
+            <p:seq concurrent="1" nextAc="seek">
+              <p:cTn id="2" dur="indefinite" nodeType="mainSeq">
+                <p:childTnLst>
+                  <p:par>
+                    <p:cTn id="3" fill="hold">
+                      <p:stCondLst>
+                        <p:cond delay="indefinite"/>
+                      </p:stCondLst>
+                      <p:childTnLst>
+                        <p:par>
+                          <p:cTn id="4" fill="hold">
+                            <p:stCondLst>
+                              <p:cond delay="0"/>
+                            </p:stCondLst>
+                            <p:childTnLst>
+                              <p:par>
+                                <p:cTn id="5" presetID="2" presetClass="entr" presetSubtype="4" fill="hold" grpId="0" nodeType="clickEffect">
+                                  <p:stCondLst>
+                                    <p:cond delay="0"/>
+                                  </p:stCondLst>
+                                  <p:childTnLst>
+                                    <p:set>
+                                      <p:cBhvr>
+                                        <p:cTn id="6" dur="1" fill="hold">
+                                          <p:stCondLst>
+                                            <p:cond delay="0"/>
+                                          </p:stCondLst>
+                                        </p:cTn>
+                                        <p:tgtEl>
+                                          <p:spTgt spid="2">
+                                            <p:txEl>
+                                              <p:pRg st="0" end="0"/>
+                                            </p:txEl>
+                                          </p:spTgt>
+                                        </p:tgtEl>
+                                        <p:attrNameLst>
+                                          <p:attrName>style.visibility</p:attrName>
+                                        </p:attrNameLst>
+                                      </p:cBhvr>
+                                      <p:to>
+                                        <p:strVal val="visible"/>
+                                      </p:to>
+                                    </p:set>
+                                    <p:anim calcmode="lin" valueType="num">
+                                      <p:cBhvr additive="base">
+                                        <p:cTn id="7" dur="500" fill="hold"/>
+                                        <p:tgtEl>
+                                          <p:spTgt spid="2">
+                                            <p:txEl>
+                                              <p:pRg st="0" end="0"/>
+                                            </p:txEl>
+                                          </p:spTgt>
+                                        </p:tgtEl>
+                                        <p:attrNameLst>
+                                          <p:attrName>ppt_x</p:attrName>
+                                        </p:attrNameLst>
+                                      </p:cBhvr>
+                                      <p:tavLst>
+                                        <p:tav tm="0">
+                                          <p:val>
+                                            <p:strVal val="#ppt_x"/>
+                                          </p:val>
+                                        </p:tav>
+                                        <p:tav tm="100000">
+                                          <p:val>
+                                            <p:strVal val="#ppt_x"/>
+                                          </p:val>
+                                        </p:tav>
+                                      </p:tavLst>
+                                    </p:anim>
+                                    <p:anim calcmode="lin" valueType="num">
+                                      <p:cBhvr additive="base">
+                                        <p:cTn id="8" dur="500" fill="hold"/>
+                                        <p:tgtEl>
+                                          <p:spTgt spid="2">
+                                            <p:txEl>
+                                              <p:pRg st="0" end="0"/>
+                                            </p:txEl>
+                                          </p:spTgt>
+                                        </p:tgtEl>
+                                        <p:attrNameLst>
+                                          <p:attrName>ppt_y</p:attrName>
+                                        </p:attrNameLst>
+                                      </p:cBhvr>
+                                      <p:tavLst>
+                                        <p:tav tm="0">
+                                          <p:val>
+                                            <p:strVal val="1+#ppt_h/2"/>
+                                          </p:val>
+                                        </p:tav>
+                                        <p:tav tm="100000">
+                                          <p:val>
+                                            <p:strVal val="#ppt_y"/>
+                                          </p:val>
+                                        </p:tav>
+                                      </p:tavLst>
+                                    </p:anim>
+                                  </p:childTnLst>
+                                </p:cTn>
+                              </p:par>
+                              <p:par>
+                                <p:cTn id="9" presetID="2" presetClass="entr" presetSubtype="4" fill="hold" grpId="0" nodeType="withEffect">
+                                  <p:stCondLst>
+                                    <p:cond delay="0"/>
+                                  </p:stCondLst>
+                                  <p:childTnLst>
+                                    <p:set>
+                                      <p:cBhvr>
+                                        <p:cTn id="10" dur="1" fill="hold">
+                                          <p:stCondLst>
+                                            <p:cond delay="0"/>
+                                          </p:stCondLst>
+                                        </p:cTn>
+                                        <p:tgtEl>
+                                          <p:spTgt spid="2">
+                                            <p:txEl>
+                                              <p:pRg st="1" end="1"/>
+                                            </p:txEl>
+                                          </p:spTgt>
+                                        </p:tgtEl>
+                                        <p:attrNameLst>
+                                          <p:attrName>style.visibility</p:attrName>
+                                        </p:attrNameLst>
+                                      </p:cBhvr>
+                                      <p:to>
+                                        <p:strVal val="visible"/>
+                                      </p:to>
+                                    </p:set>
+                                    <p:anim calcmode="lin" valueType="num">
+                                      <p:cBhvr additive="base">
+                                        <p:cTn id="11" dur="500" fill="hold"/>
+                                        <p:tgtEl>
+                                          <p:spTgt spid="2">
+                                            <p:txEl>
+                                              <p:pRg st="1" end="1"/>
+                                            </p:txEl>
+                                          </p:spTgt>
+                                        </p:tgtEl>
+                                        <p:attrNameLst>
+                                          <p:attrName>ppt_x</p:attrName>
+                                        </p:attrNameLst>
+                                      </p:cBhvr>
+                                      <p:tavLst>
+                                        <p:tav tm="0">
+                                          <p:val>
+                                            <p:strVal val="#ppt_x"/>
+                                          </p:val>
+                                        </p:tav>
+                                        <p:tav tm="100000">
+                                          <p:val>
+                                            <p:strVal val="#ppt_x"/>
+                                          </p:val>
+                                        </p:tav>
+                                      </p:tavLst>
+                                    </p:anim>
+                                    <p:anim calcmode="lin" valueType="num">
+                                      <p:cBhvr additive="base">
+                                        <p:cTn id="12" dur="500" fill="hold"/>
+                                        <p:tgtEl>
+                                          <p:spTgt spid="2">
+                                            <p:txEl>
+                                              <p:pRg st="1" end="1"/>
+                                            </p:txEl>
+                                          </p:spTgt>
+                                        </p:tgtEl>
+                                        <p:attrNameLst>
+                                          <p:attrName>ppt_y</p:attrName>
+                                        </p:attrNameLst>
+                                      </p:cBhvr>
+                                      <p:tavLst>
+                                        <p:tav tm="0">
+                                          <p:val>
+                                            <p:strVal val="1+#ppt_h/2"/>
+                                          </p:val>
+                                        </p:tav>
+                                        <p:tav tm="100000">
+                                          <p:val>
+                                            <p:strVal val="#ppt_y"/>
+                                          </p:val>
+                                        </p:tav>
+                                      </p:tavLst>
+                                    </p:anim>
+                                  </p:childTnLst>
+                                </p:cTn>
+                              </p:par>
+                              <p:par>
+                                <p:cTn id="13" presetID="2" presetClass="entr" presetSubtype="4" fill="hold" grpId="0" nodeType="withEffect">
+                                  <p:stCondLst>
+                                    <p:cond delay="0"/>
+                                  </p:stCondLst>
+                                  <p:childTnLst>
+                                    <p:set>
+                                      <p:cBhvr>
+                                        <p:cTn id="14" dur="1" fill="hold">
+                                          <p:stCondLst>
+                                            <p:cond delay="0"/>
+                                          </p:stCondLst>
+                                        </p:cTn>
+                                        <p:tgtEl>
+                                          <p:spTgt spid="2">
+                                            <p:txEl>
+                                              <p:pRg st="2" end="2"/>
+                                            </p:txEl>
+                                          </p:spTgt>
+                                        </p:tgtEl>
+                                        <p:attrNameLst>
+                                          <p:attrName>style.visibility</p:attrName>
+                                        </p:attrNameLst>
+                                      </p:cBhvr>
+                                      <p:to>
+                                        <p:strVal val="visible"/>
+                                      </p:to>
+                                    </p:set>
+                                    <p:anim calcmode="lin" valueType="num">
+                                      <p:cBhvr additive="base">
+                                        <p:cTn id="15" dur="500" fill="hold"/>
+                                        <p:tgtEl>
+                                          <p:spTgt spid="2">
+                                            <p:txEl>
+                                              <p:pRg st="2" end="2"/>
+                                            </p:txEl>
+                                          </p:spTgt>
+                                        </p:tgtEl>
+                                        <p:attrNameLst>
+                                          <p:attrName>ppt_x</p:attrName>
+                                        </p:attrNameLst>
+                                      </p:cBhvr>
+                                      <p:tavLst>
+                                        <p:tav tm="0">
+                                          <p:val>
+                                            <p:strVal val="#ppt_x"/>
+                                          </p:val>
+                                        </p:tav>
+                                        <p:tav tm="100000">
+                                          <p:val>
+                                            <p:strVal val="#ppt_x"/>
+                                          </p:val>
+                                        </p:tav>
+                                      </p:tavLst>
+                                    </p:anim>
+                                    <p:anim calcmode="lin" valueType="num">
+                                      <p:cBhvr additive="base">
+                                        <p:cTn id="16" dur="500" fill="hold"/>
+                                        <p:tgtEl>
+                                          <p:spTgt spid="2">
+                                            <p:txEl>
+                                              <p:pRg st="2" end="2"/>
+                                            </p:txEl>
+                                          </p:spTgt>
+                                        </p:tgtEl>
+                                        <p:attrNameLst>
+                                          <p:attrName>ppt_y</p:attrName>
+                                        </p:attrNameLst>
+                                      </p:cBhvr>
+                                      <p:tavLst>
+                                        <p:tav tm="0">
+                                          <p:val>
+                                            <p:strVal val="1+#ppt_h/2"/>
+                                          </p:val>
+                                        </p:tav>
+                                        <p:tav tm="100000">
+                                          <p:val>
+                                            <p:strVal val="#ppt_y"/>
+                                          </p:val>
+                                        </p:tav>
+                                      </p:tavLst>
+                                    </p:anim>
+                                  </p:childTnLst>
+                                </p:cTn>
+                              </p:par>
+                            </p:childTnLst>
+                          </p:cTn>
+                        </p:par>
+                      </p:childTnLst>
+                    </p:cTn>
+                  </p:par>
+                  <p:par>
+                    <p:cTn id="17" fill="hold">
+                      <p:stCondLst>
+                        <p:cond delay="indefinite"/>
+                      </p:stCondLst>
+                      <p:childTnLst>
+                        <p:par>
+                          <p:cTn id="18" fill="hold">
+                            <p:stCondLst>
+                              <p:cond delay="0"/>
+                            </p:stCondLst>
+                            <p:childTnLst>
+                              <p:par>
+                                <p:cTn id="19" presetID="2" presetClass="entr" presetSubtype="4" fill="hold" nodeType="clickEffect">
+                                  <p:stCondLst>
+                                    <p:cond delay="0"/>
+                                  </p:stCondLst>
+                                  <p:childTnLst>
+                                    <p:set>
+                                      <p:cBhvr>
+                                        <p:cTn id="20" dur="1" fill="hold">
+                                          <p:stCondLst>
+                                            <p:cond delay="0"/>
+                                          </p:stCondLst>
+                                        </p:cTn>
+                                        <p:tgtEl>
+                                          <p:spTgt spid="3"/>
+                                        </p:tgtEl>
+                                        <p:attrNameLst>
+                                          <p:attrName>style.visibility</p:attrName>
+                                        </p:attrNameLst>
+                                      </p:cBhvr>
+                                      <p:to>
+                                        <p:strVal val="visible"/>
+                                      </p:to>
+                                    </p:set>
+                                    <p:anim calcmode="lin" valueType="num">
+                                      <p:cBhvr additive="base">
+                                        <p:cTn id="21" dur="500" fill="hold"/>
+                                        <p:tgtEl>
+                                          <p:spTgt spid="3"/>
+                                        </p:tgtEl>
+                                        <p:attrNameLst>
+                                          <p:attrName>ppt_x</p:attrName>
+                                        </p:attrNameLst>
+                                      </p:cBhvr>
+                                      <p:tavLst>
+                                        <p:tav tm="0">
+                                          <p:val>
+                                            <p:strVal val="#ppt_x"/>
+                                          </p:val>
+                                        </p:tav>
+                                        <p:tav tm="100000">
+                                          <p:val>
+                                            <p:strVal val="#ppt_x"/>
+                                          </p:val>
+                                        </p:tav>
+                                      </p:tavLst>
+                                    </p:anim>
+                                    <p:anim calcmode="lin" valueType="num">
+                                      <p:cBhvr additive="base">
+                                        <p:cTn id="22" dur="500" fill="hold"/>
+                                        <p:tgtEl>
+                                          <p:spTgt spid="3"/>
+                                        </p:tgtEl>
+                                        <p:attrNameLst>
+                                          <p:attrName>ppt_y</p:attrName>
+                                        </p:attrNameLst>
+                                      </p:cBhvr>
+                                      <p:tavLst>
+                                        <p:tav tm="0">
+                                          <p:val>
+                                            <p:strVal val="1+#ppt_h/2"/>
+                                          </p:val>
+                                        </p:tav>
+                                        <p:tav tm="100000">
+                                          <p:val>
+                                            <p:strVal val="#ppt_y"/>
+                                          </p:val>
+                                        </p:tav>
+                                      </p:tavLst>
+                                    </p:anim>
+                                  </p:childTnLst>
+                                </p:cTn>
+                              </p:par>
+                            </p:childTnLst>
+                          </p:cTn>
+                        </p:par>
+                      </p:childTnLst>
+                    </p:cTn>
+                  </p:par>
+                </p:childTnLst>
+              </p:cTn>
+              <p:prevCondLst>
+                <p:cond evt="onPrev" delay="0">
+                  <p:tgtEl>
+                    <p:sldTgt/>
+                  </p:tgtEl>
+                </p:cond>
+              </p:prevCondLst>
+              <p:nextCondLst>
+                <p:cond evt="onNext" delay="0">
+                  <p:tgtEl>
+                    <p:sldTgt/>
+                  </p:tgtEl>
+                </p:cond>
+              </p:nextCondLst>
+            </p:seq>
+          </p:childTnLst>
+        </p:cTn>
       </p:par>
     </p:tnLst>
+    <p:bldLst>
+      <p:bldP spid="2" grpId="0" build="allAtOnce"/>
+    </p:bldLst>
   </p:timing>
 </p:sld>
 </file>
@@ -16431,13 +18507,6 @@
               </a:rPr>
               <a:t>Descriptors </a:t>
             </a:r>
-            <a:endParaRPr lang="en-US" sz="2400" b="1" smtClean="0">
-              <a:solidFill>
-                <a:srgbClr val="000000"/>
-              </a:solidFill>
-              <a:latin typeface="+mj-lt"/>
-              <a:cs typeface="Arial" pitchFamily="34" charset="0"/>
-            </a:endParaRPr>
           </a:p>
           <a:p>
             <a:pPr marL="0" indent="628650" algn="just">
@@ -16451,16 +18520,7 @@
                 </a:solidFill>
                 <a:latin typeface="+mj-lt"/>
               </a:rPr>
-              <a:t>Với các kiểu dữ liệu khác thì mô tả theo package name </a:t>
-            </a:r>
-            <a:r>
-              <a:rPr lang="en-US" sz="2400" b="0">
-                <a:solidFill>
-                  <a:srgbClr val="000000"/>
-                </a:solidFill>
-                <a:latin typeface="+mj-lt"/>
-              </a:rPr>
-              <a:t>của </a:t>
+              <a:t>Với các kiểu dữ liệu khác thì mô tả theo package name của </a:t>
             </a:r>
             <a:r>
               <a:rPr lang="en-US" sz="2400" b="0" smtClean="0">
@@ -16566,15 +18626,7 @@
                   <a:srgbClr val="000000"/>
                 </a:solidFill>
               </a:rPr>
-              <a:t>một cách khác để biết chuỗi mô tả của các filed trong lớp java là dùng tool javap đi kèm trong JDK với tham số -s -</a:t>
-            </a:r>
-            <a:r>
-              <a:rPr lang="en-US" sz="2400" b="0">
-                <a:solidFill>
-                  <a:srgbClr val="000000"/>
-                </a:solidFill>
-              </a:rPr>
-              <a:t>p </a:t>
+              <a:t>một cách khác để biết chuỗi mô tả của các filed trong lớp java là dùng tool javap đi kèm trong JDK với tham số -s -p </a:t>
             </a:r>
             <a:r>
               <a:rPr lang="en-US" sz="2400" b="0" smtClean="0">
@@ -16656,10 +18708,506 @@
   <p:clrMapOvr>
     <a:masterClrMapping/>
   </p:clrMapOvr>
+  <mc:AlternateContent xmlns:mc="http://schemas.openxmlformats.org/markup-compatibility/2006">
+    <mc:Choice xmlns:p14="http://schemas.microsoft.com/office/powerpoint/2010/main" Requires="p14">
+      <p:transition spd="slow" p14:dur="1600">
+        <p14:gallery dir="l"/>
+      </p:transition>
+    </mc:Choice>
+    <mc:Fallback>
+      <p:transition spd="slow">
+        <p:fade/>
+      </p:transition>
+    </mc:Fallback>
+  </mc:AlternateContent>
   <p:timing>
     <p:tnLst>
       <p:par>
-        <p:cTn id="1" dur="indefinite" restart="never" nodeType="tmRoot"/>
+        <p:cTn id="1" dur="indefinite" restart="never" nodeType="tmRoot">
+          <p:childTnLst>
+            <p:seq concurrent="1" nextAc="seek">
+              <p:cTn id="2" dur="indefinite" nodeType="mainSeq">
+                <p:childTnLst>
+                  <p:par>
+                    <p:cTn id="3" fill="hold">
+                      <p:stCondLst>
+                        <p:cond delay="indefinite"/>
+                      </p:stCondLst>
+                      <p:childTnLst>
+                        <p:par>
+                          <p:cTn id="4" fill="hold">
+                            <p:stCondLst>
+                              <p:cond delay="0"/>
+                            </p:stCondLst>
+                            <p:childTnLst>
+                              <p:par>
+                                <p:cTn id="5" presetID="2" presetClass="entr" presetSubtype="4" fill="hold" nodeType="clickEffect">
+                                  <p:stCondLst>
+                                    <p:cond delay="0"/>
+                                  </p:stCondLst>
+                                  <p:childTnLst>
+                                    <p:set>
+                                      <p:cBhvr>
+                                        <p:cTn id="6" dur="1" fill="hold">
+                                          <p:stCondLst>
+                                            <p:cond delay="0"/>
+                                          </p:stCondLst>
+                                        </p:cTn>
+                                        <p:tgtEl>
+                                          <p:spTgt spid="2">
+                                            <p:txEl>
+                                              <p:pRg st="0" end="0"/>
+                                            </p:txEl>
+                                          </p:spTgt>
+                                        </p:tgtEl>
+                                        <p:attrNameLst>
+                                          <p:attrName>style.visibility</p:attrName>
+                                        </p:attrNameLst>
+                                      </p:cBhvr>
+                                      <p:to>
+                                        <p:strVal val="visible"/>
+                                      </p:to>
+                                    </p:set>
+                                    <p:anim calcmode="lin" valueType="num">
+                                      <p:cBhvr additive="base">
+                                        <p:cTn id="7" dur="500" fill="hold"/>
+                                        <p:tgtEl>
+                                          <p:spTgt spid="2">
+                                            <p:txEl>
+                                              <p:pRg st="0" end="0"/>
+                                            </p:txEl>
+                                          </p:spTgt>
+                                        </p:tgtEl>
+                                        <p:attrNameLst>
+                                          <p:attrName>ppt_x</p:attrName>
+                                        </p:attrNameLst>
+                                      </p:cBhvr>
+                                      <p:tavLst>
+                                        <p:tav tm="0">
+                                          <p:val>
+                                            <p:strVal val="#ppt_x"/>
+                                          </p:val>
+                                        </p:tav>
+                                        <p:tav tm="100000">
+                                          <p:val>
+                                            <p:strVal val="#ppt_x"/>
+                                          </p:val>
+                                        </p:tav>
+                                      </p:tavLst>
+                                    </p:anim>
+                                    <p:anim calcmode="lin" valueType="num">
+                                      <p:cBhvr additive="base">
+                                        <p:cTn id="8" dur="500" fill="hold"/>
+                                        <p:tgtEl>
+                                          <p:spTgt spid="2">
+                                            <p:txEl>
+                                              <p:pRg st="0" end="0"/>
+                                            </p:txEl>
+                                          </p:spTgt>
+                                        </p:tgtEl>
+                                        <p:attrNameLst>
+                                          <p:attrName>ppt_y</p:attrName>
+                                        </p:attrNameLst>
+                                      </p:cBhvr>
+                                      <p:tavLst>
+                                        <p:tav tm="0">
+                                          <p:val>
+                                            <p:strVal val="1+#ppt_h/2"/>
+                                          </p:val>
+                                        </p:tav>
+                                        <p:tav tm="100000">
+                                          <p:val>
+                                            <p:strVal val="#ppt_y"/>
+                                          </p:val>
+                                        </p:tav>
+                                      </p:tavLst>
+                                    </p:anim>
+                                  </p:childTnLst>
+                                </p:cTn>
+                              </p:par>
+                              <p:par>
+                                <p:cTn id="9" presetID="2" presetClass="entr" presetSubtype="4" fill="hold" nodeType="withEffect">
+                                  <p:stCondLst>
+                                    <p:cond delay="0"/>
+                                  </p:stCondLst>
+                                  <p:childTnLst>
+                                    <p:set>
+                                      <p:cBhvr>
+                                        <p:cTn id="10" dur="1" fill="hold">
+                                          <p:stCondLst>
+                                            <p:cond delay="0"/>
+                                          </p:stCondLst>
+                                        </p:cTn>
+                                        <p:tgtEl>
+                                          <p:spTgt spid="2">
+                                            <p:txEl>
+                                              <p:pRg st="1" end="1"/>
+                                            </p:txEl>
+                                          </p:spTgt>
+                                        </p:tgtEl>
+                                        <p:attrNameLst>
+                                          <p:attrName>style.visibility</p:attrName>
+                                        </p:attrNameLst>
+                                      </p:cBhvr>
+                                      <p:to>
+                                        <p:strVal val="visible"/>
+                                      </p:to>
+                                    </p:set>
+                                    <p:anim calcmode="lin" valueType="num">
+                                      <p:cBhvr additive="base">
+                                        <p:cTn id="11" dur="500" fill="hold"/>
+                                        <p:tgtEl>
+                                          <p:spTgt spid="2">
+                                            <p:txEl>
+                                              <p:pRg st="1" end="1"/>
+                                            </p:txEl>
+                                          </p:spTgt>
+                                        </p:tgtEl>
+                                        <p:attrNameLst>
+                                          <p:attrName>ppt_x</p:attrName>
+                                        </p:attrNameLst>
+                                      </p:cBhvr>
+                                      <p:tavLst>
+                                        <p:tav tm="0">
+                                          <p:val>
+                                            <p:strVal val="#ppt_x"/>
+                                          </p:val>
+                                        </p:tav>
+                                        <p:tav tm="100000">
+                                          <p:val>
+                                            <p:strVal val="#ppt_x"/>
+                                          </p:val>
+                                        </p:tav>
+                                      </p:tavLst>
+                                    </p:anim>
+                                    <p:anim calcmode="lin" valueType="num">
+                                      <p:cBhvr additive="base">
+                                        <p:cTn id="12" dur="500" fill="hold"/>
+                                        <p:tgtEl>
+                                          <p:spTgt spid="2">
+                                            <p:txEl>
+                                              <p:pRg st="1" end="1"/>
+                                            </p:txEl>
+                                          </p:spTgt>
+                                        </p:tgtEl>
+                                        <p:attrNameLst>
+                                          <p:attrName>ppt_y</p:attrName>
+                                        </p:attrNameLst>
+                                      </p:cBhvr>
+                                      <p:tavLst>
+                                        <p:tav tm="0">
+                                          <p:val>
+                                            <p:strVal val="1+#ppt_h/2"/>
+                                          </p:val>
+                                        </p:tav>
+                                        <p:tav tm="100000">
+                                          <p:val>
+                                            <p:strVal val="#ppt_y"/>
+                                          </p:val>
+                                        </p:tav>
+                                      </p:tavLst>
+                                    </p:anim>
+                                  </p:childTnLst>
+                                </p:cTn>
+                              </p:par>
+                              <p:par>
+                                <p:cTn id="13" presetID="2" presetClass="entr" presetSubtype="4" fill="hold" nodeType="withEffect">
+                                  <p:stCondLst>
+                                    <p:cond delay="0"/>
+                                  </p:stCondLst>
+                                  <p:childTnLst>
+                                    <p:set>
+                                      <p:cBhvr>
+                                        <p:cTn id="14" dur="1" fill="hold">
+                                          <p:stCondLst>
+                                            <p:cond delay="0"/>
+                                          </p:stCondLst>
+                                        </p:cTn>
+                                        <p:tgtEl>
+                                          <p:spTgt spid="2">
+                                            <p:txEl>
+                                              <p:pRg st="2" end="2"/>
+                                            </p:txEl>
+                                          </p:spTgt>
+                                        </p:tgtEl>
+                                        <p:attrNameLst>
+                                          <p:attrName>style.visibility</p:attrName>
+                                        </p:attrNameLst>
+                                      </p:cBhvr>
+                                      <p:to>
+                                        <p:strVal val="visible"/>
+                                      </p:to>
+                                    </p:set>
+                                    <p:anim calcmode="lin" valueType="num">
+                                      <p:cBhvr additive="base">
+                                        <p:cTn id="15" dur="500" fill="hold"/>
+                                        <p:tgtEl>
+                                          <p:spTgt spid="2">
+                                            <p:txEl>
+                                              <p:pRg st="2" end="2"/>
+                                            </p:txEl>
+                                          </p:spTgt>
+                                        </p:tgtEl>
+                                        <p:attrNameLst>
+                                          <p:attrName>ppt_x</p:attrName>
+                                        </p:attrNameLst>
+                                      </p:cBhvr>
+                                      <p:tavLst>
+                                        <p:tav tm="0">
+                                          <p:val>
+                                            <p:strVal val="#ppt_x"/>
+                                          </p:val>
+                                        </p:tav>
+                                        <p:tav tm="100000">
+                                          <p:val>
+                                            <p:strVal val="#ppt_x"/>
+                                          </p:val>
+                                        </p:tav>
+                                      </p:tavLst>
+                                    </p:anim>
+                                    <p:anim calcmode="lin" valueType="num">
+                                      <p:cBhvr additive="base">
+                                        <p:cTn id="16" dur="500" fill="hold"/>
+                                        <p:tgtEl>
+                                          <p:spTgt spid="2">
+                                            <p:txEl>
+                                              <p:pRg st="2" end="2"/>
+                                            </p:txEl>
+                                          </p:spTgt>
+                                        </p:tgtEl>
+                                        <p:attrNameLst>
+                                          <p:attrName>ppt_y</p:attrName>
+                                        </p:attrNameLst>
+                                      </p:cBhvr>
+                                      <p:tavLst>
+                                        <p:tav tm="0">
+                                          <p:val>
+                                            <p:strVal val="1+#ppt_h/2"/>
+                                          </p:val>
+                                        </p:tav>
+                                        <p:tav tm="100000">
+                                          <p:val>
+                                            <p:strVal val="#ppt_y"/>
+                                          </p:val>
+                                        </p:tav>
+                                      </p:tavLst>
+                                    </p:anim>
+                                  </p:childTnLst>
+                                </p:cTn>
+                              </p:par>
+                              <p:par>
+                                <p:cTn id="17" presetID="2" presetClass="entr" presetSubtype="4" fill="hold" nodeType="withEffect">
+                                  <p:stCondLst>
+                                    <p:cond delay="0"/>
+                                  </p:stCondLst>
+                                  <p:childTnLst>
+                                    <p:set>
+                                      <p:cBhvr>
+                                        <p:cTn id="18" dur="1" fill="hold">
+                                          <p:stCondLst>
+                                            <p:cond delay="0"/>
+                                          </p:stCondLst>
+                                        </p:cTn>
+                                        <p:tgtEl>
+                                          <p:spTgt spid="2">
+                                            <p:txEl>
+                                              <p:pRg st="3" end="3"/>
+                                            </p:txEl>
+                                          </p:spTgt>
+                                        </p:tgtEl>
+                                        <p:attrNameLst>
+                                          <p:attrName>style.visibility</p:attrName>
+                                        </p:attrNameLst>
+                                      </p:cBhvr>
+                                      <p:to>
+                                        <p:strVal val="visible"/>
+                                      </p:to>
+                                    </p:set>
+                                    <p:anim calcmode="lin" valueType="num">
+                                      <p:cBhvr additive="base">
+                                        <p:cTn id="19" dur="500" fill="hold"/>
+                                        <p:tgtEl>
+                                          <p:spTgt spid="2">
+                                            <p:txEl>
+                                              <p:pRg st="3" end="3"/>
+                                            </p:txEl>
+                                          </p:spTgt>
+                                        </p:tgtEl>
+                                        <p:attrNameLst>
+                                          <p:attrName>ppt_x</p:attrName>
+                                        </p:attrNameLst>
+                                      </p:cBhvr>
+                                      <p:tavLst>
+                                        <p:tav tm="0">
+                                          <p:val>
+                                            <p:strVal val="#ppt_x"/>
+                                          </p:val>
+                                        </p:tav>
+                                        <p:tav tm="100000">
+                                          <p:val>
+                                            <p:strVal val="#ppt_x"/>
+                                          </p:val>
+                                        </p:tav>
+                                      </p:tavLst>
+                                    </p:anim>
+                                    <p:anim calcmode="lin" valueType="num">
+                                      <p:cBhvr additive="base">
+                                        <p:cTn id="20" dur="500" fill="hold"/>
+                                        <p:tgtEl>
+                                          <p:spTgt spid="2">
+                                            <p:txEl>
+                                              <p:pRg st="3" end="3"/>
+                                            </p:txEl>
+                                          </p:spTgt>
+                                        </p:tgtEl>
+                                        <p:attrNameLst>
+                                          <p:attrName>ppt_y</p:attrName>
+                                        </p:attrNameLst>
+                                      </p:cBhvr>
+                                      <p:tavLst>
+                                        <p:tav tm="0">
+                                          <p:val>
+                                            <p:strVal val="1+#ppt_h/2"/>
+                                          </p:val>
+                                        </p:tav>
+                                        <p:tav tm="100000">
+                                          <p:val>
+                                            <p:strVal val="#ppt_y"/>
+                                          </p:val>
+                                        </p:tav>
+                                      </p:tavLst>
+                                    </p:anim>
+                                  </p:childTnLst>
+                                </p:cTn>
+                              </p:par>
+                            </p:childTnLst>
+                          </p:cTn>
+                        </p:par>
+                      </p:childTnLst>
+                    </p:cTn>
+                  </p:par>
+                  <p:par>
+                    <p:cTn id="21" fill="hold">
+                      <p:stCondLst>
+                        <p:cond delay="indefinite"/>
+                      </p:stCondLst>
+                      <p:childTnLst>
+                        <p:par>
+                          <p:cTn id="22" fill="hold">
+                            <p:stCondLst>
+                              <p:cond delay="0"/>
+                            </p:stCondLst>
+                            <p:childTnLst>
+                              <p:par>
+                                <p:cTn id="23" presetID="2" presetClass="entr" presetSubtype="4" fill="hold" nodeType="clickEffect">
+                                  <p:stCondLst>
+                                    <p:cond delay="0"/>
+                                  </p:stCondLst>
+                                  <p:childTnLst>
+                                    <p:set>
+                                      <p:cBhvr>
+                                        <p:cTn id="24" dur="1" fill="hold">
+                                          <p:stCondLst>
+                                            <p:cond delay="0"/>
+                                          </p:stCondLst>
+                                        </p:cTn>
+                                        <p:tgtEl>
+                                          <p:spTgt spid="2">
+                                            <p:txEl>
+                                              <p:pRg st="5" end="5"/>
+                                            </p:txEl>
+                                          </p:spTgt>
+                                        </p:tgtEl>
+                                        <p:attrNameLst>
+                                          <p:attrName>style.visibility</p:attrName>
+                                        </p:attrNameLst>
+                                      </p:cBhvr>
+                                      <p:to>
+                                        <p:strVal val="visible"/>
+                                      </p:to>
+                                    </p:set>
+                                    <p:anim calcmode="lin" valueType="num">
+                                      <p:cBhvr additive="base">
+                                        <p:cTn id="25" dur="500" fill="hold"/>
+                                        <p:tgtEl>
+                                          <p:spTgt spid="2">
+                                            <p:txEl>
+                                              <p:pRg st="5" end="5"/>
+                                            </p:txEl>
+                                          </p:spTgt>
+                                        </p:tgtEl>
+                                        <p:attrNameLst>
+                                          <p:attrName>ppt_x</p:attrName>
+                                        </p:attrNameLst>
+                                      </p:cBhvr>
+                                      <p:tavLst>
+                                        <p:tav tm="0">
+                                          <p:val>
+                                            <p:strVal val="#ppt_x"/>
+                                          </p:val>
+                                        </p:tav>
+                                        <p:tav tm="100000">
+                                          <p:val>
+                                            <p:strVal val="#ppt_x"/>
+                                          </p:val>
+                                        </p:tav>
+                                      </p:tavLst>
+                                    </p:anim>
+                                    <p:anim calcmode="lin" valueType="num">
+                                      <p:cBhvr additive="base">
+                                        <p:cTn id="26" dur="500" fill="hold"/>
+                                        <p:tgtEl>
+                                          <p:spTgt spid="2">
+                                            <p:txEl>
+                                              <p:pRg st="5" end="5"/>
+                                            </p:txEl>
+                                          </p:spTgt>
+                                        </p:tgtEl>
+                                        <p:attrNameLst>
+                                          <p:attrName>ppt_y</p:attrName>
+                                        </p:attrNameLst>
+                                      </p:cBhvr>
+                                      <p:tavLst>
+                                        <p:tav tm="0">
+                                          <p:val>
+                                            <p:strVal val="1+#ppt_h/2"/>
+                                          </p:val>
+                                        </p:tav>
+                                        <p:tav tm="100000">
+                                          <p:val>
+                                            <p:strVal val="#ppt_y"/>
+                                          </p:val>
+                                        </p:tav>
+                                      </p:tavLst>
+                                    </p:anim>
+                                  </p:childTnLst>
+                                </p:cTn>
+                              </p:par>
+                            </p:childTnLst>
+                          </p:cTn>
+                        </p:par>
+                      </p:childTnLst>
+                    </p:cTn>
+                  </p:par>
+                </p:childTnLst>
+              </p:cTn>
+              <p:prevCondLst>
+                <p:cond evt="onPrev" delay="0">
+                  <p:tgtEl>
+                    <p:sldTgt/>
+                  </p:tgtEl>
+                </p:cond>
+              </p:prevCondLst>
+              <p:nextCondLst>
+                <p:cond evt="onNext" delay="0">
+                  <p:tgtEl>
+                    <p:sldTgt/>
+                  </p:tgtEl>
+                </p:cond>
+              </p:nextCondLst>
+            </p:seq>
+          </p:childTnLst>
+        </p:cTn>
       </p:par>
     </p:tnLst>
   </p:timing>
@@ -16963,10 +19511,421 @@
   <p:clrMapOvr>
     <a:masterClrMapping/>
   </p:clrMapOvr>
+  <mc:AlternateContent xmlns:mc="http://schemas.openxmlformats.org/markup-compatibility/2006">
+    <mc:Choice xmlns:p14="http://schemas.microsoft.com/office/powerpoint/2010/main" Requires="p14">
+      <p:transition spd="slow" p14:dur="1600">
+        <p14:gallery dir="l"/>
+      </p:transition>
+    </mc:Choice>
+    <mc:Fallback>
+      <p:transition spd="slow">
+        <p:fade/>
+      </p:transition>
+    </mc:Fallback>
+  </mc:AlternateContent>
   <p:timing>
     <p:tnLst>
       <p:par>
-        <p:cTn id="1" dur="indefinite" restart="never" nodeType="tmRoot"/>
+        <p:cTn id="1" dur="indefinite" restart="never" nodeType="tmRoot">
+          <p:childTnLst>
+            <p:seq concurrent="1" nextAc="seek">
+              <p:cTn id="2" dur="indefinite" nodeType="mainSeq">
+                <p:childTnLst>
+                  <p:par>
+                    <p:cTn id="3" fill="hold">
+                      <p:stCondLst>
+                        <p:cond delay="indefinite"/>
+                      </p:stCondLst>
+                      <p:childTnLst>
+                        <p:par>
+                          <p:cTn id="4" fill="hold">
+                            <p:stCondLst>
+                              <p:cond delay="0"/>
+                            </p:stCondLst>
+                            <p:childTnLst>
+                              <p:par>
+                                <p:cTn id="5" presetID="2" presetClass="entr" presetSubtype="4" fill="hold" nodeType="clickEffect">
+                                  <p:stCondLst>
+                                    <p:cond delay="0"/>
+                                  </p:stCondLst>
+                                  <p:childTnLst>
+                                    <p:set>
+                                      <p:cBhvr>
+                                        <p:cTn id="6" dur="1" fill="hold">
+                                          <p:stCondLst>
+                                            <p:cond delay="0"/>
+                                          </p:stCondLst>
+                                        </p:cTn>
+                                        <p:tgtEl>
+                                          <p:spTgt spid="2">
+                                            <p:txEl>
+                                              <p:pRg st="0" end="0"/>
+                                            </p:txEl>
+                                          </p:spTgt>
+                                        </p:tgtEl>
+                                        <p:attrNameLst>
+                                          <p:attrName>style.visibility</p:attrName>
+                                        </p:attrNameLst>
+                                      </p:cBhvr>
+                                      <p:to>
+                                        <p:strVal val="visible"/>
+                                      </p:to>
+                                    </p:set>
+                                    <p:anim calcmode="lin" valueType="num">
+                                      <p:cBhvr additive="base">
+                                        <p:cTn id="7" dur="500" fill="hold"/>
+                                        <p:tgtEl>
+                                          <p:spTgt spid="2">
+                                            <p:txEl>
+                                              <p:pRg st="0" end="0"/>
+                                            </p:txEl>
+                                          </p:spTgt>
+                                        </p:tgtEl>
+                                        <p:attrNameLst>
+                                          <p:attrName>ppt_x</p:attrName>
+                                        </p:attrNameLst>
+                                      </p:cBhvr>
+                                      <p:tavLst>
+                                        <p:tav tm="0">
+                                          <p:val>
+                                            <p:strVal val="#ppt_x"/>
+                                          </p:val>
+                                        </p:tav>
+                                        <p:tav tm="100000">
+                                          <p:val>
+                                            <p:strVal val="#ppt_x"/>
+                                          </p:val>
+                                        </p:tav>
+                                      </p:tavLst>
+                                    </p:anim>
+                                    <p:anim calcmode="lin" valueType="num">
+                                      <p:cBhvr additive="base">
+                                        <p:cTn id="8" dur="500" fill="hold"/>
+                                        <p:tgtEl>
+                                          <p:spTgt spid="2">
+                                            <p:txEl>
+                                              <p:pRg st="0" end="0"/>
+                                            </p:txEl>
+                                          </p:spTgt>
+                                        </p:tgtEl>
+                                        <p:attrNameLst>
+                                          <p:attrName>ppt_y</p:attrName>
+                                        </p:attrNameLst>
+                                      </p:cBhvr>
+                                      <p:tavLst>
+                                        <p:tav tm="0">
+                                          <p:val>
+                                            <p:strVal val="1+#ppt_h/2"/>
+                                          </p:val>
+                                        </p:tav>
+                                        <p:tav tm="100000">
+                                          <p:val>
+                                            <p:strVal val="#ppt_y"/>
+                                          </p:val>
+                                        </p:tav>
+                                      </p:tavLst>
+                                    </p:anim>
+                                  </p:childTnLst>
+                                </p:cTn>
+                              </p:par>
+                              <p:par>
+                                <p:cTn id="9" presetID="2" presetClass="entr" presetSubtype="4" fill="hold" nodeType="withEffect">
+                                  <p:stCondLst>
+                                    <p:cond delay="0"/>
+                                  </p:stCondLst>
+                                  <p:childTnLst>
+                                    <p:set>
+                                      <p:cBhvr>
+                                        <p:cTn id="10" dur="1" fill="hold">
+                                          <p:stCondLst>
+                                            <p:cond delay="0"/>
+                                          </p:stCondLst>
+                                        </p:cTn>
+                                        <p:tgtEl>
+                                          <p:spTgt spid="2">
+                                            <p:txEl>
+                                              <p:pRg st="1" end="1"/>
+                                            </p:txEl>
+                                          </p:spTgt>
+                                        </p:tgtEl>
+                                        <p:attrNameLst>
+                                          <p:attrName>style.visibility</p:attrName>
+                                        </p:attrNameLst>
+                                      </p:cBhvr>
+                                      <p:to>
+                                        <p:strVal val="visible"/>
+                                      </p:to>
+                                    </p:set>
+                                    <p:anim calcmode="lin" valueType="num">
+                                      <p:cBhvr additive="base">
+                                        <p:cTn id="11" dur="500" fill="hold"/>
+                                        <p:tgtEl>
+                                          <p:spTgt spid="2">
+                                            <p:txEl>
+                                              <p:pRg st="1" end="1"/>
+                                            </p:txEl>
+                                          </p:spTgt>
+                                        </p:tgtEl>
+                                        <p:attrNameLst>
+                                          <p:attrName>ppt_x</p:attrName>
+                                        </p:attrNameLst>
+                                      </p:cBhvr>
+                                      <p:tavLst>
+                                        <p:tav tm="0">
+                                          <p:val>
+                                            <p:strVal val="#ppt_x"/>
+                                          </p:val>
+                                        </p:tav>
+                                        <p:tav tm="100000">
+                                          <p:val>
+                                            <p:strVal val="#ppt_x"/>
+                                          </p:val>
+                                        </p:tav>
+                                      </p:tavLst>
+                                    </p:anim>
+                                    <p:anim calcmode="lin" valueType="num">
+                                      <p:cBhvr additive="base">
+                                        <p:cTn id="12" dur="500" fill="hold"/>
+                                        <p:tgtEl>
+                                          <p:spTgt spid="2">
+                                            <p:txEl>
+                                              <p:pRg st="1" end="1"/>
+                                            </p:txEl>
+                                          </p:spTgt>
+                                        </p:tgtEl>
+                                        <p:attrNameLst>
+                                          <p:attrName>ppt_y</p:attrName>
+                                        </p:attrNameLst>
+                                      </p:cBhvr>
+                                      <p:tavLst>
+                                        <p:tav tm="0">
+                                          <p:val>
+                                            <p:strVal val="1+#ppt_h/2"/>
+                                          </p:val>
+                                        </p:tav>
+                                        <p:tav tm="100000">
+                                          <p:val>
+                                            <p:strVal val="#ppt_y"/>
+                                          </p:val>
+                                        </p:tav>
+                                      </p:tavLst>
+                                    </p:anim>
+                                  </p:childTnLst>
+                                </p:cTn>
+                              </p:par>
+                            </p:childTnLst>
+                          </p:cTn>
+                        </p:par>
+                      </p:childTnLst>
+                    </p:cTn>
+                  </p:par>
+                  <p:par>
+                    <p:cTn id="13" fill="hold">
+                      <p:stCondLst>
+                        <p:cond delay="indefinite"/>
+                      </p:stCondLst>
+                      <p:childTnLst>
+                        <p:par>
+                          <p:cTn id="14" fill="hold">
+                            <p:stCondLst>
+                              <p:cond delay="0"/>
+                            </p:stCondLst>
+                            <p:childTnLst>
+                              <p:par>
+                                <p:cTn id="15" presetID="2" presetClass="entr" presetSubtype="4" fill="hold" nodeType="clickEffect">
+                                  <p:stCondLst>
+                                    <p:cond delay="0"/>
+                                  </p:stCondLst>
+                                  <p:childTnLst>
+                                    <p:set>
+                                      <p:cBhvr>
+                                        <p:cTn id="16" dur="1" fill="hold">
+                                          <p:stCondLst>
+                                            <p:cond delay="0"/>
+                                          </p:stCondLst>
+                                        </p:cTn>
+                                        <p:tgtEl>
+                                          <p:spTgt spid="2">
+                                            <p:txEl>
+                                              <p:pRg st="3" end="3"/>
+                                            </p:txEl>
+                                          </p:spTgt>
+                                        </p:tgtEl>
+                                        <p:attrNameLst>
+                                          <p:attrName>style.visibility</p:attrName>
+                                        </p:attrNameLst>
+                                      </p:cBhvr>
+                                      <p:to>
+                                        <p:strVal val="visible"/>
+                                      </p:to>
+                                    </p:set>
+                                    <p:anim calcmode="lin" valueType="num">
+                                      <p:cBhvr additive="base">
+                                        <p:cTn id="17" dur="500" fill="hold"/>
+                                        <p:tgtEl>
+                                          <p:spTgt spid="2">
+                                            <p:txEl>
+                                              <p:pRg st="3" end="3"/>
+                                            </p:txEl>
+                                          </p:spTgt>
+                                        </p:tgtEl>
+                                        <p:attrNameLst>
+                                          <p:attrName>ppt_x</p:attrName>
+                                        </p:attrNameLst>
+                                      </p:cBhvr>
+                                      <p:tavLst>
+                                        <p:tav tm="0">
+                                          <p:val>
+                                            <p:strVal val="#ppt_x"/>
+                                          </p:val>
+                                        </p:tav>
+                                        <p:tav tm="100000">
+                                          <p:val>
+                                            <p:strVal val="#ppt_x"/>
+                                          </p:val>
+                                        </p:tav>
+                                      </p:tavLst>
+                                    </p:anim>
+                                    <p:anim calcmode="lin" valueType="num">
+                                      <p:cBhvr additive="base">
+                                        <p:cTn id="18" dur="500" fill="hold"/>
+                                        <p:tgtEl>
+                                          <p:spTgt spid="2">
+                                            <p:txEl>
+                                              <p:pRg st="3" end="3"/>
+                                            </p:txEl>
+                                          </p:spTgt>
+                                        </p:tgtEl>
+                                        <p:attrNameLst>
+                                          <p:attrName>ppt_y</p:attrName>
+                                        </p:attrNameLst>
+                                      </p:cBhvr>
+                                      <p:tavLst>
+                                        <p:tav tm="0">
+                                          <p:val>
+                                            <p:strVal val="1+#ppt_h/2"/>
+                                          </p:val>
+                                        </p:tav>
+                                        <p:tav tm="100000">
+                                          <p:val>
+                                            <p:strVal val="#ppt_y"/>
+                                          </p:val>
+                                        </p:tav>
+                                      </p:tavLst>
+                                    </p:anim>
+                                  </p:childTnLst>
+                                </p:cTn>
+                              </p:par>
+                              <p:par>
+                                <p:cTn id="19" presetID="2" presetClass="entr" presetSubtype="4" fill="hold" nodeType="withEffect">
+                                  <p:stCondLst>
+                                    <p:cond delay="0"/>
+                                  </p:stCondLst>
+                                  <p:childTnLst>
+                                    <p:set>
+                                      <p:cBhvr>
+                                        <p:cTn id="20" dur="1" fill="hold">
+                                          <p:stCondLst>
+                                            <p:cond delay="0"/>
+                                          </p:stCondLst>
+                                        </p:cTn>
+                                        <p:tgtEl>
+                                          <p:spTgt spid="2">
+                                            <p:txEl>
+                                              <p:pRg st="4" end="4"/>
+                                            </p:txEl>
+                                          </p:spTgt>
+                                        </p:tgtEl>
+                                        <p:attrNameLst>
+                                          <p:attrName>style.visibility</p:attrName>
+                                        </p:attrNameLst>
+                                      </p:cBhvr>
+                                      <p:to>
+                                        <p:strVal val="visible"/>
+                                      </p:to>
+                                    </p:set>
+                                    <p:anim calcmode="lin" valueType="num">
+                                      <p:cBhvr additive="base">
+                                        <p:cTn id="21" dur="500" fill="hold"/>
+                                        <p:tgtEl>
+                                          <p:spTgt spid="2">
+                                            <p:txEl>
+                                              <p:pRg st="4" end="4"/>
+                                            </p:txEl>
+                                          </p:spTgt>
+                                        </p:tgtEl>
+                                        <p:attrNameLst>
+                                          <p:attrName>ppt_x</p:attrName>
+                                        </p:attrNameLst>
+                                      </p:cBhvr>
+                                      <p:tavLst>
+                                        <p:tav tm="0">
+                                          <p:val>
+                                            <p:strVal val="#ppt_x"/>
+                                          </p:val>
+                                        </p:tav>
+                                        <p:tav tm="100000">
+                                          <p:val>
+                                            <p:strVal val="#ppt_x"/>
+                                          </p:val>
+                                        </p:tav>
+                                      </p:tavLst>
+                                    </p:anim>
+                                    <p:anim calcmode="lin" valueType="num">
+                                      <p:cBhvr additive="base">
+                                        <p:cTn id="22" dur="500" fill="hold"/>
+                                        <p:tgtEl>
+                                          <p:spTgt spid="2">
+                                            <p:txEl>
+                                              <p:pRg st="4" end="4"/>
+                                            </p:txEl>
+                                          </p:spTgt>
+                                        </p:tgtEl>
+                                        <p:attrNameLst>
+                                          <p:attrName>ppt_y</p:attrName>
+                                        </p:attrNameLst>
+                                      </p:cBhvr>
+                                      <p:tavLst>
+                                        <p:tav tm="0">
+                                          <p:val>
+                                            <p:strVal val="1+#ppt_h/2"/>
+                                          </p:val>
+                                        </p:tav>
+                                        <p:tav tm="100000">
+                                          <p:val>
+                                            <p:strVal val="#ppt_y"/>
+                                          </p:val>
+                                        </p:tav>
+                                      </p:tavLst>
+                                    </p:anim>
+                                  </p:childTnLst>
+                                </p:cTn>
+                              </p:par>
+                            </p:childTnLst>
+                          </p:cTn>
+                        </p:par>
+                      </p:childTnLst>
+                    </p:cTn>
+                  </p:par>
+                </p:childTnLst>
+              </p:cTn>
+              <p:prevCondLst>
+                <p:cond evt="onPrev" delay="0">
+                  <p:tgtEl>
+                    <p:sldTgt/>
+                  </p:tgtEl>
+                </p:cond>
+              </p:prevCondLst>
+              <p:nextCondLst>
+                <p:cond evt="onNext" delay="0">
+                  <p:tgtEl>
+                    <p:sldTgt/>
+                  </p:tgtEl>
+                </p:cond>
+              </p:nextCondLst>
+            </p:seq>
+          </p:childTnLst>
+        </p:cTn>
       </p:par>
     </p:tnLst>
   </p:timing>
@@ -17923,6 +20882,18 @@
   <p:clrMapOvr>
     <a:masterClrMapping/>
   </p:clrMapOvr>
+  <mc:AlternateContent xmlns:mc="http://schemas.openxmlformats.org/markup-compatibility/2006">
+    <mc:Choice xmlns:p14="http://schemas.microsoft.com/office/powerpoint/2010/main" Requires="p14">
+      <p:transition spd="slow" p14:dur="1600">
+        <p14:gallery dir="l"/>
+      </p:transition>
+    </mc:Choice>
+    <mc:Fallback>
+      <p:transition spd="slow">
+        <p:fade/>
+      </p:transition>
+    </mc:Fallback>
+  </mc:AlternateContent>
   <p:timing>
     <p:tnLst>
       <p:par>
@@ -18323,12 +21294,439 @@
   <p:clrMapOvr>
     <a:masterClrMapping/>
   </p:clrMapOvr>
+  <mc:AlternateContent xmlns:mc="http://schemas.openxmlformats.org/markup-compatibility/2006">
+    <mc:Choice xmlns:p14="http://schemas.microsoft.com/office/powerpoint/2010/main" Requires="p14">
+      <p:transition spd="slow" p14:dur="1600">
+        <p14:gallery dir="l"/>
+      </p:transition>
+    </mc:Choice>
+    <mc:Fallback>
+      <p:transition spd="slow">
+        <p:fade/>
+      </p:transition>
+    </mc:Fallback>
+  </mc:AlternateContent>
   <p:timing>
     <p:tnLst>
       <p:par>
-        <p:cTn id="1" dur="indefinite" restart="never" nodeType="tmRoot"/>
+        <p:cTn id="1" dur="indefinite" restart="never" nodeType="tmRoot">
+          <p:childTnLst>
+            <p:seq concurrent="1" nextAc="seek">
+              <p:cTn id="2" dur="indefinite" nodeType="mainSeq">
+                <p:childTnLst>
+                  <p:par>
+                    <p:cTn id="3" fill="hold">
+                      <p:stCondLst>
+                        <p:cond delay="indefinite"/>
+                      </p:stCondLst>
+                      <p:childTnLst>
+                        <p:par>
+                          <p:cTn id="4" fill="hold">
+                            <p:stCondLst>
+                              <p:cond delay="0"/>
+                            </p:stCondLst>
+                            <p:childTnLst>
+                              <p:par>
+                                <p:cTn id="5" presetID="2" presetClass="entr" presetSubtype="2" fill="hold" grpId="0" nodeType="clickEffect">
+                                  <p:stCondLst>
+                                    <p:cond delay="0"/>
+                                  </p:stCondLst>
+                                  <p:childTnLst>
+                                    <p:set>
+                                      <p:cBhvr>
+                                        <p:cTn id="6" dur="1" fill="hold">
+                                          <p:stCondLst>
+                                            <p:cond delay="0"/>
+                                          </p:stCondLst>
+                                        </p:cTn>
+                                        <p:tgtEl>
+                                          <p:spTgt spid="6"/>
+                                        </p:tgtEl>
+                                        <p:attrNameLst>
+                                          <p:attrName>style.visibility</p:attrName>
+                                        </p:attrNameLst>
+                                      </p:cBhvr>
+                                      <p:to>
+                                        <p:strVal val="visible"/>
+                                      </p:to>
+                                    </p:set>
+                                    <p:anim calcmode="lin" valueType="num">
+                                      <p:cBhvr additive="base">
+                                        <p:cTn id="7" dur="500" fill="hold"/>
+                                        <p:tgtEl>
+                                          <p:spTgt spid="6"/>
+                                        </p:tgtEl>
+                                        <p:attrNameLst>
+                                          <p:attrName>ppt_x</p:attrName>
+                                        </p:attrNameLst>
+                                      </p:cBhvr>
+                                      <p:tavLst>
+                                        <p:tav tm="0">
+                                          <p:val>
+                                            <p:strVal val="1+#ppt_w/2"/>
+                                          </p:val>
+                                        </p:tav>
+                                        <p:tav tm="100000">
+                                          <p:val>
+                                            <p:strVal val="#ppt_x"/>
+                                          </p:val>
+                                        </p:tav>
+                                      </p:tavLst>
+                                    </p:anim>
+                                    <p:anim calcmode="lin" valueType="num">
+                                      <p:cBhvr additive="base">
+                                        <p:cTn id="8" dur="500" fill="hold"/>
+                                        <p:tgtEl>
+                                          <p:spTgt spid="6"/>
+                                        </p:tgtEl>
+                                        <p:attrNameLst>
+                                          <p:attrName>ppt_y</p:attrName>
+                                        </p:attrNameLst>
+                                      </p:cBhvr>
+                                      <p:tavLst>
+                                        <p:tav tm="0">
+                                          <p:val>
+                                            <p:strVal val="#ppt_y"/>
+                                          </p:val>
+                                        </p:tav>
+                                        <p:tav tm="100000">
+                                          <p:val>
+                                            <p:strVal val="#ppt_y"/>
+                                          </p:val>
+                                        </p:tav>
+                                      </p:tavLst>
+                                    </p:anim>
+                                  </p:childTnLst>
+                                </p:cTn>
+                              </p:par>
+                              <p:par>
+                                <p:cTn id="9" presetID="2" presetClass="entr" presetSubtype="2" fill="hold" grpId="0" nodeType="withEffect">
+                                  <p:stCondLst>
+                                    <p:cond delay="0"/>
+                                  </p:stCondLst>
+                                  <p:childTnLst>
+                                    <p:set>
+                                      <p:cBhvr>
+                                        <p:cTn id="10" dur="1" fill="hold">
+                                          <p:stCondLst>
+                                            <p:cond delay="0"/>
+                                          </p:stCondLst>
+                                        </p:cTn>
+                                        <p:tgtEl>
+                                          <p:spTgt spid="26"/>
+                                        </p:tgtEl>
+                                        <p:attrNameLst>
+                                          <p:attrName>style.visibility</p:attrName>
+                                        </p:attrNameLst>
+                                      </p:cBhvr>
+                                      <p:to>
+                                        <p:strVal val="visible"/>
+                                      </p:to>
+                                    </p:set>
+                                    <p:anim calcmode="lin" valueType="num">
+                                      <p:cBhvr additive="base">
+                                        <p:cTn id="11" dur="500" fill="hold"/>
+                                        <p:tgtEl>
+                                          <p:spTgt spid="26"/>
+                                        </p:tgtEl>
+                                        <p:attrNameLst>
+                                          <p:attrName>ppt_x</p:attrName>
+                                        </p:attrNameLst>
+                                      </p:cBhvr>
+                                      <p:tavLst>
+                                        <p:tav tm="0">
+                                          <p:val>
+                                            <p:strVal val="1+#ppt_w/2"/>
+                                          </p:val>
+                                        </p:tav>
+                                        <p:tav tm="100000">
+                                          <p:val>
+                                            <p:strVal val="#ppt_x"/>
+                                          </p:val>
+                                        </p:tav>
+                                      </p:tavLst>
+                                    </p:anim>
+                                    <p:anim calcmode="lin" valueType="num">
+                                      <p:cBhvr additive="base">
+                                        <p:cTn id="12" dur="500" fill="hold"/>
+                                        <p:tgtEl>
+                                          <p:spTgt spid="26"/>
+                                        </p:tgtEl>
+                                        <p:attrNameLst>
+                                          <p:attrName>ppt_y</p:attrName>
+                                        </p:attrNameLst>
+                                      </p:cBhvr>
+                                      <p:tavLst>
+                                        <p:tav tm="0">
+                                          <p:val>
+                                            <p:strVal val="#ppt_y"/>
+                                          </p:val>
+                                        </p:tav>
+                                        <p:tav tm="100000">
+                                          <p:val>
+                                            <p:strVal val="#ppt_y"/>
+                                          </p:val>
+                                        </p:tav>
+                                      </p:tavLst>
+                                    </p:anim>
+                                  </p:childTnLst>
+                                </p:cTn>
+                              </p:par>
+                              <p:par>
+                                <p:cTn id="13" presetID="2" presetClass="entr" presetSubtype="2" fill="hold" grpId="0" nodeType="withEffect">
+                                  <p:stCondLst>
+                                    <p:cond delay="0"/>
+                                  </p:stCondLst>
+                                  <p:childTnLst>
+                                    <p:set>
+                                      <p:cBhvr>
+                                        <p:cTn id="14" dur="1" fill="hold">
+                                          <p:stCondLst>
+                                            <p:cond delay="0"/>
+                                          </p:stCondLst>
+                                        </p:cTn>
+                                        <p:tgtEl>
+                                          <p:spTgt spid="27"/>
+                                        </p:tgtEl>
+                                        <p:attrNameLst>
+                                          <p:attrName>style.visibility</p:attrName>
+                                        </p:attrNameLst>
+                                      </p:cBhvr>
+                                      <p:to>
+                                        <p:strVal val="visible"/>
+                                      </p:to>
+                                    </p:set>
+                                    <p:anim calcmode="lin" valueType="num">
+                                      <p:cBhvr additive="base">
+                                        <p:cTn id="15" dur="500" fill="hold"/>
+                                        <p:tgtEl>
+                                          <p:spTgt spid="27"/>
+                                        </p:tgtEl>
+                                        <p:attrNameLst>
+                                          <p:attrName>ppt_x</p:attrName>
+                                        </p:attrNameLst>
+                                      </p:cBhvr>
+                                      <p:tavLst>
+                                        <p:tav tm="0">
+                                          <p:val>
+                                            <p:strVal val="1+#ppt_w/2"/>
+                                          </p:val>
+                                        </p:tav>
+                                        <p:tav tm="100000">
+                                          <p:val>
+                                            <p:strVal val="#ppt_x"/>
+                                          </p:val>
+                                        </p:tav>
+                                      </p:tavLst>
+                                    </p:anim>
+                                    <p:anim calcmode="lin" valueType="num">
+                                      <p:cBhvr additive="base">
+                                        <p:cTn id="16" dur="500" fill="hold"/>
+                                        <p:tgtEl>
+                                          <p:spTgt spid="27"/>
+                                        </p:tgtEl>
+                                        <p:attrNameLst>
+                                          <p:attrName>ppt_y</p:attrName>
+                                        </p:attrNameLst>
+                                      </p:cBhvr>
+                                      <p:tavLst>
+                                        <p:tav tm="0">
+                                          <p:val>
+                                            <p:strVal val="#ppt_y"/>
+                                          </p:val>
+                                        </p:tav>
+                                        <p:tav tm="100000">
+                                          <p:val>
+                                            <p:strVal val="#ppt_y"/>
+                                          </p:val>
+                                        </p:tav>
+                                      </p:tavLst>
+                                    </p:anim>
+                                  </p:childTnLst>
+                                </p:cTn>
+                              </p:par>
+                              <p:par>
+                                <p:cTn id="17" presetID="2" presetClass="entr" presetSubtype="2" fill="hold" grpId="0" nodeType="withEffect">
+                                  <p:stCondLst>
+                                    <p:cond delay="0"/>
+                                  </p:stCondLst>
+                                  <p:childTnLst>
+                                    <p:set>
+                                      <p:cBhvr>
+                                        <p:cTn id="18" dur="1" fill="hold">
+                                          <p:stCondLst>
+                                            <p:cond delay="0"/>
+                                          </p:stCondLst>
+                                        </p:cTn>
+                                        <p:tgtEl>
+                                          <p:spTgt spid="28"/>
+                                        </p:tgtEl>
+                                        <p:attrNameLst>
+                                          <p:attrName>style.visibility</p:attrName>
+                                        </p:attrNameLst>
+                                      </p:cBhvr>
+                                      <p:to>
+                                        <p:strVal val="visible"/>
+                                      </p:to>
+                                    </p:set>
+                                    <p:anim calcmode="lin" valueType="num">
+                                      <p:cBhvr additive="base">
+                                        <p:cTn id="19" dur="500" fill="hold"/>
+                                        <p:tgtEl>
+                                          <p:spTgt spid="28"/>
+                                        </p:tgtEl>
+                                        <p:attrNameLst>
+                                          <p:attrName>ppt_x</p:attrName>
+                                        </p:attrNameLst>
+                                      </p:cBhvr>
+                                      <p:tavLst>
+                                        <p:tav tm="0">
+                                          <p:val>
+                                            <p:strVal val="1+#ppt_w/2"/>
+                                          </p:val>
+                                        </p:tav>
+                                        <p:tav tm="100000">
+                                          <p:val>
+                                            <p:strVal val="#ppt_x"/>
+                                          </p:val>
+                                        </p:tav>
+                                      </p:tavLst>
+                                    </p:anim>
+                                    <p:anim calcmode="lin" valueType="num">
+                                      <p:cBhvr additive="base">
+                                        <p:cTn id="20" dur="500" fill="hold"/>
+                                        <p:tgtEl>
+                                          <p:spTgt spid="28"/>
+                                        </p:tgtEl>
+                                        <p:attrNameLst>
+                                          <p:attrName>ppt_y</p:attrName>
+                                        </p:attrNameLst>
+                                      </p:cBhvr>
+                                      <p:tavLst>
+                                        <p:tav tm="0">
+                                          <p:val>
+                                            <p:strVal val="#ppt_y"/>
+                                          </p:val>
+                                        </p:tav>
+                                        <p:tav tm="100000">
+                                          <p:val>
+                                            <p:strVal val="#ppt_y"/>
+                                          </p:val>
+                                        </p:tav>
+                                      </p:tavLst>
+                                    </p:anim>
+                                  </p:childTnLst>
+                                </p:cTn>
+                              </p:par>
+                              <p:par>
+                                <p:cTn id="21" presetID="2" presetClass="entr" presetSubtype="2" fill="hold" grpId="0" nodeType="withEffect">
+                                  <p:stCondLst>
+                                    <p:cond delay="0"/>
+                                  </p:stCondLst>
+                                  <p:childTnLst>
+                                    <p:set>
+                                      <p:cBhvr>
+                                        <p:cTn id="22" dur="1" fill="hold">
+                                          <p:stCondLst>
+                                            <p:cond delay="0"/>
+                                          </p:stCondLst>
+                                        </p:cTn>
+                                        <p:tgtEl>
+                                          <p:spTgt spid="29"/>
+                                        </p:tgtEl>
+                                        <p:attrNameLst>
+                                          <p:attrName>style.visibility</p:attrName>
+                                        </p:attrNameLst>
+                                      </p:cBhvr>
+                                      <p:to>
+                                        <p:strVal val="visible"/>
+                                      </p:to>
+                                    </p:set>
+                                    <p:anim calcmode="lin" valueType="num">
+                                      <p:cBhvr additive="base">
+                                        <p:cTn id="23" dur="500" fill="hold"/>
+                                        <p:tgtEl>
+                                          <p:spTgt spid="29"/>
+                                        </p:tgtEl>
+                                        <p:attrNameLst>
+                                          <p:attrName>ppt_x</p:attrName>
+                                        </p:attrNameLst>
+                                      </p:cBhvr>
+                                      <p:tavLst>
+                                        <p:tav tm="0">
+                                          <p:val>
+                                            <p:strVal val="1+#ppt_w/2"/>
+                                          </p:val>
+                                        </p:tav>
+                                        <p:tav tm="100000">
+                                          <p:val>
+                                            <p:strVal val="#ppt_x"/>
+                                          </p:val>
+                                        </p:tav>
+                                      </p:tavLst>
+                                    </p:anim>
+                                    <p:anim calcmode="lin" valueType="num">
+                                      <p:cBhvr additive="base">
+                                        <p:cTn id="24" dur="500" fill="hold"/>
+                                        <p:tgtEl>
+                                          <p:spTgt spid="29"/>
+                                        </p:tgtEl>
+                                        <p:attrNameLst>
+                                          <p:attrName>ppt_y</p:attrName>
+                                        </p:attrNameLst>
+                                      </p:cBhvr>
+                                      <p:tavLst>
+                                        <p:tav tm="0">
+                                          <p:val>
+                                            <p:strVal val="#ppt_y"/>
+                                          </p:val>
+                                        </p:tav>
+                                        <p:tav tm="100000">
+                                          <p:val>
+                                            <p:strVal val="#ppt_y"/>
+                                          </p:val>
+                                        </p:tav>
+                                      </p:tavLst>
+                                    </p:anim>
+                                  </p:childTnLst>
+                                </p:cTn>
+                              </p:par>
+                            </p:childTnLst>
+                          </p:cTn>
+                        </p:par>
+                      </p:childTnLst>
+                    </p:cTn>
+                  </p:par>
+                </p:childTnLst>
+              </p:cTn>
+              <p:prevCondLst>
+                <p:cond evt="onPrev" delay="0">
+                  <p:tgtEl>
+                    <p:sldTgt/>
+                  </p:tgtEl>
+                </p:cond>
+              </p:prevCondLst>
+              <p:nextCondLst>
+                <p:cond evt="onNext" delay="0">
+                  <p:tgtEl>
+                    <p:sldTgt/>
+                  </p:tgtEl>
+                </p:cond>
+              </p:nextCondLst>
+            </p:seq>
+          </p:childTnLst>
+        </p:cTn>
       </p:par>
     </p:tnLst>
+    <p:bldLst>
+      <p:bldGraphic spid="6" grpId="0">
+        <p:bldAsOne/>
+      </p:bldGraphic>
+      <p:bldP spid="26" grpId="0" animBg="1"/>
+      <p:bldP spid="27" grpId="0" animBg="1"/>
+      <p:bldP spid="28" grpId="0" animBg="1"/>
+      <p:bldP spid="29" grpId="0" animBg="1"/>
+    </p:bldLst>
   </p:timing>
 </p:sld>
 </file>
@@ -18781,10 +22179,761 @@
   <p:clrMapOvr>
     <a:masterClrMapping/>
   </p:clrMapOvr>
+  <mc:AlternateContent xmlns:mc="http://schemas.openxmlformats.org/markup-compatibility/2006">
+    <mc:Choice xmlns:p14="http://schemas.microsoft.com/office/powerpoint/2010/main" Requires="p14">
+      <p:transition spd="slow" p14:dur="1600">
+        <p14:gallery dir="l"/>
+      </p:transition>
+    </mc:Choice>
+    <mc:Fallback>
+      <p:transition spd="slow">
+        <p:fade/>
+      </p:transition>
+    </mc:Fallback>
+  </mc:AlternateContent>
   <p:timing>
     <p:tnLst>
       <p:par>
-        <p:cTn id="1" dur="indefinite" restart="never" nodeType="tmRoot"/>
+        <p:cTn id="1" dur="indefinite" restart="never" nodeType="tmRoot">
+          <p:childTnLst>
+            <p:seq concurrent="1" nextAc="seek">
+              <p:cTn id="2" dur="indefinite" nodeType="mainSeq">
+                <p:childTnLst>
+                  <p:par>
+                    <p:cTn id="3" fill="hold">
+                      <p:stCondLst>
+                        <p:cond delay="indefinite"/>
+                      </p:stCondLst>
+                      <p:childTnLst>
+                        <p:par>
+                          <p:cTn id="4" fill="hold">
+                            <p:stCondLst>
+                              <p:cond delay="0"/>
+                            </p:stCondLst>
+                            <p:childTnLst>
+                              <p:par>
+                                <p:cTn id="5" presetID="2" presetClass="entr" presetSubtype="4" fill="hold" nodeType="clickEffect">
+                                  <p:stCondLst>
+                                    <p:cond delay="0"/>
+                                  </p:stCondLst>
+                                  <p:childTnLst>
+                                    <p:set>
+                                      <p:cBhvr>
+                                        <p:cTn id="6" dur="1" fill="hold">
+                                          <p:stCondLst>
+                                            <p:cond delay="0"/>
+                                          </p:stCondLst>
+                                        </p:cTn>
+                                        <p:tgtEl>
+                                          <p:spTgt spid="3">
+                                            <p:txEl>
+                                              <p:pRg st="0" end="0"/>
+                                            </p:txEl>
+                                          </p:spTgt>
+                                        </p:tgtEl>
+                                        <p:attrNameLst>
+                                          <p:attrName>style.visibility</p:attrName>
+                                        </p:attrNameLst>
+                                      </p:cBhvr>
+                                      <p:to>
+                                        <p:strVal val="visible"/>
+                                      </p:to>
+                                    </p:set>
+                                    <p:anim calcmode="lin" valueType="num">
+                                      <p:cBhvr additive="base">
+                                        <p:cTn id="7" dur="500" fill="hold"/>
+                                        <p:tgtEl>
+                                          <p:spTgt spid="3">
+                                            <p:txEl>
+                                              <p:pRg st="0" end="0"/>
+                                            </p:txEl>
+                                          </p:spTgt>
+                                        </p:tgtEl>
+                                        <p:attrNameLst>
+                                          <p:attrName>ppt_x</p:attrName>
+                                        </p:attrNameLst>
+                                      </p:cBhvr>
+                                      <p:tavLst>
+                                        <p:tav tm="0">
+                                          <p:val>
+                                            <p:strVal val="#ppt_x"/>
+                                          </p:val>
+                                        </p:tav>
+                                        <p:tav tm="100000">
+                                          <p:val>
+                                            <p:strVal val="#ppt_x"/>
+                                          </p:val>
+                                        </p:tav>
+                                      </p:tavLst>
+                                    </p:anim>
+                                    <p:anim calcmode="lin" valueType="num">
+                                      <p:cBhvr additive="base">
+                                        <p:cTn id="8" dur="500" fill="hold"/>
+                                        <p:tgtEl>
+                                          <p:spTgt spid="3">
+                                            <p:txEl>
+                                              <p:pRg st="0" end="0"/>
+                                            </p:txEl>
+                                          </p:spTgt>
+                                        </p:tgtEl>
+                                        <p:attrNameLst>
+                                          <p:attrName>ppt_y</p:attrName>
+                                        </p:attrNameLst>
+                                      </p:cBhvr>
+                                      <p:tavLst>
+                                        <p:tav tm="0">
+                                          <p:val>
+                                            <p:strVal val="1+#ppt_h/2"/>
+                                          </p:val>
+                                        </p:tav>
+                                        <p:tav tm="100000">
+                                          <p:val>
+                                            <p:strVal val="#ppt_y"/>
+                                          </p:val>
+                                        </p:tav>
+                                      </p:tavLst>
+                                    </p:anim>
+                                  </p:childTnLst>
+                                </p:cTn>
+                              </p:par>
+                              <p:par>
+                                <p:cTn id="9" presetID="2" presetClass="entr" presetSubtype="4" fill="hold" nodeType="withEffect">
+                                  <p:stCondLst>
+                                    <p:cond delay="0"/>
+                                  </p:stCondLst>
+                                  <p:childTnLst>
+                                    <p:set>
+                                      <p:cBhvr>
+                                        <p:cTn id="10" dur="1" fill="hold">
+                                          <p:stCondLst>
+                                            <p:cond delay="0"/>
+                                          </p:stCondLst>
+                                        </p:cTn>
+                                        <p:tgtEl>
+                                          <p:spTgt spid="3">
+                                            <p:txEl>
+                                              <p:pRg st="1" end="1"/>
+                                            </p:txEl>
+                                          </p:spTgt>
+                                        </p:tgtEl>
+                                        <p:attrNameLst>
+                                          <p:attrName>style.visibility</p:attrName>
+                                        </p:attrNameLst>
+                                      </p:cBhvr>
+                                      <p:to>
+                                        <p:strVal val="visible"/>
+                                      </p:to>
+                                    </p:set>
+                                    <p:anim calcmode="lin" valueType="num">
+                                      <p:cBhvr additive="base">
+                                        <p:cTn id="11" dur="500" fill="hold"/>
+                                        <p:tgtEl>
+                                          <p:spTgt spid="3">
+                                            <p:txEl>
+                                              <p:pRg st="1" end="1"/>
+                                            </p:txEl>
+                                          </p:spTgt>
+                                        </p:tgtEl>
+                                        <p:attrNameLst>
+                                          <p:attrName>ppt_x</p:attrName>
+                                        </p:attrNameLst>
+                                      </p:cBhvr>
+                                      <p:tavLst>
+                                        <p:tav tm="0">
+                                          <p:val>
+                                            <p:strVal val="#ppt_x"/>
+                                          </p:val>
+                                        </p:tav>
+                                        <p:tav tm="100000">
+                                          <p:val>
+                                            <p:strVal val="#ppt_x"/>
+                                          </p:val>
+                                        </p:tav>
+                                      </p:tavLst>
+                                    </p:anim>
+                                    <p:anim calcmode="lin" valueType="num">
+                                      <p:cBhvr additive="base">
+                                        <p:cTn id="12" dur="500" fill="hold"/>
+                                        <p:tgtEl>
+                                          <p:spTgt spid="3">
+                                            <p:txEl>
+                                              <p:pRg st="1" end="1"/>
+                                            </p:txEl>
+                                          </p:spTgt>
+                                        </p:tgtEl>
+                                        <p:attrNameLst>
+                                          <p:attrName>ppt_y</p:attrName>
+                                        </p:attrNameLst>
+                                      </p:cBhvr>
+                                      <p:tavLst>
+                                        <p:tav tm="0">
+                                          <p:val>
+                                            <p:strVal val="1+#ppt_h/2"/>
+                                          </p:val>
+                                        </p:tav>
+                                        <p:tav tm="100000">
+                                          <p:val>
+                                            <p:strVal val="#ppt_y"/>
+                                          </p:val>
+                                        </p:tav>
+                                      </p:tavLst>
+                                    </p:anim>
+                                  </p:childTnLst>
+                                </p:cTn>
+                              </p:par>
+                              <p:par>
+                                <p:cTn id="13" presetID="2" presetClass="entr" presetSubtype="4" fill="hold" nodeType="withEffect">
+                                  <p:stCondLst>
+                                    <p:cond delay="0"/>
+                                  </p:stCondLst>
+                                  <p:childTnLst>
+                                    <p:set>
+                                      <p:cBhvr>
+                                        <p:cTn id="14" dur="1" fill="hold">
+                                          <p:stCondLst>
+                                            <p:cond delay="0"/>
+                                          </p:stCondLst>
+                                        </p:cTn>
+                                        <p:tgtEl>
+                                          <p:spTgt spid="3">
+                                            <p:txEl>
+                                              <p:pRg st="2" end="2"/>
+                                            </p:txEl>
+                                          </p:spTgt>
+                                        </p:tgtEl>
+                                        <p:attrNameLst>
+                                          <p:attrName>style.visibility</p:attrName>
+                                        </p:attrNameLst>
+                                      </p:cBhvr>
+                                      <p:to>
+                                        <p:strVal val="visible"/>
+                                      </p:to>
+                                    </p:set>
+                                    <p:anim calcmode="lin" valueType="num">
+                                      <p:cBhvr additive="base">
+                                        <p:cTn id="15" dur="500" fill="hold"/>
+                                        <p:tgtEl>
+                                          <p:spTgt spid="3">
+                                            <p:txEl>
+                                              <p:pRg st="2" end="2"/>
+                                            </p:txEl>
+                                          </p:spTgt>
+                                        </p:tgtEl>
+                                        <p:attrNameLst>
+                                          <p:attrName>ppt_x</p:attrName>
+                                        </p:attrNameLst>
+                                      </p:cBhvr>
+                                      <p:tavLst>
+                                        <p:tav tm="0">
+                                          <p:val>
+                                            <p:strVal val="#ppt_x"/>
+                                          </p:val>
+                                        </p:tav>
+                                        <p:tav tm="100000">
+                                          <p:val>
+                                            <p:strVal val="#ppt_x"/>
+                                          </p:val>
+                                        </p:tav>
+                                      </p:tavLst>
+                                    </p:anim>
+                                    <p:anim calcmode="lin" valueType="num">
+                                      <p:cBhvr additive="base">
+                                        <p:cTn id="16" dur="500" fill="hold"/>
+                                        <p:tgtEl>
+                                          <p:spTgt spid="3">
+                                            <p:txEl>
+                                              <p:pRg st="2" end="2"/>
+                                            </p:txEl>
+                                          </p:spTgt>
+                                        </p:tgtEl>
+                                        <p:attrNameLst>
+                                          <p:attrName>ppt_y</p:attrName>
+                                        </p:attrNameLst>
+                                      </p:cBhvr>
+                                      <p:tavLst>
+                                        <p:tav tm="0">
+                                          <p:val>
+                                            <p:strVal val="1+#ppt_h/2"/>
+                                          </p:val>
+                                        </p:tav>
+                                        <p:tav tm="100000">
+                                          <p:val>
+                                            <p:strVal val="#ppt_y"/>
+                                          </p:val>
+                                        </p:tav>
+                                      </p:tavLst>
+                                    </p:anim>
+                                  </p:childTnLst>
+                                </p:cTn>
+                              </p:par>
+                              <p:par>
+                                <p:cTn id="17" presetID="2" presetClass="entr" presetSubtype="4" fill="hold" nodeType="withEffect">
+                                  <p:stCondLst>
+                                    <p:cond delay="0"/>
+                                  </p:stCondLst>
+                                  <p:childTnLst>
+                                    <p:set>
+                                      <p:cBhvr>
+                                        <p:cTn id="18" dur="1" fill="hold">
+                                          <p:stCondLst>
+                                            <p:cond delay="0"/>
+                                          </p:stCondLst>
+                                        </p:cTn>
+                                        <p:tgtEl>
+                                          <p:spTgt spid="3">
+                                            <p:txEl>
+                                              <p:pRg st="3" end="3"/>
+                                            </p:txEl>
+                                          </p:spTgt>
+                                        </p:tgtEl>
+                                        <p:attrNameLst>
+                                          <p:attrName>style.visibility</p:attrName>
+                                        </p:attrNameLst>
+                                      </p:cBhvr>
+                                      <p:to>
+                                        <p:strVal val="visible"/>
+                                      </p:to>
+                                    </p:set>
+                                    <p:anim calcmode="lin" valueType="num">
+                                      <p:cBhvr additive="base">
+                                        <p:cTn id="19" dur="500" fill="hold"/>
+                                        <p:tgtEl>
+                                          <p:spTgt spid="3">
+                                            <p:txEl>
+                                              <p:pRg st="3" end="3"/>
+                                            </p:txEl>
+                                          </p:spTgt>
+                                        </p:tgtEl>
+                                        <p:attrNameLst>
+                                          <p:attrName>ppt_x</p:attrName>
+                                        </p:attrNameLst>
+                                      </p:cBhvr>
+                                      <p:tavLst>
+                                        <p:tav tm="0">
+                                          <p:val>
+                                            <p:strVal val="#ppt_x"/>
+                                          </p:val>
+                                        </p:tav>
+                                        <p:tav tm="100000">
+                                          <p:val>
+                                            <p:strVal val="#ppt_x"/>
+                                          </p:val>
+                                        </p:tav>
+                                      </p:tavLst>
+                                    </p:anim>
+                                    <p:anim calcmode="lin" valueType="num">
+                                      <p:cBhvr additive="base">
+                                        <p:cTn id="20" dur="500" fill="hold"/>
+                                        <p:tgtEl>
+                                          <p:spTgt spid="3">
+                                            <p:txEl>
+                                              <p:pRg st="3" end="3"/>
+                                            </p:txEl>
+                                          </p:spTgt>
+                                        </p:tgtEl>
+                                        <p:attrNameLst>
+                                          <p:attrName>ppt_y</p:attrName>
+                                        </p:attrNameLst>
+                                      </p:cBhvr>
+                                      <p:tavLst>
+                                        <p:tav tm="0">
+                                          <p:val>
+                                            <p:strVal val="1+#ppt_h/2"/>
+                                          </p:val>
+                                        </p:tav>
+                                        <p:tav tm="100000">
+                                          <p:val>
+                                            <p:strVal val="#ppt_y"/>
+                                          </p:val>
+                                        </p:tav>
+                                      </p:tavLst>
+                                    </p:anim>
+                                  </p:childTnLst>
+                                </p:cTn>
+                              </p:par>
+                            </p:childTnLst>
+                          </p:cTn>
+                        </p:par>
+                      </p:childTnLst>
+                    </p:cTn>
+                  </p:par>
+                  <p:par>
+                    <p:cTn id="21" fill="hold">
+                      <p:stCondLst>
+                        <p:cond delay="indefinite"/>
+                      </p:stCondLst>
+                      <p:childTnLst>
+                        <p:par>
+                          <p:cTn id="22" fill="hold">
+                            <p:stCondLst>
+                              <p:cond delay="0"/>
+                            </p:stCondLst>
+                            <p:childTnLst>
+                              <p:par>
+                                <p:cTn id="23" presetID="2" presetClass="entr" presetSubtype="6" fill="hold" nodeType="clickEffect">
+                                  <p:stCondLst>
+                                    <p:cond delay="0"/>
+                                  </p:stCondLst>
+                                  <p:childTnLst>
+                                    <p:set>
+                                      <p:cBhvr>
+                                        <p:cTn id="24" dur="1" fill="hold">
+                                          <p:stCondLst>
+                                            <p:cond delay="0"/>
+                                          </p:stCondLst>
+                                        </p:cTn>
+                                        <p:tgtEl>
+                                          <p:spTgt spid="3">
+                                            <p:txEl>
+                                              <p:pRg st="4" end="4"/>
+                                            </p:txEl>
+                                          </p:spTgt>
+                                        </p:tgtEl>
+                                        <p:attrNameLst>
+                                          <p:attrName>style.visibility</p:attrName>
+                                        </p:attrNameLst>
+                                      </p:cBhvr>
+                                      <p:to>
+                                        <p:strVal val="visible"/>
+                                      </p:to>
+                                    </p:set>
+                                    <p:anim calcmode="lin" valueType="num">
+                                      <p:cBhvr additive="base">
+                                        <p:cTn id="25" dur="500" fill="hold"/>
+                                        <p:tgtEl>
+                                          <p:spTgt spid="3">
+                                            <p:txEl>
+                                              <p:pRg st="4" end="4"/>
+                                            </p:txEl>
+                                          </p:spTgt>
+                                        </p:tgtEl>
+                                        <p:attrNameLst>
+                                          <p:attrName>ppt_x</p:attrName>
+                                        </p:attrNameLst>
+                                      </p:cBhvr>
+                                      <p:tavLst>
+                                        <p:tav tm="0">
+                                          <p:val>
+                                            <p:strVal val="1+#ppt_w/2"/>
+                                          </p:val>
+                                        </p:tav>
+                                        <p:tav tm="100000">
+                                          <p:val>
+                                            <p:strVal val="#ppt_x"/>
+                                          </p:val>
+                                        </p:tav>
+                                      </p:tavLst>
+                                    </p:anim>
+                                    <p:anim calcmode="lin" valueType="num">
+                                      <p:cBhvr additive="base">
+                                        <p:cTn id="26" dur="500" fill="hold"/>
+                                        <p:tgtEl>
+                                          <p:spTgt spid="3">
+                                            <p:txEl>
+                                              <p:pRg st="4" end="4"/>
+                                            </p:txEl>
+                                          </p:spTgt>
+                                        </p:tgtEl>
+                                        <p:attrNameLst>
+                                          <p:attrName>ppt_y</p:attrName>
+                                        </p:attrNameLst>
+                                      </p:cBhvr>
+                                      <p:tavLst>
+                                        <p:tav tm="0">
+                                          <p:val>
+                                            <p:strVal val="1+#ppt_h/2"/>
+                                          </p:val>
+                                        </p:tav>
+                                        <p:tav tm="100000">
+                                          <p:val>
+                                            <p:strVal val="#ppt_y"/>
+                                          </p:val>
+                                        </p:tav>
+                                      </p:tavLst>
+                                    </p:anim>
+                                  </p:childTnLst>
+                                </p:cTn>
+                              </p:par>
+                              <p:par>
+                                <p:cTn id="27" presetID="2" presetClass="entr" presetSubtype="6" fill="hold" nodeType="withEffect">
+                                  <p:stCondLst>
+                                    <p:cond delay="0"/>
+                                  </p:stCondLst>
+                                  <p:childTnLst>
+                                    <p:set>
+                                      <p:cBhvr>
+                                        <p:cTn id="28" dur="1" fill="hold">
+                                          <p:stCondLst>
+                                            <p:cond delay="0"/>
+                                          </p:stCondLst>
+                                        </p:cTn>
+                                        <p:tgtEl>
+                                          <p:spTgt spid="3">
+                                            <p:txEl>
+                                              <p:pRg st="5" end="5"/>
+                                            </p:txEl>
+                                          </p:spTgt>
+                                        </p:tgtEl>
+                                        <p:attrNameLst>
+                                          <p:attrName>style.visibility</p:attrName>
+                                        </p:attrNameLst>
+                                      </p:cBhvr>
+                                      <p:to>
+                                        <p:strVal val="visible"/>
+                                      </p:to>
+                                    </p:set>
+                                    <p:anim calcmode="lin" valueType="num">
+                                      <p:cBhvr additive="base">
+                                        <p:cTn id="29" dur="500" fill="hold"/>
+                                        <p:tgtEl>
+                                          <p:spTgt spid="3">
+                                            <p:txEl>
+                                              <p:pRg st="5" end="5"/>
+                                            </p:txEl>
+                                          </p:spTgt>
+                                        </p:tgtEl>
+                                        <p:attrNameLst>
+                                          <p:attrName>ppt_x</p:attrName>
+                                        </p:attrNameLst>
+                                      </p:cBhvr>
+                                      <p:tavLst>
+                                        <p:tav tm="0">
+                                          <p:val>
+                                            <p:strVal val="1+#ppt_w/2"/>
+                                          </p:val>
+                                        </p:tav>
+                                        <p:tav tm="100000">
+                                          <p:val>
+                                            <p:strVal val="#ppt_x"/>
+                                          </p:val>
+                                        </p:tav>
+                                      </p:tavLst>
+                                    </p:anim>
+                                    <p:anim calcmode="lin" valueType="num">
+                                      <p:cBhvr additive="base">
+                                        <p:cTn id="30" dur="500" fill="hold"/>
+                                        <p:tgtEl>
+                                          <p:spTgt spid="3">
+                                            <p:txEl>
+                                              <p:pRg st="5" end="5"/>
+                                            </p:txEl>
+                                          </p:spTgt>
+                                        </p:tgtEl>
+                                        <p:attrNameLst>
+                                          <p:attrName>ppt_y</p:attrName>
+                                        </p:attrNameLst>
+                                      </p:cBhvr>
+                                      <p:tavLst>
+                                        <p:tav tm="0">
+                                          <p:val>
+                                            <p:strVal val="1+#ppt_h/2"/>
+                                          </p:val>
+                                        </p:tav>
+                                        <p:tav tm="100000">
+                                          <p:val>
+                                            <p:strVal val="#ppt_y"/>
+                                          </p:val>
+                                        </p:tav>
+                                      </p:tavLst>
+                                    </p:anim>
+                                  </p:childTnLst>
+                                </p:cTn>
+                              </p:par>
+                              <p:par>
+                                <p:cTn id="31" presetID="2" presetClass="entr" presetSubtype="6" fill="hold" nodeType="withEffect">
+                                  <p:stCondLst>
+                                    <p:cond delay="0"/>
+                                  </p:stCondLst>
+                                  <p:childTnLst>
+                                    <p:set>
+                                      <p:cBhvr>
+                                        <p:cTn id="32" dur="1" fill="hold">
+                                          <p:stCondLst>
+                                            <p:cond delay="0"/>
+                                          </p:stCondLst>
+                                        </p:cTn>
+                                        <p:tgtEl>
+                                          <p:spTgt spid="3">
+                                            <p:txEl>
+                                              <p:pRg st="6" end="6"/>
+                                            </p:txEl>
+                                          </p:spTgt>
+                                        </p:tgtEl>
+                                        <p:attrNameLst>
+                                          <p:attrName>style.visibility</p:attrName>
+                                        </p:attrNameLst>
+                                      </p:cBhvr>
+                                      <p:to>
+                                        <p:strVal val="visible"/>
+                                      </p:to>
+                                    </p:set>
+                                    <p:anim calcmode="lin" valueType="num">
+                                      <p:cBhvr additive="base">
+                                        <p:cTn id="33" dur="500" fill="hold"/>
+                                        <p:tgtEl>
+                                          <p:spTgt spid="3">
+                                            <p:txEl>
+                                              <p:pRg st="6" end="6"/>
+                                            </p:txEl>
+                                          </p:spTgt>
+                                        </p:tgtEl>
+                                        <p:attrNameLst>
+                                          <p:attrName>ppt_x</p:attrName>
+                                        </p:attrNameLst>
+                                      </p:cBhvr>
+                                      <p:tavLst>
+                                        <p:tav tm="0">
+                                          <p:val>
+                                            <p:strVal val="1+#ppt_w/2"/>
+                                          </p:val>
+                                        </p:tav>
+                                        <p:tav tm="100000">
+                                          <p:val>
+                                            <p:strVal val="#ppt_x"/>
+                                          </p:val>
+                                        </p:tav>
+                                      </p:tavLst>
+                                    </p:anim>
+                                    <p:anim calcmode="lin" valueType="num">
+                                      <p:cBhvr additive="base">
+                                        <p:cTn id="34" dur="500" fill="hold"/>
+                                        <p:tgtEl>
+                                          <p:spTgt spid="3">
+                                            <p:txEl>
+                                              <p:pRg st="6" end="6"/>
+                                            </p:txEl>
+                                          </p:spTgt>
+                                        </p:tgtEl>
+                                        <p:attrNameLst>
+                                          <p:attrName>ppt_y</p:attrName>
+                                        </p:attrNameLst>
+                                      </p:cBhvr>
+                                      <p:tavLst>
+                                        <p:tav tm="0">
+                                          <p:val>
+                                            <p:strVal val="1+#ppt_h/2"/>
+                                          </p:val>
+                                        </p:tav>
+                                        <p:tav tm="100000">
+                                          <p:val>
+                                            <p:strVal val="#ppt_y"/>
+                                          </p:val>
+                                        </p:tav>
+                                      </p:tavLst>
+                                    </p:anim>
+                                  </p:childTnLst>
+                                </p:cTn>
+                              </p:par>
+                              <p:par>
+                                <p:cTn id="35" presetID="2" presetClass="entr" presetSubtype="6" fill="hold" nodeType="withEffect">
+                                  <p:stCondLst>
+                                    <p:cond delay="0"/>
+                                  </p:stCondLst>
+                                  <p:childTnLst>
+                                    <p:set>
+                                      <p:cBhvr>
+                                        <p:cTn id="36" dur="1" fill="hold">
+                                          <p:stCondLst>
+                                            <p:cond delay="0"/>
+                                          </p:stCondLst>
+                                        </p:cTn>
+                                        <p:tgtEl>
+                                          <p:spTgt spid="3">
+                                            <p:txEl>
+                                              <p:pRg st="7" end="7"/>
+                                            </p:txEl>
+                                          </p:spTgt>
+                                        </p:tgtEl>
+                                        <p:attrNameLst>
+                                          <p:attrName>style.visibility</p:attrName>
+                                        </p:attrNameLst>
+                                      </p:cBhvr>
+                                      <p:to>
+                                        <p:strVal val="visible"/>
+                                      </p:to>
+                                    </p:set>
+                                    <p:anim calcmode="lin" valueType="num">
+                                      <p:cBhvr additive="base">
+                                        <p:cTn id="37" dur="500" fill="hold"/>
+                                        <p:tgtEl>
+                                          <p:spTgt spid="3">
+                                            <p:txEl>
+                                              <p:pRg st="7" end="7"/>
+                                            </p:txEl>
+                                          </p:spTgt>
+                                        </p:tgtEl>
+                                        <p:attrNameLst>
+                                          <p:attrName>ppt_x</p:attrName>
+                                        </p:attrNameLst>
+                                      </p:cBhvr>
+                                      <p:tavLst>
+                                        <p:tav tm="0">
+                                          <p:val>
+                                            <p:strVal val="1+#ppt_w/2"/>
+                                          </p:val>
+                                        </p:tav>
+                                        <p:tav tm="100000">
+                                          <p:val>
+                                            <p:strVal val="#ppt_x"/>
+                                          </p:val>
+                                        </p:tav>
+                                      </p:tavLst>
+                                    </p:anim>
+                                    <p:anim calcmode="lin" valueType="num">
+                                      <p:cBhvr additive="base">
+                                        <p:cTn id="38" dur="500" fill="hold"/>
+                                        <p:tgtEl>
+                                          <p:spTgt spid="3">
+                                            <p:txEl>
+                                              <p:pRg st="7" end="7"/>
+                                            </p:txEl>
+                                          </p:spTgt>
+                                        </p:tgtEl>
+                                        <p:attrNameLst>
+                                          <p:attrName>ppt_y</p:attrName>
+                                        </p:attrNameLst>
+                                      </p:cBhvr>
+                                      <p:tavLst>
+                                        <p:tav tm="0">
+                                          <p:val>
+                                            <p:strVal val="1+#ppt_h/2"/>
+                                          </p:val>
+                                        </p:tav>
+                                        <p:tav tm="100000">
+                                          <p:val>
+                                            <p:strVal val="#ppt_y"/>
+                                          </p:val>
+                                        </p:tav>
+                                      </p:tavLst>
+                                    </p:anim>
+                                  </p:childTnLst>
+                                </p:cTn>
+                              </p:par>
+                            </p:childTnLst>
+                          </p:cTn>
+                        </p:par>
+                      </p:childTnLst>
+                    </p:cTn>
+                  </p:par>
+                </p:childTnLst>
+              </p:cTn>
+              <p:prevCondLst>
+                <p:cond evt="onPrev" delay="0">
+                  <p:tgtEl>
+                    <p:sldTgt/>
+                  </p:tgtEl>
+                </p:cond>
+              </p:prevCondLst>
+              <p:nextCondLst>
+                <p:cond evt="onNext" delay="0">
+                  <p:tgtEl>
+                    <p:sldTgt/>
+                  </p:tgtEl>
+                </p:cond>
+              </p:nextCondLst>
+            </p:seq>
+          </p:childTnLst>
+        </p:cTn>
       </p:par>
     </p:tnLst>
   </p:timing>
@@ -19008,16 +23157,7 @@
                 </a:solidFill>
                 <a:latin typeface="+mj-lt"/>
               </a:rPr>
-              <a:t>Gọi </a:t>
-            </a:r>
-            <a:r>
-              <a:rPr lang="en-US" sz="2400" b="1" smtClean="0">
-                <a:solidFill>
-                  <a:srgbClr val="000000"/>
-                </a:solidFill>
-                <a:latin typeface="+mj-lt"/>
-              </a:rPr>
-              <a:t>static method</a:t>
+              <a:t>Gọi static method</a:t>
             </a:r>
           </a:p>
           <a:p>
@@ -19074,10 +23214,318 @@
   <p:clrMapOvr>
     <a:masterClrMapping/>
   </p:clrMapOvr>
+  <mc:AlternateContent xmlns:mc="http://schemas.openxmlformats.org/markup-compatibility/2006">
+    <mc:Choice xmlns:p14="http://schemas.microsoft.com/office/powerpoint/2010/main" Requires="p14">
+      <p:transition spd="slow" p14:dur="1600">
+        <p14:gallery dir="l"/>
+      </p:transition>
+    </mc:Choice>
+    <mc:Fallback>
+      <p:transition spd="slow">
+        <p:fade/>
+      </p:transition>
+    </mc:Fallback>
+  </mc:AlternateContent>
   <p:timing>
     <p:tnLst>
       <p:par>
-        <p:cTn id="1" dur="indefinite" restart="never" nodeType="tmRoot"/>
+        <p:cTn id="1" dur="indefinite" restart="never" nodeType="tmRoot">
+          <p:childTnLst>
+            <p:seq concurrent="1" nextAc="seek">
+              <p:cTn id="2" dur="indefinite" nodeType="mainSeq">
+                <p:childTnLst>
+                  <p:par>
+                    <p:cTn id="3" fill="hold">
+                      <p:stCondLst>
+                        <p:cond delay="indefinite"/>
+                      </p:stCondLst>
+                      <p:childTnLst>
+                        <p:par>
+                          <p:cTn id="4" fill="hold">
+                            <p:stCondLst>
+                              <p:cond delay="0"/>
+                            </p:stCondLst>
+                            <p:childTnLst>
+                              <p:par>
+                                <p:cTn id="5" presetID="2" presetClass="entr" presetSubtype="4" fill="hold" nodeType="clickEffect">
+                                  <p:stCondLst>
+                                    <p:cond delay="0"/>
+                                  </p:stCondLst>
+                                  <p:childTnLst>
+                                    <p:set>
+                                      <p:cBhvr>
+                                        <p:cTn id="6" dur="1" fill="hold">
+                                          <p:stCondLst>
+                                            <p:cond delay="0"/>
+                                          </p:stCondLst>
+                                        </p:cTn>
+                                        <p:tgtEl>
+                                          <p:spTgt spid="3">
+                                            <p:txEl>
+                                              <p:pRg st="0" end="0"/>
+                                            </p:txEl>
+                                          </p:spTgt>
+                                        </p:tgtEl>
+                                        <p:attrNameLst>
+                                          <p:attrName>style.visibility</p:attrName>
+                                        </p:attrNameLst>
+                                      </p:cBhvr>
+                                      <p:to>
+                                        <p:strVal val="visible"/>
+                                      </p:to>
+                                    </p:set>
+                                    <p:anim calcmode="lin" valueType="num">
+                                      <p:cBhvr additive="base">
+                                        <p:cTn id="7" dur="500" fill="hold"/>
+                                        <p:tgtEl>
+                                          <p:spTgt spid="3">
+                                            <p:txEl>
+                                              <p:pRg st="0" end="0"/>
+                                            </p:txEl>
+                                          </p:spTgt>
+                                        </p:tgtEl>
+                                        <p:attrNameLst>
+                                          <p:attrName>ppt_x</p:attrName>
+                                        </p:attrNameLst>
+                                      </p:cBhvr>
+                                      <p:tavLst>
+                                        <p:tav tm="0">
+                                          <p:val>
+                                            <p:strVal val="#ppt_x"/>
+                                          </p:val>
+                                        </p:tav>
+                                        <p:tav tm="100000">
+                                          <p:val>
+                                            <p:strVal val="#ppt_x"/>
+                                          </p:val>
+                                        </p:tav>
+                                      </p:tavLst>
+                                    </p:anim>
+                                    <p:anim calcmode="lin" valueType="num">
+                                      <p:cBhvr additive="base">
+                                        <p:cTn id="8" dur="500" fill="hold"/>
+                                        <p:tgtEl>
+                                          <p:spTgt spid="3">
+                                            <p:txEl>
+                                              <p:pRg st="0" end="0"/>
+                                            </p:txEl>
+                                          </p:spTgt>
+                                        </p:tgtEl>
+                                        <p:attrNameLst>
+                                          <p:attrName>ppt_y</p:attrName>
+                                        </p:attrNameLst>
+                                      </p:cBhvr>
+                                      <p:tavLst>
+                                        <p:tav tm="0">
+                                          <p:val>
+                                            <p:strVal val="1+#ppt_h/2"/>
+                                          </p:val>
+                                        </p:tav>
+                                        <p:tav tm="100000">
+                                          <p:val>
+                                            <p:strVal val="#ppt_y"/>
+                                          </p:val>
+                                        </p:tav>
+                                      </p:tavLst>
+                                    </p:anim>
+                                  </p:childTnLst>
+                                </p:cTn>
+                              </p:par>
+                              <p:par>
+                                <p:cTn id="9" presetID="2" presetClass="entr" presetSubtype="4" fill="hold" nodeType="withEffect">
+                                  <p:stCondLst>
+                                    <p:cond delay="0"/>
+                                  </p:stCondLst>
+                                  <p:childTnLst>
+                                    <p:set>
+                                      <p:cBhvr>
+                                        <p:cTn id="10" dur="1" fill="hold">
+                                          <p:stCondLst>
+                                            <p:cond delay="0"/>
+                                          </p:stCondLst>
+                                        </p:cTn>
+                                        <p:tgtEl>
+                                          <p:spTgt spid="3">
+                                            <p:txEl>
+                                              <p:pRg st="1" end="1"/>
+                                            </p:txEl>
+                                          </p:spTgt>
+                                        </p:tgtEl>
+                                        <p:attrNameLst>
+                                          <p:attrName>style.visibility</p:attrName>
+                                        </p:attrNameLst>
+                                      </p:cBhvr>
+                                      <p:to>
+                                        <p:strVal val="visible"/>
+                                      </p:to>
+                                    </p:set>
+                                    <p:anim calcmode="lin" valueType="num">
+                                      <p:cBhvr additive="base">
+                                        <p:cTn id="11" dur="500" fill="hold"/>
+                                        <p:tgtEl>
+                                          <p:spTgt spid="3">
+                                            <p:txEl>
+                                              <p:pRg st="1" end="1"/>
+                                            </p:txEl>
+                                          </p:spTgt>
+                                        </p:tgtEl>
+                                        <p:attrNameLst>
+                                          <p:attrName>ppt_x</p:attrName>
+                                        </p:attrNameLst>
+                                      </p:cBhvr>
+                                      <p:tavLst>
+                                        <p:tav tm="0">
+                                          <p:val>
+                                            <p:strVal val="#ppt_x"/>
+                                          </p:val>
+                                        </p:tav>
+                                        <p:tav tm="100000">
+                                          <p:val>
+                                            <p:strVal val="#ppt_x"/>
+                                          </p:val>
+                                        </p:tav>
+                                      </p:tavLst>
+                                    </p:anim>
+                                    <p:anim calcmode="lin" valueType="num">
+                                      <p:cBhvr additive="base">
+                                        <p:cTn id="12" dur="500" fill="hold"/>
+                                        <p:tgtEl>
+                                          <p:spTgt spid="3">
+                                            <p:txEl>
+                                              <p:pRg st="1" end="1"/>
+                                            </p:txEl>
+                                          </p:spTgt>
+                                        </p:tgtEl>
+                                        <p:attrNameLst>
+                                          <p:attrName>ppt_y</p:attrName>
+                                        </p:attrNameLst>
+                                      </p:cBhvr>
+                                      <p:tavLst>
+                                        <p:tav tm="0">
+                                          <p:val>
+                                            <p:strVal val="1+#ppt_h/2"/>
+                                          </p:val>
+                                        </p:tav>
+                                        <p:tav tm="100000">
+                                          <p:val>
+                                            <p:strVal val="#ppt_y"/>
+                                          </p:val>
+                                        </p:tav>
+                                      </p:tavLst>
+                                    </p:anim>
+                                  </p:childTnLst>
+                                </p:cTn>
+                              </p:par>
+                              <p:par>
+                                <p:cTn id="13" presetID="2" presetClass="entr" presetSubtype="4" fill="hold" nodeType="withEffect">
+                                  <p:stCondLst>
+                                    <p:cond delay="0"/>
+                                  </p:stCondLst>
+                                  <p:childTnLst>
+                                    <p:set>
+                                      <p:cBhvr>
+                                        <p:cTn id="14" dur="1" fill="hold">
+                                          <p:stCondLst>
+                                            <p:cond delay="0"/>
+                                          </p:stCondLst>
+                                        </p:cTn>
+                                        <p:tgtEl>
+                                          <p:spTgt spid="3">
+                                            <p:txEl>
+                                              <p:pRg st="2" end="2"/>
+                                            </p:txEl>
+                                          </p:spTgt>
+                                        </p:tgtEl>
+                                        <p:attrNameLst>
+                                          <p:attrName>style.visibility</p:attrName>
+                                        </p:attrNameLst>
+                                      </p:cBhvr>
+                                      <p:to>
+                                        <p:strVal val="visible"/>
+                                      </p:to>
+                                    </p:set>
+                                    <p:anim calcmode="lin" valueType="num">
+                                      <p:cBhvr additive="base">
+                                        <p:cTn id="15" dur="500" fill="hold"/>
+                                        <p:tgtEl>
+                                          <p:spTgt spid="3">
+                                            <p:txEl>
+                                              <p:pRg st="2" end="2"/>
+                                            </p:txEl>
+                                          </p:spTgt>
+                                        </p:tgtEl>
+                                        <p:attrNameLst>
+                                          <p:attrName>ppt_x</p:attrName>
+                                        </p:attrNameLst>
+                                      </p:cBhvr>
+                                      <p:tavLst>
+                                        <p:tav tm="0">
+                                          <p:val>
+                                            <p:strVal val="#ppt_x"/>
+                                          </p:val>
+                                        </p:tav>
+                                        <p:tav tm="100000">
+                                          <p:val>
+                                            <p:strVal val="#ppt_x"/>
+                                          </p:val>
+                                        </p:tav>
+                                      </p:tavLst>
+                                    </p:anim>
+                                    <p:anim calcmode="lin" valueType="num">
+                                      <p:cBhvr additive="base">
+                                        <p:cTn id="16" dur="500" fill="hold"/>
+                                        <p:tgtEl>
+                                          <p:spTgt spid="3">
+                                            <p:txEl>
+                                              <p:pRg st="2" end="2"/>
+                                            </p:txEl>
+                                          </p:spTgt>
+                                        </p:tgtEl>
+                                        <p:attrNameLst>
+                                          <p:attrName>ppt_y</p:attrName>
+                                        </p:attrNameLst>
+                                      </p:cBhvr>
+                                      <p:tavLst>
+                                        <p:tav tm="0">
+                                          <p:val>
+                                            <p:strVal val="1+#ppt_h/2"/>
+                                          </p:val>
+                                        </p:tav>
+                                        <p:tav tm="100000">
+                                          <p:val>
+                                            <p:strVal val="#ppt_y"/>
+                                          </p:val>
+                                        </p:tav>
+                                      </p:tavLst>
+                                    </p:anim>
+                                  </p:childTnLst>
+                                </p:cTn>
+                              </p:par>
+                            </p:childTnLst>
+                          </p:cTn>
+                        </p:par>
+                      </p:childTnLst>
+                    </p:cTn>
+                  </p:par>
+                </p:childTnLst>
+              </p:cTn>
+              <p:prevCondLst>
+                <p:cond evt="onPrev" delay="0">
+                  <p:tgtEl>
+                    <p:sldTgt/>
+                  </p:tgtEl>
+                </p:cond>
+              </p:prevCondLst>
+              <p:nextCondLst>
+                <p:cond evt="onNext" delay="0">
+                  <p:tgtEl>
+                    <p:sldTgt/>
+                  </p:tgtEl>
+                </p:cond>
+              </p:nextCondLst>
+            </p:seq>
+          </p:childTnLst>
+        </p:cTn>
       </p:par>
     </p:tnLst>
   </p:timing>
@@ -20066,12 +24514,244 @@
   <p:clrMapOvr>
     <a:masterClrMapping/>
   </p:clrMapOvr>
+  <mc:AlternateContent xmlns:mc="http://schemas.openxmlformats.org/markup-compatibility/2006">
+    <mc:Choice xmlns:p14="http://schemas.microsoft.com/office/powerpoint/2010/main" Requires="p14">
+      <p:transition spd="slow" p14:dur="1600">
+        <p14:gallery dir="l"/>
+      </p:transition>
+    </mc:Choice>
+    <mc:Fallback>
+      <p:transition spd="slow">
+        <p:fade/>
+      </p:transition>
+    </mc:Fallback>
+  </mc:AlternateContent>
   <p:timing>
     <p:tnLst>
       <p:par>
-        <p:cTn id="1" dur="indefinite" restart="never" nodeType="tmRoot"/>
+        <p:cTn id="1" dur="indefinite" restart="never" nodeType="tmRoot">
+          <p:childTnLst>
+            <p:seq concurrent="1" nextAc="seek">
+              <p:cTn id="2" dur="indefinite" nodeType="mainSeq">
+                <p:childTnLst>
+                  <p:par>
+                    <p:cTn id="3" fill="hold">
+                      <p:stCondLst>
+                        <p:cond delay="indefinite"/>
+                      </p:stCondLst>
+                      <p:childTnLst>
+                        <p:par>
+                          <p:cTn id="4" fill="hold">
+                            <p:stCondLst>
+                              <p:cond delay="0"/>
+                            </p:stCondLst>
+                            <p:childTnLst>
+                              <p:par>
+                                <p:cTn id="5" presetID="2" presetClass="entr" presetSubtype="4" fill="hold" grpId="0" nodeType="clickEffect">
+                                  <p:stCondLst>
+                                    <p:cond delay="0"/>
+                                  </p:stCondLst>
+                                  <p:childTnLst>
+                                    <p:set>
+                                      <p:cBhvr>
+                                        <p:cTn id="6" dur="1" fill="hold">
+                                          <p:stCondLst>
+                                            <p:cond delay="0"/>
+                                          </p:stCondLst>
+                                        </p:cTn>
+                                        <p:tgtEl>
+                                          <p:spTgt spid="3">
+                                            <p:txEl>
+                                              <p:pRg st="0" end="0"/>
+                                            </p:txEl>
+                                          </p:spTgt>
+                                        </p:tgtEl>
+                                        <p:attrNameLst>
+                                          <p:attrName>style.visibility</p:attrName>
+                                        </p:attrNameLst>
+                                      </p:cBhvr>
+                                      <p:to>
+                                        <p:strVal val="visible"/>
+                                      </p:to>
+                                    </p:set>
+                                    <p:anim calcmode="lin" valueType="num">
+                                      <p:cBhvr additive="base">
+                                        <p:cTn id="7" dur="500" fill="hold"/>
+                                        <p:tgtEl>
+                                          <p:spTgt spid="3">
+                                            <p:txEl>
+                                              <p:pRg st="0" end="0"/>
+                                            </p:txEl>
+                                          </p:spTgt>
+                                        </p:tgtEl>
+                                        <p:attrNameLst>
+                                          <p:attrName>ppt_x</p:attrName>
+                                        </p:attrNameLst>
+                                      </p:cBhvr>
+                                      <p:tavLst>
+                                        <p:tav tm="0">
+                                          <p:val>
+                                            <p:strVal val="#ppt_x"/>
+                                          </p:val>
+                                        </p:tav>
+                                        <p:tav tm="100000">
+                                          <p:val>
+                                            <p:strVal val="#ppt_x"/>
+                                          </p:val>
+                                        </p:tav>
+                                      </p:tavLst>
+                                    </p:anim>
+                                    <p:anim calcmode="lin" valueType="num">
+                                      <p:cBhvr additive="base">
+                                        <p:cTn id="8" dur="500" fill="hold"/>
+                                        <p:tgtEl>
+                                          <p:spTgt spid="3">
+                                            <p:txEl>
+                                              <p:pRg st="0" end="0"/>
+                                            </p:txEl>
+                                          </p:spTgt>
+                                        </p:tgtEl>
+                                        <p:attrNameLst>
+                                          <p:attrName>ppt_y</p:attrName>
+                                        </p:attrNameLst>
+                                      </p:cBhvr>
+                                      <p:tavLst>
+                                        <p:tav tm="0">
+                                          <p:val>
+                                            <p:strVal val="1+#ppt_h/2"/>
+                                          </p:val>
+                                        </p:tav>
+                                        <p:tav tm="100000">
+                                          <p:val>
+                                            <p:strVal val="#ppt_y"/>
+                                          </p:val>
+                                        </p:tav>
+                                      </p:tavLst>
+                                    </p:anim>
+                                  </p:childTnLst>
+                                </p:cTn>
+                              </p:par>
+                            </p:childTnLst>
+                          </p:cTn>
+                        </p:par>
+                      </p:childTnLst>
+                    </p:cTn>
+                  </p:par>
+                  <p:par>
+                    <p:cTn id="9" fill="hold">
+                      <p:stCondLst>
+                        <p:cond delay="indefinite"/>
+                      </p:stCondLst>
+                      <p:childTnLst>
+                        <p:par>
+                          <p:cTn id="10" fill="hold">
+                            <p:stCondLst>
+                              <p:cond delay="0"/>
+                            </p:stCondLst>
+                            <p:childTnLst>
+                              <p:par>
+                                <p:cTn id="11" presetID="2" presetClass="entr" presetSubtype="4" fill="hold" nodeType="clickEffect">
+                                  <p:stCondLst>
+                                    <p:cond delay="0"/>
+                                  </p:stCondLst>
+                                  <p:childTnLst>
+                                    <p:set>
+                                      <p:cBhvr>
+                                        <p:cTn id="12" dur="1" fill="hold">
+                                          <p:stCondLst>
+                                            <p:cond delay="0"/>
+                                          </p:stCondLst>
+                                        </p:cTn>
+                                        <p:tgtEl>
+                                          <p:spTgt spid="2"/>
+                                        </p:tgtEl>
+                                        <p:attrNameLst>
+                                          <p:attrName>style.visibility</p:attrName>
+                                        </p:attrNameLst>
+                                      </p:cBhvr>
+                                      <p:to>
+                                        <p:strVal val="visible"/>
+                                      </p:to>
+                                    </p:set>
+                                    <p:anim calcmode="lin" valueType="num">
+                                      <p:cBhvr additive="base">
+                                        <p:cTn id="13" dur="500" fill="hold"/>
+                                        <p:tgtEl>
+                                          <p:spTgt spid="2"/>
+                                        </p:tgtEl>
+                                        <p:attrNameLst>
+                                          <p:attrName>ppt_x</p:attrName>
+                                        </p:attrNameLst>
+                                      </p:cBhvr>
+                                      <p:tavLst>
+                                        <p:tav tm="0">
+                                          <p:val>
+                                            <p:strVal val="#ppt_x"/>
+                                          </p:val>
+                                        </p:tav>
+                                        <p:tav tm="100000">
+                                          <p:val>
+                                            <p:strVal val="#ppt_x"/>
+                                          </p:val>
+                                        </p:tav>
+                                      </p:tavLst>
+                                    </p:anim>
+                                    <p:anim calcmode="lin" valueType="num">
+                                      <p:cBhvr additive="base">
+                                        <p:cTn id="14" dur="500" fill="hold"/>
+                                        <p:tgtEl>
+                                          <p:spTgt spid="2"/>
+                                        </p:tgtEl>
+                                        <p:attrNameLst>
+                                          <p:attrName>ppt_y</p:attrName>
+                                        </p:attrNameLst>
+                                      </p:cBhvr>
+                                      <p:tavLst>
+                                        <p:tav tm="0">
+                                          <p:val>
+                                            <p:strVal val="1+#ppt_h/2"/>
+                                          </p:val>
+                                        </p:tav>
+                                        <p:tav tm="100000">
+                                          <p:val>
+                                            <p:strVal val="#ppt_y"/>
+                                          </p:val>
+                                        </p:tav>
+                                      </p:tavLst>
+                                    </p:anim>
+                                  </p:childTnLst>
+                                </p:cTn>
+                              </p:par>
+                            </p:childTnLst>
+                          </p:cTn>
+                        </p:par>
+                      </p:childTnLst>
+                    </p:cTn>
+                  </p:par>
+                </p:childTnLst>
+              </p:cTn>
+              <p:prevCondLst>
+                <p:cond evt="onPrev" delay="0">
+                  <p:tgtEl>
+                    <p:sldTgt/>
+                  </p:tgtEl>
+                </p:cond>
+              </p:prevCondLst>
+              <p:nextCondLst>
+                <p:cond evt="onNext" delay="0">
+                  <p:tgtEl>
+                    <p:sldTgt/>
+                  </p:tgtEl>
+                </p:cond>
+              </p:nextCondLst>
+            </p:seq>
+          </p:childTnLst>
+        </p:cTn>
       </p:par>
     </p:tnLst>
+    <p:bldLst>
+      <p:bldP spid="3" grpId="0" build="p"/>
+    </p:bldLst>
   </p:timing>
 </p:sld>
 </file>
@@ -20408,10 +25088,318 @@
   <p:clrMapOvr>
     <a:masterClrMapping/>
   </p:clrMapOvr>
+  <mc:AlternateContent xmlns:mc="http://schemas.openxmlformats.org/markup-compatibility/2006">
+    <mc:Choice xmlns:p14="http://schemas.microsoft.com/office/powerpoint/2010/main" Requires="p14">
+      <p:transition spd="slow" p14:dur="1600">
+        <p14:gallery dir="l"/>
+      </p:transition>
+    </mc:Choice>
+    <mc:Fallback>
+      <p:transition spd="slow">
+        <p:fade/>
+      </p:transition>
+    </mc:Fallback>
+  </mc:AlternateContent>
   <p:timing>
     <p:tnLst>
       <p:par>
-        <p:cTn id="1" dur="indefinite" restart="never" nodeType="tmRoot"/>
+        <p:cTn id="1" dur="indefinite" restart="never" nodeType="tmRoot">
+          <p:childTnLst>
+            <p:seq concurrent="1" nextAc="seek">
+              <p:cTn id="2" dur="indefinite" nodeType="mainSeq">
+                <p:childTnLst>
+                  <p:par>
+                    <p:cTn id="3" fill="hold">
+                      <p:stCondLst>
+                        <p:cond delay="indefinite"/>
+                      </p:stCondLst>
+                      <p:childTnLst>
+                        <p:par>
+                          <p:cTn id="4" fill="hold">
+                            <p:stCondLst>
+                              <p:cond delay="0"/>
+                            </p:stCondLst>
+                            <p:childTnLst>
+                              <p:par>
+                                <p:cTn id="5" presetID="2" presetClass="entr" presetSubtype="4" fill="hold" nodeType="clickEffect">
+                                  <p:stCondLst>
+                                    <p:cond delay="0"/>
+                                  </p:stCondLst>
+                                  <p:childTnLst>
+                                    <p:set>
+                                      <p:cBhvr>
+                                        <p:cTn id="6" dur="1" fill="hold">
+                                          <p:stCondLst>
+                                            <p:cond delay="0"/>
+                                          </p:stCondLst>
+                                        </p:cTn>
+                                        <p:tgtEl>
+                                          <p:spTgt spid="3">
+                                            <p:txEl>
+                                              <p:pRg st="0" end="0"/>
+                                            </p:txEl>
+                                          </p:spTgt>
+                                        </p:tgtEl>
+                                        <p:attrNameLst>
+                                          <p:attrName>style.visibility</p:attrName>
+                                        </p:attrNameLst>
+                                      </p:cBhvr>
+                                      <p:to>
+                                        <p:strVal val="visible"/>
+                                      </p:to>
+                                    </p:set>
+                                    <p:anim calcmode="lin" valueType="num">
+                                      <p:cBhvr additive="base">
+                                        <p:cTn id="7" dur="500" fill="hold"/>
+                                        <p:tgtEl>
+                                          <p:spTgt spid="3">
+                                            <p:txEl>
+                                              <p:pRg st="0" end="0"/>
+                                            </p:txEl>
+                                          </p:spTgt>
+                                        </p:tgtEl>
+                                        <p:attrNameLst>
+                                          <p:attrName>ppt_x</p:attrName>
+                                        </p:attrNameLst>
+                                      </p:cBhvr>
+                                      <p:tavLst>
+                                        <p:tav tm="0">
+                                          <p:val>
+                                            <p:strVal val="#ppt_x"/>
+                                          </p:val>
+                                        </p:tav>
+                                        <p:tav tm="100000">
+                                          <p:val>
+                                            <p:strVal val="#ppt_x"/>
+                                          </p:val>
+                                        </p:tav>
+                                      </p:tavLst>
+                                    </p:anim>
+                                    <p:anim calcmode="lin" valueType="num">
+                                      <p:cBhvr additive="base">
+                                        <p:cTn id="8" dur="500" fill="hold"/>
+                                        <p:tgtEl>
+                                          <p:spTgt spid="3">
+                                            <p:txEl>
+                                              <p:pRg st="0" end="0"/>
+                                            </p:txEl>
+                                          </p:spTgt>
+                                        </p:tgtEl>
+                                        <p:attrNameLst>
+                                          <p:attrName>ppt_y</p:attrName>
+                                        </p:attrNameLst>
+                                      </p:cBhvr>
+                                      <p:tavLst>
+                                        <p:tav tm="0">
+                                          <p:val>
+                                            <p:strVal val="1+#ppt_h/2"/>
+                                          </p:val>
+                                        </p:tav>
+                                        <p:tav tm="100000">
+                                          <p:val>
+                                            <p:strVal val="#ppt_y"/>
+                                          </p:val>
+                                        </p:tav>
+                                      </p:tavLst>
+                                    </p:anim>
+                                  </p:childTnLst>
+                                </p:cTn>
+                              </p:par>
+                              <p:par>
+                                <p:cTn id="9" presetID="2" presetClass="entr" presetSubtype="4" fill="hold" nodeType="withEffect">
+                                  <p:stCondLst>
+                                    <p:cond delay="0"/>
+                                  </p:stCondLst>
+                                  <p:childTnLst>
+                                    <p:set>
+                                      <p:cBhvr>
+                                        <p:cTn id="10" dur="1" fill="hold">
+                                          <p:stCondLst>
+                                            <p:cond delay="0"/>
+                                          </p:stCondLst>
+                                        </p:cTn>
+                                        <p:tgtEl>
+                                          <p:spTgt spid="3">
+                                            <p:txEl>
+                                              <p:pRg st="1" end="1"/>
+                                            </p:txEl>
+                                          </p:spTgt>
+                                        </p:tgtEl>
+                                        <p:attrNameLst>
+                                          <p:attrName>style.visibility</p:attrName>
+                                        </p:attrNameLst>
+                                      </p:cBhvr>
+                                      <p:to>
+                                        <p:strVal val="visible"/>
+                                      </p:to>
+                                    </p:set>
+                                    <p:anim calcmode="lin" valueType="num">
+                                      <p:cBhvr additive="base">
+                                        <p:cTn id="11" dur="500" fill="hold"/>
+                                        <p:tgtEl>
+                                          <p:spTgt spid="3">
+                                            <p:txEl>
+                                              <p:pRg st="1" end="1"/>
+                                            </p:txEl>
+                                          </p:spTgt>
+                                        </p:tgtEl>
+                                        <p:attrNameLst>
+                                          <p:attrName>ppt_x</p:attrName>
+                                        </p:attrNameLst>
+                                      </p:cBhvr>
+                                      <p:tavLst>
+                                        <p:tav tm="0">
+                                          <p:val>
+                                            <p:strVal val="#ppt_x"/>
+                                          </p:val>
+                                        </p:tav>
+                                        <p:tav tm="100000">
+                                          <p:val>
+                                            <p:strVal val="#ppt_x"/>
+                                          </p:val>
+                                        </p:tav>
+                                      </p:tavLst>
+                                    </p:anim>
+                                    <p:anim calcmode="lin" valueType="num">
+                                      <p:cBhvr additive="base">
+                                        <p:cTn id="12" dur="500" fill="hold"/>
+                                        <p:tgtEl>
+                                          <p:spTgt spid="3">
+                                            <p:txEl>
+                                              <p:pRg st="1" end="1"/>
+                                            </p:txEl>
+                                          </p:spTgt>
+                                        </p:tgtEl>
+                                        <p:attrNameLst>
+                                          <p:attrName>ppt_y</p:attrName>
+                                        </p:attrNameLst>
+                                      </p:cBhvr>
+                                      <p:tavLst>
+                                        <p:tav tm="0">
+                                          <p:val>
+                                            <p:strVal val="1+#ppt_h/2"/>
+                                          </p:val>
+                                        </p:tav>
+                                        <p:tav tm="100000">
+                                          <p:val>
+                                            <p:strVal val="#ppt_y"/>
+                                          </p:val>
+                                        </p:tav>
+                                      </p:tavLst>
+                                    </p:anim>
+                                  </p:childTnLst>
+                                </p:cTn>
+                              </p:par>
+                              <p:par>
+                                <p:cTn id="13" presetID="2" presetClass="entr" presetSubtype="4" fill="hold" nodeType="withEffect">
+                                  <p:stCondLst>
+                                    <p:cond delay="0"/>
+                                  </p:stCondLst>
+                                  <p:childTnLst>
+                                    <p:set>
+                                      <p:cBhvr>
+                                        <p:cTn id="14" dur="1" fill="hold">
+                                          <p:stCondLst>
+                                            <p:cond delay="0"/>
+                                          </p:stCondLst>
+                                        </p:cTn>
+                                        <p:tgtEl>
+                                          <p:spTgt spid="3">
+                                            <p:txEl>
+                                              <p:pRg st="2" end="2"/>
+                                            </p:txEl>
+                                          </p:spTgt>
+                                        </p:tgtEl>
+                                        <p:attrNameLst>
+                                          <p:attrName>style.visibility</p:attrName>
+                                        </p:attrNameLst>
+                                      </p:cBhvr>
+                                      <p:to>
+                                        <p:strVal val="visible"/>
+                                      </p:to>
+                                    </p:set>
+                                    <p:anim calcmode="lin" valueType="num">
+                                      <p:cBhvr additive="base">
+                                        <p:cTn id="15" dur="500" fill="hold"/>
+                                        <p:tgtEl>
+                                          <p:spTgt spid="3">
+                                            <p:txEl>
+                                              <p:pRg st="2" end="2"/>
+                                            </p:txEl>
+                                          </p:spTgt>
+                                        </p:tgtEl>
+                                        <p:attrNameLst>
+                                          <p:attrName>ppt_x</p:attrName>
+                                        </p:attrNameLst>
+                                      </p:cBhvr>
+                                      <p:tavLst>
+                                        <p:tav tm="0">
+                                          <p:val>
+                                            <p:strVal val="#ppt_x"/>
+                                          </p:val>
+                                        </p:tav>
+                                        <p:tav tm="100000">
+                                          <p:val>
+                                            <p:strVal val="#ppt_x"/>
+                                          </p:val>
+                                        </p:tav>
+                                      </p:tavLst>
+                                    </p:anim>
+                                    <p:anim calcmode="lin" valueType="num">
+                                      <p:cBhvr additive="base">
+                                        <p:cTn id="16" dur="500" fill="hold"/>
+                                        <p:tgtEl>
+                                          <p:spTgt spid="3">
+                                            <p:txEl>
+                                              <p:pRg st="2" end="2"/>
+                                            </p:txEl>
+                                          </p:spTgt>
+                                        </p:tgtEl>
+                                        <p:attrNameLst>
+                                          <p:attrName>ppt_y</p:attrName>
+                                        </p:attrNameLst>
+                                      </p:cBhvr>
+                                      <p:tavLst>
+                                        <p:tav tm="0">
+                                          <p:val>
+                                            <p:strVal val="1+#ppt_h/2"/>
+                                          </p:val>
+                                        </p:tav>
+                                        <p:tav tm="100000">
+                                          <p:val>
+                                            <p:strVal val="#ppt_y"/>
+                                          </p:val>
+                                        </p:tav>
+                                      </p:tavLst>
+                                    </p:anim>
+                                  </p:childTnLst>
+                                </p:cTn>
+                              </p:par>
+                            </p:childTnLst>
+                          </p:cTn>
+                        </p:par>
+                      </p:childTnLst>
+                    </p:cTn>
+                  </p:par>
+                </p:childTnLst>
+              </p:cTn>
+              <p:prevCondLst>
+                <p:cond evt="onPrev" delay="0">
+                  <p:tgtEl>
+                    <p:sldTgt/>
+                  </p:tgtEl>
+                </p:cond>
+              </p:prevCondLst>
+              <p:nextCondLst>
+                <p:cond evt="onNext" delay="0">
+                  <p:tgtEl>
+                    <p:sldTgt/>
+                  </p:tgtEl>
+                </p:cond>
+              </p:nextCondLst>
+            </p:seq>
+          </p:childTnLst>
+        </p:cTn>
       </p:par>
     </p:tnLst>
   </p:timing>
@@ -20812,10 +25800,506 @@
   <p:clrMapOvr>
     <a:masterClrMapping/>
   </p:clrMapOvr>
+  <mc:AlternateContent xmlns:mc="http://schemas.openxmlformats.org/markup-compatibility/2006">
+    <mc:Choice xmlns:p14="http://schemas.microsoft.com/office/powerpoint/2010/main" Requires="p14">
+      <p:transition spd="slow" p14:dur="1600">
+        <p14:gallery dir="l"/>
+      </p:transition>
+    </mc:Choice>
+    <mc:Fallback>
+      <p:transition spd="slow">
+        <p:fade/>
+      </p:transition>
+    </mc:Fallback>
+  </mc:AlternateContent>
   <p:timing>
     <p:tnLst>
       <p:par>
-        <p:cTn id="1" dur="indefinite" restart="never" nodeType="tmRoot"/>
+        <p:cTn id="1" dur="indefinite" restart="never" nodeType="tmRoot">
+          <p:childTnLst>
+            <p:seq concurrent="1" nextAc="seek">
+              <p:cTn id="2" dur="indefinite" nodeType="mainSeq">
+                <p:childTnLst>
+                  <p:par>
+                    <p:cTn id="3" fill="hold">
+                      <p:stCondLst>
+                        <p:cond delay="indefinite"/>
+                      </p:stCondLst>
+                      <p:childTnLst>
+                        <p:par>
+                          <p:cTn id="4" fill="hold">
+                            <p:stCondLst>
+                              <p:cond delay="0"/>
+                            </p:stCondLst>
+                            <p:childTnLst>
+                              <p:par>
+                                <p:cTn id="5" presetID="2" presetClass="entr" presetSubtype="4" fill="hold" nodeType="clickEffect">
+                                  <p:stCondLst>
+                                    <p:cond delay="0"/>
+                                  </p:stCondLst>
+                                  <p:childTnLst>
+                                    <p:set>
+                                      <p:cBhvr>
+                                        <p:cTn id="6" dur="1" fill="hold">
+                                          <p:stCondLst>
+                                            <p:cond delay="0"/>
+                                          </p:stCondLst>
+                                        </p:cTn>
+                                        <p:tgtEl>
+                                          <p:spTgt spid="5">
+                                            <p:txEl>
+                                              <p:pRg st="0" end="0"/>
+                                            </p:txEl>
+                                          </p:spTgt>
+                                        </p:tgtEl>
+                                        <p:attrNameLst>
+                                          <p:attrName>style.visibility</p:attrName>
+                                        </p:attrNameLst>
+                                      </p:cBhvr>
+                                      <p:to>
+                                        <p:strVal val="visible"/>
+                                      </p:to>
+                                    </p:set>
+                                    <p:anim calcmode="lin" valueType="num">
+                                      <p:cBhvr additive="base">
+                                        <p:cTn id="7" dur="500" fill="hold"/>
+                                        <p:tgtEl>
+                                          <p:spTgt spid="5">
+                                            <p:txEl>
+                                              <p:pRg st="0" end="0"/>
+                                            </p:txEl>
+                                          </p:spTgt>
+                                        </p:tgtEl>
+                                        <p:attrNameLst>
+                                          <p:attrName>ppt_x</p:attrName>
+                                        </p:attrNameLst>
+                                      </p:cBhvr>
+                                      <p:tavLst>
+                                        <p:tav tm="0">
+                                          <p:val>
+                                            <p:strVal val="#ppt_x"/>
+                                          </p:val>
+                                        </p:tav>
+                                        <p:tav tm="100000">
+                                          <p:val>
+                                            <p:strVal val="#ppt_x"/>
+                                          </p:val>
+                                        </p:tav>
+                                      </p:tavLst>
+                                    </p:anim>
+                                    <p:anim calcmode="lin" valueType="num">
+                                      <p:cBhvr additive="base">
+                                        <p:cTn id="8" dur="500" fill="hold"/>
+                                        <p:tgtEl>
+                                          <p:spTgt spid="5">
+                                            <p:txEl>
+                                              <p:pRg st="0" end="0"/>
+                                            </p:txEl>
+                                          </p:spTgt>
+                                        </p:tgtEl>
+                                        <p:attrNameLst>
+                                          <p:attrName>ppt_y</p:attrName>
+                                        </p:attrNameLst>
+                                      </p:cBhvr>
+                                      <p:tavLst>
+                                        <p:tav tm="0">
+                                          <p:val>
+                                            <p:strVal val="1+#ppt_h/2"/>
+                                          </p:val>
+                                        </p:tav>
+                                        <p:tav tm="100000">
+                                          <p:val>
+                                            <p:strVal val="#ppt_y"/>
+                                          </p:val>
+                                        </p:tav>
+                                      </p:tavLst>
+                                    </p:anim>
+                                  </p:childTnLst>
+                                </p:cTn>
+                              </p:par>
+                              <p:par>
+                                <p:cTn id="9" presetID="2" presetClass="entr" presetSubtype="4" fill="hold" nodeType="withEffect">
+                                  <p:stCondLst>
+                                    <p:cond delay="0"/>
+                                  </p:stCondLst>
+                                  <p:childTnLst>
+                                    <p:set>
+                                      <p:cBhvr>
+                                        <p:cTn id="10" dur="1" fill="hold">
+                                          <p:stCondLst>
+                                            <p:cond delay="0"/>
+                                          </p:stCondLst>
+                                        </p:cTn>
+                                        <p:tgtEl>
+                                          <p:spTgt spid="5">
+                                            <p:txEl>
+                                              <p:pRg st="1" end="1"/>
+                                            </p:txEl>
+                                          </p:spTgt>
+                                        </p:tgtEl>
+                                        <p:attrNameLst>
+                                          <p:attrName>style.visibility</p:attrName>
+                                        </p:attrNameLst>
+                                      </p:cBhvr>
+                                      <p:to>
+                                        <p:strVal val="visible"/>
+                                      </p:to>
+                                    </p:set>
+                                    <p:anim calcmode="lin" valueType="num">
+                                      <p:cBhvr additive="base">
+                                        <p:cTn id="11" dur="500" fill="hold"/>
+                                        <p:tgtEl>
+                                          <p:spTgt spid="5">
+                                            <p:txEl>
+                                              <p:pRg st="1" end="1"/>
+                                            </p:txEl>
+                                          </p:spTgt>
+                                        </p:tgtEl>
+                                        <p:attrNameLst>
+                                          <p:attrName>ppt_x</p:attrName>
+                                        </p:attrNameLst>
+                                      </p:cBhvr>
+                                      <p:tavLst>
+                                        <p:tav tm="0">
+                                          <p:val>
+                                            <p:strVal val="#ppt_x"/>
+                                          </p:val>
+                                        </p:tav>
+                                        <p:tav tm="100000">
+                                          <p:val>
+                                            <p:strVal val="#ppt_x"/>
+                                          </p:val>
+                                        </p:tav>
+                                      </p:tavLst>
+                                    </p:anim>
+                                    <p:anim calcmode="lin" valueType="num">
+                                      <p:cBhvr additive="base">
+                                        <p:cTn id="12" dur="500" fill="hold"/>
+                                        <p:tgtEl>
+                                          <p:spTgt spid="5">
+                                            <p:txEl>
+                                              <p:pRg st="1" end="1"/>
+                                            </p:txEl>
+                                          </p:spTgt>
+                                        </p:tgtEl>
+                                        <p:attrNameLst>
+                                          <p:attrName>ppt_y</p:attrName>
+                                        </p:attrNameLst>
+                                      </p:cBhvr>
+                                      <p:tavLst>
+                                        <p:tav tm="0">
+                                          <p:val>
+                                            <p:strVal val="1+#ppt_h/2"/>
+                                          </p:val>
+                                        </p:tav>
+                                        <p:tav tm="100000">
+                                          <p:val>
+                                            <p:strVal val="#ppt_y"/>
+                                          </p:val>
+                                        </p:tav>
+                                      </p:tavLst>
+                                    </p:anim>
+                                  </p:childTnLst>
+                                </p:cTn>
+                              </p:par>
+                              <p:par>
+                                <p:cTn id="13" presetID="2" presetClass="entr" presetSubtype="4" fill="hold" nodeType="withEffect">
+                                  <p:stCondLst>
+                                    <p:cond delay="0"/>
+                                  </p:stCondLst>
+                                  <p:childTnLst>
+                                    <p:set>
+                                      <p:cBhvr>
+                                        <p:cTn id="14" dur="1" fill="hold">
+                                          <p:stCondLst>
+                                            <p:cond delay="0"/>
+                                          </p:stCondLst>
+                                        </p:cTn>
+                                        <p:tgtEl>
+                                          <p:spTgt spid="5">
+                                            <p:txEl>
+                                              <p:pRg st="2" end="2"/>
+                                            </p:txEl>
+                                          </p:spTgt>
+                                        </p:tgtEl>
+                                        <p:attrNameLst>
+                                          <p:attrName>style.visibility</p:attrName>
+                                        </p:attrNameLst>
+                                      </p:cBhvr>
+                                      <p:to>
+                                        <p:strVal val="visible"/>
+                                      </p:to>
+                                    </p:set>
+                                    <p:anim calcmode="lin" valueType="num">
+                                      <p:cBhvr additive="base">
+                                        <p:cTn id="15" dur="500" fill="hold"/>
+                                        <p:tgtEl>
+                                          <p:spTgt spid="5">
+                                            <p:txEl>
+                                              <p:pRg st="2" end="2"/>
+                                            </p:txEl>
+                                          </p:spTgt>
+                                        </p:tgtEl>
+                                        <p:attrNameLst>
+                                          <p:attrName>ppt_x</p:attrName>
+                                        </p:attrNameLst>
+                                      </p:cBhvr>
+                                      <p:tavLst>
+                                        <p:tav tm="0">
+                                          <p:val>
+                                            <p:strVal val="#ppt_x"/>
+                                          </p:val>
+                                        </p:tav>
+                                        <p:tav tm="100000">
+                                          <p:val>
+                                            <p:strVal val="#ppt_x"/>
+                                          </p:val>
+                                        </p:tav>
+                                      </p:tavLst>
+                                    </p:anim>
+                                    <p:anim calcmode="lin" valueType="num">
+                                      <p:cBhvr additive="base">
+                                        <p:cTn id="16" dur="500" fill="hold"/>
+                                        <p:tgtEl>
+                                          <p:spTgt spid="5">
+                                            <p:txEl>
+                                              <p:pRg st="2" end="2"/>
+                                            </p:txEl>
+                                          </p:spTgt>
+                                        </p:tgtEl>
+                                        <p:attrNameLst>
+                                          <p:attrName>ppt_y</p:attrName>
+                                        </p:attrNameLst>
+                                      </p:cBhvr>
+                                      <p:tavLst>
+                                        <p:tav tm="0">
+                                          <p:val>
+                                            <p:strVal val="1+#ppt_h/2"/>
+                                          </p:val>
+                                        </p:tav>
+                                        <p:tav tm="100000">
+                                          <p:val>
+                                            <p:strVal val="#ppt_y"/>
+                                          </p:val>
+                                        </p:tav>
+                                      </p:tavLst>
+                                    </p:anim>
+                                  </p:childTnLst>
+                                </p:cTn>
+                              </p:par>
+                              <p:par>
+                                <p:cTn id="17" presetID="2" presetClass="entr" presetSubtype="4" fill="hold" nodeType="withEffect">
+                                  <p:stCondLst>
+                                    <p:cond delay="0"/>
+                                  </p:stCondLst>
+                                  <p:childTnLst>
+                                    <p:set>
+                                      <p:cBhvr>
+                                        <p:cTn id="18" dur="1" fill="hold">
+                                          <p:stCondLst>
+                                            <p:cond delay="0"/>
+                                          </p:stCondLst>
+                                        </p:cTn>
+                                        <p:tgtEl>
+                                          <p:spTgt spid="5">
+                                            <p:txEl>
+                                              <p:pRg st="3" end="3"/>
+                                            </p:txEl>
+                                          </p:spTgt>
+                                        </p:tgtEl>
+                                        <p:attrNameLst>
+                                          <p:attrName>style.visibility</p:attrName>
+                                        </p:attrNameLst>
+                                      </p:cBhvr>
+                                      <p:to>
+                                        <p:strVal val="visible"/>
+                                      </p:to>
+                                    </p:set>
+                                    <p:anim calcmode="lin" valueType="num">
+                                      <p:cBhvr additive="base">
+                                        <p:cTn id="19" dur="500" fill="hold"/>
+                                        <p:tgtEl>
+                                          <p:spTgt spid="5">
+                                            <p:txEl>
+                                              <p:pRg st="3" end="3"/>
+                                            </p:txEl>
+                                          </p:spTgt>
+                                        </p:tgtEl>
+                                        <p:attrNameLst>
+                                          <p:attrName>ppt_x</p:attrName>
+                                        </p:attrNameLst>
+                                      </p:cBhvr>
+                                      <p:tavLst>
+                                        <p:tav tm="0">
+                                          <p:val>
+                                            <p:strVal val="#ppt_x"/>
+                                          </p:val>
+                                        </p:tav>
+                                        <p:tav tm="100000">
+                                          <p:val>
+                                            <p:strVal val="#ppt_x"/>
+                                          </p:val>
+                                        </p:tav>
+                                      </p:tavLst>
+                                    </p:anim>
+                                    <p:anim calcmode="lin" valueType="num">
+                                      <p:cBhvr additive="base">
+                                        <p:cTn id="20" dur="500" fill="hold"/>
+                                        <p:tgtEl>
+                                          <p:spTgt spid="5">
+                                            <p:txEl>
+                                              <p:pRg st="3" end="3"/>
+                                            </p:txEl>
+                                          </p:spTgt>
+                                        </p:tgtEl>
+                                        <p:attrNameLst>
+                                          <p:attrName>ppt_y</p:attrName>
+                                        </p:attrNameLst>
+                                      </p:cBhvr>
+                                      <p:tavLst>
+                                        <p:tav tm="0">
+                                          <p:val>
+                                            <p:strVal val="1+#ppt_h/2"/>
+                                          </p:val>
+                                        </p:tav>
+                                        <p:tav tm="100000">
+                                          <p:val>
+                                            <p:strVal val="#ppt_y"/>
+                                          </p:val>
+                                        </p:tav>
+                                      </p:tavLst>
+                                    </p:anim>
+                                  </p:childTnLst>
+                                </p:cTn>
+                              </p:par>
+                            </p:childTnLst>
+                          </p:cTn>
+                        </p:par>
+                      </p:childTnLst>
+                    </p:cTn>
+                  </p:par>
+                  <p:par>
+                    <p:cTn id="21" fill="hold">
+                      <p:stCondLst>
+                        <p:cond delay="indefinite"/>
+                      </p:stCondLst>
+                      <p:childTnLst>
+                        <p:par>
+                          <p:cTn id="22" fill="hold">
+                            <p:stCondLst>
+                              <p:cond delay="0"/>
+                            </p:stCondLst>
+                            <p:childTnLst>
+                              <p:par>
+                                <p:cTn id="23" presetID="2" presetClass="entr" presetSubtype="4" fill="hold" nodeType="clickEffect">
+                                  <p:stCondLst>
+                                    <p:cond delay="0"/>
+                                  </p:stCondLst>
+                                  <p:childTnLst>
+                                    <p:set>
+                                      <p:cBhvr>
+                                        <p:cTn id="24" dur="1" fill="hold">
+                                          <p:stCondLst>
+                                            <p:cond delay="0"/>
+                                          </p:stCondLst>
+                                        </p:cTn>
+                                        <p:tgtEl>
+                                          <p:spTgt spid="5">
+                                            <p:txEl>
+                                              <p:pRg st="5" end="5"/>
+                                            </p:txEl>
+                                          </p:spTgt>
+                                        </p:tgtEl>
+                                        <p:attrNameLst>
+                                          <p:attrName>style.visibility</p:attrName>
+                                        </p:attrNameLst>
+                                      </p:cBhvr>
+                                      <p:to>
+                                        <p:strVal val="visible"/>
+                                      </p:to>
+                                    </p:set>
+                                    <p:anim calcmode="lin" valueType="num">
+                                      <p:cBhvr additive="base">
+                                        <p:cTn id="25" dur="500" fill="hold"/>
+                                        <p:tgtEl>
+                                          <p:spTgt spid="5">
+                                            <p:txEl>
+                                              <p:pRg st="5" end="5"/>
+                                            </p:txEl>
+                                          </p:spTgt>
+                                        </p:tgtEl>
+                                        <p:attrNameLst>
+                                          <p:attrName>ppt_x</p:attrName>
+                                        </p:attrNameLst>
+                                      </p:cBhvr>
+                                      <p:tavLst>
+                                        <p:tav tm="0">
+                                          <p:val>
+                                            <p:strVal val="#ppt_x"/>
+                                          </p:val>
+                                        </p:tav>
+                                        <p:tav tm="100000">
+                                          <p:val>
+                                            <p:strVal val="#ppt_x"/>
+                                          </p:val>
+                                        </p:tav>
+                                      </p:tavLst>
+                                    </p:anim>
+                                    <p:anim calcmode="lin" valueType="num">
+                                      <p:cBhvr additive="base">
+                                        <p:cTn id="26" dur="500" fill="hold"/>
+                                        <p:tgtEl>
+                                          <p:spTgt spid="5">
+                                            <p:txEl>
+                                              <p:pRg st="5" end="5"/>
+                                            </p:txEl>
+                                          </p:spTgt>
+                                        </p:tgtEl>
+                                        <p:attrNameLst>
+                                          <p:attrName>ppt_y</p:attrName>
+                                        </p:attrNameLst>
+                                      </p:cBhvr>
+                                      <p:tavLst>
+                                        <p:tav tm="0">
+                                          <p:val>
+                                            <p:strVal val="1+#ppt_h/2"/>
+                                          </p:val>
+                                        </p:tav>
+                                        <p:tav tm="100000">
+                                          <p:val>
+                                            <p:strVal val="#ppt_y"/>
+                                          </p:val>
+                                        </p:tav>
+                                      </p:tavLst>
+                                    </p:anim>
+                                  </p:childTnLst>
+                                </p:cTn>
+                              </p:par>
+                            </p:childTnLst>
+                          </p:cTn>
+                        </p:par>
+                      </p:childTnLst>
+                    </p:cTn>
+                  </p:par>
+                </p:childTnLst>
+              </p:cTn>
+              <p:prevCondLst>
+                <p:cond evt="onPrev" delay="0">
+                  <p:tgtEl>
+                    <p:sldTgt/>
+                  </p:tgtEl>
+                </p:cond>
+              </p:prevCondLst>
+              <p:nextCondLst>
+                <p:cond evt="onNext" delay="0">
+                  <p:tgtEl>
+                    <p:sldTgt/>
+                  </p:tgtEl>
+                </p:cond>
+              </p:nextCondLst>
+            </p:seq>
+          </p:childTnLst>
+        </p:cTn>
       </p:par>
     </p:tnLst>
   </p:timing>
@@ -21191,10 +26675,403 @@
   <p:clrMapOvr>
     <a:masterClrMapping/>
   </p:clrMapOvr>
+  <mc:AlternateContent xmlns:mc="http://schemas.openxmlformats.org/markup-compatibility/2006">
+    <mc:Choice xmlns:p14="http://schemas.microsoft.com/office/powerpoint/2010/main" Requires="p14">
+      <p:transition spd="slow" p14:dur="1600">
+        <p14:gallery dir="l"/>
+      </p:transition>
+    </mc:Choice>
+    <mc:Fallback>
+      <p:transition spd="slow">
+        <p:fade/>
+      </p:transition>
+    </mc:Fallback>
+  </mc:AlternateContent>
   <p:timing>
     <p:tnLst>
       <p:par>
-        <p:cTn id="1" dur="indefinite" restart="never" nodeType="tmRoot"/>
+        <p:cTn id="1" dur="indefinite" restart="never" nodeType="tmRoot">
+          <p:childTnLst>
+            <p:seq concurrent="1" nextAc="seek">
+              <p:cTn id="2" dur="indefinite" nodeType="mainSeq">
+                <p:childTnLst>
+                  <p:par>
+                    <p:cTn id="3" fill="hold">
+                      <p:stCondLst>
+                        <p:cond delay="indefinite"/>
+                      </p:stCondLst>
+                      <p:childTnLst>
+                        <p:par>
+                          <p:cTn id="4" fill="hold">
+                            <p:stCondLst>
+                              <p:cond delay="0"/>
+                            </p:stCondLst>
+                            <p:childTnLst>
+                              <p:par>
+                                <p:cTn id="5" presetID="2" presetClass="entr" presetSubtype="4" fill="hold" nodeType="clickEffect">
+                                  <p:stCondLst>
+                                    <p:cond delay="0"/>
+                                  </p:stCondLst>
+                                  <p:childTnLst>
+                                    <p:set>
+                                      <p:cBhvr>
+                                        <p:cTn id="6" dur="1" fill="hold">
+                                          <p:stCondLst>
+                                            <p:cond delay="0"/>
+                                          </p:stCondLst>
+                                        </p:cTn>
+                                        <p:tgtEl>
+                                          <p:spTgt spid="5">
+                                            <p:txEl>
+                                              <p:pRg st="0" end="0"/>
+                                            </p:txEl>
+                                          </p:spTgt>
+                                        </p:tgtEl>
+                                        <p:attrNameLst>
+                                          <p:attrName>style.visibility</p:attrName>
+                                        </p:attrNameLst>
+                                      </p:cBhvr>
+                                      <p:to>
+                                        <p:strVal val="visible"/>
+                                      </p:to>
+                                    </p:set>
+                                    <p:anim calcmode="lin" valueType="num">
+                                      <p:cBhvr additive="base">
+                                        <p:cTn id="7" dur="500" fill="hold"/>
+                                        <p:tgtEl>
+                                          <p:spTgt spid="5">
+                                            <p:txEl>
+                                              <p:pRg st="0" end="0"/>
+                                            </p:txEl>
+                                          </p:spTgt>
+                                        </p:tgtEl>
+                                        <p:attrNameLst>
+                                          <p:attrName>ppt_x</p:attrName>
+                                        </p:attrNameLst>
+                                      </p:cBhvr>
+                                      <p:tavLst>
+                                        <p:tav tm="0">
+                                          <p:val>
+                                            <p:strVal val="#ppt_x"/>
+                                          </p:val>
+                                        </p:tav>
+                                        <p:tav tm="100000">
+                                          <p:val>
+                                            <p:strVal val="#ppt_x"/>
+                                          </p:val>
+                                        </p:tav>
+                                      </p:tavLst>
+                                    </p:anim>
+                                    <p:anim calcmode="lin" valueType="num">
+                                      <p:cBhvr additive="base">
+                                        <p:cTn id="8" dur="500" fill="hold"/>
+                                        <p:tgtEl>
+                                          <p:spTgt spid="5">
+                                            <p:txEl>
+                                              <p:pRg st="0" end="0"/>
+                                            </p:txEl>
+                                          </p:spTgt>
+                                        </p:tgtEl>
+                                        <p:attrNameLst>
+                                          <p:attrName>ppt_y</p:attrName>
+                                        </p:attrNameLst>
+                                      </p:cBhvr>
+                                      <p:tavLst>
+                                        <p:tav tm="0">
+                                          <p:val>
+                                            <p:strVal val="1+#ppt_h/2"/>
+                                          </p:val>
+                                        </p:tav>
+                                        <p:tav tm="100000">
+                                          <p:val>
+                                            <p:strVal val="#ppt_y"/>
+                                          </p:val>
+                                        </p:tav>
+                                      </p:tavLst>
+                                    </p:anim>
+                                  </p:childTnLst>
+                                </p:cTn>
+                              </p:par>
+                              <p:par>
+                                <p:cTn id="9" presetID="2" presetClass="entr" presetSubtype="4" fill="hold" nodeType="withEffect">
+                                  <p:stCondLst>
+                                    <p:cond delay="0"/>
+                                  </p:stCondLst>
+                                  <p:childTnLst>
+                                    <p:set>
+                                      <p:cBhvr>
+                                        <p:cTn id="10" dur="1" fill="hold">
+                                          <p:stCondLst>
+                                            <p:cond delay="0"/>
+                                          </p:stCondLst>
+                                        </p:cTn>
+                                        <p:tgtEl>
+                                          <p:spTgt spid="5">
+                                            <p:txEl>
+                                              <p:pRg st="1" end="1"/>
+                                            </p:txEl>
+                                          </p:spTgt>
+                                        </p:tgtEl>
+                                        <p:attrNameLst>
+                                          <p:attrName>style.visibility</p:attrName>
+                                        </p:attrNameLst>
+                                      </p:cBhvr>
+                                      <p:to>
+                                        <p:strVal val="visible"/>
+                                      </p:to>
+                                    </p:set>
+                                    <p:anim calcmode="lin" valueType="num">
+                                      <p:cBhvr additive="base">
+                                        <p:cTn id="11" dur="500" fill="hold"/>
+                                        <p:tgtEl>
+                                          <p:spTgt spid="5">
+                                            <p:txEl>
+                                              <p:pRg st="1" end="1"/>
+                                            </p:txEl>
+                                          </p:spTgt>
+                                        </p:tgtEl>
+                                        <p:attrNameLst>
+                                          <p:attrName>ppt_x</p:attrName>
+                                        </p:attrNameLst>
+                                      </p:cBhvr>
+                                      <p:tavLst>
+                                        <p:tav tm="0">
+                                          <p:val>
+                                            <p:strVal val="#ppt_x"/>
+                                          </p:val>
+                                        </p:tav>
+                                        <p:tav tm="100000">
+                                          <p:val>
+                                            <p:strVal val="#ppt_x"/>
+                                          </p:val>
+                                        </p:tav>
+                                      </p:tavLst>
+                                    </p:anim>
+                                    <p:anim calcmode="lin" valueType="num">
+                                      <p:cBhvr additive="base">
+                                        <p:cTn id="12" dur="500" fill="hold"/>
+                                        <p:tgtEl>
+                                          <p:spTgt spid="5">
+                                            <p:txEl>
+                                              <p:pRg st="1" end="1"/>
+                                            </p:txEl>
+                                          </p:spTgt>
+                                        </p:tgtEl>
+                                        <p:attrNameLst>
+                                          <p:attrName>ppt_y</p:attrName>
+                                        </p:attrNameLst>
+                                      </p:cBhvr>
+                                      <p:tavLst>
+                                        <p:tav tm="0">
+                                          <p:val>
+                                            <p:strVal val="1+#ppt_h/2"/>
+                                          </p:val>
+                                        </p:tav>
+                                        <p:tav tm="100000">
+                                          <p:val>
+                                            <p:strVal val="#ppt_y"/>
+                                          </p:val>
+                                        </p:tav>
+                                      </p:tavLst>
+                                    </p:anim>
+                                  </p:childTnLst>
+                                </p:cTn>
+                              </p:par>
+                              <p:par>
+                                <p:cTn id="13" presetID="2" presetClass="entr" presetSubtype="4" fill="hold" nodeType="withEffect">
+                                  <p:stCondLst>
+                                    <p:cond delay="0"/>
+                                  </p:stCondLst>
+                                  <p:childTnLst>
+                                    <p:set>
+                                      <p:cBhvr>
+                                        <p:cTn id="14" dur="1" fill="hold">
+                                          <p:stCondLst>
+                                            <p:cond delay="0"/>
+                                          </p:stCondLst>
+                                        </p:cTn>
+                                        <p:tgtEl>
+                                          <p:spTgt spid="5">
+                                            <p:txEl>
+                                              <p:pRg st="2" end="2"/>
+                                            </p:txEl>
+                                          </p:spTgt>
+                                        </p:tgtEl>
+                                        <p:attrNameLst>
+                                          <p:attrName>style.visibility</p:attrName>
+                                        </p:attrNameLst>
+                                      </p:cBhvr>
+                                      <p:to>
+                                        <p:strVal val="visible"/>
+                                      </p:to>
+                                    </p:set>
+                                    <p:anim calcmode="lin" valueType="num">
+                                      <p:cBhvr additive="base">
+                                        <p:cTn id="15" dur="500" fill="hold"/>
+                                        <p:tgtEl>
+                                          <p:spTgt spid="5">
+                                            <p:txEl>
+                                              <p:pRg st="2" end="2"/>
+                                            </p:txEl>
+                                          </p:spTgt>
+                                        </p:tgtEl>
+                                        <p:attrNameLst>
+                                          <p:attrName>ppt_x</p:attrName>
+                                        </p:attrNameLst>
+                                      </p:cBhvr>
+                                      <p:tavLst>
+                                        <p:tav tm="0">
+                                          <p:val>
+                                            <p:strVal val="#ppt_x"/>
+                                          </p:val>
+                                        </p:tav>
+                                        <p:tav tm="100000">
+                                          <p:val>
+                                            <p:strVal val="#ppt_x"/>
+                                          </p:val>
+                                        </p:tav>
+                                      </p:tavLst>
+                                    </p:anim>
+                                    <p:anim calcmode="lin" valueType="num">
+                                      <p:cBhvr additive="base">
+                                        <p:cTn id="16" dur="500" fill="hold"/>
+                                        <p:tgtEl>
+                                          <p:spTgt spid="5">
+                                            <p:txEl>
+                                              <p:pRg st="2" end="2"/>
+                                            </p:txEl>
+                                          </p:spTgt>
+                                        </p:tgtEl>
+                                        <p:attrNameLst>
+                                          <p:attrName>ppt_y</p:attrName>
+                                        </p:attrNameLst>
+                                      </p:cBhvr>
+                                      <p:tavLst>
+                                        <p:tav tm="0">
+                                          <p:val>
+                                            <p:strVal val="1+#ppt_h/2"/>
+                                          </p:val>
+                                        </p:tav>
+                                        <p:tav tm="100000">
+                                          <p:val>
+                                            <p:strVal val="#ppt_y"/>
+                                          </p:val>
+                                        </p:tav>
+                                      </p:tavLst>
+                                    </p:anim>
+                                  </p:childTnLst>
+                                </p:cTn>
+                              </p:par>
+                              <p:par>
+                                <p:cTn id="17" presetID="2" presetClass="entr" presetSubtype="4" fill="hold" nodeType="withEffect">
+                                  <p:stCondLst>
+                                    <p:cond delay="0"/>
+                                  </p:stCondLst>
+                                  <p:childTnLst>
+                                    <p:set>
+                                      <p:cBhvr>
+                                        <p:cTn id="18" dur="1" fill="hold">
+                                          <p:stCondLst>
+                                            <p:cond delay="0"/>
+                                          </p:stCondLst>
+                                        </p:cTn>
+                                        <p:tgtEl>
+                                          <p:spTgt spid="5">
+                                            <p:txEl>
+                                              <p:pRg st="3" end="3"/>
+                                            </p:txEl>
+                                          </p:spTgt>
+                                        </p:tgtEl>
+                                        <p:attrNameLst>
+                                          <p:attrName>style.visibility</p:attrName>
+                                        </p:attrNameLst>
+                                      </p:cBhvr>
+                                      <p:to>
+                                        <p:strVal val="visible"/>
+                                      </p:to>
+                                    </p:set>
+                                    <p:anim calcmode="lin" valueType="num">
+                                      <p:cBhvr additive="base">
+                                        <p:cTn id="19" dur="500" fill="hold"/>
+                                        <p:tgtEl>
+                                          <p:spTgt spid="5">
+                                            <p:txEl>
+                                              <p:pRg st="3" end="3"/>
+                                            </p:txEl>
+                                          </p:spTgt>
+                                        </p:tgtEl>
+                                        <p:attrNameLst>
+                                          <p:attrName>ppt_x</p:attrName>
+                                        </p:attrNameLst>
+                                      </p:cBhvr>
+                                      <p:tavLst>
+                                        <p:tav tm="0">
+                                          <p:val>
+                                            <p:strVal val="#ppt_x"/>
+                                          </p:val>
+                                        </p:tav>
+                                        <p:tav tm="100000">
+                                          <p:val>
+                                            <p:strVal val="#ppt_x"/>
+                                          </p:val>
+                                        </p:tav>
+                                      </p:tavLst>
+                                    </p:anim>
+                                    <p:anim calcmode="lin" valueType="num">
+                                      <p:cBhvr additive="base">
+                                        <p:cTn id="20" dur="500" fill="hold"/>
+                                        <p:tgtEl>
+                                          <p:spTgt spid="5">
+                                            <p:txEl>
+                                              <p:pRg st="3" end="3"/>
+                                            </p:txEl>
+                                          </p:spTgt>
+                                        </p:tgtEl>
+                                        <p:attrNameLst>
+                                          <p:attrName>ppt_y</p:attrName>
+                                        </p:attrNameLst>
+                                      </p:cBhvr>
+                                      <p:tavLst>
+                                        <p:tav tm="0">
+                                          <p:val>
+                                            <p:strVal val="1+#ppt_h/2"/>
+                                          </p:val>
+                                        </p:tav>
+                                        <p:tav tm="100000">
+                                          <p:val>
+                                            <p:strVal val="#ppt_y"/>
+                                          </p:val>
+                                        </p:tav>
+                                      </p:tavLst>
+                                    </p:anim>
+                                  </p:childTnLst>
+                                </p:cTn>
+                              </p:par>
+                            </p:childTnLst>
+                          </p:cTn>
+                        </p:par>
+                      </p:childTnLst>
+                    </p:cTn>
+                  </p:par>
+                </p:childTnLst>
+              </p:cTn>
+              <p:prevCondLst>
+                <p:cond evt="onPrev" delay="0">
+                  <p:tgtEl>
+                    <p:sldTgt/>
+                  </p:tgtEl>
+                </p:cond>
+              </p:prevCondLst>
+              <p:nextCondLst>
+                <p:cond evt="onNext" delay="0">
+                  <p:tgtEl>
+                    <p:sldTgt/>
+                  </p:tgtEl>
+                </p:cond>
+              </p:nextCondLst>
+            </p:seq>
+          </p:childTnLst>
+        </p:cTn>
       </p:par>
     </p:tnLst>
   </p:timing>
@@ -21601,10 +27478,609 @@
   <p:clrMapOvr>
     <a:masterClrMapping/>
   </p:clrMapOvr>
+  <mc:AlternateContent xmlns:mc="http://schemas.openxmlformats.org/markup-compatibility/2006">
+    <mc:Choice xmlns:p14="http://schemas.microsoft.com/office/powerpoint/2010/main" Requires="p14">
+      <p:transition spd="slow" p14:dur="1600">
+        <p14:gallery dir="l"/>
+      </p:transition>
+    </mc:Choice>
+    <mc:Fallback>
+      <p:transition spd="slow">
+        <p:fade/>
+      </p:transition>
+    </mc:Fallback>
+  </mc:AlternateContent>
   <p:timing>
     <p:tnLst>
       <p:par>
-        <p:cTn id="1" dur="indefinite" restart="never" nodeType="tmRoot"/>
+        <p:cTn id="1" dur="indefinite" restart="never" nodeType="tmRoot">
+          <p:childTnLst>
+            <p:seq concurrent="1" nextAc="seek">
+              <p:cTn id="2" dur="indefinite" nodeType="mainSeq">
+                <p:childTnLst>
+                  <p:par>
+                    <p:cTn id="3" fill="hold">
+                      <p:stCondLst>
+                        <p:cond delay="indefinite"/>
+                      </p:stCondLst>
+                      <p:childTnLst>
+                        <p:par>
+                          <p:cTn id="4" fill="hold">
+                            <p:stCondLst>
+                              <p:cond delay="0"/>
+                            </p:stCondLst>
+                            <p:childTnLst>
+                              <p:par>
+                                <p:cTn id="5" presetID="2" presetClass="entr" presetSubtype="4" fill="hold" nodeType="clickEffect">
+                                  <p:stCondLst>
+                                    <p:cond delay="0"/>
+                                  </p:stCondLst>
+                                  <p:childTnLst>
+                                    <p:set>
+                                      <p:cBhvr>
+                                        <p:cTn id="6" dur="1" fill="hold">
+                                          <p:stCondLst>
+                                            <p:cond delay="0"/>
+                                          </p:stCondLst>
+                                        </p:cTn>
+                                        <p:tgtEl>
+                                          <p:spTgt spid="2">
+                                            <p:txEl>
+                                              <p:pRg st="0" end="0"/>
+                                            </p:txEl>
+                                          </p:spTgt>
+                                        </p:tgtEl>
+                                        <p:attrNameLst>
+                                          <p:attrName>style.visibility</p:attrName>
+                                        </p:attrNameLst>
+                                      </p:cBhvr>
+                                      <p:to>
+                                        <p:strVal val="visible"/>
+                                      </p:to>
+                                    </p:set>
+                                    <p:anim calcmode="lin" valueType="num">
+                                      <p:cBhvr additive="base">
+                                        <p:cTn id="7" dur="500" fill="hold"/>
+                                        <p:tgtEl>
+                                          <p:spTgt spid="2">
+                                            <p:txEl>
+                                              <p:pRg st="0" end="0"/>
+                                            </p:txEl>
+                                          </p:spTgt>
+                                        </p:tgtEl>
+                                        <p:attrNameLst>
+                                          <p:attrName>ppt_x</p:attrName>
+                                        </p:attrNameLst>
+                                      </p:cBhvr>
+                                      <p:tavLst>
+                                        <p:tav tm="0">
+                                          <p:val>
+                                            <p:strVal val="#ppt_x"/>
+                                          </p:val>
+                                        </p:tav>
+                                        <p:tav tm="100000">
+                                          <p:val>
+                                            <p:strVal val="#ppt_x"/>
+                                          </p:val>
+                                        </p:tav>
+                                      </p:tavLst>
+                                    </p:anim>
+                                    <p:anim calcmode="lin" valueType="num">
+                                      <p:cBhvr additive="base">
+                                        <p:cTn id="8" dur="500" fill="hold"/>
+                                        <p:tgtEl>
+                                          <p:spTgt spid="2">
+                                            <p:txEl>
+                                              <p:pRg st="0" end="0"/>
+                                            </p:txEl>
+                                          </p:spTgt>
+                                        </p:tgtEl>
+                                        <p:attrNameLst>
+                                          <p:attrName>ppt_y</p:attrName>
+                                        </p:attrNameLst>
+                                      </p:cBhvr>
+                                      <p:tavLst>
+                                        <p:tav tm="0">
+                                          <p:val>
+                                            <p:strVal val="1+#ppt_h/2"/>
+                                          </p:val>
+                                        </p:tav>
+                                        <p:tav tm="100000">
+                                          <p:val>
+                                            <p:strVal val="#ppt_y"/>
+                                          </p:val>
+                                        </p:tav>
+                                      </p:tavLst>
+                                    </p:anim>
+                                  </p:childTnLst>
+                                </p:cTn>
+                              </p:par>
+                            </p:childTnLst>
+                          </p:cTn>
+                        </p:par>
+                      </p:childTnLst>
+                    </p:cTn>
+                  </p:par>
+                  <p:par>
+                    <p:cTn id="9" fill="hold">
+                      <p:stCondLst>
+                        <p:cond delay="indefinite"/>
+                      </p:stCondLst>
+                      <p:childTnLst>
+                        <p:par>
+                          <p:cTn id="10" fill="hold">
+                            <p:stCondLst>
+                              <p:cond delay="0"/>
+                            </p:stCondLst>
+                            <p:childTnLst>
+                              <p:par>
+                                <p:cTn id="11" presetID="2" presetClass="entr" presetSubtype="4" fill="hold" nodeType="clickEffect">
+                                  <p:stCondLst>
+                                    <p:cond delay="0"/>
+                                  </p:stCondLst>
+                                  <p:childTnLst>
+                                    <p:set>
+                                      <p:cBhvr>
+                                        <p:cTn id="12" dur="1" fill="hold">
+                                          <p:stCondLst>
+                                            <p:cond delay="0"/>
+                                          </p:stCondLst>
+                                        </p:cTn>
+                                        <p:tgtEl>
+                                          <p:spTgt spid="2">
+                                            <p:txEl>
+                                              <p:pRg st="1" end="1"/>
+                                            </p:txEl>
+                                          </p:spTgt>
+                                        </p:tgtEl>
+                                        <p:attrNameLst>
+                                          <p:attrName>style.visibility</p:attrName>
+                                        </p:attrNameLst>
+                                      </p:cBhvr>
+                                      <p:to>
+                                        <p:strVal val="visible"/>
+                                      </p:to>
+                                    </p:set>
+                                    <p:anim calcmode="lin" valueType="num">
+                                      <p:cBhvr additive="base">
+                                        <p:cTn id="13" dur="500" fill="hold"/>
+                                        <p:tgtEl>
+                                          <p:spTgt spid="2">
+                                            <p:txEl>
+                                              <p:pRg st="1" end="1"/>
+                                            </p:txEl>
+                                          </p:spTgt>
+                                        </p:tgtEl>
+                                        <p:attrNameLst>
+                                          <p:attrName>ppt_x</p:attrName>
+                                        </p:attrNameLst>
+                                      </p:cBhvr>
+                                      <p:tavLst>
+                                        <p:tav tm="0">
+                                          <p:val>
+                                            <p:strVal val="#ppt_x"/>
+                                          </p:val>
+                                        </p:tav>
+                                        <p:tav tm="100000">
+                                          <p:val>
+                                            <p:strVal val="#ppt_x"/>
+                                          </p:val>
+                                        </p:tav>
+                                      </p:tavLst>
+                                    </p:anim>
+                                    <p:anim calcmode="lin" valueType="num">
+                                      <p:cBhvr additive="base">
+                                        <p:cTn id="14" dur="500" fill="hold"/>
+                                        <p:tgtEl>
+                                          <p:spTgt spid="2">
+                                            <p:txEl>
+                                              <p:pRg st="1" end="1"/>
+                                            </p:txEl>
+                                          </p:spTgt>
+                                        </p:tgtEl>
+                                        <p:attrNameLst>
+                                          <p:attrName>ppt_y</p:attrName>
+                                        </p:attrNameLst>
+                                      </p:cBhvr>
+                                      <p:tavLst>
+                                        <p:tav tm="0">
+                                          <p:val>
+                                            <p:strVal val="1+#ppt_h/2"/>
+                                          </p:val>
+                                        </p:tav>
+                                        <p:tav tm="100000">
+                                          <p:val>
+                                            <p:strVal val="#ppt_y"/>
+                                          </p:val>
+                                        </p:tav>
+                                      </p:tavLst>
+                                    </p:anim>
+                                  </p:childTnLst>
+                                </p:cTn>
+                              </p:par>
+                              <p:par>
+                                <p:cTn id="15" presetID="2" presetClass="entr" presetSubtype="4" fill="hold" nodeType="withEffect">
+                                  <p:stCondLst>
+                                    <p:cond delay="0"/>
+                                  </p:stCondLst>
+                                  <p:childTnLst>
+                                    <p:set>
+                                      <p:cBhvr>
+                                        <p:cTn id="16" dur="1" fill="hold">
+                                          <p:stCondLst>
+                                            <p:cond delay="0"/>
+                                          </p:stCondLst>
+                                        </p:cTn>
+                                        <p:tgtEl>
+                                          <p:spTgt spid="2">
+                                            <p:txEl>
+                                              <p:pRg st="2" end="2"/>
+                                            </p:txEl>
+                                          </p:spTgt>
+                                        </p:tgtEl>
+                                        <p:attrNameLst>
+                                          <p:attrName>style.visibility</p:attrName>
+                                        </p:attrNameLst>
+                                      </p:cBhvr>
+                                      <p:to>
+                                        <p:strVal val="visible"/>
+                                      </p:to>
+                                    </p:set>
+                                    <p:anim calcmode="lin" valueType="num">
+                                      <p:cBhvr additive="base">
+                                        <p:cTn id="17" dur="500" fill="hold"/>
+                                        <p:tgtEl>
+                                          <p:spTgt spid="2">
+                                            <p:txEl>
+                                              <p:pRg st="2" end="2"/>
+                                            </p:txEl>
+                                          </p:spTgt>
+                                        </p:tgtEl>
+                                        <p:attrNameLst>
+                                          <p:attrName>ppt_x</p:attrName>
+                                        </p:attrNameLst>
+                                      </p:cBhvr>
+                                      <p:tavLst>
+                                        <p:tav tm="0">
+                                          <p:val>
+                                            <p:strVal val="#ppt_x"/>
+                                          </p:val>
+                                        </p:tav>
+                                        <p:tav tm="100000">
+                                          <p:val>
+                                            <p:strVal val="#ppt_x"/>
+                                          </p:val>
+                                        </p:tav>
+                                      </p:tavLst>
+                                    </p:anim>
+                                    <p:anim calcmode="lin" valueType="num">
+                                      <p:cBhvr additive="base">
+                                        <p:cTn id="18" dur="500" fill="hold"/>
+                                        <p:tgtEl>
+                                          <p:spTgt spid="2">
+                                            <p:txEl>
+                                              <p:pRg st="2" end="2"/>
+                                            </p:txEl>
+                                          </p:spTgt>
+                                        </p:tgtEl>
+                                        <p:attrNameLst>
+                                          <p:attrName>ppt_y</p:attrName>
+                                        </p:attrNameLst>
+                                      </p:cBhvr>
+                                      <p:tavLst>
+                                        <p:tav tm="0">
+                                          <p:val>
+                                            <p:strVal val="1+#ppt_h/2"/>
+                                          </p:val>
+                                        </p:tav>
+                                        <p:tav tm="100000">
+                                          <p:val>
+                                            <p:strVal val="#ppt_y"/>
+                                          </p:val>
+                                        </p:tav>
+                                      </p:tavLst>
+                                    </p:anim>
+                                  </p:childTnLst>
+                                </p:cTn>
+                              </p:par>
+                              <p:par>
+                                <p:cTn id="19" presetID="2" presetClass="entr" presetSubtype="4" fill="hold" nodeType="withEffect">
+                                  <p:stCondLst>
+                                    <p:cond delay="0"/>
+                                  </p:stCondLst>
+                                  <p:childTnLst>
+                                    <p:set>
+                                      <p:cBhvr>
+                                        <p:cTn id="20" dur="1" fill="hold">
+                                          <p:stCondLst>
+                                            <p:cond delay="0"/>
+                                          </p:stCondLst>
+                                        </p:cTn>
+                                        <p:tgtEl>
+                                          <p:spTgt spid="2">
+                                            <p:txEl>
+                                              <p:pRg st="3" end="3"/>
+                                            </p:txEl>
+                                          </p:spTgt>
+                                        </p:tgtEl>
+                                        <p:attrNameLst>
+                                          <p:attrName>style.visibility</p:attrName>
+                                        </p:attrNameLst>
+                                      </p:cBhvr>
+                                      <p:to>
+                                        <p:strVal val="visible"/>
+                                      </p:to>
+                                    </p:set>
+                                    <p:anim calcmode="lin" valueType="num">
+                                      <p:cBhvr additive="base">
+                                        <p:cTn id="21" dur="500" fill="hold"/>
+                                        <p:tgtEl>
+                                          <p:spTgt spid="2">
+                                            <p:txEl>
+                                              <p:pRg st="3" end="3"/>
+                                            </p:txEl>
+                                          </p:spTgt>
+                                        </p:tgtEl>
+                                        <p:attrNameLst>
+                                          <p:attrName>ppt_x</p:attrName>
+                                        </p:attrNameLst>
+                                      </p:cBhvr>
+                                      <p:tavLst>
+                                        <p:tav tm="0">
+                                          <p:val>
+                                            <p:strVal val="#ppt_x"/>
+                                          </p:val>
+                                        </p:tav>
+                                        <p:tav tm="100000">
+                                          <p:val>
+                                            <p:strVal val="#ppt_x"/>
+                                          </p:val>
+                                        </p:tav>
+                                      </p:tavLst>
+                                    </p:anim>
+                                    <p:anim calcmode="lin" valueType="num">
+                                      <p:cBhvr additive="base">
+                                        <p:cTn id="22" dur="500" fill="hold"/>
+                                        <p:tgtEl>
+                                          <p:spTgt spid="2">
+                                            <p:txEl>
+                                              <p:pRg st="3" end="3"/>
+                                            </p:txEl>
+                                          </p:spTgt>
+                                        </p:tgtEl>
+                                        <p:attrNameLst>
+                                          <p:attrName>ppt_y</p:attrName>
+                                        </p:attrNameLst>
+                                      </p:cBhvr>
+                                      <p:tavLst>
+                                        <p:tav tm="0">
+                                          <p:val>
+                                            <p:strVal val="1+#ppt_h/2"/>
+                                          </p:val>
+                                        </p:tav>
+                                        <p:tav tm="100000">
+                                          <p:val>
+                                            <p:strVal val="#ppt_y"/>
+                                          </p:val>
+                                        </p:tav>
+                                      </p:tavLst>
+                                    </p:anim>
+                                  </p:childTnLst>
+                                </p:cTn>
+                              </p:par>
+                            </p:childTnLst>
+                          </p:cTn>
+                        </p:par>
+                      </p:childTnLst>
+                    </p:cTn>
+                  </p:par>
+                  <p:par>
+                    <p:cTn id="23" fill="hold">
+                      <p:stCondLst>
+                        <p:cond delay="indefinite"/>
+                      </p:stCondLst>
+                      <p:childTnLst>
+                        <p:par>
+                          <p:cTn id="24" fill="hold">
+                            <p:stCondLst>
+                              <p:cond delay="0"/>
+                            </p:stCondLst>
+                            <p:childTnLst>
+                              <p:par>
+                                <p:cTn id="25" presetID="2" presetClass="entr" presetSubtype="4" fill="hold" nodeType="clickEffect">
+                                  <p:stCondLst>
+                                    <p:cond delay="0"/>
+                                  </p:stCondLst>
+                                  <p:childTnLst>
+                                    <p:set>
+                                      <p:cBhvr>
+                                        <p:cTn id="26" dur="1" fill="hold">
+                                          <p:stCondLst>
+                                            <p:cond delay="0"/>
+                                          </p:stCondLst>
+                                        </p:cTn>
+                                        <p:tgtEl>
+                                          <p:spTgt spid="2">
+                                            <p:txEl>
+                                              <p:pRg st="4" end="4"/>
+                                            </p:txEl>
+                                          </p:spTgt>
+                                        </p:tgtEl>
+                                        <p:attrNameLst>
+                                          <p:attrName>style.visibility</p:attrName>
+                                        </p:attrNameLst>
+                                      </p:cBhvr>
+                                      <p:to>
+                                        <p:strVal val="visible"/>
+                                      </p:to>
+                                    </p:set>
+                                    <p:anim calcmode="lin" valueType="num">
+                                      <p:cBhvr additive="base">
+                                        <p:cTn id="27" dur="500" fill="hold"/>
+                                        <p:tgtEl>
+                                          <p:spTgt spid="2">
+                                            <p:txEl>
+                                              <p:pRg st="4" end="4"/>
+                                            </p:txEl>
+                                          </p:spTgt>
+                                        </p:tgtEl>
+                                        <p:attrNameLst>
+                                          <p:attrName>ppt_x</p:attrName>
+                                        </p:attrNameLst>
+                                      </p:cBhvr>
+                                      <p:tavLst>
+                                        <p:tav tm="0">
+                                          <p:val>
+                                            <p:strVal val="#ppt_x"/>
+                                          </p:val>
+                                        </p:tav>
+                                        <p:tav tm="100000">
+                                          <p:val>
+                                            <p:strVal val="#ppt_x"/>
+                                          </p:val>
+                                        </p:tav>
+                                      </p:tavLst>
+                                    </p:anim>
+                                    <p:anim calcmode="lin" valueType="num">
+                                      <p:cBhvr additive="base">
+                                        <p:cTn id="28" dur="500" fill="hold"/>
+                                        <p:tgtEl>
+                                          <p:spTgt spid="2">
+                                            <p:txEl>
+                                              <p:pRg st="4" end="4"/>
+                                            </p:txEl>
+                                          </p:spTgt>
+                                        </p:tgtEl>
+                                        <p:attrNameLst>
+                                          <p:attrName>ppt_y</p:attrName>
+                                        </p:attrNameLst>
+                                      </p:cBhvr>
+                                      <p:tavLst>
+                                        <p:tav tm="0">
+                                          <p:val>
+                                            <p:strVal val="1+#ppt_h/2"/>
+                                          </p:val>
+                                        </p:tav>
+                                        <p:tav tm="100000">
+                                          <p:val>
+                                            <p:strVal val="#ppt_y"/>
+                                          </p:val>
+                                        </p:tav>
+                                      </p:tavLst>
+                                    </p:anim>
+                                  </p:childTnLst>
+                                </p:cTn>
+                              </p:par>
+                              <p:par>
+                                <p:cTn id="29" presetID="2" presetClass="entr" presetSubtype="4" fill="hold" nodeType="withEffect">
+                                  <p:stCondLst>
+                                    <p:cond delay="0"/>
+                                  </p:stCondLst>
+                                  <p:childTnLst>
+                                    <p:set>
+                                      <p:cBhvr>
+                                        <p:cTn id="30" dur="1" fill="hold">
+                                          <p:stCondLst>
+                                            <p:cond delay="0"/>
+                                          </p:stCondLst>
+                                        </p:cTn>
+                                        <p:tgtEl>
+                                          <p:spTgt spid="2">
+                                            <p:txEl>
+                                              <p:pRg st="5" end="5"/>
+                                            </p:txEl>
+                                          </p:spTgt>
+                                        </p:tgtEl>
+                                        <p:attrNameLst>
+                                          <p:attrName>style.visibility</p:attrName>
+                                        </p:attrNameLst>
+                                      </p:cBhvr>
+                                      <p:to>
+                                        <p:strVal val="visible"/>
+                                      </p:to>
+                                    </p:set>
+                                    <p:anim calcmode="lin" valueType="num">
+                                      <p:cBhvr additive="base">
+                                        <p:cTn id="31" dur="500" fill="hold"/>
+                                        <p:tgtEl>
+                                          <p:spTgt spid="2">
+                                            <p:txEl>
+                                              <p:pRg st="5" end="5"/>
+                                            </p:txEl>
+                                          </p:spTgt>
+                                        </p:tgtEl>
+                                        <p:attrNameLst>
+                                          <p:attrName>ppt_x</p:attrName>
+                                        </p:attrNameLst>
+                                      </p:cBhvr>
+                                      <p:tavLst>
+                                        <p:tav tm="0">
+                                          <p:val>
+                                            <p:strVal val="#ppt_x"/>
+                                          </p:val>
+                                        </p:tav>
+                                        <p:tav tm="100000">
+                                          <p:val>
+                                            <p:strVal val="#ppt_x"/>
+                                          </p:val>
+                                        </p:tav>
+                                      </p:tavLst>
+                                    </p:anim>
+                                    <p:anim calcmode="lin" valueType="num">
+                                      <p:cBhvr additive="base">
+                                        <p:cTn id="32" dur="500" fill="hold"/>
+                                        <p:tgtEl>
+                                          <p:spTgt spid="2">
+                                            <p:txEl>
+                                              <p:pRg st="5" end="5"/>
+                                            </p:txEl>
+                                          </p:spTgt>
+                                        </p:tgtEl>
+                                        <p:attrNameLst>
+                                          <p:attrName>ppt_y</p:attrName>
+                                        </p:attrNameLst>
+                                      </p:cBhvr>
+                                      <p:tavLst>
+                                        <p:tav tm="0">
+                                          <p:val>
+                                            <p:strVal val="1+#ppt_h/2"/>
+                                          </p:val>
+                                        </p:tav>
+                                        <p:tav tm="100000">
+                                          <p:val>
+                                            <p:strVal val="#ppt_y"/>
+                                          </p:val>
+                                        </p:tav>
+                                      </p:tavLst>
+                                    </p:anim>
+                                  </p:childTnLst>
+                                </p:cTn>
+                              </p:par>
+                            </p:childTnLst>
+                          </p:cTn>
+                        </p:par>
+                      </p:childTnLst>
+                    </p:cTn>
+                  </p:par>
+                </p:childTnLst>
+              </p:cTn>
+              <p:prevCondLst>
+                <p:cond evt="onPrev" delay="0">
+                  <p:tgtEl>
+                    <p:sldTgt/>
+                  </p:tgtEl>
+                </p:cond>
+              </p:prevCondLst>
+              <p:nextCondLst>
+                <p:cond evt="onNext" delay="0">
+                  <p:tgtEl>
+                    <p:sldTgt/>
+                  </p:tgtEl>
+                </p:cond>
+              </p:nextCondLst>
+            </p:seq>
+          </p:childTnLst>
+        </p:cTn>
       </p:par>
     </p:tnLst>
   </p:timing>
@@ -21844,12 +28320,141 @@
   <p:clrMapOvr>
     <a:masterClrMapping/>
   </p:clrMapOvr>
+  <mc:AlternateContent xmlns:mc="http://schemas.openxmlformats.org/markup-compatibility/2006">
+    <mc:Choice xmlns:p14="http://schemas.microsoft.com/office/powerpoint/2010/main" Requires="p14">
+      <p:transition spd="slow" p14:dur="1600">
+        <p14:gallery dir="l"/>
+      </p:transition>
+    </mc:Choice>
+    <mc:Fallback>
+      <p:transition spd="slow">
+        <p:fade/>
+      </p:transition>
+    </mc:Fallback>
+  </mc:AlternateContent>
   <p:timing>
     <p:tnLst>
       <p:par>
-        <p:cTn id="1" dur="indefinite" restart="never" nodeType="tmRoot"/>
+        <p:cTn id="1" dur="indefinite" restart="never" nodeType="tmRoot">
+          <p:childTnLst>
+            <p:seq concurrent="1" nextAc="seek">
+              <p:cTn id="2" dur="indefinite" nodeType="mainSeq">
+                <p:childTnLst>
+                  <p:par>
+                    <p:cTn id="3" fill="hold">
+                      <p:stCondLst>
+                        <p:cond delay="indefinite"/>
+                      </p:stCondLst>
+                      <p:childTnLst>
+                        <p:par>
+                          <p:cTn id="4" fill="hold">
+                            <p:stCondLst>
+                              <p:cond delay="0"/>
+                            </p:stCondLst>
+                            <p:childTnLst>
+                              <p:par>
+                                <p:cTn id="5" presetID="2" presetClass="entr" presetSubtype="4" fill="hold" grpId="0" nodeType="clickEffect">
+                                  <p:stCondLst>
+                                    <p:cond delay="0"/>
+                                  </p:stCondLst>
+                                  <p:childTnLst>
+                                    <p:set>
+                                      <p:cBhvr>
+                                        <p:cTn id="6" dur="1" fill="hold">
+                                          <p:stCondLst>
+                                            <p:cond delay="0"/>
+                                          </p:stCondLst>
+                                        </p:cTn>
+                                        <p:tgtEl>
+                                          <p:spTgt spid="9"/>
+                                        </p:tgtEl>
+                                        <p:attrNameLst>
+                                          <p:attrName>style.visibility</p:attrName>
+                                        </p:attrNameLst>
+                                      </p:cBhvr>
+                                      <p:to>
+                                        <p:strVal val="visible"/>
+                                      </p:to>
+                                    </p:set>
+                                    <p:anim calcmode="lin" valueType="num">
+                                      <p:cBhvr additive="base">
+                                        <p:cTn id="7" dur="500" fill="hold"/>
+                                        <p:tgtEl>
+                                          <p:spTgt spid="9"/>
+                                        </p:tgtEl>
+                                        <p:attrNameLst>
+                                          <p:attrName>ppt_x</p:attrName>
+                                        </p:attrNameLst>
+                                      </p:cBhvr>
+                                      <p:tavLst>
+                                        <p:tav tm="0">
+                                          <p:val>
+                                            <p:strVal val="#ppt_x"/>
+                                          </p:val>
+                                        </p:tav>
+                                        <p:tav tm="100000">
+                                          <p:val>
+                                            <p:strVal val="#ppt_x"/>
+                                          </p:val>
+                                        </p:tav>
+                                      </p:tavLst>
+                                    </p:anim>
+                                    <p:anim calcmode="lin" valueType="num">
+                                      <p:cBhvr additive="base">
+                                        <p:cTn id="8" dur="500" fill="hold"/>
+                                        <p:tgtEl>
+                                          <p:spTgt spid="9"/>
+                                        </p:tgtEl>
+                                        <p:attrNameLst>
+                                          <p:attrName>ppt_y</p:attrName>
+                                        </p:attrNameLst>
+                                      </p:cBhvr>
+                                      <p:tavLst>
+                                        <p:tav tm="0">
+                                          <p:val>
+                                            <p:strVal val="1+#ppt_h/2"/>
+                                          </p:val>
+                                        </p:tav>
+                                        <p:tav tm="100000">
+                                          <p:val>
+                                            <p:strVal val="#ppt_y"/>
+                                          </p:val>
+                                        </p:tav>
+                                      </p:tavLst>
+                                    </p:anim>
+                                  </p:childTnLst>
+                                </p:cTn>
+                              </p:par>
+                            </p:childTnLst>
+                          </p:cTn>
+                        </p:par>
+                      </p:childTnLst>
+                    </p:cTn>
+                  </p:par>
+                </p:childTnLst>
+              </p:cTn>
+              <p:prevCondLst>
+                <p:cond evt="onPrev" delay="0">
+                  <p:tgtEl>
+                    <p:sldTgt/>
+                  </p:tgtEl>
+                </p:cond>
+              </p:prevCondLst>
+              <p:nextCondLst>
+                <p:cond evt="onNext" delay="0">
+                  <p:tgtEl>
+                    <p:sldTgt/>
+                  </p:tgtEl>
+                </p:cond>
+              </p:nextCondLst>
+            </p:seq>
+          </p:childTnLst>
+        </p:cTn>
       </p:par>
     </p:tnLst>
+    <p:bldLst>
+      <p:bldP spid="9" grpId="0" animBg="1"/>
+    </p:bldLst>
   </p:timing>
 </p:sld>
 </file>
@@ -22142,12 +28747,153 @@
   <p:clrMapOvr>
     <a:masterClrMapping/>
   </p:clrMapOvr>
+  <mc:AlternateContent xmlns:mc="http://schemas.openxmlformats.org/markup-compatibility/2006">
+    <mc:Choice xmlns:p14="http://schemas.microsoft.com/office/powerpoint/2010/main" Requires="p14">
+      <p:transition spd="slow" p14:dur="1600">
+        <p14:gallery dir="l"/>
+      </p:transition>
+    </mc:Choice>
+    <mc:Fallback>
+      <p:transition spd="slow">
+        <p:fade/>
+      </p:transition>
+    </mc:Fallback>
+  </mc:AlternateContent>
   <p:timing>
     <p:tnLst>
       <p:par>
-        <p:cTn id="1" dur="indefinite" restart="never" nodeType="tmRoot"/>
+        <p:cTn id="1" dur="indefinite" restart="never" nodeType="tmRoot">
+          <p:childTnLst>
+            <p:seq concurrent="1" nextAc="seek">
+              <p:cTn id="2" dur="indefinite" nodeType="mainSeq">
+                <p:childTnLst>
+                  <p:par>
+                    <p:cTn id="3" fill="hold">
+                      <p:stCondLst>
+                        <p:cond delay="indefinite"/>
+                      </p:stCondLst>
+                      <p:childTnLst>
+                        <p:par>
+                          <p:cTn id="4" fill="hold">
+                            <p:stCondLst>
+                              <p:cond delay="0"/>
+                            </p:stCondLst>
+                            <p:childTnLst>
+                              <p:par>
+                                <p:cTn id="5" presetID="2" presetClass="entr" presetSubtype="4" fill="hold" grpId="0" nodeType="clickEffect">
+                                  <p:stCondLst>
+                                    <p:cond delay="0"/>
+                                  </p:stCondLst>
+                                  <p:childTnLst>
+                                    <p:set>
+                                      <p:cBhvr>
+                                        <p:cTn id="6" dur="1" fill="hold">
+                                          <p:stCondLst>
+                                            <p:cond delay="0"/>
+                                          </p:stCondLst>
+                                        </p:cTn>
+                                        <p:tgtEl>
+                                          <p:spTgt spid="2">
+                                            <p:txEl>
+                                              <p:pRg st="1" end="1"/>
+                                            </p:txEl>
+                                          </p:spTgt>
+                                        </p:tgtEl>
+                                        <p:attrNameLst>
+                                          <p:attrName>style.visibility</p:attrName>
+                                        </p:attrNameLst>
+                                      </p:cBhvr>
+                                      <p:to>
+                                        <p:strVal val="visible"/>
+                                      </p:to>
+                                    </p:set>
+                                    <p:anim calcmode="lin" valueType="num">
+                                      <p:cBhvr additive="base">
+                                        <p:cTn id="7" dur="500" fill="hold"/>
+                                        <p:tgtEl>
+                                          <p:spTgt spid="2">
+                                            <p:txEl>
+                                              <p:pRg st="1" end="1"/>
+                                            </p:txEl>
+                                          </p:spTgt>
+                                        </p:tgtEl>
+                                        <p:attrNameLst>
+                                          <p:attrName>ppt_x</p:attrName>
+                                        </p:attrNameLst>
+                                      </p:cBhvr>
+                                      <p:tavLst>
+                                        <p:tav tm="0">
+                                          <p:val>
+                                            <p:strVal val="#ppt_x"/>
+                                          </p:val>
+                                        </p:tav>
+                                        <p:tav tm="100000">
+                                          <p:val>
+                                            <p:strVal val="#ppt_x"/>
+                                          </p:val>
+                                        </p:tav>
+                                      </p:tavLst>
+                                    </p:anim>
+                                    <p:anim calcmode="lin" valueType="num">
+                                      <p:cBhvr additive="base">
+                                        <p:cTn id="8" dur="500" fill="hold"/>
+                                        <p:tgtEl>
+                                          <p:spTgt spid="2">
+                                            <p:txEl>
+                                              <p:pRg st="1" end="1"/>
+                                            </p:txEl>
+                                          </p:spTgt>
+                                        </p:tgtEl>
+                                        <p:attrNameLst>
+                                          <p:attrName>ppt_y</p:attrName>
+                                        </p:attrNameLst>
+                                      </p:cBhvr>
+                                      <p:tavLst>
+                                        <p:tav tm="0">
+                                          <p:val>
+                                            <p:strVal val="1+#ppt_h/2"/>
+                                          </p:val>
+                                        </p:tav>
+                                        <p:tav tm="100000">
+                                          <p:val>
+                                            <p:strVal val="#ppt_y"/>
+                                          </p:val>
+                                        </p:tav>
+                                      </p:tavLst>
+                                    </p:anim>
+                                  </p:childTnLst>
+                                </p:cTn>
+                              </p:par>
+                            </p:childTnLst>
+                          </p:cTn>
+                        </p:par>
+                      </p:childTnLst>
+                    </p:cTn>
+                  </p:par>
+                </p:childTnLst>
+              </p:cTn>
+              <p:prevCondLst>
+                <p:cond evt="onPrev" delay="0">
+                  <p:tgtEl>
+                    <p:sldTgt/>
+                  </p:tgtEl>
+                </p:cond>
+              </p:prevCondLst>
+              <p:nextCondLst>
+                <p:cond evt="onNext" delay="0">
+                  <p:tgtEl>
+                    <p:sldTgt/>
+                  </p:tgtEl>
+                </p:cond>
+              </p:nextCondLst>
+            </p:seq>
+          </p:childTnLst>
+        </p:cTn>
       </p:par>
     </p:tnLst>
+    <p:bldLst>
+      <p:bldP spid="2" grpId="0" build="p"/>
+    </p:bldLst>
   </p:timing>
 </p:sld>
 </file>
@@ -22385,6 +29131,18 @@
   <p:clrMapOvr>
     <a:masterClrMapping/>
   </p:clrMapOvr>
+  <mc:AlternateContent xmlns:mc="http://schemas.openxmlformats.org/markup-compatibility/2006">
+    <mc:Choice xmlns:p14="http://schemas.microsoft.com/office/powerpoint/2010/main" Requires="p14">
+      <p:transition spd="slow" p14:dur="1600">
+        <p14:gallery dir="l"/>
+      </p:transition>
+    </mc:Choice>
+    <mc:Fallback>
+      <p:transition spd="slow">
+        <p:fade/>
+      </p:transition>
+    </mc:Fallback>
+  </mc:AlternateContent>
   <p:timing>
     <p:tnLst>
       <p:par>
@@ -22809,12 +29567,408 @@
   <p:clrMapOvr>
     <a:masterClrMapping/>
   </p:clrMapOvr>
+  <mc:AlternateContent xmlns:mc="http://schemas.openxmlformats.org/markup-compatibility/2006">
+    <mc:Choice xmlns:p14="http://schemas.microsoft.com/office/powerpoint/2010/main" Requires="p14">
+      <p:transition spd="slow" p14:dur="1600">
+        <p14:gallery dir="l"/>
+      </p:transition>
+    </mc:Choice>
+    <mc:Fallback>
+      <p:transition spd="slow">
+        <p:fade/>
+      </p:transition>
+    </mc:Fallback>
+  </mc:AlternateContent>
   <p:timing>
     <p:tnLst>
       <p:par>
-        <p:cTn id="1" dur="indefinite" restart="never" nodeType="tmRoot"/>
+        <p:cTn id="1" dur="indefinite" restart="never" nodeType="tmRoot">
+          <p:childTnLst>
+            <p:seq concurrent="1" nextAc="seek">
+              <p:cTn id="2" dur="indefinite" nodeType="mainSeq">
+                <p:childTnLst>
+                  <p:par>
+                    <p:cTn id="3" fill="hold">
+                      <p:stCondLst>
+                        <p:cond delay="indefinite"/>
+                      </p:stCondLst>
+                      <p:childTnLst>
+                        <p:par>
+                          <p:cTn id="4" fill="hold">
+                            <p:stCondLst>
+                              <p:cond delay="0"/>
+                            </p:stCondLst>
+                            <p:childTnLst>
+                              <p:par>
+                                <p:cTn id="5" presetID="2" presetClass="entr" presetSubtype="4" fill="hold" grpId="0" nodeType="clickEffect">
+                                  <p:stCondLst>
+                                    <p:cond delay="0"/>
+                                  </p:stCondLst>
+                                  <p:childTnLst>
+                                    <p:set>
+                                      <p:cBhvr>
+                                        <p:cTn id="6" dur="1" fill="hold">
+                                          <p:stCondLst>
+                                            <p:cond delay="0"/>
+                                          </p:stCondLst>
+                                        </p:cTn>
+                                        <p:tgtEl>
+                                          <p:spTgt spid="4">
+                                            <p:txEl>
+                                              <p:pRg st="0" end="0"/>
+                                            </p:txEl>
+                                          </p:spTgt>
+                                        </p:tgtEl>
+                                        <p:attrNameLst>
+                                          <p:attrName>style.visibility</p:attrName>
+                                        </p:attrNameLst>
+                                      </p:cBhvr>
+                                      <p:to>
+                                        <p:strVal val="visible"/>
+                                      </p:to>
+                                    </p:set>
+                                    <p:anim calcmode="lin" valueType="num">
+                                      <p:cBhvr additive="base">
+                                        <p:cTn id="7" dur="500" fill="hold"/>
+                                        <p:tgtEl>
+                                          <p:spTgt spid="4">
+                                            <p:txEl>
+                                              <p:pRg st="0" end="0"/>
+                                            </p:txEl>
+                                          </p:spTgt>
+                                        </p:tgtEl>
+                                        <p:attrNameLst>
+                                          <p:attrName>ppt_x</p:attrName>
+                                        </p:attrNameLst>
+                                      </p:cBhvr>
+                                      <p:tavLst>
+                                        <p:tav tm="0">
+                                          <p:val>
+                                            <p:strVal val="#ppt_x"/>
+                                          </p:val>
+                                        </p:tav>
+                                        <p:tav tm="100000">
+                                          <p:val>
+                                            <p:strVal val="#ppt_x"/>
+                                          </p:val>
+                                        </p:tav>
+                                      </p:tavLst>
+                                    </p:anim>
+                                    <p:anim calcmode="lin" valueType="num">
+                                      <p:cBhvr additive="base">
+                                        <p:cTn id="8" dur="500" fill="hold"/>
+                                        <p:tgtEl>
+                                          <p:spTgt spid="4">
+                                            <p:txEl>
+                                              <p:pRg st="0" end="0"/>
+                                            </p:txEl>
+                                          </p:spTgt>
+                                        </p:tgtEl>
+                                        <p:attrNameLst>
+                                          <p:attrName>ppt_y</p:attrName>
+                                        </p:attrNameLst>
+                                      </p:cBhvr>
+                                      <p:tavLst>
+                                        <p:tav tm="0">
+                                          <p:val>
+                                            <p:strVal val="1+#ppt_h/2"/>
+                                          </p:val>
+                                        </p:tav>
+                                        <p:tav tm="100000">
+                                          <p:val>
+                                            <p:strVal val="#ppt_y"/>
+                                          </p:val>
+                                        </p:tav>
+                                      </p:tavLst>
+                                    </p:anim>
+                                  </p:childTnLst>
+                                </p:cTn>
+                              </p:par>
+                              <p:par>
+                                <p:cTn id="9" presetID="2" presetClass="entr" presetSubtype="4" fill="hold" grpId="0" nodeType="withEffect">
+                                  <p:stCondLst>
+                                    <p:cond delay="0"/>
+                                  </p:stCondLst>
+                                  <p:childTnLst>
+                                    <p:set>
+                                      <p:cBhvr>
+                                        <p:cTn id="10" dur="1" fill="hold">
+                                          <p:stCondLst>
+                                            <p:cond delay="0"/>
+                                          </p:stCondLst>
+                                        </p:cTn>
+                                        <p:tgtEl>
+                                          <p:spTgt spid="4">
+                                            <p:txEl>
+                                              <p:pRg st="1" end="1"/>
+                                            </p:txEl>
+                                          </p:spTgt>
+                                        </p:tgtEl>
+                                        <p:attrNameLst>
+                                          <p:attrName>style.visibility</p:attrName>
+                                        </p:attrNameLst>
+                                      </p:cBhvr>
+                                      <p:to>
+                                        <p:strVal val="visible"/>
+                                      </p:to>
+                                    </p:set>
+                                    <p:anim calcmode="lin" valueType="num">
+                                      <p:cBhvr additive="base">
+                                        <p:cTn id="11" dur="500" fill="hold"/>
+                                        <p:tgtEl>
+                                          <p:spTgt spid="4">
+                                            <p:txEl>
+                                              <p:pRg st="1" end="1"/>
+                                            </p:txEl>
+                                          </p:spTgt>
+                                        </p:tgtEl>
+                                        <p:attrNameLst>
+                                          <p:attrName>ppt_x</p:attrName>
+                                        </p:attrNameLst>
+                                      </p:cBhvr>
+                                      <p:tavLst>
+                                        <p:tav tm="0">
+                                          <p:val>
+                                            <p:strVal val="#ppt_x"/>
+                                          </p:val>
+                                        </p:tav>
+                                        <p:tav tm="100000">
+                                          <p:val>
+                                            <p:strVal val="#ppt_x"/>
+                                          </p:val>
+                                        </p:tav>
+                                      </p:tavLst>
+                                    </p:anim>
+                                    <p:anim calcmode="lin" valueType="num">
+                                      <p:cBhvr additive="base">
+                                        <p:cTn id="12" dur="500" fill="hold"/>
+                                        <p:tgtEl>
+                                          <p:spTgt spid="4">
+                                            <p:txEl>
+                                              <p:pRg st="1" end="1"/>
+                                            </p:txEl>
+                                          </p:spTgt>
+                                        </p:tgtEl>
+                                        <p:attrNameLst>
+                                          <p:attrName>ppt_y</p:attrName>
+                                        </p:attrNameLst>
+                                      </p:cBhvr>
+                                      <p:tavLst>
+                                        <p:tav tm="0">
+                                          <p:val>
+                                            <p:strVal val="1+#ppt_h/2"/>
+                                          </p:val>
+                                        </p:tav>
+                                        <p:tav tm="100000">
+                                          <p:val>
+                                            <p:strVal val="#ppt_y"/>
+                                          </p:val>
+                                        </p:tav>
+                                      </p:tavLst>
+                                    </p:anim>
+                                  </p:childTnLst>
+                                </p:cTn>
+                              </p:par>
+                              <p:par>
+                                <p:cTn id="13" presetID="2" presetClass="entr" presetSubtype="4" fill="hold" grpId="0" nodeType="withEffect">
+                                  <p:stCondLst>
+                                    <p:cond delay="0"/>
+                                  </p:stCondLst>
+                                  <p:childTnLst>
+                                    <p:set>
+                                      <p:cBhvr>
+                                        <p:cTn id="14" dur="1" fill="hold">
+                                          <p:stCondLst>
+                                            <p:cond delay="0"/>
+                                          </p:stCondLst>
+                                        </p:cTn>
+                                        <p:tgtEl>
+                                          <p:spTgt spid="4">
+                                            <p:txEl>
+                                              <p:pRg st="2" end="2"/>
+                                            </p:txEl>
+                                          </p:spTgt>
+                                        </p:tgtEl>
+                                        <p:attrNameLst>
+                                          <p:attrName>style.visibility</p:attrName>
+                                        </p:attrNameLst>
+                                      </p:cBhvr>
+                                      <p:to>
+                                        <p:strVal val="visible"/>
+                                      </p:to>
+                                    </p:set>
+                                    <p:anim calcmode="lin" valueType="num">
+                                      <p:cBhvr additive="base">
+                                        <p:cTn id="15" dur="500" fill="hold"/>
+                                        <p:tgtEl>
+                                          <p:spTgt spid="4">
+                                            <p:txEl>
+                                              <p:pRg st="2" end="2"/>
+                                            </p:txEl>
+                                          </p:spTgt>
+                                        </p:tgtEl>
+                                        <p:attrNameLst>
+                                          <p:attrName>ppt_x</p:attrName>
+                                        </p:attrNameLst>
+                                      </p:cBhvr>
+                                      <p:tavLst>
+                                        <p:tav tm="0">
+                                          <p:val>
+                                            <p:strVal val="#ppt_x"/>
+                                          </p:val>
+                                        </p:tav>
+                                        <p:tav tm="100000">
+                                          <p:val>
+                                            <p:strVal val="#ppt_x"/>
+                                          </p:val>
+                                        </p:tav>
+                                      </p:tavLst>
+                                    </p:anim>
+                                    <p:anim calcmode="lin" valueType="num">
+                                      <p:cBhvr additive="base">
+                                        <p:cTn id="16" dur="500" fill="hold"/>
+                                        <p:tgtEl>
+                                          <p:spTgt spid="4">
+                                            <p:txEl>
+                                              <p:pRg st="2" end="2"/>
+                                            </p:txEl>
+                                          </p:spTgt>
+                                        </p:tgtEl>
+                                        <p:attrNameLst>
+                                          <p:attrName>ppt_y</p:attrName>
+                                        </p:attrNameLst>
+                                      </p:cBhvr>
+                                      <p:tavLst>
+                                        <p:tav tm="0">
+                                          <p:val>
+                                            <p:strVal val="1+#ppt_h/2"/>
+                                          </p:val>
+                                        </p:tav>
+                                        <p:tav tm="100000">
+                                          <p:val>
+                                            <p:strVal val="#ppt_y"/>
+                                          </p:val>
+                                        </p:tav>
+                                      </p:tavLst>
+                                    </p:anim>
+                                  </p:childTnLst>
+                                </p:cTn>
+                              </p:par>
+                              <p:par>
+                                <p:cTn id="17" presetID="2" presetClass="entr" presetSubtype="4" fill="hold" grpId="0" nodeType="withEffect">
+                                  <p:stCondLst>
+                                    <p:cond delay="0"/>
+                                  </p:stCondLst>
+                                  <p:childTnLst>
+                                    <p:set>
+                                      <p:cBhvr>
+                                        <p:cTn id="18" dur="1" fill="hold">
+                                          <p:stCondLst>
+                                            <p:cond delay="0"/>
+                                          </p:stCondLst>
+                                        </p:cTn>
+                                        <p:tgtEl>
+                                          <p:spTgt spid="4">
+                                            <p:txEl>
+                                              <p:pRg st="3" end="3"/>
+                                            </p:txEl>
+                                          </p:spTgt>
+                                        </p:tgtEl>
+                                        <p:attrNameLst>
+                                          <p:attrName>style.visibility</p:attrName>
+                                        </p:attrNameLst>
+                                      </p:cBhvr>
+                                      <p:to>
+                                        <p:strVal val="visible"/>
+                                      </p:to>
+                                    </p:set>
+                                    <p:anim calcmode="lin" valueType="num">
+                                      <p:cBhvr additive="base">
+                                        <p:cTn id="19" dur="500" fill="hold"/>
+                                        <p:tgtEl>
+                                          <p:spTgt spid="4">
+                                            <p:txEl>
+                                              <p:pRg st="3" end="3"/>
+                                            </p:txEl>
+                                          </p:spTgt>
+                                        </p:tgtEl>
+                                        <p:attrNameLst>
+                                          <p:attrName>ppt_x</p:attrName>
+                                        </p:attrNameLst>
+                                      </p:cBhvr>
+                                      <p:tavLst>
+                                        <p:tav tm="0">
+                                          <p:val>
+                                            <p:strVal val="#ppt_x"/>
+                                          </p:val>
+                                        </p:tav>
+                                        <p:tav tm="100000">
+                                          <p:val>
+                                            <p:strVal val="#ppt_x"/>
+                                          </p:val>
+                                        </p:tav>
+                                      </p:tavLst>
+                                    </p:anim>
+                                    <p:anim calcmode="lin" valueType="num">
+                                      <p:cBhvr additive="base">
+                                        <p:cTn id="20" dur="500" fill="hold"/>
+                                        <p:tgtEl>
+                                          <p:spTgt spid="4">
+                                            <p:txEl>
+                                              <p:pRg st="3" end="3"/>
+                                            </p:txEl>
+                                          </p:spTgt>
+                                        </p:tgtEl>
+                                        <p:attrNameLst>
+                                          <p:attrName>ppt_y</p:attrName>
+                                        </p:attrNameLst>
+                                      </p:cBhvr>
+                                      <p:tavLst>
+                                        <p:tav tm="0">
+                                          <p:val>
+                                            <p:strVal val="1+#ppt_h/2"/>
+                                          </p:val>
+                                        </p:tav>
+                                        <p:tav tm="100000">
+                                          <p:val>
+                                            <p:strVal val="#ppt_y"/>
+                                          </p:val>
+                                        </p:tav>
+                                      </p:tavLst>
+                                    </p:anim>
+                                  </p:childTnLst>
+                                </p:cTn>
+                              </p:par>
+                            </p:childTnLst>
+                          </p:cTn>
+                        </p:par>
+                      </p:childTnLst>
+                    </p:cTn>
+                  </p:par>
+                </p:childTnLst>
+              </p:cTn>
+              <p:prevCondLst>
+                <p:cond evt="onPrev" delay="0">
+                  <p:tgtEl>
+                    <p:sldTgt/>
+                  </p:tgtEl>
+                </p:cond>
+              </p:prevCondLst>
+              <p:nextCondLst>
+                <p:cond evt="onNext" delay="0">
+                  <p:tgtEl>
+                    <p:sldTgt/>
+                  </p:tgtEl>
+                </p:cond>
+              </p:nextCondLst>
+            </p:seq>
+          </p:childTnLst>
+        </p:cTn>
       </p:par>
     </p:tnLst>
+    <p:bldLst>
+      <p:bldP spid="4" grpId="0" build="p"/>
+    </p:bldLst>
   </p:timing>
 </p:sld>
 </file>
@@ -23057,12 +30211,141 @@
   <p:clrMapOvr>
     <a:masterClrMapping/>
   </p:clrMapOvr>
+  <mc:AlternateContent xmlns:mc="http://schemas.openxmlformats.org/markup-compatibility/2006">
+    <mc:Choice xmlns:p14="http://schemas.microsoft.com/office/powerpoint/2010/main" Requires="p14">
+      <p:transition spd="slow" p14:dur="1600">
+        <p14:gallery dir="l"/>
+      </p:transition>
+    </mc:Choice>
+    <mc:Fallback>
+      <p:transition spd="slow">
+        <p:fade/>
+      </p:transition>
+    </mc:Fallback>
+  </mc:AlternateContent>
   <p:timing>
     <p:tnLst>
       <p:par>
-        <p:cTn id="1" dur="indefinite" restart="never" nodeType="tmRoot"/>
+        <p:cTn id="1" dur="indefinite" restart="never" nodeType="tmRoot">
+          <p:childTnLst>
+            <p:seq concurrent="1" nextAc="seek">
+              <p:cTn id="2" dur="indefinite" nodeType="mainSeq">
+                <p:childTnLst>
+                  <p:par>
+                    <p:cTn id="3" fill="hold">
+                      <p:stCondLst>
+                        <p:cond delay="indefinite"/>
+                      </p:stCondLst>
+                      <p:childTnLst>
+                        <p:par>
+                          <p:cTn id="4" fill="hold">
+                            <p:stCondLst>
+                              <p:cond delay="0"/>
+                            </p:stCondLst>
+                            <p:childTnLst>
+                              <p:par>
+                                <p:cTn id="5" presetID="2" presetClass="entr" presetSubtype="4" fill="hold" grpId="0" nodeType="clickEffect">
+                                  <p:stCondLst>
+                                    <p:cond delay="0"/>
+                                  </p:stCondLst>
+                                  <p:childTnLst>
+                                    <p:set>
+                                      <p:cBhvr>
+                                        <p:cTn id="6" dur="1" fill="hold">
+                                          <p:stCondLst>
+                                            <p:cond delay="0"/>
+                                          </p:stCondLst>
+                                        </p:cTn>
+                                        <p:tgtEl>
+                                          <p:spTgt spid="10"/>
+                                        </p:tgtEl>
+                                        <p:attrNameLst>
+                                          <p:attrName>style.visibility</p:attrName>
+                                        </p:attrNameLst>
+                                      </p:cBhvr>
+                                      <p:to>
+                                        <p:strVal val="visible"/>
+                                      </p:to>
+                                    </p:set>
+                                    <p:anim calcmode="lin" valueType="num">
+                                      <p:cBhvr additive="base">
+                                        <p:cTn id="7" dur="500" fill="hold"/>
+                                        <p:tgtEl>
+                                          <p:spTgt spid="10"/>
+                                        </p:tgtEl>
+                                        <p:attrNameLst>
+                                          <p:attrName>ppt_x</p:attrName>
+                                        </p:attrNameLst>
+                                      </p:cBhvr>
+                                      <p:tavLst>
+                                        <p:tav tm="0">
+                                          <p:val>
+                                            <p:strVal val="#ppt_x"/>
+                                          </p:val>
+                                        </p:tav>
+                                        <p:tav tm="100000">
+                                          <p:val>
+                                            <p:strVal val="#ppt_x"/>
+                                          </p:val>
+                                        </p:tav>
+                                      </p:tavLst>
+                                    </p:anim>
+                                    <p:anim calcmode="lin" valueType="num">
+                                      <p:cBhvr additive="base">
+                                        <p:cTn id="8" dur="500" fill="hold"/>
+                                        <p:tgtEl>
+                                          <p:spTgt spid="10"/>
+                                        </p:tgtEl>
+                                        <p:attrNameLst>
+                                          <p:attrName>ppt_y</p:attrName>
+                                        </p:attrNameLst>
+                                      </p:cBhvr>
+                                      <p:tavLst>
+                                        <p:tav tm="0">
+                                          <p:val>
+                                            <p:strVal val="1+#ppt_h/2"/>
+                                          </p:val>
+                                        </p:tav>
+                                        <p:tav tm="100000">
+                                          <p:val>
+                                            <p:strVal val="#ppt_y"/>
+                                          </p:val>
+                                        </p:tav>
+                                      </p:tavLst>
+                                    </p:anim>
+                                  </p:childTnLst>
+                                </p:cTn>
+                              </p:par>
+                            </p:childTnLst>
+                          </p:cTn>
+                        </p:par>
+                      </p:childTnLst>
+                    </p:cTn>
+                  </p:par>
+                </p:childTnLst>
+              </p:cTn>
+              <p:prevCondLst>
+                <p:cond evt="onPrev" delay="0">
+                  <p:tgtEl>
+                    <p:sldTgt/>
+                  </p:tgtEl>
+                </p:cond>
+              </p:prevCondLst>
+              <p:nextCondLst>
+                <p:cond evt="onNext" delay="0">
+                  <p:tgtEl>
+                    <p:sldTgt/>
+                  </p:tgtEl>
+                </p:cond>
+              </p:nextCondLst>
+            </p:seq>
+          </p:childTnLst>
+        </p:cTn>
       </p:par>
     </p:tnLst>
+    <p:bldLst>
+      <p:bldP spid="10" grpId="0" animBg="1"/>
+    </p:bldLst>
   </p:timing>
 </p:sld>
 </file>
@@ -23146,7 +30429,7 @@
         </p:nvSpPr>
         <p:spPr>
           <a:xfrm>
-            <a:off x="2743200" y="4191000"/>
+            <a:off x="2667000" y="3962400"/>
             <a:ext cx="7162800" cy="1981200"/>
           </a:xfrm>
         </p:spPr>
@@ -23486,13 +30769,13 @@
         </p:nvSpPr>
         <p:spPr>
           <a:xfrm>
-            <a:off x="2514600" y="124691"/>
+            <a:off x="2438400" y="304800"/>
             <a:ext cx="4114800" cy="2133600"/>
           </a:xfrm>
           <a:prstGeom prst="cloudCallout">
             <a:avLst>
-              <a:gd name="adj1" fmla="val -53015"/>
-              <a:gd name="adj2" fmla="val 67370"/>
+              <a:gd name="adj1" fmla="val -65253"/>
+              <a:gd name="adj2" fmla="val 37556"/>
             </a:avLst>
           </a:prstGeom>
         </p:spPr>
@@ -23513,51 +30796,6 @@
         <p:txBody>
           <a:bodyPr rtlCol="0" anchor="ctr"/>
           <a:lstStyle/>
-          <a:p>
-            <a:pPr algn="ctr"/>
-            <a:endParaRPr lang="en-US" sz="3200" b="1" cap="all" smtClean="0">
-              <a:ln w="9000" cmpd="sng">
-                <a:solidFill>
-                  <a:schemeClr val="accent4">
-                    <a:shade val="50000"/>
-                    <a:satMod val="120000"/>
-                  </a:schemeClr>
-                </a:solidFill>
-                <a:prstDash val="solid"/>
-              </a:ln>
-              <a:gradFill>
-                <a:gsLst>
-                  <a:gs pos="0">
-                    <a:schemeClr val="accent4">
-                      <a:shade val="20000"/>
-                      <a:satMod val="245000"/>
-                    </a:schemeClr>
-                  </a:gs>
-                  <a:gs pos="43000">
-                    <a:schemeClr val="accent4">
-                      <a:satMod val="255000"/>
-                    </a:schemeClr>
-                  </a:gs>
-                  <a:gs pos="48000">
-                    <a:schemeClr val="accent4">
-                      <a:shade val="85000"/>
-                      <a:satMod val="255000"/>
-                    </a:schemeClr>
-                  </a:gs>
-                  <a:gs pos="100000">
-                    <a:schemeClr val="accent4">
-                      <a:shade val="20000"/>
-                      <a:satMod val="245000"/>
-                    </a:schemeClr>
-                  </a:gs>
-                </a:gsLst>
-                <a:lin ang="5400000"/>
-              </a:gradFill>
-              <a:effectLst>
-                <a:reflection blurRad="12700" stA="28000" endPos="45000" dist="1000" dir="5400000" sy="-100000" algn="bl" rotWithShape="0"/>
-              </a:effectLst>
-            </a:endParaRPr>
-          </a:p>
           <a:p>
             <a:pPr algn="ctr"/>
             <a:r>
@@ -23603,7 +30841,52 @@
                   <a:reflection blurRad="12700" stA="28000" endPos="45000" dist="1000" dir="5400000" sy="-100000" algn="bl" rotWithShape="0"/>
                 </a:effectLst>
               </a:rPr>
-              <a:t>Question ?</a:t>
+              <a:t>Question </a:t>
+            </a:r>
+            <a:r>
+              <a:rPr lang="en-US" sz="3200" b="1" cap="all" smtClean="0">
+                <a:ln w="9000" cmpd="sng">
+                  <a:solidFill>
+                    <a:schemeClr val="accent4">
+                      <a:shade val="50000"/>
+                      <a:satMod val="120000"/>
+                    </a:schemeClr>
+                  </a:solidFill>
+                  <a:prstDash val="solid"/>
+                </a:ln>
+                <a:gradFill>
+                  <a:gsLst>
+                    <a:gs pos="0">
+                      <a:schemeClr val="accent4">
+                        <a:shade val="20000"/>
+                        <a:satMod val="245000"/>
+                      </a:schemeClr>
+                    </a:gs>
+                    <a:gs pos="43000">
+                      <a:schemeClr val="accent4">
+                        <a:satMod val="255000"/>
+                      </a:schemeClr>
+                    </a:gs>
+                    <a:gs pos="48000">
+                      <a:schemeClr val="accent4">
+                        <a:shade val="85000"/>
+                        <a:satMod val="255000"/>
+                      </a:schemeClr>
+                    </a:gs>
+                    <a:gs pos="100000">
+                      <a:schemeClr val="accent4">
+                        <a:shade val="20000"/>
+                        <a:satMod val="245000"/>
+                      </a:schemeClr>
+                    </a:gs>
+                  </a:gsLst>
+                  <a:lin ang="5400000"/>
+                </a:gradFill>
+                <a:effectLst>
+                  <a:reflection blurRad="12700" stA="28000" endPos="45000" dist="1000" dir="5400000" sy="-100000" algn="bl" rotWithShape="0"/>
+                </a:effectLst>
+              </a:rPr>
+              <a:t>?</a:t>
             </a:r>
             <a:endParaRPr lang="en-US" sz="3200" b="1" cap="all">
               <a:ln w="9000" cmpd="sng">
@@ -23699,6 +30982,18 @@
   <p:clrMapOvr>
     <a:masterClrMapping/>
   </p:clrMapOvr>
+  <mc:AlternateContent xmlns:mc="http://schemas.openxmlformats.org/markup-compatibility/2006">
+    <mc:Choice xmlns:p14="http://schemas.microsoft.com/office/powerpoint/2010/main" Requires="p14">
+      <p:transition spd="slow" p14:dur="1400">
+        <p14:ripple/>
+      </p:transition>
+    </mc:Choice>
+    <mc:Fallback>
+      <p:transition spd="slow">
+        <p:fade/>
+      </p:transition>
+    </mc:Fallback>
+  </mc:AlternateContent>
   <p:timing>
     <p:tnLst>
       <p:par>
@@ -23979,12 +31274,153 @@
   <p:clrMapOvr>
     <a:masterClrMapping/>
   </p:clrMapOvr>
+  <mc:AlternateContent xmlns:mc="http://schemas.openxmlformats.org/markup-compatibility/2006">
+    <mc:Choice xmlns:p14="http://schemas.microsoft.com/office/powerpoint/2010/main" Requires="p14">
+      <p:transition spd="slow" p14:dur="1600">
+        <p14:gallery dir="l"/>
+      </p:transition>
+    </mc:Choice>
+    <mc:Fallback>
+      <p:transition spd="slow">
+        <p:fade/>
+      </p:transition>
+    </mc:Fallback>
+  </mc:AlternateContent>
   <p:timing>
     <p:tnLst>
       <p:par>
-        <p:cTn id="1" dur="indefinite" restart="never" nodeType="tmRoot"/>
+        <p:cTn id="1" dur="indefinite" restart="never" nodeType="tmRoot">
+          <p:childTnLst>
+            <p:seq concurrent="1" nextAc="seek">
+              <p:cTn id="2" dur="indefinite" nodeType="mainSeq">
+                <p:childTnLst>
+                  <p:par>
+                    <p:cTn id="3" fill="hold">
+                      <p:stCondLst>
+                        <p:cond delay="indefinite"/>
+                      </p:stCondLst>
+                      <p:childTnLst>
+                        <p:par>
+                          <p:cTn id="4" fill="hold">
+                            <p:stCondLst>
+                              <p:cond delay="0"/>
+                            </p:stCondLst>
+                            <p:childTnLst>
+                              <p:par>
+                                <p:cTn id="5" presetID="2" presetClass="entr" presetSubtype="4" fill="hold" grpId="0" nodeType="clickEffect">
+                                  <p:stCondLst>
+                                    <p:cond delay="0"/>
+                                  </p:stCondLst>
+                                  <p:childTnLst>
+                                    <p:set>
+                                      <p:cBhvr>
+                                        <p:cTn id="6" dur="1" fill="hold">
+                                          <p:stCondLst>
+                                            <p:cond delay="0"/>
+                                          </p:stCondLst>
+                                        </p:cTn>
+                                        <p:tgtEl>
+                                          <p:spTgt spid="2">
+                                            <p:txEl>
+                                              <p:pRg st="0" end="0"/>
+                                            </p:txEl>
+                                          </p:spTgt>
+                                        </p:tgtEl>
+                                        <p:attrNameLst>
+                                          <p:attrName>style.visibility</p:attrName>
+                                        </p:attrNameLst>
+                                      </p:cBhvr>
+                                      <p:to>
+                                        <p:strVal val="visible"/>
+                                      </p:to>
+                                    </p:set>
+                                    <p:anim calcmode="lin" valueType="num">
+                                      <p:cBhvr additive="base">
+                                        <p:cTn id="7" dur="500" fill="hold"/>
+                                        <p:tgtEl>
+                                          <p:spTgt spid="2">
+                                            <p:txEl>
+                                              <p:pRg st="0" end="0"/>
+                                            </p:txEl>
+                                          </p:spTgt>
+                                        </p:tgtEl>
+                                        <p:attrNameLst>
+                                          <p:attrName>ppt_x</p:attrName>
+                                        </p:attrNameLst>
+                                      </p:cBhvr>
+                                      <p:tavLst>
+                                        <p:tav tm="0">
+                                          <p:val>
+                                            <p:strVal val="#ppt_x"/>
+                                          </p:val>
+                                        </p:tav>
+                                        <p:tav tm="100000">
+                                          <p:val>
+                                            <p:strVal val="#ppt_x"/>
+                                          </p:val>
+                                        </p:tav>
+                                      </p:tavLst>
+                                    </p:anim>
+                                    <p:anim calcmode="lin" valueType="num">
+                                      <p:cBhvr additive="base">
+                                        <p:cTn id="8" dur="500" fill="hold"/>
+                                        <p:tgtEl>
+                                          <p:spTgt spid="2">
+                                            <p:txEl>
+                                              <p:pRg st="0" end="0"/>
+                                            </p:txEl>
+                                          </p:spTgt>
+                                        </p:tgtEl>
+                                        <p:attrNameLst>
+                                          <p:attrName>ppt_y</p:attrName>
+                                        </p:attrNameLst>
+                                      </p:cBhvr>
+                                      <p:tavLst>
+                                        <p:tav tm="0">
+                                          <p:val>
+                                            <p:strVal val="1+#ppt_h/2"/>
+                                          </p:val>
+                                        </p:tav>
+                                        <p:tav tm="100000">
+                                          <p:val>
+                                            <p:strVal val="#ppt_y"/>
+                                          </p:val>
+                                        </p:tav>
+                                      </p:tavLst>
+                                    </p:anim>
+                                  </p:childTnLst>
+                                </p:cTn>
+                              </p:par>
+                            </p:childTnLst>
+                          </p:cTn>
+                        </p:par>
+                      </p:childTnLst>
+                    </p:cTn>
+                  </p:par>
+                </p:childTnLst>
+              </p:cTn>
+              <p:prevCondLst>
+                <p:cond evt="onPrev" delay="0">
+                  <p:tgtEl>
+                    <p:sldTgt/>
+                  </p:tgtEl>
+                </p:cond>
+              </p:prevCondLst>
+              <p:nextCondLst>
+                <p:cond evt="onNext" delay="0">
+                  <p:tgtEl>
+                    <p:sldTgt/>
+                  </p:tgtEl>
+                </p:cond>
+              </p:nextCondLst>
+            </p:seq>
+          </p:childTnLst>
+        </p:cTn>
       </p:par>
     </p:tnLst>
+    <p:bldLst>
+      <p:bldP spid="2" grpId="0" build="p"/>
+    </p:bldLst>
   </p:timing>
 </p:sld>
 </file>
@@ -24241,10 +31677,233 @@
   <p:clrMapOvr>
     <a:masterClrMapping/>
   </p:clrMapOvr>
+  <mc:AlternateContent xmlns:mc="http://schemas.openxmlformats.org/markup-compatibility/2006">
+    <mc:Choice xmlns:p14="http://schemas.microsoft.com/office/powerpoint/2010/main" Requires="p14">
+      <p:transition spd="slow" p14:dur="1600">
+        <p14:gallery dir="l"/>
+      </p:transition>
+    </mc:Choice>
+    <mc:Fallback>
+      <p:transition spd="slow">
+        <p:fade/>
+      </p:transition>
+    </mc:Fallback>
+  </mc:AlternateContent>
   <p:timing>
     <p:tnLst>
       <p:par>
-        <p:cTn id="1" dur="indefinite" restart="never" nodeType="tmRoot"/>
+        <p:cTn id="1" dur="indefinite" restart="never" nodeType="tmRoot">
+          <p:childTnLst>
+            <p:seq concurrent="1" nextAc="seek">
+              <p:cTn id="2" dur="indefinite" nodeType="mainSeq">
+                <p:childTnLst>
+                  <p:par>
+                    <p:cTn id="3" fill="hold">
+                      <p:stCondLst>
+                        <p:cond delay="indefinite"/>
+                      </p:stCondLst>
+                      <p:childTnLst>
+                        <p:par>
+                          <p:cTn id="4" fill="hold">
+                            <p:stCondLst>
+                              <p:cond delay="0"/>
+                            </p:stCondLst>
+                            <p:childTnLst>
+                              <p:par>
+                                <p:cTn id="5" presetID="2" presetClass="entr" presetSubtype="4" fill="hold" nodeType="clickEffect">
+                                  <p:stCondLst>
+                                    <p:cond delay="0"/>
+                                  </p:stCondLst>
+                                  <p:childTnLst>
+                                    <p:set>
+                                      <p:cBhvr>
+                                        <p:cTn id="6" dur="1" fill="hold">
+                                          <p:stCondLst>
+                                            <p:cond delay="0"/>
+                                          </p:stCondLst>
+                                        </p:cTn>
+                                        <p:tgtEl>
+                                          <p:spTgt spid="2">
+                                            <p:txEl>
+                                              <p:pRg st="0" end="0"/>
+                                            </p:txEl>
+                                          </p:spTgt>
+                                        </p:tgtEl>
+                                        <p:attrNameLst>
+                                          <p:attrName>style.visibility</p:attrName>
+                                        </p:attrNameLst>
+                                      </p:cBhvr>
+                                      <p:to>
+                                        <p:strVal val="visible"/>
+                                      </p:to>
+                                    </p:set>
+                                    <p:anim calcmode="lin" valueType="num">
+                                      <p:cBhvr additive="base">
+                                        <p:cTn id="7" dur="500" fill="hold"/>
+                                        <p:tgtEl>
+                                          <p:spTgt spid="2">
+                                            <p:txEl>
+                                              <p:pRg st="0" end="0"/>
+                                            </p:txEl>
+                                          </p:spTgt>
+                                        </p:tgtEl>
+                                        <p:attrNameLst>
+                                          <p:attrName>ppt_x</p:attrName>
+                                        </p:attrNameLst>
+                                      </p:cBhvr>
+                                      <p:tavLst>
+                                        <p:tav tm="0">
+                                          <p:val>
+                                            <p:strVal val="#ppt_x"/>
+                                          </p:val>
+                                        </p:tav>
+                                        <p:tav tm="100000">
+                                          <p:val>
+                                            <p:strVal val="#ppt_x"/>
+                                          </p:val>
+                                        </p:tav>
+                                      </p:tavLst>
+                                    </p:anim>
+                                    <p:anim calcmode="lin" valueType="num">
+                                      <p:cBhvr additive="base">
+                                        <p:cTn id="8" dur="500" fill="hold"/>
+                                        <p:tgtEl>
+                                          <p:spTgt spid="2">
+                                            <p:txEl>
+                                              <p:pRg st="0" end="0"/>
+                                            </p:txEl>
+                                          </p:spTgt>
+                                        </p:tgtEl>
+                                        <p:attrNameLst>
+                                          <p:attrName>ppt_y</p:attrName>
+                                        </p:attrNameLst>
+                                      </p:cBhvr>
+                                      <p:tavLst>
+                                        <p:tav tm="0">
+                                          <p:val>
+                                            <p:strVal val="1+#ppt_h/2"/>
+                                          </p:val>
+                                        </p:tav>
+                                        <p:tav tm="100000">
+                                          <p:val>
+                                            <p:strVal val="#ppt_y"/>
+                                          </p:val>
+                                        </p:tav>
+                                      </p:tavLst>
+                                    </p:anim>
+                                  </p:childTnLst>
+                                </p:cTn>
+                              </p:par>
+                              <p:par>
+                                <p:cTn id="9" presetID="2" presetClass="entr" presetSubtype="4" fill="hold" nodeType="withEffect">
+                                  <p:stCondLst>
+                                    <p:cond delay="0"/>
+                                  </p:stCondLst>
+                                  <p:childTnLst>
+                                    <p:set>
+                                      <p:cBhvr>
+                                        <p:cTn id="10" dur="1" fill="hold">
+                                          <p:stCondLst>
+                                            <p:cond delay="0"/>
+                                          </p:stCondLst>
+                                        </p:cTn>
+                                        <p:tgtEl>
+                                          <p:spTgt spid="2">
+                                            <p:txEl>
+                                              <p:pRg st="1" end="1"/>
+                                            </p:txEl>
+                                          </p:spTgt>
+                                        </p:tgtEl>
+                                        <p:attrNameLst>
+                                          <p:attrName>style.visibility</p:attrName>
+                                        </p:attrNameLst>
+                                      </p:cBhvr>
+                                      <p:to>
+                                        <p:strVal val="visible"/>
+                                      </p:to>
+                                    </p:set>
+                                    <p:anim calcmode="lin" valueType="num">
+                                      <p:cBhvr additive="base">
+                                        <p:cTn id="11" dur="500" fill="hold"/>
+                                        <p:tgtEl>
+                                          <p:spTgt spid="2">
+                                            <p:txEl>
+                                              <p:pRg st="1" end="1"/>
+                                            </p:txEl>
+                                          </p:spTgt>
+                                        </p:tgtEl>
+                                        <p:attrNameLst>
+                                          <p:attrName>ppt_x</p:attrName>
+                                        </p:attrNameLst>
+                                      </p:cBhvr>
+                                      <p:tavLst>
+                                        <p:tav tm="0">
+                                          <p:val>
+                                            <p:strVal val="#ppt_x"/>
+                                          </p:val>
+                                        </p:tav>
+                                        <p:tav tm="100000">
+                                          <p:val>
+                                            <p:strVal val="#ppt_x"/>
+                                          </p:val>
+                                        </p:tav>
+                                      </p:tavLst>
+                                    </p:anim>
+                                    <p:anim calcmode="lin" valueType="num">
+                                      <p:cBhvr additive="base">
+                                        <p:cTn id="12" dur="500" fill="hold"/>
+                                        <p:tgtEl>
+                                          <p:spTgt spid="2">
+                                            <p:txEl>
+                                              <p:pRg st="1" end="1"/>
+                                            </p:txEl>
+                                          </p:spTgt>
+                                        </p:tgtEl>
+                                        <p:attrNameLst>
+                                          <p:attrName>ppt_y</p:attrName>
+                                        </p:attrNameLst>
+                                      </p:cBhvr>
+                                      <p:tavLst>
+                                        <p:tav tm="0">
+                                          <p:val>
+                                            <p:strVal val="1+#ppt_h/2"/>
+                                          </p:val>
+                                        </p:tav>
+                                        <p:tav tm="100000">
+                                          <p:val>
+                                            <p:strVal val="#ppt_y"/>
+                                          </p:val>
+                                        </p:tav>
+                                      </p:tavLst>
+                                    </p:anim>
+                                  </p:childTnLst>
+                                </p:cTn>
+                              </p:par>
+                            </p:childTnLst>
+                          </p:cTn>
+                        </p:par>
+                      </p:childTnLst>
+                    </p:cTn>
+                  </p:par>
+                </p:childTnLst>
+              </p:cTn>
+              <p:prevCondLst>
+                <p:cond evt="onPrev" delay="0">
+                  <p:tgtEl>
+                    <p:sldTgt/>
+                  </p:tgtEl>
+                </p:cond>
+              </p:prevCondLst>
+              <p:nextCondLst>
+                <p:cond evt="onNext" delay="0">
+                  <p:tgtEl>
+                    <p:sldTgt/>
+                  </p:tgtEl>
+                </p:cond>
+              </p:nextCondLst>
+            </p:seq>
+          </p:childTnLst>
+        </p:cTn>
       </p:par>
     </p:tnLst>
   </p:timing>
@@ -24919,12 +32578,625 @@
   <p:clrMapOvr>
     <a:masterClrMapping/>
   </p:clrMapOvr>
+  <mc:AlternateContent xmlns:mc="http://schemas.openxmlformats.org/markup-compatibility/2006">
+    <mc:Choice xmlns:p14="http://schemas.microsoft.com/office/powerpoint/2010/main" Requires="p14">
+      <p:transition spd="slow" p14:dur="1600">
+        <p14:gallery dir="l"/>
+      </p:transition>
+    </mc:Choice>
+    <mc:Fallback>
+      <p:transition spd="slow">
+        <p:fade/>
+      </p:transition>
+    </mc:Fallback>
+  </mc:AlternateContent>
   <p:timing>
     <p:tnLst>
       <p:par>
-        <p:cTn id="1" dur="indefinite" restart="never" nodeType="tmRoot"/>
+        <p:cTn id="1" dur="indefinite" restart="never" nodeType="tmRoot">
+          <p:childTnLst>
+            <p:seq concurrent="1" nextAc="seek">
+              <p:cTn id="2" dur="indefinite" nodeType="mainSeq">
+                <p:childTnLst>
+                  <p:par>
+                    <p:cTn id="3" fill="hold">
+                      <p:stCondLst>
+                        <p:cond delay="indefinite"/>
+                      </p:stCondLst>
+                      <p:childTnLst>
+                        <p:par>
+                          <p:cTn id="4" fill="hold">
+                            <p:stCondLst>
+                              <p:cond delay="0"/>
+                            </p:stCondLst>
+                            <p:childTnLst>
+                              <p:par>
+                                <p:cTn id="5" presetID="16" presetClass="entr" presetSubtype="21" fill="hold" grpId="0" nodeType="clickEffect">
+                                  <p:stCondLst>
+                                    <p:cond delay="0"/>
+                                  </p:stCondLst>
+                                  <p:childTnLst>
+                                    <p:set>
+                                      <p:cBhvr>
+                                        <p:cTn id="6" dur="1" fill="hold">
+                                          <p:stCondLst>
+                                            <p:cond delay="0"/>
+                                          </p:stCondLst>
+                                        </p:cTn>
+                                        <p:tgtEl>
+                                          <p:spTgt spid="3"/>
+                                        </p:tgtEl>
+                                        <p:attrNameLst>
+                                          <p:attrName>style.visibility</p:attrName>
+                                        </p:attrNameLst>
+                                      </p:cBhvr>
+                                      <p:to>
+                                        <p:strVal val="visible"/>
+                                      </p:to>
+                                    </p:set>
+                                    <p:animEffect transition="in" filter="barn(inVertical)">
+                                      <p:cBhvr>
+                                        <p:cTn id="7" dur="500"/>
+                                        <p:tgtEl>
+                                          <p:spTgt spid="3"/>
+                                        </p:tgtEl>
+                                      </p:cBhvr>
+                                    </p:animEffect>
+                                  </p:childTnLst>
+                                </p:cTn>
+                              </p:par>
+                              <p:par>
+                                <p:cTn id="8" presetID="16" presetClass="entr" presetSubtype="21" fill="hold" grpId="0" nodeType="withEffect">
+                                  <p:stCondLst>
+                                    <p:cond delay="0"/>
+                                  </p:stCondLst>
+                                  <p:childTnLst>
+                                    <p:set>
+                                      <p:cBhvr>
+                                        <p:cTn id="9" dur="1" fill="hold">
+                                          <p:stCondLst>
+                                            <p:cond delay="0"/>
+                                          </p:stCondLst>
+                                        </p:cTn>
+                                        <p:tgtEl>
+                                          <p:spTgt spid="12"/>
+                                        </p:tgtEl>
+                                        <p:attrNameLst>
+                                          <p:attrName>style.visibility</p:attrName>
+                                        </p:attrNameLst>
+                                      </p:cBhvr>
+                                      <p:to>
+                                        <p:strVal val="visible"/>
+                                      </p:to>
+                                    </p:set>
+                                    <p:animEffect transition="in" filter="barn(inVertical)">
+                                      <p:cBhvr>
+                                        <p:cTn id="10" dur="500"/>
+                                        <p:tgtEl>
+                                          <p:spTgt spid="12"/>
+                                        </p:tgtEl>
+                                      </p:cBhvr>
+                                    </p:animEffect>
+                                  </p:childTnLst>
+                                </p:cTn>
+                              </p:par>
+                              <p:par>
+                                <p:cTn id="11" presetID="16" presetClass="entr" presetSubtype="21" fill="hold" grpId="0" nodeType="withEffect">
+                                  <p:stCondLst>
+                                    <p:cond delay="0"/>
+                                  </p:stCondLst>
+                                  <p:childTnLst>
+                                    <p:set>
+                                      <p:cBhvr>
+                                        <p:cTn id="12" dur="1" fill="hold">
+                                          <p:stCondLst>
+                                            <p:cond delay="0"/>
+                                          </p:stCondLst>
+                                        </p:cTn>
+                                        <p:tgtEl>
+                                          <p:spTgt spid="13"/>
+                                        </p:tgtEl>
+                                        <p:attrNameLst>
+                                          <p:attrName>style.visibility</p:attrName>
+                                        </p:attrNameLst>
+                                      </p:cBhvr>
+                                      <p:to>
+                                        <p:strVal val="visible"/>
+                                      </p:to>
+                                    </p:set>
+                                    <p:animEffect transition="in" filter="barn(inVertical)">
+                                      <p:cBhvr>
+                                        <p:cTn id="13" dur="500"/>
+                                        <p:tgtEl>
+                                          <p:spTgt spid="13"/>
+                                        </p:tgtEl>
+                                      </p:cBhvr>
+                                    </p:animEffect>
+                                  </p:childTnLst>
+                                </p:cTn>
+                              </p:par>
+                              <p:par>
+                                <p:cTn id="14" presetID="16" presetClass="entr" presetSubtype="21" fill="hold" grpId="0" nodeType="withEffect">
+                                  <p:stCondLst>
+                                    <p:cond delay="0"/>
+                                  </p:stCondLst>
+                                  <p:childTnLst>
+                                    <p:set>
+                                      <p:cBhvr>
+                                        <p:cTn id="15" dur="1" fill="hold">
+                                          <p:stCondLst>
+                                            <p:cond delay="0"/>
+                                          </p:stCondLst>
+                                        </p:cTn>
+                                        <p:tgtEl>
+                                          <p:spTgt spid="14"/>
+                                        </p:tgtEl>
+                                        <p:attrNameLst>
+                                          <p:attrName>style.visibility</p:attrName>
+                                        </p:attrNameLst>
+                                      </p:cBhvr>
+                                      <p:to>
+                                        <p:strVal val="visible"/>
+                                      </p:to>
+                                    </p:set>
+                                    <p:animEffect transition="in" filter="barn(inVertical)">
+                                      <p:cBhvr>
+                                        <p:cTn id="16" dur="500"/>
+                                        <p:tgtEl>
+                                          <p:spTgt spid="14"/>
+                                        </p:tgtEl>
+                                      </p:cBhvr>
+                                    </p:animEffect>
+                                  </p:childTnLst>
+                                </p:cTn>
+                              </p:par>
+                              <p:par>
+                                <p:cTn id="17" presetID="16" presetClass="entr" presetSubtype="21" fill="hold" nodeType="withEffect">
+                                  <p:stCondLst>
+                                    <p:cond delay="0"/>
+                                  </p:stCondLst>
+                                  <p:childTnLst>
+                                    <p:set>
+                                      <p:cBhvr>
+                                        <p:cTn id="18" dur="1" fill="hold">
+                                          <p:stCondLst>
+                                            <p:cond delay="0"/>
+                                          </p:stCondLst>
+                                        </p:cTn>
+                                        <p:tgtEl>
+                                          <p:spTgt spid="15"/>
+                                        </p:tgtEl>
+                                        <p:attrNameLst>
+                                          <p:attrName>style.visibility</p:attrName>
+                                        </p:attrNameLst>
+                                      </p:cBhvr>
+                                      <p:to>
+                                        <p:strVal val="visible"/>
+                                      </p:to>
+                                    </p:set>
+                                    <p:animEffect transition="in" filter="barn(inVertical)">
+                                      <p:cBhvr>
+                                        <p:cTn id="19" dur="500"/>
+                                        <p:tgtEl>
+                                          <p:spTgt spid="15"/>
+                                        </p:tgtEl>
+                                      </p:cBhvr>
+                                    </p:animEffect>
+                                  </p:childTnLst>
+                                </p:cTn>
+                              </p:par>
+                              <p:par>
+                                <p:cTn id="20" presetID="16" presetClass="entr" presetSubtype="21" fill="hold" nodeType="withEffect">
+                                  <p:stCondLst>
+                                    <p:cond delay="0"/>
+                                  </p:stCondLst>
+                                  <p:childTnLst>
+                                    <p:set>
+                                      <p:cBhvr>
+                                        <p:cTn id="21" dur="1" fill="hold">
+                                          <p:stCondLst>
+                                            <p:cond delay="0"/>
+                                          </p:stCondLst>
+                                        </p:cTn>
+                                        <p:tgtEl>
+                                          <p:spTgt spid="17"/>
+                                        </p:tgtEl>
+                                        <p:attrNameLst>
+                                          <p:attrName>style.visibility</p:attrName>
+                                        </p:attrNameLst>
+                                      </p:cBhvr>
+                                      <p:to>
+                                        <p:strVal val="visible"/>
+                                      </p:to>
+                                    </p:set>
+                                    <p:animEffect transition="in" filter="barn(inVertical)">
+                                      <p:cBhvr>
+                                        <p:cTn id="22" dur="500"/>
+                                        <p:tgtEl>
+                                          <p:spTgt spid="17"/>
+                                        </p:tgtEl>
+                                      </p:cBhvr>
+                                    </p:animEffect>
+                                  </p:childTnLst>
+                                </p:cTn>
+                              </p:par>
+                              <p:par>
+                                <p:cTn id="23" presetID="16" presetClass="entr" presetSubtype="21" fill="hold" nodeType="withEffect">
+                                  <p:stCondLst>
+                                    <p:cond delay="0"/>
+                                  </p:stCondLst>
+                                  <p:childTnLst>
+                                    <p:set>
+                                      <p:cBhvr>
+                                        <p:cTn id="24" dur="1" fill="hold">
+                                          <p:stCondLst>
+                                            <p:cond delay="0"/>
+                                          </p:stCondLst>
+                                        </p:cTn>
+                                        <p:tgtEl>
+                                          <p:spTgt spid="19"/>
+                                        </p:tgtEl>
+                                        <p:attrNameLst>
+                                          <p:attrName>style.visibility</p:attrName>
+                                        </p:attrNameLst>
+                                      </p:cBhvr>
+                                      <p:to>
+                                        <p:strVal val="visible"/>
+                                      </p:to>
+                                    </p:set>
+                                    <p:animEffect transition="in" filter="barn(inVertical)">
+                                      <p:cBhvr>
+                                        <p:cTn id="25" dur="500"/>
+                                        <p:tgtEl>
+                                          <p:spTgt spid="19"/>
+                                        </p:tgtEl>
+                                      </p:cBhvr>
+                                    </p:animEffect>
+                                  </p:childTnLst>
+                                </p:cTn>
+                              </p:par>
+                              <p:par>
+                                <p:cTn id="26" presetID="16" presetClass="entr" presetSubtype="21" fill="hold" nodeType="withEffect">
+                                  <p:stCondLst>
+                                    <p:cond delay="0"/>
+                                  </p:stCondLst>
+                                  <p:childTnLst>
+                                    <p:set>
+                                      <p:cBhvr>
+                                        <p:cTn id="27" dur="1" fill="hold">
+                                          <p:stCondLst>
+                                            <p:cond delay="0"/>
+                                          </p:stCondLst>
+                                        </p:cTn>
+                                        <p:tgtEl>
+                                          <p:spTgt spid="21"/>
+                                        </p:tgtEl>
+                                        <p:attrNameLst>
+                                          <p:attrName>style.visibility</p:attrName>
+                                        </p:attrNameLst>
+                                      </p:cBhvr>
+                                      <p:to>
+                                        <p:strVal val="visible"/>
+                                      </p:to>
+                                    </p:set>
+                                    <p:animEffect transition="in" filter="barn(inVertical)">
+                                      <p:cBhvr>
+                                        <p:cTn id="28" dur="500"/>
+                                        <p:tgtEl>
+                                          <p:spTgt spid="21"/>
+                                        </p:tgtEl>
+                                      </p:cBhvr>
+                                    </p:animEffect>
+                                  </p:childTnLst>
+                                </p:cTn>
+                              </p:par>
+                            </p:childTnLst>
+                          </p:cTn>
+                        </p:par>
+                      </p:childTnLst>
+                    </p:cTn>
+                  </p:par>
+                  <p:par>
+                    <p:cTn id="29" fill="hold">
+                      <p:stCondLst>
+                        <p:cond delay="indefinite"/>
+                      </p:stCondLst>
+                      <p:childTnLst>
+                        <p:par>
+                          <p:cTn id="30" fill="hold">
+                            <p:stCondLst>
+                              <p:cond delay="0"/>
+                            </p:stCondLst>
+                            <p:childTnLst>
+                              <p:par>
+                                <p:cTn id="31" presetID="2" presetClass="entr" presetSubtype="4" fill="hold" grpId="0" nodeType="clickEffect">
+                                  <p:stCondLst>
+                                    <p:cond delay="0"/>
+                                  </p:stCondLst>
+                                  <p:childTnLst>
+                                    <p:set>
+                                      <p:cBhvr>
+                                        <p:cTn id="32" dur="1" fill="hold">
+                                          <p:stCondLst>
+                                            <p:cond delay="0"/>
+                                          </p:stCondLst>
+                                        </p:cTn>
+                                        <p:tgtEl>
+                                          <p:spTgt spid="2">
+                                            <p:txEl>
+                                              <p:pRg st="0" end="0"/>
+                                            </p:txEl>
+                                          </p:spTgt>
+                                        </p:tgtEl>
+                                        <p:attrNameLst>
+                                          <p:attrName>style.visibility</p:attrName>
+                                        </p:attrNameLst>
+                                      </p:cBhvr>
+                                      <p:to>
+                                        <p:strVal val="visible"/>
+                                      </p:to>
+                                    </p:set>
+                                    <p:anim calcmode="lin" valueType="num">
+                                      <p:cBhvr additive="base">
+                                        <p:cTn id="33" dur="500" fill="hold"/>
+                                        <p:tgtEl>
+                                          <p:spTgt spid="2">
+                                            <p:txEl>
+                                              <p:pRg st="0" end="0"/>
+                                            </p:txEl>
+                                          </p:spTgt>
+                                        </p:tgtEl>
+                                        <p:attrNameLst>
+                                          <p:attrName>ppt_x</p:attrName>
+                                        </p:attrNameLst>
+                                      </p:cBhvr>
+                                      <p:tavLst>
+                                        <p:tav tm="0">
+                                          <p:val>
+                                            <p:strVal val="#ppt_x"/>
+                                          </p:val>
+                                        </p:tav>
+                                        <p:tav tm="100000">
+                                          <p:val>
+                                            <p:strVal val="#ppt_x"/>
+                                          </p:val>
+                                        </p:tav>
+                                      </p:tavLst>
+                                    </p:anim>
+                                    <p:anim calcmode="lin" valueType="num">
+                                      <p:cBhvr additive="base">
+                                        <p:cTn id="34" dur="500" fill="hold"/>
+                                        <p:tgtEl>
+                                          <p:spTgt spid="2">
+                                            <p:txEl>
+                                              <p:pRg st="0" end="0"/>
+                                            </p:txEl>
+                                          </p:spTgt>
+                                        </p:tgtEl>
+                                        <p:attrNameLst>
+                                          <p:attrName>ppt_y</p:attrName>
+                                        </p:attrNameLst>
+                                      </p:cBhvr>
+                                      <p:tavLst>
+                                        <p:tav tm="0">
+                                          <p:val>
+                                            <p:strVal val="1+#ppt_h/2"/>
+                                          </p:val>
+                                        </p:tav>
+                                        <p:tav tm="100000">
+                                          <p:val>
+                                            <p:strVal val="#ppt_y"/>
+                                          </p:val>
+                                        </p:tav>
+                                      </p:tavLst>
+                                    </p:anim>
+                                  </p:childTnLst>
+                                </p:cTn>
+                              </p:par>
+                              <p:par>
+                                <p:cTn id="35" presetID="2" presetClass="entr" presetSubtype="4" fill="hold" grpId="0" nodeType="withEffect">
+                                  <p:stCondLst>
+                                    <p:cond delay="0"/>
+                                  </p:stCondLst>
+                                  <p:childTnLst>
+                                    <p:set>
+                                      <p:cBhvr>
+                                        <p:cTn id="36" dur="1" fill="hold">
+                                          <p:stCondLst>
+                                            <p:cond delay="0"/>
+                                          </p:stCondLst>
+                                        </p:cTn>
+                                        <p:tgtEl>
+                                          <p:spTgt spid="2">
+                                            <p:txEl>
+                                              <p:pRg st="1" end="1"/>
+                                            </p:txEl>
+                                          </p:spTgt>
+                                        </p:tgtEl>
+                                        <p:attrNameLst>
+                                          <p:attrName>style.visibility</p:attrName>
+                                        </p:attrNameLst>
+                                      </p:cBhvr>
+                                      <p:to>
+                                        <p:strVal val="visible"/>
+                                      </p:to>
+                                    </p:set>
+                                    <p:anim calcmode="lin" valueType="num">
+                                      <p:cBhvr additive="base">
+                                        <p:cTn id="37" dur="500" fill="hold"/>
+                                        <p:tgtEl>
+                                          <p:spTgt spid="2">
+                                            <p:txEl>
+                                              <p:pRg st="1" end="1"/>
+                                            </p:txEl>
+                                          </p:spTgt>
+                                        </p:tgtEl>
+                                        <p:attrNameLst>
+                                          <p:attrName>ppt_x</p:attrName>
+                                        </p:attrNameLst>
+                                      </p:cBhvr>
+                                      <p:tavLst>
+                                        <p:tav tm="0">
+                                          <p:val>
+                                            <p:strVal val="#ppt_x"/>
+                                          </p:val>
+                                        </p:tav>
+                                        <p:tav tm="100000">
+                                          <p:val>
+                                            <p:strVal val="#ppt_x"/>
+                                          </p:val>
+                                        </p:tav>
+                                      </p:tavLst>
+                                    </p:anim>
+                                    <p:anim calcmode="lin" valueType="num">
+                                      <p:cBhvr additive="base">
+                                        <p:cTn id="38" dur="500" fill="hold"/>
+                                        <p:tgtEl>
+                                          <p:spTgt spid="2">
+                                            <p:txEl>
+                                              <p:pRg st="1" end="1"/>
+                                            </p:txEl>
+                                          </p:spTgt>
+                                        </p:tgtEl>
+                                        <p:attrNameLst>
+                                          <p:attrName>ppt_y</p:attrName>
+                                        </p:attrNameLst>
+                                      </p:cBhvr>
+                                      <p:tavLst>
+                                        <p:tav tm="0">
+                                          <p:val>
+                                            <p:strVal val="1+#ppt_h/2"/>
+                                          </p:val>
+                                        </p:tav>
+                                        <p:tav tm="100000">
+                                          <p:val>
+                                            <p:strVal val="#ppt_y"/>
+                                          </p:val>
+                                        </p:tav>
+                                      </p:tavLst>
+                                    </p:anim>
+                                  </p:childTnLst>
+                                </p:cTn>
+                              </p:par>
+                              <p:par>
+                                <p:cTn id="39" presetID="2" presetClass="entr" presetSubtype="4" fill="hold" grpId="0" nodeType="withEffect">
+                                  <p:stCondLst>
+                                    <p:cond delay="0"/>
+                                  </p:stCondLst>
+                                  <p:childTnLst>
+                                    <p:set>
+                                      <p:cBhvr>
+                                        <p:cTn id="40" dur="1" fill="hold">
+                                          <p:stCondLst>
+                                            <p:cond delay="0"/>
+                                          </p:stCondLst>
+                                        </p:cTn>
+                                        <p:tgtEl>
+                                          <p:spTgt spid="2">
+                                            <p:txEl>
+                                              <p:pRg st="2" end="2"/>
+                                            </p:txEl>
+                                          </p:spTgt>
+                                        </p:tgtEl>
+                                        <p:attrNameLst>
+                                          <p:attrName>style.visibility</p:attrName>
+                                        </p:attrNameLst>
+                                      </p:cBhvr>
+                                      <p:to>
+                                        <p:strVal val="visible"/>
+                                      </p:to>
+                                    </p:set>
+                                    <p:anim calcmode="lin" valueType="num">
+                                      <p:cBhvr additive="base">
+                                        <p:cTn id="41" dur="500" fill="hold"/>
+                                        <p:tgtEl>
+                                          <p:spTgt spid="2">
+                                            <p:txEl>
+                                              <p:pRg st="2" end="2"/>
+                                            </p:txEl>
+                                          </p:spTgt>
+                                        </p:tgtEl>
+                                        <p:attrNameLst>
+                                          <p:attrName>ppt_x</p:attrName>
+                                        </p:attrNameLst>
+                                      </p:cBhvr>
+                                      <p:tavLst>
+                                        <p:tav tm="0">
+                                          <p:val>
+                                            <p:strVal val="#ppt_x"/>
+                                          </p:val>
+                                        </p:tav>
+                                        <p:tav tm="100000">
+                                          <p:val>
+                                            <p:strVal val="#ppt_x"/>
+                                          </p:val>
+                                        </p:tav>
+                                      </p:tavLst>
+                                    </p:anim>
+                                    <p:anim calcmode="lin" valueType="num">
+                                      <p:cBhvr additive="base">
+                                        <p:cTn id="42" dur="500" fill="hold"/>
+                                        <p:tgtEl>
+                                          <p:spTgt spid="2">
+                                            <p:txEl>
+                                              <p:pRg st="2" end="2"/>
+                                            </p:txEl>
+                                          </p:spTgt>
+                                        </p:tgtEl>
+                                        <p:attrNameLst>
+                                          <p:attrName>ppt_y</p:attrName>
+                                        </p:attrNameLst>
+                                      </p:cBhvr>
+                                      <p:tavLst>
+                                        <p:tav tm="0">
+                                          <p:val>
+                                            <p:strVal val="1+#ppt_h/2"/>
+                                          </p:val>
+                                        </p:tav>
+                                        <p:tav tm="100000">
+                                          <p:val>
+                                            <p:strVal val="#ppt_y"/>
+                                          </p:val>
+                                        </p:tav>
+                                      </p:tavLst>
+                                    </p:anim>
+                                  </p:childTnLst>
+                                </p:cTn>
+                              </p:par>
+                            </p:childTnLst>
+                          </p:cTn>
+                        </p:par>
+                      </p:childTnLst>
+                    </p:cTn>
+                  </p:par>
+                </p:childTnLst>
+              </p:cTn>
+              <p:prevCondLst>
+                <p:cond evt="onPrev" delay="0">
+                  <p:tgtEl>
+                    <p:sldTgt/>
+                  </p:tgtEl>
+                </p:cond>
+              </p:prevCondLst>
+              <p:nextCondLst>
+                <p:cond evt="onNext" delay="0">
+                  <p:tgtEl>
+                    <p:sldTgt/>
+                  </p:tgtEl>
+                </p:cond>
+              </p:nextCondLst>
+            </p:seq>
+          </p:childTnLst>
+        </p:cTn>
       </p:par>
     </p:tnLst>
+    <p:bldLst>
+      <p:bldP spid="2" grpId="0" build="allAtOnce"/>
+      <p:bldP spid="3" grpId="0" animBg="1"/>
+      <p:bldP spid="12" grpId="0" animBg="1"/>
+      <p:bldP spid="13" grpId="0" animBg="1"/>
+      <p:bldP spid="14" grpId="0" animBg="1"/>
+    </p:bldLst>
   </p:timing>
 </p:sld>
 </file>
@@ -25234,6 +33506,18 @@
   <p:clrMapOvr>
     <a:masterClrMapping/>
   </p:clrMapOvr>
+  <mc:AlternateContent xmlns:mc="http://schemas.openxmlformats.org/markup-compatibility/2006">
+    <mc:Choice xmlns:p14="http://schemas.microsoft.com/office/powerpoint/2010/main" Requires="p14">
+      <p:transition spd="slow" p14:dur="1600">
+        <p14:gallery dir="l"/>
+      </p:transition>
+    </mc:Choice>
+    <mc:Fallback>
+      <p:transition spd="slow">
+        <p:fade/>
+      </p:transition>
+    </mc:Fallback>
+  </mc:AlternateContent>
   <p:timing>
     <p:tnLst>
       <p:par>
@@ -25559,12 +33843,578 @@
   <p:clrMapOvr>
     <a:masterClrMapping/>
   </p:clrMapOvr>
+  <mc:AlternateContent xmlns:mc="http://schemas.openxmlformats.org/markup-compatibility/2006">
+    <mc:Choice xmlns:p14="http://schemas.microsoft.com/office/powerpoint/2010/main" Requires="p14">
+      <p:transition spd="slow" p14:dur="1600">
+        <p14:gallery dir="l"/>
+      </p:transition>
+    </mc:Choice>
+    <mc:Fallback>
+      <p:transition spd="slow">
+        <p:fade/>
+      </p:transition>
+    </mc:Fallback>
+  </mc:AlternateContent>
   <p:timing>
     <p:tnLst>
       <p:par>
-        <p:cTn id="1" dur="indefinite" restart="never" nodeType="tmRoot"/>
+        <p:cTn id="1" dur="indefinite" restart="never" nodeType="tmRoot">
+          <p:childTnLst>
+            <p:seq concurrent="1" nextAc="seek">
+              <p:cTn id="2" dur="indefinite" nodeType="mainSeq">
+                <p:childTnLst>
+                  <p:par>
+                    <p:cTn id="3" fill="hold">
+                      <p:stCondLst>
+                        <p:cond delay="indefinite"/>
+                      </p:stCondLst>
+                      <p:childTnLst>
+                        <p:par>
+                          <p:cTn id="4" fill="hold">
+                            <p:stCondLst>
+                              <p:cond delay="0"/>
+                            </p:stCondLst>
+                            <p:childTnLst>
+                              <p:par>
+                                <p:cTn id="5" presetID="2" presetClass="entr" presetSubtype="4" fill="hold" grpId="0" nodeType="clickEffect">
+                                  <p:stCondLst>
+                                    <p:cond delay="0"/>
+                                  </p:stCondLst>
+                                  <p:childTnLst>
+                                    <p:set>
+                                      <p:cBhvr>
+                                        <p:cTn id="6" dur="1" fill="hold">
+                                          <p:stCondLst>
+                                            <p:cond delay="0"/>
+                                          </p:stCondLst>
+                                        </p:cTn>
+                                        <p:tgtEl>
+                                          <p:spTgt spid="2">
+                                            <p:txEl>
+                                              <p:pRg st="0" end="0"/>
+                                            </p:txEl>
+                                          </p:spTgt>
+                                        </p:tgtEl>
+                                        <p:attrNameLst>
+                                          <p:attrName>style.visibility</p:attrName>
+                                        </p:attrNameLst>
+                                      </p:cBhvr>
+                                      <p:to>
+                                        <p:strVal val="visible"/>
+                                      </p:to>
+                                    </p:set>
+                                    <p:anim calcmode="lin" valueType="num">
+                                      <p:cBhvr additive="base">
+                                        <p:cTn id="7" dur="500" fill="hold"/>
+                                        <p:tgtEl>
+                                          <p:spTgt spid="2">
+                                            <p:txEl>
+                                              <p:pRg st="0" end="0"/>
+                                            </p:txEl>
+                                          </p:spTgt>
+                                        </p:tgtEl>
+                                        <p:attrNameLst>
+                                          <p:attrName>ppt_x</p:attrName>
+                                        </p:attrNameLst>
+                                      </p:cBhvr>
+                                      <p:tavLst>
+                                        <p:tav tm="0">
+                                          <p:val>
+                                            <p:strVal val="#ppt_x"/>
+                                          </p:val>
+                                        </p:tav>
+                                        <p:tav tm="100000">
+                                          <p:val>
+                                            <p:strVal val="#ppt_x"/>
+                                          </p:val>
+                                        </p:tav>
+                                      </p:tavLst>
+                                    </p:anim>
+                                    <p:anim calcmode="lin" valueType="num">
+                                      <p:cBhvr additive="base">
+                                        <p:cTn id="8" dur="500" fill="hold"/>
+                                        <p:tgtEl>
+                                          <p:spTgt spid="2">
+                                            <p:txEl>
+                                              <p:pRg st="0" end="0"/>
+                                            </p:txEl>
+                                          </p:spTgt>
+                                        </p:tgtEl>
+                                        <p:attrNameLst>
+                                          <p:attrName>ppt_y</p:attrName>
+                                        </p:attrNameLst>
+                                      </p:cBhvr>
+                                      <p:tavLst>
+                                        <p:tav tm="0">
+                                          <p:val>
+                                            <p:strVal val="1+#ppt_h/2"/>
+                                          </p:val>
+                                        </p:tav>
+                                        <p:tav tm="100000">
+                                          <p:val>
+                                            <p:strVal val="#ppt_y"/>
+                                          </p:val>
+                                        </p:tav>
+                                      </p:tavLst>
+                                    </p:anim>
+                                  </p:childTnLst>
+                                </p:cTn>
+                              </p:par>
+                              <p:par>
+                                <p:cTn id="9" presetID="2" presetClass="entr" presetSubtype="4" fill="hold" grpId="0" nodeType="withEffect">
+                                  <p:stCondLst>
+                                    <p:cond delay="0"/>
+                                  </p:stCondLst>
+                                  <p:childTnLst>
+                                    <p:set>
+                                      <p:cBhvr>
+                                        <p:cTn id="10" dur="1" fill="hold">
+                                          <p:stCondLst>
+                                            <p:cond delay="0"/>
+                                          </p:stCondLst>
+                                        </p:cTn>
+                                        <p:tgtEl>
+                                          <p:spTgt spid="2">
+                                            <p:txEl>
+                                              <p:pRg st="1" end="1"/>
+                                            </p:txEl>
+                                          </p:spTgt>
+                                        </p:tgtEl>
+                                        <p:attrNameLst>
+                                          <p:attrName>style.visibility</p:attrName>
+                                        </p:attrNameLst>
+                                      </p:cBhvr>
+                                      <p:to>
+                                        <p:strVal val="visible"/>
+                                      </p:to>
+                                    </p:set>
+                                    <p:anim calcmode="lin" valueType="num">
+                                      <p:cBhvr additive="base">
+                                        <p:cTn id="11" dur="500" fill="hold"/>
+                                        <p:tgtEl>
+                                          <p:spTgt spid="2">
+                                            <p:txEl>
+                                              <p:pRg st="1" end="1"/>
+                                            </p:txEl>
+                                          </p:spTgt>
+                                        </p:tgtEl>
+                                        <p:attrNameLst>
+                                          <p:attrName>ppt_x</p:attrName>
+                                        </p:attrNameLst>
+                                      </p:cBhvr>
+                                      <p:tavLst>
+                                        <p:tav tm="0">
+                                          <p:val>
+                                            <p:strVal val="#ppt_x"/>
+                                          </p:val>
+                                        </p:tav>
+                                        <p:tav tm="100000">
+                                          <p:val>
+                                            <p:strVal val="#ppt_x"/>
+                                          </p:val>
+                                        </p:tav>
+                                      </p:tavLst>
+                                    </p:anim>
+                                    <p:anim calcmode="lin" valueType="num">
+                                      <p:cBhvr additive="base">
+                                        <p:cTn id="12" dur="500" fill="hold"/>
+                                        <p:tgtEl>
+                                          <p:spTgt spid="2">
+                                            <p:txEl>
+                                              <p:pRg st="1" end="1"/>
+                                            </p:txEl>
+                                          </p:spTgt>
+                                        </p:tgtEl>
+                                        <p:attrNameLst>
+                                          <p:attrName>ppt_y</p:attrName>
+                                        </p:attrNameLst>
+                                      </p:cBhvr>
+                                      <p:tavLst>
+                                        <p:tav tm="0">
+                                          <p:val>
+                                            <p:strVal val="1+#ppt_h/2"/>
+                                          </p:val>
+                                        </p:tav>
+                                        <p:tav tm="100000">
+                                          <p:val>
+                                            <p:strVal val="#ppt_y"/>
+                                          </p:val>
+                                        </p:tav>
+                                      </p:tavLst>
+                                    </p:anim>
+                                  </p:childTnLst>
+                                </p:cTn>
+                              </p:par>
+                              <p:par>
+                                <p:cTn id="13" presetID="2" presetClass="entr" presetSubtype="4" fill="hold" grpId="0" nodeType="withEffect">
+                                  <p:stCondLst>
+                                    <p:cond delay="0"/>
+                                  </p:stCondLst>
+                                  <p:childTnLst>
+                                    <p:set>
+                                      <p:cBhvr>
+                                        <p:cTn id="14" dur="1" fill="hold">
+                                          <p:stCondLst>
+                                            <p:cond delay="0"/>
+                                          </p:stCondLst>
+                                        </p:cTn>
+                                        <p:tgtEl>
+                                          <p:spTgt spid="2">
+                                            <p:txEl>
+                                              <p:pRg st="2" end="2"/>
+                                            </p:txEl>
+                                          </p:spTgt>
+                                        </p:tgtEl>
+                                        <p:attrNameLst>
+                                          <p:attrName>style.visibility</p:attrName>
+                                        </p:attrNameLst>
+                                      </p:cBhvr>
+                                      <p:to>
+                                        <p:strVal val="visible"/>
+                                      </p:to>
+                                    </p:set>
+                                    <p:anim calcmode="lin" valueType="num">
+                                      <p:cBhvr additive="base">
+                                        <p:cTn id="15" dur="500" fill="hold"/>
+                                        <p:tgtEl>
+                                          <p:spTgt spid="2">
+                                            <p:txEl>
+                                              <p:pRg st="2" end="2"/>
+                                            </p:txEl>
+                                          </p:spTgt>
+                                        </p:tgtEl>
+                                        <p:attrNameLst>
+                                          <p:attrName>ppt_x</p:attrName>
+                                        </p:attrNameLst>
+                                      </p:cBhvr>
+                                      <p:tavLst>
+                                        <p:tav tm="0">
+                                          <p:val>
+                                            <p:strVal val="#ppt_x"/>
+                                          </p:val>
+                                        </p:tav>
+                                        <p:tav tm="100000">
+                                          <p:val>
+                                            <p:strVal val="#ppt_x"/>
+                                          </p:val>
+                                        </p:tav>
+                                      </p:tavLst>
+                                    </p:anim>
+                                    <p:anim calcmode="lin" valueType="num">
+                                      <p:cBhvr additive="base">
+                                        <p:cTn id="16" dur="500" fill="hold"/>
+                                        <p:tgtEl>
+                                          <p:spTgt spid="2">
+                                            <p:txEl>
+                                              <p:pRg st="2" end="2"/>
+                                            </p:txEl>
+                                          </p:spTgt>
+                                        </p:tgtEl>
+                                        <p:attrNameLst>
+                                          <p:attrName>ppt_y</p:attrName>
+                                        </p:attrNameLst>
+                                      </p:cBhvr>
+                                      <p:tavLst>
+                                        <p:tav tm="0">
+                                          <p:val>
+                                            <p:strVal val="1+#ppt_h/2"/>
+                                          </p:val>
+                                        </p:tav>
+                                        <p:tav tm="100000">
+                                          <p:val>
+                                            <p:strVal val="#ppt_y"/>
+                                          </p:val>
+                                        </p:tav>
+                                      </p:tavLst>
+                                    </p:anim>
+                                  </p:childTnLst>
+                                </p:cTn>
+                              </p:par>
+                              <p:par>
+                                <p:cTn id="17" presetID="2" presetClass="entr" presetSubtype="4" fill="hold" grpId="0" nodeType="withEffect">
+                                  <p:stCondLst>
+                                    <p:cond delay="0"/>
+                                  </p:stCondLst>
+                                  <p:childTnLst>
+                                    <p:set>
+                                      <p:cBhvr>
+                                        <p:cTn id="18" dur="1" fill="hold">
+                                          <p:stCondLst>
+                                            <p:cond delay="0"/>
+                                          </p:stCondLst>
+                                        </p:cTn>
+                                        <p:tgtEl>
+                                          <p:spTgt spid="2">
+                                            <p:txEl>
+                                              <p:pRg st="3" end="3"/>
+                                            </p:txEl>
+                                          </p:spTgt>
+                                        </p:tgtEl>
+                                        <p:attrNameLst>
+                                          <p:attrName>style.visibility</p:attrName>
+                                        </p:attrNameLst>
+                                      </p:cBhvr>
+                                      <p:to>
+                                        <p:strVal val="visible"/>
+                                      </p:to>
+                                    </p:set>
+                                    <p:anim calcmode="lin" valueType="num">
+                                      <p:cBhvr additive="base">
+                                        <p:cTn id="19" dur="500" fill="hold"/>
+                                        <p:tgtEl>
+                                          <p:spTgt spid="2">
+                                            <p:txEl>
+                                              <p:pRg st="3" end="3"/>
+                                            </p:txEl>
+                                          </p:spTgt>
+                                        </p:tgtEl>
+                                        <p:attrNameLst>
+                                          <p:attrName>ppt_x</p:attrName>
+                                        </p:attrNameLst>
+                                      </p:cBhvr>
+                                      <p:tavLst>
+                                        <p:tav tm="0">
+                                          <p:val>
+                                            <p:strVal val="#ppt_x"/>
+                                          </p:val>
+                                        </p:tav>
+                                        <p:tav tm="100000">
+                                          <p:val>
+                                            <p:strVal val="#ppt_x"/>
+                                          </p:val>
+                                        </p:tav>
+                                      </p:tavLst>
+                                    </p:anim>
+                                    <p:anim calcmode="lin" valueType="num">
+                                      <p:cBhvr additive="base">
+                                        <p:cTn id="20" dur="500" fill="hold"/>
+                                        <p:tgtEl>
+                                          <p:spTgt spid="2">
+                                            <p:txEl>
+                                              <p:pRg st="3" end="3"/>
+                                            </p:txEl>
+                                          </p:spTgt>
+                                        </p:tgtEl>
+                                        <p:attrNameLst>
+                                          <p:attrName>ppt_y</p:attrName>
+                                        </p:attrNameLst>
+                                      </p:cBhvr>
+                                      <p:tavLst>
+                                        <p:tav tm="0">
+                                          <p:val>
+                                            <p:strVal val="1+#ppt_h/2"/>
+                                          </p:val>
+                                        </p:tav>
+                                        <p:tav tm="100000">
+                                          <p:val>
+                                            <p:strVal val="#ppt_y"/>
+                                          </p:val>
+                                        </p:tav>
+                                      </p:tavLst>
+                                    </p:anim>
+                                  </p:childTnLst>
+                                </p:cTn>
+                              </p:par>
+                              <p:par>
+                                <p:cTn id="21" presetID="2" presetClass="entr" presetSubtype="4" fill="hold" grpId="0" nodeType="withEffect">
+                                  <p:stCondLst>
+                                    <p:cond delay="0"/>
+                                  </p:stCondLst>
+                                  <p:childTnLst>
+                                    <p:set>
+                                      <p:cBhvr>
+                                        <p:cTn id="22" dur="1" fill="hold">
+                                          <p:stCondLst>
+                                            <p:cond delay="0"/>
+                                          </p:stCondLst>
+                                        </p:cTn>
+                                        <p:tgtEl>
+                                          <p:spTgt spid="2">
+                                            <p:txEl>
+                                              <p:pRg st="4" end="4"/>
+                                            </p:txEl>
+                                          </p:spTgt>
+                                        </p:tgtEl>
+                                        <p:attrNameLst>
+                                          <p:attrName>style.visibility</p:attrName>
+                                        </p:attrNameLst>
+                                      </p:cBhvr>
+                                      <p:to>
+                                        <p:strVal val="visible"/>
+                                      </p:to>
+                                    </p:set>
+                                    <p:anim calcmode="lin" valueType="num">
+                                      <p:cBhvr additive="base">
+                                        <p:cTn id="23" dur="500" fill="hold"/>
+                                        <p:tgtEl>
+                                          <p:spTgt spid="2">
+                                            <p:txEl>
+                                              <p:pRg st="4" end="4"/>
+                                            </p:txEl>
+                                          </p:spTgt>
+                                        </p:tgtEl>
+                                        <p:attrNameLst>
+                                          <p:attrName>ppt_x</p:attrName>
+                                        </p:attrNameLst>
+                                      </p:cBhvr>
+                                      <p:tavLst>
+                                        <p:tav tm="0">
+                                          <p:val>
+                                            <p:strVal val="#ppt_x"/>
+                                          </p:val>
+                                        </p:tav>
+                                        <p:tav tm="100000">
+                                          <p:val>
+                                            <p:strVal val="#ppt_x"/>
+                                          </p:val>
+                                        </p:tav>
+                                      </p:tavLst>
+                                    </p:anim>
+                                    <p:anim calcmode="lin" valueType="num">
+                                      <p:cBhvr additive="base">
+                                        <p:cTn id="24" dur="500" fill="hold"/>
+                                        <p:tgtEl>
+                                          <p:spTgt spid="2">
+                                            <p:txEl>
+                                              <p:pRg st="4" end="4"/>
+                                            </p:txEl>
+                                          </p:spTgt>
+                                        </p:tgtEl>
+                                        <p:attrNameLst>
+                                          <p:attrName>ppt_y</p:attrName>
+                                        </p:attrNameLst>
+                                      </p:cBhvr>
+                                      <p:tavLst>
+                                        <p:tav tm="0">
+                                          <p:val>
+                                            <p:strVal val="1+#ppt_h/2"/>
+                                          </p:val>
+                                        </p:tav>
+                                        <p:tav tm="100000">
+                                          <p:val>
+                                            <p:strVal val="#ppt_y"/>
+                                          </p:val>
+                                        </p:tav>
+                                      </p:tavLst>
+                                    </p:anim>
+                                  </p:childTnLst>
+                                </p:cTn>
+                              </p:par>
+                              <p:par>
+                                <p:cTn id="25" presetID="2" presetClass="entr" presetSubtype="4" fill="hold" grpId="0" nodeType="withEffect">
+                                  <p:stCondLst>
+                                    <p:cond delay="0"/>
+                                  </p:stCondLst>
+                                  <p:childTnLst>
+                                    <p:set>
+                                      <p:cBhvr>
+                                        <p:cTn id="26" dur="1" fill="hold">
+                                          <p:stCondLst>
+                                            <p:cond delay="0"/>
+                                          </p:stCondLst>
+                                        </p:cTn>
+                                        <p:tgtEl>
+                                          <p:spTgt spid="2">
+                                            <p:txEl>
+                                              <p:pRg st="5" end="5"/>
+                                            </p:txEl>
+                                          </p:spTgt>
+                                        </p:tgtEl>
+                                        <p:attrNameLst>
+                                          <p:attrName>style.visibility</p:attrName>
+                                        </p:attrNameLst>
+                                      </p:cBhvr>
+                                      <p:to>
+                                        <p:strVal val="visible"/>
+                                      </p:to>
+                                    </p:set>
+                                    <p:anim calcmode="lin" valueType="num">
+                                      <p:cBhvr additive="base">
+                                        <p:cTn id="27" dur="500" fill="hold"/>
+                                        <p:tgtEl>
+                                          <p:spTgt spid="2">
+                                            <p:txEl>
+                                              <p:pRg st="5" end="5"/>
+                                            </p:txEl>
+                                          </p:spTgt>
+                                        </p:tgtEl>
+                                        <p:attrNameLst>
+                                          <p:attrName>ppt_x</p:attrName>
+                                        </p:attrNameLst>
+                                      </p:cBhvr>
+                                      <p:tavLst>
+                                        <p:tav tm="0">
+                                          <p:val>
+                                            <p:strVal val="#ppt_x"/>
+                                          </p:val>
+                                        </p:tav>
+                                        <p:tav tm="100000">
+                                          <p:val>
+                                            <p:strVal val="#ppt_x"/>
+                                          </p:val>
+                                        </p:tav>
+                                      </p:tavLst>
+                                    </p:anim>
+                                    <p:anim calcmode="lin" valueType="num">
+                                      <p:cBhvr additive="base">
+                                        <p:cTn id="28" dur="500" fill="hold"/>
+                                        <p:tgtEl>
+                                          <p:spTgt spid="2">
+                                            <p:txEl>
+                                              <p:pRg st="5" end="5"/>
+                                            </p:txEl>
+                                          </p:spTgt>
+                                        </p:tgtEl>
+                                        <p:attrNameLst>
+                                          <p:attrName>ppt_y</p:attrName>
+                                        </p:attrNameLst>
+                                      </p:cBhvr>
+                                      <p:tavLst>
+                                        <p:tav tm="0">
+                                          <p:val>
+                                            <p:strVal val="1+#ppt_h/2"/>
+                                          </p:val>
+                                        </p:tav>
+                                        <p:tav tm="100000">
+                                          <p:val>
+                                            <p:strVal val="#ppt_y"/>
+                                          </p:val>
+                                        </p:tav>
+                                      </p:tavLst>
+                                    </p:anim>
+                                  </p:childTnLst>
+                                </p:cTn>
+                              </p:par>
+                            </p:childTnLst>
+                          </p:cTn>
+                        </p:par>
+                      </p:childTnLst>
+                    </p:cTn>
+                  </p:par>
+                </p:childTnLst>
+              </p:cTn>
+              <p:prevCondLst>
+                <p:cond evt="onPrev" delay="0">
+                  <p:tgtEl>
+                    <p:sldTgt/>
+                  </p:tgtEl>
+                </p:cond>
+              </p:prevCondLst>
+              <p:nextCondLst>
+                <p:cond evt="onNext" delay="0">
+                  <p:tgtEl>
+                    <p:sldTgt/>
+                  </p:tgtEl>
+                </p:cond>
+              </p:nextCondLst>
+            </p:seq>
+          </p:childTnLst>
+        </p:cTn>
       </p:par>
     </p:tnLst>
+    <p:bldLst>
+      <p:bldP spid="2" grpId="0" build="allAtOnce"/>
+    </p:bldLst>
   </p:timing>
 </p:sld>
 </file>
@@ -25877,6 +34727,18 @@
   <p:clrMapOvr>
     <a:masterClrMapping/>
   </p:clrMapOvr>
+  <mc:AlternateContent xmlns:mc="http://schemas.openxmlformats.org/markup-compatibility/2006">
+    <mc:Choice xmlns:p14="http://schemas.microsoft.com/office/powerpoint/2010/main" Requires="p14">
+      <p:transition spd="slow" p14:dur="1600">
+        <p14:gallery dir="l"/>
+      </p:transition>
+    </mc:Choice>
+    <mc:Fallback>
+      <p:transition spd="slow">
+        <p:fade/>
+      </p:transition>
+    </mc:Fallback>
+  </mc:AlternateContent>
   <p:timing>
     <p:tnLst>
       <p:par>

--- a/Seminar_JNI/Slide_00 - Hieu ung.pptx
+++ b/Seminar_JNI/Slide_00 - Hieu ung.pptx
@@ -19,7 +19,7 @@
     <p:sldId id="271" r:id="rId7"/>
     <p:sldId id="273" r:id="rId8"/>
     <p:sldId id="270" r:id="rId9"/>
-    <p:sldId id="272" r:id="rId10"/>
+    <p:sldId id="299" r:id="rId10"/>
     <p:sldId id="275" r:id="rId11"/>
     <p:sldId id="293" r:id="rId12"/>
     <p:sldId id="294" r:id="rId13"/>
@@ -6051,6 +6051,80 @@
           <a:bodyPr/>
           <a:lstStyle/>
           <a:p>
+            <a:pPr marL="228600" indent="-228600">
+              <a:buAutoNum type="arabicPeriod"/>
+            </a:pPr>
+            <a:r>
+              <a:rPr lang="en-US" smtClean="0"/>
+              <a:t>tạo</a:t>
+            </a:r>
+            <a:r>
+              <a:rPr lang="en-US" baseline="0" smtClean="0"/>
+              <a:t> java source với phươg thức native</a:t>
+            </a:r>
+          </a:p>
+          <a:p>
+            <a:pPr marL="228600" indent="-228600">
+              <a:buAutoNum type="arabicPeriod"/>
+            </a:pPr>
+            <a:r>
+              <a:rPr lang="en-US" baseline="0" smtClean="0"/>
+              <a:t>Buil java source được các java class</a:t>
+            </a:r>
+          </a:p>
+          <a:p>
+            <a:pPr marL="228600" indent="-228600">
+              <a:buAutoNum type="arabicPeriod"/>
+            </a:pPr>
+            <a:r>
+              <a:rPr lang="en-US" baseline="0" smtClean="0"/>
+              <a:t>Tạo header cho các phương thức native (sử dụng file javah)</a:t>
+            </a:r>
+          </a:p>
+          <a:p>
+            <a:pPr marL="228600" indent="-228600">
+              <a:buAutoNum type="arabicPeriod"/>
+            </a:pPr>
+            <a:r>
+              <a:rPr lang="en-US" baseline="0" smtClean="0"/>
+              <a:t>Viết mã nguồn cho phương thức native sử dụng các hàm prototype  từ include file &amp; typdefs từ include.jni.h</a:t>
+            </a:r>
+          </a:p>
+          <a:p>
+            <a:pPr marL="228600" indent="-228600">
+              <a:buAutoNum type="arabicPeriod"/>
+            </a:pPr>
+            <a:r>
+              <a:rPr lang="en-US" baseline="0" smtClean="0"/>
+              <a:t>Biên dịch C/C++ với header</a:t>
+            </a:r>
+          </a:p>
+          <a:p>
+            <a:pPr marL="228600" indent="-228600">
+              <a:buAutoNum type="arabicPeriod"/>
+            </a:pPr>
+            <a:r>
+              <a:rPr lang="en-US" baseline="0" smtClean="0"/>
+              <a:t>Sử dụng linker để tạo dll</a:t>
+            </a:r>
+          </a:p>
+          <a:p>
+            <a:pPr marL="228600" indent="-228600">
+              <a:buAutoNum type="arabicPeriod"/>
+            </a:pPr>
+            <a:r>
+              <a:rPr lang="en-US" baseline="0" smtClean="0"/>
+              <a:t>-&gt; thự thi chương trình java</a:t>
+            </a:r>
+          </a:p>
+          <a:p>
+            <a:pPr marL="0" indent="0">
+              <a:buNone/>
+            </a:pPr>
+            <a:r>
+              <a:rPr lang="en-US" baseline="0" smtClean="0"/>
+              <a:t>-&gt; demo helloworld chi tiết ở phần sau</a:t>
+            </a:r>
             <a:endParaRPr lang="en-US"/>
           </a:p>
         </p:txBody>
@@ -11042,13 +11116,13 @@
   <p:clrMapOvr>
     <a:masterClrMapping/>
   </p:clrMapOvr>
-  <mc:AlternateContent xmlns:mc="http://schemas.openxmlformats.org/markup-compatibility/2006">
-    <mc:Choice xmlns:p14="http://schemas.microsoft.com/office/powerpoint/2010/main" Requires="p14">
+  <mc:AlternateContent xmlns:mc="http://schemas.openxmlformats.org/markup-compatibility/2006" xmlns:p14="http://schemas.microsoft.com/office/powerpoint/2010/main">
+    <mc:Choice Requires="p14">
       <p:transition spd="slow" p14:dur="1600">
         <p14:gallery dir="l"/>
       </p:transition>
     </mc:Choice>
-    <mc:Fallback>
+    <mc:Fallback xmlns="">
       <p:transition spd="slow">
         <p:fade/>
       </p:transition>
@@ -11466,13 +11540,13 @@
   <p:clrMapOvr>
     <a:masterClrMapping/>
   </p:clrMapOvr>
-  <mc:AlternateContent xmlns:mc="http://schemas.openxmlformats.org/markup-compatibility/2006">
-    <mc:Choice xmlns:p14="http://schemas.microsoft.com/office/powerpoint/2010/main" Requires="p14">
+  <mc:AlternateContent xmlns:mc="http://schemas.openxmlformats.org/markup-compatibility/2006" xmlns:p14="http://schemas.microsoft.com/office/powerpoint/2010/main">
+    <mc:Choice Requires="p14">
       <p:transition spd="slow" p14:dur="1600">
         <p14:gallery dir="l"/>
       </p:transition>
     </mc:Choice>
-    <mc:Fallback>
+    <mc:Fallback xmlns="">
       <p:transition spd="slow">
         <p:fade/>
       </p:transition>
@@ -13120,13 +13194,13 @@
   <p:clrMapOvr>
     <a:masterClrMapping/>
   </p:clrMapOvr>
-  <mc:AlternateContent xmlns:mc="http://schemas.openxmlformats.org/markup-compatibility/2006">
-    <mc:Choice xmlns:p14="http://schemas.microsoft.com/office/powerpoint/2010/main" Requires="p14">
+  <mc:AlternateContent xmlns:mc="http://schemas.openxmlformats.org/markup-compatibility/2006" xmlns:p14="http://schemas.microsoft.com/office/powerpoint/2010/main">
+    <mc:Choice Requires="p14">
       <p:transition spd="slow" p14:dur="1600">
         <p14:gallery dir="l"/>
       </p:transition>
     </mc:Choice>
-    <mc:Fallback>
+    <mc:Fallback xmlns="">
       <p:transition spd="slow">
         <p:fade/>
       </p:transition>
@@ -13996,13 +14070,13 @@
   <p:clrMapOvr>
     <a:masterClrMapping/>
   </p:clrMapOvr>
-  <mc:AlternateContent xmlns:mc="http://schemas.openxmlformats.org/markup-compatibility/2006">
-    <mc:Choice xmlns:p14="http://schemas.microsoft.com/office/powerpoint/2010/main" Requires="p14">
+  <mc:AlternateContent xmlns:mc="http://schemas.openxmlformats.org/markup-compatibility/2006" xmlns:p14="http://schemas.microsoft.com/office/powerpoint/2010/main">
+    <mc:Choice Requires="p14">
       <p:transition spd="slow" p14:dur="1600">
         <p14:gallery dir="l"/>
       </p:transition>
     </mc:Choice>
-    <mc:Fallback>
+    <mc:Fallback xmlns="">
       <p:transition spd="slow">
         <p:fade/>
       </p:transition>
@@ -15203,13 +15277,13 @@
   <p:clrMapOvr>
     <a:masterClrMapping/>
   </p:clrMapOvr>
-  <mc:AlternateContent xmlns:mc="http://schemas.openxmlformats.org/markup-compatibility/2006">
-    <mc:Choice xmlns:p14="http://schemas.microsoft.com/office/powerpoint/2010/main" Requires="p14">
+  <mc:AlternateContent xmlns:mc="http://schemas.openxmlformats.org/markup-compatibility/2006" xmlns:p14="http://schemas.microsoft.com/office/powerpoint/2010/main">
+    <mc:Choice Requires="p14">
       <p:transition spd="slow" p14:dur="1600">
         <p14:gallery dir="l"/>
       </p:transition>
     </mc:Choice>
-    <mc:Fallback>
+    <mc:Fallback xmlns="">
       <p:transition spd="slow">
         <p:fade/>
       </p:transition>
@@ -15989,13 +16063,13 @@
   <p:clrMapOvr>
     <a:masterClrMapping/>
   </p:clrMapOvr>
-  <mc:AlternateContent xmlns:mc="http://schemas.openxmlformats.org/markup-compatibility/2006">
-    <mc:Choice xmlns:p14="http://schemas.microsoft.com/office/powerpoint/2010/main" Requires="p14">
+  <mc:AlternateContent xmlns:mc="http://schemas.openxmlformats.org/markup-compatibility/2006" xmlns:p14="http://schemas.microsoft.com/office/powerpoint/2010/main">
+    <mc:Choice Requires="p14">
       <p:transition spd="slow" p14:dur="1600">
         <p14:gallery dir="l"/>
       </p:transition>
     </mc:Choice>
-    <mc:Fallback>
+    <mc:Fallback xmlns="">
       <p:transition spd="slow">
         <p:fade/>
       </p:transition>
@@ -17371,13 +17445,13 @@
   <p:clrMapOvr>
     <a:masterClrMapping/>
   </p:clrMapOvr>
-  <mc:AlternateContent xmlns:mc="http://schemas.openxmlformats.org/markup-compatibility/2006">
-    <mc:Choice xmlns:p14="http://schemas.microsoft.com/office/powerpoint/2010/main" Requires="p14">
+  <mc:AlternateContent xmlns:mc="http://schemas.openxmlformats.org/markup-compatibility/2006" xmlns:p14="http://schemas.microsoft.com/office/powerpoint/2010/main">
+    <mc:Choice Requires="p14">
       <p:transition spd="slow" p14:dur="1600">
         <p14:gallery dir="l"/>
       </p:transition>
     </mc:Choice>
-    <mc:Fallback>
+    <mc:Fallback xmlns="">
       <p:transition spd="slow">
         <p:fade/>
       </p:transition>
@@ -17920,13 +17994,13 @@
   <p:clrMapOvr>
     <a:masterClrMapping/>
   </p:clrMapOvr>
-  <mc:AlternateContent xmlns:mc="http://schemas.openxmlformats.org/markup-compatibility/2006">
-    <mc:Choice xmlns:p14="http://schemas.microsoft.com/office/powerpoint/2010/main" Requires="p14">
+  <mc:AlternateContent xmlns:mc="http://schemas.openxmlformats.org/markup-compatibility/2006" xmlns:p14="http://schemas.microsoft.com/office/powerpoint/2010/main">
+    <mc:Choice Requires="p14">
       <p:transition spd="slow" p14:dur="1600">
         <p14:gallery dir="l"/>
       </p:transition>
     </mc:Choice>
-    <mc:Fallback>
+    <mc:Fallback xmlns="">
       <p:transition spd="slow">
         <p:fade/>
       </p:transition>
@@ -18708,13 +18782,13 @@
   <p:clrMapOvr>
     <a:masterClrMapping/>
   </p:clrMapOvr>
-  <mc:AlternateContent xmlns:mc="http://schemas.openxmlformats.org/markup-compatibility/2006">
-    <mc:Choice xmlns:p14="http://schemas.microsoft.com/office/powerpoint/2010/main" Requires="p14">
+  <mc:AlternateContent xmlns:mc="http://schemas.openxmlformats.org/markup-compatibility/2006" xmlns:p14="http://schemas.microsoft.com/office/powerpoint/2010/main">
+    <mc:Choice Requires="p14">
       <p:transition spd="slow" p14:dur="1600">
         <p14:gallery dir="l"/>
       </p:transition>
     </mc:Choice>
-    <mc:Fallback>
+    <mc:Fallback xmlns="">
       <p:transition spd="slow">
         <p:fade/>
       </p:transition>
@@ -19511,13 +19585,13 @@
   <p:clrMapOvr>
     <a:masterClrMapping/>
   </p:clrMapOvr>
-  <mc:AlternateContent xmlns:mc="http://schemas.openxmlformats.org/markup-compatibility/2006">
-    <mc:Choice xmlns:p14="http://schemas.microsoft.com/office/powerpoint/2010/main" Requires="p14">
+  <mc:AlternateContent xmlns:mc="http://schemas.openxmlformats.org/markup-compatibility/2006" xmlns:p14="http://schemas.microsoft.com/office/powerpoint/2010/main">
+    <mc:Choice Requires="p14">
       <p:transition spd="slow" p14:dur="1600">
         <p14:gallery dir="l"/>
       </p:transition>
     </mc:Choice>
-    <mc:Fallback>
+    <mc:Fallback xmlns="">
       <p:transition spd="slow">
         <p:fade/>
       </p:transition>
@@ -20882,13 +20956,13 @@
   <p:clrMapOvr>
     <a:masterClrMapping/>
   </p:clrMapOvr>
-  <mc:AlternateContent xmlns:mc="http://schemas.openxmlformats.org/markup-compatibility/2006">
-    <mc:Choice xmlns:p14="http://schemas.microsoft.com/office/powerpoint/2010/main" Requires="p14">
+  <mc:AlternateContent xmlns:mc="http://schemas.openxmlformats.org/markup-compatibility/2006" xmlns:p14="http://schemas.microsoft.com/office/powerpoint/2010/main">
+    <mc:Choice Requires="p14">
       <p:transition spd="slow" p14:dur="1600">
         <p14:gallery dir="l"/>
       </p:transition>
     </mc:Choice>
-    <mc:Fallback>
+    <mc:Fallback xmlns="">
       <p:transition spd="slow">
         <p:fade/>
       </p:transition>
@@ -21294,13 +21368,13 @@
   <p:clrMapOvr>
     <a:masterClrMapping/>
   </p:clrMapOvr>
-  <mc:AlternateContent xmlns:mc="http://schemas.openxmlformats.org/markup-compatibility/2006">
-    <mc:Choice xmlns:p14="http://schemas.microsoft.com/office/powerpoint/2010/main" Requires="p14">
+  <mc:AlternateContent xmlns:mc="http://schemas.openxmlformats.org/markup-compatibility/2006" xmlns:p14="http://schemas.microsoft.com/office/powerpoint/2010/main">
+    <mc:Choice Requires="p14">
       <p:transition spd="slow" p14:dur="1600">
         <p14:gallery dir="l"/>
       </p:transition>
     </mc:Choice>
-    <mc:Fallback>
+    <mc:Fallback xmlns="">
       <p:transition spd="slow">
         <p:fade/>
       </p:transition>
@@ -22179,13 +22253,13 @@
   <p:clrMapOvr>
     <a:masterClrMapping/>
   </p:clrMapOvr>
-  <mc:AlternateContent xmlns:mc="http://schemas.openxmlformats.org/markup-compatibility/2006">
-    <mc:Choice xmlns:p14="http://schemas.microsoft.com/office/powerpoint/2010/main" Requires="p14">
+  <mc:AlternateContent xmlns:mc="http://schemas.openxmlformats.org/markup-compatibility/2006" xmlns:p14="http://schemas.microsoft.com/office/powerpoint/2010/main">
+    <mc:Choice Requires="p14">
       <p:transition spd="slow" p14:dur="1600">
         <p14:gallery dir="l"/>
       </p:transition>
     </mc:Choice>
-    <mc:Fallback>
+    <mc:Fallback xmlns="">
       <p:transition spd="slow">
         <p:fade/>
       </p:transition>
@@ -23214,13 +23288,13 @@
   <p:clrMapOvr>
     <a:masterClrMapping/>
   </p:clrMapOvr>
-  <mc:AlternateContent xmlns:mc="http://schemas.openxmlformats.org/markup-compatibility/2006">
-    <mc:Choice xmlns:p14="http://schemas.microsoft.com/office/powerpoint/2010/main" Requires="p14">
+  <mc:AlternateContent xmlns:mc="http://schemas.openxmlformats.org/markup-compatibility/2006" xmlns:p14="http://schemas.microsoft.com/office/powerpoint/2010/main">
+    <mc:Choice Requires="p14">
       <p:transition spd="slow" p14:dur="1600">
         <p14:gallery dir="l"/>
       </p:transition>
     </mc:Choice>
-    <mc:Fallback>
+    <mc:Fallback xmlns="">
       <p:transition spd="slow">
         <p:fade/>
       </p:transition>
@@ -24514,13 +24588,13 @@
   <p:clrMapOvr>
     <a:masterClrMapping/>
   </p:clrMapOvr>
-  <mc:AlternateContent xmlns:mc="http://schemas.openxmlformats.org/markup-compatibility/2006">
-    <mc:Choice xmlns:p14="http://schemas.microsoft.com/office/powerpoint/2010/main" Requires="p14">
+  <mc:AlternateContent xmlns:mc="http://schemas.openxmlformats.org/markup-compatibility/2006" xmlns:p14="http://schemas.microsoft.com/office/powerpoint/2010/main">
+    <mc:Choice Requires="p14">
       <p:transition spd="slow" p14:dur="1600">
         <p14:gallery dir="l"/>
       </p:transition>
     </mc:Choice>
-    <mc:Fallback>
+    <mc:Fallback xmlns="">
       <p:transition spd="slow">
         <p:fade/>
       </p:transition>
@@ -25088,13 +25162,13 @@
   <p:clrMapOvr>
     <a:masterClrMapping/>
   </p:clrMapOvr>
-  <mc:AlternateContent xmlns:mc="http://schemas.openxmlformats.org/markup-compatibility/2006">
-    <mc:Choice xmlns:p14="http://schemas.microsoft.com/office/powerpoint/2010/main" Requires="p14">
+  <mc:AlternateContent xmlns:mc="http://schemas.openxmlformats.org/markup-compatibility/2006" xmlns:p14="http://schemas.microsoft.com/office/powerpoint/2010/main">
+    <mc:Choice Requires="p14">
       <p:transition spd="slow" p14:dur="1600">
         <p14:gallery dir="l"/>
       </p:transition>
     </mc:Choice>
-    <mc:Fallback>
+    <mc:Fallback xmlns="">
       <p:transition spd="slow">
         <p:fade/>
       </p:transition>
@@ -25800,13 +25874,13 @@
   <p:clrMapOvr>
     <a:masterClrMapping/>
   </p:clrMapOvr>
-  <mc:AlternateContent xmlns:mc="http://schemas.openxmlformats.org/markup-compatibility/2006">
-    <mc:Choice xmlns:p14="http://schemas.microsoft.com/office/powerpoint/2010/main" Requires="p14">
+  <mc:AlternateContent xmlns:mc="http://schemas.openxmlformats.org/markup-compatibility/2006" xmlns:p14="http://schemas.microsoft.com/office/powerpoint/2010/main">
+    <mc:Choice Requires="p14">
       <p:transition spd="slow" p14:dur="1600">
         <p14:gallery dir="l"/>
       </p:transition>
     </mc:Choice>
-    <mc:Fallback>
+    <mc:Fallback xmlns="">
       <p:transition spd="slow">
         <p:fade/>
       </p:transition>
@@ -26675,13 +26749,13 @@
   <p:clrMapOvr>
     <a:masterClrMapping/>
   </p:clrMapOvr>
-  <mc:AlternateContent xmlns:mc="http://schemas.openxmlformats.org/markup-compatibility/2006">
-    <mc:Choice xmlns:p14="http://schemas.microsoft.com/office/powerpoint/2010/main" Requires="p14">
+  <mc:AlternateContent xmlns:mc="http://schemas.openxmlformats.org/markup-compatibility/2006" xmlns:p14="http://schemas.microsoft.com/office/powerpoint/2010/main">
+    <mc:Choice Requires="p14">
       <p:transition spd="slow" p14:dur="1600">
         <p14:gallery dir="l"/>
       </p:transition>
     </mc:Choice>
-    <mc:Fallback>
+    <mc:Fallback xmlns="">
       <p:transition spd="slow">
         <p:fade/>
       </p:transition>
@@ -27478,13 +27552,13 @@
   <p:clrMapOvr>
     <a:masterClrMapping/>
   </p:clrMapOvr>
-  <mc:AlternateContent xmlns:mc="http://schemas.openxmlformats.org/markup-compatibility/2006">
-    <mc:Choice xmlns:p14="http://schemas.microsoft.com/office/powerpoint/2010/main" Requires="p14">
+  <mc:AlternateContent xmlns:mc="http://schemas.openxmlformats.org/markup-compatibility/2006" xmlns:p14="http://schemas.microsoft.com/office/powerpoint/2010/main">
+    <mc:Choice Requires="p14">
       <p:transition spd="slow" p14:dur="1600">
         <p14:gallery dir="l"/>
       </p:transition>
     </mc:Choice>
-    <mc:Fallback>
+    <mc:Fallback xmlns="">
       <p:transition spd="slow">
         <p:fade/>
       </p:transition>
@@ -28320,13 +28394,13 @@
   <p:clrMapOvr>
     <a:masterClrMapping/>
   </p:clrMapOvr>
-  <mc:AlternateContent xmlns:mc="http://schemas.openxmlformats.org/markup-compatibility/2006">
-    <mc:Choice xmlns:p14="http://schemas.microsoft.com/office/powerpoint/2010/main" Requires="p14">
+  <mc:AlternateContent xmlns:mc="http://schemas.openxmlformats.org/markup-compatibility/2006" xmlns:p14="http://schemas.microsoft.com/office/powerpoint/2010/main">
+    <mc:Choice Requires="p14">
       <p:transition spd="slow" p14:dur="1600">
         <p14:gallery dir="l"/>
       </p:transition>
     </mc:Choice>
-    <mc:Fallback>
+    <mc:Fallback xmlns="">
       <p:transition spd="slow">
         <p:fade/>
       </p:transition>
@@ -28747,13 +28821,13 @@
   <p:clrMapOvr>
     <a:masterClrMapping/>
   </p:clrMapOvr>
-  <mc:AlternateContent xmlns:mc="http://schemas.openxmlformats.org/markup-compatibility/2006">
-    <mc:Choice xmlns:p14="http://schemas.microsoft.com/office/powerpoint/2010/main" Requires="p14">
+  <mc:AlternateContent xmlns:mc="http://schemas.openxmlformats.org/markup-compatibility/2006" xmlns:p14="http://schemas.microsoft.com/office/powerpoint/2010/main">
+    <mc:Choice Requires="p14">
       <p:transition spd="slow" p14:dur="1600">
         <p14:gallery dir="l"/>
       </p:transition>
     </mc:Choice>
-    <mc:Fallback>
+    <mc:Fallback xmlns="">
       <p:transition spd="slow">
         <p:fade/>
       </p:transition>
@@ -29131,13 +29205,13 @@
   <p:clrMapOvr>
     <a:masterClrMapping/>
   </p:clrMapOvr>
-  <mc:AlternateContent xmlns:mc="http://schemas.openxmlformats.org/markup-compatibility/2006">
-    <mc:Choice xmlns:p14="http://schemas.microsoft.com/office/powerpoint/2010/main" Requires="p14">
+  <mc:AlternateContent xmlns:mc="http://schemas.openxmlformats.org/markup-compatibility/2006" xmlns:p14="http://schemas.microsoft.com/office/powerpoint/2010/main">
+    <mc:Choice Requires="p14">
       <p:transition spd="slow" p14:dur="1600">
         <p14:gallery dir="l"/>
       </p:transition>
     </mc:Choice>
-    <mc:Fallback>
+    <mc:Fallback xmlns="">
       <p:transition spd="slow">
         <p:fade/>
       </p:transition>
@@ -29567,13 +29641,13 @@
   <p:clrMapOvr>
     <a:masterClrMapping/>
   </p:clrMapOvr>
-  <mc:AlternateContent xmlns:mc="http://schemas.openxmlformats.org/markup-compatibility/2006">
-    <mc:Choice xmlns:p14="http://schemas.microsoft.com/office/powerpoint/2010/main" Requires="p14">
+  <mc:AlternateContent xmlns:mc="http://schemas.openxmlformats.org/markup-compatibility/2006" xmlns:p14="http://schemas.microsoft.com/office/powerpoint/2010/main">
+    <mc:Choice Requires="p14">
       <p:transition spd="slow" p14:dur="1600">
         <p14:gallery dir="l"/>
       </p:transition>
     </mc:Choice>
-    <mc:Fallback>
+    <mc:Fallback xmlns="">
       <p:transition spd="slow">
         <p:fade/>
       </p:transition>
@@ -30211,13 +30285,13 @@
   <p:clrMapOvr>
     <a:masterClrMapping/>
   </p:clrMapOvr>
-  <mc:AlternateContent xmlns:mc="http://schemas.openxmlformats.org/markup-compatibility/2006">
-    <mc:Choice xmlns:p14="http://schemas.microsoft.com/office/powerpoint/2010/main" Requires="p14">
+  <mc:AlternateContent xmlns:mc="http://schemas.openxmlformats.org/markup-compatibility/2006" xmlns:p14="http://schemas.microsoft.com/office/powerpoint/2010/main">
+    <mc:Choice Requires="p14">
       <p:transition spd="slow" p14:dur="1600">
         <p14:gallery dir="l"/>
       </p:transition>
     </mc:Choice>
-    <mc:Fallback>
+    <mc:Fallback xmlns="">
       <p:transition spd="slow">
         <p:fade/>
       </p:transition>
@@ -30841,52 +30915,7 @@
                   <a:reflection blurRad="12700" stA="28000" endPos="45000" dist="1000" dir="5400000" sy="-100000" algn="bl" rotWithShape="0"/>
                 </a:effectLst>
               </a:rPr>
-              <a:t>Question </a:t>
-            </a:r>
-            <a:r>
-              <a:rPr lang="en-US" sz="3200" b="1" cap="all" smtClean="0">
-                <a:ln w="9000" cmpd="sng">
-                  <a:solidFill>
-                    <a:schemeClr val="accent4">
-                      <a:shade val="50000"/>
-                      <a:satMod val="120000"/>
-                    </a:schemeClr>
-                  </a:solidFill>
-                  <a:prstDash val="solid"/>
-                </a:ln>
-                <a:gradFill>
-                  <a:gsLst>
-                    <a:gs pos="0">
-                      <a:schemeClr val="accent4">
-                        <a:shade val="20000"/>
-                        <a:satMod val="245000"/>
-                      </a:schemeClr>
-                    </a:gs>
-                    <a:gs pos="43000">
-                      <a:schemeClr val="accent4">
-                        <a:satMod val="255000"/>
-                      </a:schemeClr>
-                    </a:gs>
-                    <a:gs pos="48000">
-                      <a:schemeClr val="accent4">
-                        <a:shade val="85000"/>
-                        <a:satMod val="255000"/>
-                      </a:schemeClr>
-                    </a:gs>
-                    <a:gs pos="100000">
-                      <a:schemeClr val="accent4">
-                        <a:shade val="20000"/>
-                        <a:satMod val="245000"/>
-                      </a:schemeClr>
-                    </a:gs>
-                  </a:gsLst>
-                  <a:lin ang="5400000"/>
-                </a:gradFill>
-                <a:effectLst>
-                  <a:reflection blurRad="12700" stA="28000" endPos="45000" dist="1000" dir="5400000" sy="-100000" algn="bl" rotWithShape="0"/>
-                </a:effectLst>
-              </a:rPr>
-              <a:t>?</a:t>
+              <a:t>Question ?</a:t>
             </a:r>
             <a:endParaRPr lang="en-US" sz="3200" b="1" cap="all">
               <a:ln w="9000" cmpd="sng">
@@ -30982,13 +31011,13 @@
   <p:clrMapOvr>
     <a:masterClrMapping/>
   </p:clrMapOvr>
-  <mc:AlternateContent xmlns:mc="http://schemas.openxmlformats.org/markup-compatibility/2006">
-    <mc:Choice xmlns:p14="http://schemas.microsoft.com/office/powerpoint/2010/main" Requires="p14">
+  <mc:AlternateContent xmlns:mc="http://schemas.openxmlformats.org/markup-compatibility/2006" xmlns:p14="http://schemas.microsoft.com/office/powerpoint/2010/main">
+    <mc:Choice Requires="p14">
       <p:transition spd="slow" p14:dur="1400">
         <p14:ripple/>
       </p:transition>
     </mc:Choice>
-    <mc:Fallback>
+    <mc:Fallback xmlns="">
       <p:transition spd="slow">
         <p:fade/>
       </p:transition>
@@ -31274,13 +31303,13 @@
   <p:clrMapOvr>
     <a:masterClrMapping/>
   </p:clrMapOvr>
-  <mc:AlternateContent xmlns:mc="http://schemas.openxmlformats.org/markup-compatibility/2006">
-    <mc:Choice xmlns:p14="http://schemas.microsoft.com/office/powerpoint/2010/main" Requires="p14">
+  <mc:AlternateContent xmlns:mc="http://schemas.openxmlformats.org/markup-compatibility/2006" xmlns:p14="http://schemas.microsoft.com/office/powerpoint/2010/main">
+    <mc:Choice Requires="p14">
       <p:transition spd="slow" p14:dur="1600">
         <p14:gallery dir="l"/>
       </p:transition>
     </mc:Choice>
-    <mc:Fallback>
+    <mc:Fallback xmlns="">
       <p:transition spd="slow">
         <p:fade/>
       </p:transition>
@@ -31677,13 +31706,13 @@
   <p:clrMapOvr>
     <a:masterClrMapping/>
   </p:clrMapOvr>
-  <mc:AlternateContent xmlns:mc="http://schemas.openxmlformats.org/markup-compatibility/2006">
-    <mc:Choice xmlns:p14="http://schemas.microsoft.com/office/powerpoint/2010/main" Requires="p14">
+  <mc:AlternateContent xmlns:mc="http://schemas.openxmlformats.org/markup-compatibility/2006" xmlns:p14="http://schemas.microsoft.com/office/powerpoint/2010/main">
+    <mc:Choice Requires="p14">
       <p:transition spd="slow" p14:dur="1600">
         <p14:gallery dir="l"/>
       </p:transition>
     </mc:Choice>
-    <mc:Fallback>
+    <mc:Fallback xmlns="">
       <p:transition spd="slow">
         <p:fade/>
       </p:transition>
@@ -32578,13 +32607,13 @@
   <p:clrMapOvr>
     <a:masterClrMapping/>
   </p:clrMapOvr>
-  <mc:AlternateContent xmlns:mc="http://schemas.openxmlformats.org/markup-compatibility/2006">
-    <mc:Choice xmlns:p14="http://schemas.microsoft.com/office/powerpoint/2010/main" Requires="p14">
+  <mc:AlternateContent xmlns:mc="http://schemas.openxmlformats.org/markup-compatibility/2006" xmlns:p14="http://schemas.microsoft.com/office/powerpoint/2010/main">
+    <mc:Choice Requires="p14">
       <p:transition spd="slow" p14:dur="1600">
         <p14:gallery dir="l"/>
       </p:transition>
     </mc:Choice>
-    <mc:Fallback>
+    <mc:Fallback xmlns="">
       <p:transition spd="slow">
         <p:fade/>
       </p:transition>
@@ -33506,13 +33535,13 @@
   <p:clrMapOvr>
     <a:masterClrMapping/>
   </p:clrMapOvr>
-  <mc:AlternateContent xmlns:mc="http://schemas.openxmlformats.org/markup-compatibility/2006">
-    <mc:Choice xmlns:p14="http://schemas.microsoft.com/office/powerpoint/2010/main" Requires="p14">
+  <mc:AlternateContent xmlns:mc="http://schemas.openxmlformats.org/markup-compatibility/2006" xmlns:p14="http://schemas.microsoft.com/office/powerpoint/2010/main">
+    <mc:Choice Requires="p14">
       <p:transition spd="slow" p14:dur="1600">
         <p14:gallery dir="l"/>
       </p:transition>
     </mc:Choice>
-    <mc:Fallback>
+    <mc:Fallback xmlns="">
       <p:transition spd="slow">
         <p:fade/>
       </p:transition>
@@ -33689,8 +33718,13 @@
                   <a:srgbClr val="000000"/>
                 </a:solidFill>
               </a:rPr>
-              <a:t>JNI Interface Functions and Pointers: Prototype của hàm cài đặt cho JNI</a:t>
-            </a:r>
+              <a:t>Các bước lập trình JNI cơ bản</a:t>
+            </a:r>
+            <a:endParaRPr lang="en-US" b="0" smtClean="0">
+              <a:solidFill>
+                <a:srgbClr val="000000"/>
+              </a:solidFill>
+            </a:endParaRPr>
           </a:p>
           <a:p>
             <a:pPr marL="685800" lvl="0" indent="-514350" algn="just">
@@ -33843,13 +33877,13 @@
   <p:clrMapOvr>
     <a:masterClrMapping/>
   </p:clrMapOvr>
-  <mc:AlternateContent xmlns:mc="http://schemas.openxmlformats.org/markup-compatibility/2006">
-    <mc:Choice xmlns:p14="http://schemas.microsoft.com/office/powerpoint/2010/main" Requires="p14">
+  <mc:AlternateContent xmlns:mc="http://schemas.openxmlformats.org/markup-compatibility/2006" xmlns:p14="http://schemas.microsoft.com/office/powerpoint/2010/main">
+    <mc:Choice Requires="p14">
       <p:transition spd="slow" p14:dur="1600">
         <p14:gallery dir="l"/>
       </p:transition>
     </mc:Choice>
-    <mc:Fallback>
+    <mc:Fallback xmlns="">
       <p:transition spd="slow">
         <p:fade/>
       </p:transition>
@@ -34501,9 +34535,9 @@
                   <a:reflection blurRad="12700" stA="28000" endPos="45000" dist="1000" dir="5400000" sy="-100000" algn="bl" rotWithShape="0"/>
                 </a:effectLst>
               </a:rPr>
-              <a:t>2.1 JNI Interface Functions </a:t>
-            </a:r>
-            <a:br>
+              <a:t>2.1 </a:t>
+            </a:r>
+            <a:r>
               <a:rPr lang="en-US" sz="2800" cap="all" smtClean="0">
                 <a:ln w="9000" cmpd="sng">
                   <a:solidFill>
@@ -34546,51 +34580,7 @@
                   <a:reflection blurRad="12700" stA="28000" endPos="45000" dist="1000" dir="5400000" sy="-100000" algn="bl" rotWithShape="0"/>
                 </a:effectLst>
               </a:rPr>
-            </a:br>
-            <a:r>
-              <a:rPr lang="en-US" sz="2800" cap="all" smtClean="0">
-                <a:ln w="9000" cmpd="sng">
-                  <a:solidFill>
-                    <a:schemeClr val="accent4">
-                      <a:shade val="50000"/>
-                      <a:satMod val="120000"/>
-                    </a:schemeClr>
-                  </a:solidFill>
-                  <a:prstDash val="solid"/>
-                </a:ln>
-                <a:gradFill>
-                  <a:gsLst>
-                    <a:gs pos="0">
-                      <a:schemeClr val="accent4">
-                        <a:shade val="20000"/>
-                        <a:satMod val="245000"/>
-                      </a:schemeClr>
-                    </a:gs>
-                    <a:gs pos="43000">
-                      <a:schemeClr val="accent4">
-                        <a:satMod val="255000"/>
-                      </a:schemeClr>
-                    </a:gs>
-                    <a:gs pos="48000">
-                      <a:schemeClr val="accent4">
-                        <a:shade val="85000"/>
-                        <a:satMod val="255000"/>
-                      </a:schemeClr>
-                    </a:gs>
-                    <a:gs pos="100000">
-                      <a:schemeClr val="accent4">
-                        <a:shade val="20000"/>
-                        <a:satMod val="245000"/>
-                      </a:schemeClr>
-                    </a:gs>
-                  </a:gsLst>
-                  <a:lin ang="5400000"/>
-                </a:gradFill>
-                <a:effectLst>
-                  <a:reflection blurRad="12700" stA="28000" endPos="45000" dist="1000" dir="5400000" sy="-100000" algn="bl" rotWithShape="0"/>
-                </a:effectLst>
-              </a:rPr>
-              <a:t>and Pointers </a:t>
+              <a:t>Các bước lập trình JNI cơ bản</a:t>
             </a:r>
             <a:endParaRPr lang="en-US" sz="2800" cap="all">
               <a:ln w="9000" cmpd="sng">
@@ -34639,34 +34629,6 @@
       </p:sp>
       <p:sp>
         <p:nvSpPr>
-          <p:cNvPr id="2" name="Content Placeholder 1"/>
-          <p:cNvSpPr>
-            <a:spLocks noGrp="1"/>
-          </p:cNvSpPr>
-          <p:nvPr>
-            <p:ph idx="1"/>
-          </p:nvPr>
-        </p:nvSpPr>
-        <p:spPr/>
-        <p:txBody>
-          <a:bodyPr/>
-          <a:lstStyle/>
-          <a:p>
-            <a:pPr>
-              <a:buClrTx/>
-              <a:buFont typeface="Wingdings" pitchFamily="2" charset="2"/>
-              <a:buChar char="q"/>
-            </a:pPr>
-            <a:endParaRPr lang="en-US">
-              <a:solidFill>
-                <a:srgbClr val="000000"/>
-              </a:solidFill>
-            </a:endParaRPr>
-          </a:p>
-        </p:txBody>
-      </p:sp>
-      <p:sp>
-        <p:nvSpPr>
           <p:cNvPr id="4" name="Footer Placeholder 3"/>
           <p:cNvSpPr>
             <a:spLocks noGrp="1"/>
@@ -34717,23 +34679,1254 @@
           </a:p>
         </p:txBody>
       </p:sp>
+      <p:sp>
+        <p:nvSpPr>
+          <p:cNvPr id="3" name="Rounded Rectangle 2"/>
+          <p:cNvSpPr/>
+          <p:nvPr/>
+        </p:nvSpPr>
+        <p:spPr>
+          <a:xfrm>
+            <a:off x="127317" y="2235199"/>
+            <a:ext cx="1095375" cy="742398"/>
+          </a:xfrm>
+          <a:prstGeom prst="roundRect">
+            <a:avLst/>
+          </a:prstGeom>
+        </p:spPr>
+        <p:style>
+          <a:lnRef idx="1">
+            <a:schemeClr val="accent2"/>
+          </a:lnRef>
+          <a:fillRef idx="3">
+            <a:schemeClr val="accent2"/>
+          </a:fillRef>
+          <a:effectRef idx="2">
+            <a:schemeClr val="accent2"/>
+          </a:effectRef>
+          <a:fontRef idx="minor">
+            <a:schemeClr val="lt1"/>
+          </a:fontRef>
+        </p:style>
+        <p:txBody>
+          <a:bodyPr rtlCol="0" anchor="ctr"/>
+          <a:lstStyle/>
+          <a:p>
+            <a:pPr algn="ctr"/>
+            <a:r>
+              <a:rPr lang="en-US" smtClean="0"/>
+              <a:t>Java source</a:t>
+            </a:r>
+            <a:endParaRPr lang="en-US"/>
+          </a:p>
+        </p:txBody>
+      </p:sp>
+      <p:sp>
+        <p:nvSpPr>
+          <p:cNvPr id="5" name="Oval 4"/>
+          <p:cNvSpPr/>
+          <p:nvPr/>
+        </p:nvSpPr>
+        <p:spPr>
+          <a:xfrm>
+            <a:off x="1812040" y="1381401"/>
+            <a:ext cx="1027045" cy="570395"/>
+          </a:xfrm>
+          <a:prstGeom prst="ellipse">
+            <a:avLst/>
+          </a:prstGeom>
+        </p:spPr>
+        <p:style>
+          <a:lnRef idx="1">
+            <a:schemeClr val="accent1"/>
+          </a:lnRef>
+          <a:fillRef idx="3">
+            <a:schemeClr val="accent1"/>
+          </a:fillRef>
+          <a:effectRef idx="2">
+            <a:schemeClr val="accent1"/>
+          </a:effectRef>
+          <a:fontRef idx="minor">
+            <a:schemeClr val="lt1"/>
+          </a:fontRef>
+        </p:style>
+        <p:txBody>
+          <a:bodyPr rtlCol="0" anchor="ctr"/>
+          <a:lstStyle/>
+          <a:p>
+            <a:pPr algn="ctr"/>
+            <a:r>
+              <a:rPr lang="en-US" sz="1400" b="1" smtClean="0"/>
+              <a:t>javac</a:t>
+            </a:r>
+            <a:endParaRPr lang="en-US" sz="1400" b="1"/>
+          </a:p>
+        </p:txBody>
+      </p:sp>
+      <p:sp>
+        <p:nvSpPr>
+          <p:cNvPr id="9" name="Rounded Rectangle 8"/>
+          <p:cNvSpPr/>
+          <p:nvPr/>
+        </p:nvSpPr>
+        <p:spPr>
+          <a:xfrm>
+            <a:off x="3482340" y="1295400"/>
+            <a:ext cx="1089660" cy="742398"/>
+          </a:xfrm>
+          <a:prstGeom prst="roundRect">
+            <a:avLst/>
+          </a:prstGeom>
+        </p:spPr>
+        <p:style>
+          <a:lnRef idx="1">
+            <a:schemeClr val="accent2"/>
+          </a:lnRef>
+          <a:fillRef idx="3">
+            <a:schemeClr val="accent2"/>
+          </a:fillRef>
+          <a:effectRef idx="2">
+            <a:schemeClr val="accent2"/>
+          </a:effectRef>
+          <a:fontRef idx="minor">
+            <a:schemeClr val="lt1"/>
+          </a:fontRef>
+        </p:style>
+        <p:txBody>
+          <a:bodyPr rtlCol="0" anchor="ctr"/>
+          <a:lstStyle/>
+          <a:p>
+            <a:pPr algn="ctr"/>
+            <a:r>
+              <a:rPr lang="en-US" smtClean="0"/>
+              <a:t>Java class</a:t>
+            </a:r>
+            <a:endParaRPr lang="en-US"/>
+          </a:p>
+        </p:txBody>
+      </p:sp>
+      <p:sp>
+        <p:nvSpPr>
+          <p:cNvPr id="11" name="Oval 10"/>
+          <p:cNvSpPr/>
+          <p:nvPr/>
+        </p:nvSpPr>
+        <p:spPr>
+          <a:xfrm>
+            <a:off x="3482340" y="2677670"/>
+            <a:ext cx="1095375" cy="570395"/>
+          </a:xfrm>
+          <a:prstGeom prst="ellipse">
+            <a:avLst/>
+          </a:prstGeom>
+        </p:spPr>
+        <p:style>
+          <a:lnRef idx="1">
+            <a:schemeClr val="accent1"/>
+          </a:lnRef>
+          <a:fillRef idx="3">
+            <a:schemeClr val="accent1"/>
+          </a:fillRef>
+          <a:effectRef idx="2">
+            <a:schemeClr val="accent1"/>
+          </a:effectRef>
+          <a:fontRef idx="minor">
+            <a:schemeClr val="lt1"/>
+          </a:fontRef>
+        </p:style>
+        <p:txBody>
+          <a:bodyPr rtlCol="0" anchor="ctr"/>
+          <a:lstStyle/>
+          <a:p>
+            <a:pPr algn="ctr"/>
+            <a:r>
+              <a:rPr lang="en-US" sz="1400" b="1" smtClean="0"/>
+              <a:t>javah</a:t>
+            </a:r>
+            <a:endParaRPr lang="en-US" sz="1400" b="1"/>
+          </a:p>
+        </p:txBody>
+      </p:sp>
+      <p:sp>
+        <p:nvSpPr>
+          <p:cNvPr id="12" name="Rounded Rectangle 11"/>
+          <p:cNvSpPr/>
+          <p:nvPr/>
+        </p:nvSpPr>
+        <p:spPr>
+          <a:xfrm>
+            <a:off x="3510915" y="4306817"/>
+            <a:ext cx="1089660" cy="742398"/>
+          </a:xfrm>
+          <a:prstGeom prst="roundRect">
+            <a:avLst/>
+          </a:prstGeom>
+        </p:spPr>
+        <p:style>
+          <a:lnRef idx="1">
+            <a:schemeClr val="accent2"/>
+          </a:lnRef>
+          <a:fillRef idx="3">
+            <a:schemeClr val="accent2"/>
+          </a:fillRef>
+          <a:effectRef idx="2">
+            <a:schemeClr val="accent2"/>
+          </a:effectRef>
+          <a:fontRef idx="minor">
+            <a:schemeClr val="lt1"/>
+          </a:fontRef>
+        </p:style>
+        <p:txBody>
+          <a:bodyPr rtlCol="0" anchor="ctr"/>
+          <a:lstStyle/>
+          <a:p>
+            <a:pPr algn="ctr"/>
+            <a:r>
+              <a:rPr lang="en-US" smtClean="0"/>
+              <a:t>C/C++ header</a:t>
+            </a:r>
+            <a:endParaRPr lang="en-US"/>
+          </a:p>
+        </p:txBody>
+      </p:sp>
+      <p:sp>
+        <p:nvSpPr>
+          <p:cNvPr id="13" name="Rounded Rectangle 12"/>
+          <p:cNvSpPr/>
+          <p:nvPr/>
+        </p:nvSpPr>
+        <p:spPr>
+          <a:xfrm>
+            <a:off x="1468470" y="5614227"/>
+            <a:ext cx="1095375" cy="742397"/>
+          </a:xfrm>
+          <a:prstGeom prst="roundRect">
+            <a:avLst/>
+          </a:prstGeom>
+        </p:spPr>
+        <p:style>
+          <a:lnRef idx="1">
+            <a:schemeClr val="accent2"/>
+          </a:lnRef>
+          <a:fillRef idx="3">
+            <a:schemeClr val="accent2"/>
+          </a:fillRef>
+          <a:effectRef idx="2">
+            <a:schemeClr val="accent2"/>
+          </a:effectRef>
+          <a:fontRef idx="minor">
+            <a:schemeClr val="lt1"/>
+          </a:fontRef>
+        </p:style>
+        <p:txBody>
+          <a:bodyPr rtlCol="0" anchor="ctr"/>
+          <a:lstStyle/>
+          <a:p>
+            <a:pPr algn="ctr"/>
+            <a:r>
+              <a:rPr lang="en-US" smtClean="0"/>
+              <a:t>C/C++ source</a:t>
+            </a:r>
+            <a:endParaRPr lang="en-US"/>
+          </a:p>
+        </p:txBody>
+      </p:sp>
+      <p:sp>
+        <p:nvSpPr>
+          <p:cNvPr id="14" name="Oval 13"/>
+          <p:cNvSpPr/>
+          <p:nvPr/>
+        </p:nvSpPr>
+        <p:spPr>
+          <a:xfrm>
+            <a:off x="7767320" y="1381400"/>
+            <a:ext cx="913130" cy="570395"/>
+          </a:xfrm>
+          <a:prstGeom prst="ellipse">
+            <a:avLst/>
+          </a:prstGeom>
+        </p:spPr>
+        <p:style>
+          <a:lnRef idx="1">
+            <a:schemeClr val="accent1"/>
+          </a:lnRef>
+          <a:fillRef idx="3">
+            <a:schemeClr val="accent1"/>
+          </a:fillRef>
+          <a:effectRef idx="2">
+            <a:schemeClr val="accent1"/>
+          </a:effectRef>
+          <a:fontRef idx="minor">
+            <a:schemeClr val="lt1"/>
+          </a:fontRef>
+        </p:style>
+        <p:txBody>
+          <a:bodyPr rtlCol="0" anchor="ctr"/>
+          <a:lstStyle/>
+          <a:p>
+            <a:pPr algn="ctr"/>
+            <a:r>
+              <a:rPr lang="en-US" sz="1400" b="1" smtClean="0"/>
+              <a:t>java</a:t>
+            </a:r>
+            <a:endParaRPr lang="en-US" sz="1400" b="1"/>
+          </a:p>
+        </p:txBody>
+      </p:sp>
+      <p:sp>
+        <p:nvSpPr>
+          <p:cNvPr id="15" name="Rounded Rectangle 14"/>
+          <p:cNvSpPr/>
+          <p:nvPr/>
+        </p:nvSpPr>
+        <p:spPr>
+          <a:xfrm>
+            <a:off x="5326380" y="1828800"/>
+            <a:ext cx="1303020" cy="742398"/>
+          </a:xfrm>
+          <a:prstGeom prst="roundRect">
+            <a:avLst/>
+          </a:prstGeom>
+        </p:spPr>
+        <p:style>
+          <a:lnRef idx="1">
+            <a:schemeClr val="accent2"/>
+          </a:lnRef>
+          <a:fillRef idx="3">
+            <a:schemeClr val="accent2"/>
+          </a:fillRef>
+          <a:effectRef idx="2">
+            <a:schemeClr val="accent2"/>
+          </a:effectRef>
+          <a:fontRef idx="minor">
+            <a:schemeClr val="lt1"/>
+          </a:fontRef>
+        </p:style>
+        <p:txBody>
+          <a:bodyPr rtlCol="0" anchor="ctr"/>
+          <a:lstStyle/>
+          <a:p>
+            <a:pPr algn="ctr"/>
+            <a:r>
+              <a:rPr lang="en-US" smtClean="0"/>
+              <a:t>Dynamic library</a:t>
+            </a:r>
+            <a:endParaRPr lang="en-US"/>
+          </a:p>
+        </p:txBody>
+      </p:sp>
+      <p:sp>
+        <p:nvSpPr>
+          <p:cNvPr id="16" name="Oval 15"/>
+          <p:cNvSpPr/>
+          <p:nvPr/>
+        </p:nvSpPr>
+        <p:spPr>
+          <a:xfrm>
+            <a:off x="5416868" y="3315805"/>
+            <a:ext cx="1122044" cy="570395"/>
+          </a:xfrm>
+          <a:prstGeom prst="ellipse">
+            <a:avLst/>
+          </a:prstGeom>
+        </p:spPr>
+        <p:style>
+          <a:lnRef idx="1">
+            <a:schemeClr val="accent1"/>
+          </a:lnRef>
+          <a:fillRef idx="3">
+            <a:schemeClr val="accent1"/>
+          </a:fillRef>
+          <a:effectRef idx="2">
+            <a:schemeClr val="accent1"/>
+          </a:effectRef>
+          <a:fontRef idx="minor">
+            <a:schemeClr val="lt1"/>
+          </a:fontRef>
+        </p:style>
+        <p:txBody>
+          <a:bodyPr rtlCol="0" anchor="ctr"/>
+          <a:lstStyle/>
+          <a:p>
+            <a:pPr algn="ctr"/>
+            <a:r>
+              <a:rPr lang="en-US" sz="1400" b="1" smtClean="0"/>
+              <a:t>linker</a:t>
+            </a:r>
+            <a:endParaRPr lang="en-US" sz="1400" b="1"/>
+          </a:p>
+        </p:txBody>
+      </p:sp>
+      <p:sp>
+        <p:nvSpPr>
+          <p:cNvPr id="17" name="Oval 16"/>
+          <p:cNvSpPr/>
+          <p:nvPr/>
+        </p:nvSpPr>
+        <p:spPr>
+          <a:xfrm>
+            <a:off x="5215890" y="5700228"/>
+            <a:ext cx="1524000" cy="570395"/>
+          </a:xfrm>
+          <a:prstGeom prst="ellipse">
+            <a:avLst/>
+          </a:prstGeom>
+        </p:spPr>
+        <p:style>
+          <a:lnRef idx="1">
+            <a:schemeClr val="accent1"/>
+          </a:lnRef>
+          <a:fillRef idx="3">
+            <a:schemeClr val="accent1"/>
+          </a:fillRef>
+          <a:effectRef idx="2">
+            <a:schemeClr val="accent1"/>
+          </a:effectRef>
+          <a:fontRef idx="minor">
+            <a:schemeClr val="lt1"/>
+          </a:fontRef>
+        </p:style>
+        <p:txBody>
+          <a:bodyPr rtlCol="0" anchor="ctr"/>
+          <a:lstStyle/>
+          <a:p>
+            <a:pPr algn="ctr"/>
+            <a:r>
+              <a:rPr lang="en-US" sz="1400" b="1" smtClean="0"/>
+              <a:t>compiler</a:t>
+            </a:r>
+            <a:endParaRPr lang="en-US" sz="1400" b="1"/>
+          </a:p>
+        </p:txBody>
+      </p:sp>
+      <p:sp>
+        <p:nvSpPr>
+          <p:cNvPr id="18" name="Rounded Rectangle 17"/>
+          <p:cNvSpPr/>
+          <p:nvPr/>
+        </p:nvSpPr>
+        <p:spPr>
+          <a:xfrm>
+            <a:off x="5433060" y="4267200"/>
+            <a:ext cx="1089660" cy="742398"/>
+          </a:xfrm>
+          <a:prstGeom prst="roundRect">
+            <a:avLst/>
+          </a:prstGeom>
+        </p:spPr>
+        <p:style>
+          <a:lnRef idx="1">
+            <a:schemeClr val="accent2"/>
+          </a:lnRef>
+          <a:fillRef idx="3">
+            <a:schemeClr val="accent2"/>
+          </a:fillRef>
+          <a:effectRef idx="2">
+            <a:schemeClr val="accent2"/>
+          </a:effectRef>
+          <a:fontRef idx="minor">
+            <a:schemeClr val="lt1"/>
+          </a:fontRef>
+        </p:style>
+        <p:txBody>
+          <a:bodyPr rtlCol="0" anchor="ctr"/>
+          <a:lstStyle/>
+          <a:p>
+            <a:pPr algn="ctr"/>
+            <a:r>
+              <a:rPr lang="en-US" smtClean="0"/>
+              <a:t>Binary</a:t>
+            </a:r>
+          </a:p>
+          <a:p>
+            <a:pPr algn="ctr"/>
+            <a:r>
+              <a:rPr lang="en-US" smtClean="0"/>
+              <a:t>object</a:t>
+            </a:r>
+            <a:endParaRPr lang="en-US"/>
+          </a:p>
+        </p:txBody>
+      </p:sp>
+      <p:sp>
+        <p:nvSpPr>
+          <p:cNvPr id="19" name="Rounded Rectangle 18"/>
+          <p:cNvSpPr/>
+          <p:nvPr/>
+        </p:nvSpPr>
+        <p:spPr>
+          <a:xfrm>
+            <a:off x="8016875" y="4282866"/>
+            <a:ext cx="1089660" cy="742397"/>
+          </a:xfrm>
+          <a:prstGeom prst="roundRect">
+            <a:avLst/>
+          </a:prstGeom>
+        </p:spPr>
+        <p:style>
+          <a:lnRef idx="1">
+            <a:schemeClr val="accent2"/>
+          </a:lnRef>
+          <a:fillRef idx="3">
+            <a:schemeClr val="accent2"/>
+          </a:fillRef>
+          <a:effectRef idx="2">
+            <a:schemeClr val="accent2"/>
+          </a:effectRef>
+          <a:fontRef idx="minor">
+            <a:schemeClr val="lt1"/>
+          </a:fontRef>
+        </p:style>
+        <p:txBody>
+          <a:bodyPr rtlCol="0" anchor="ctr"/>
+          <a:lstStyle/>
+          <a:p>
+            <a:pPr algn="ctr"/>
+            <a:r>
+              <a:rPr lang="en-US" smtClean="0"/>
+              <a:t>jni.h</a:t>
+            </a:r>
+            <a:endParaRPr lang="en-US"/>
+          </a:p>
+        </p:txBody>
+      </p:sp>
+      <p:cxnSp>
+        <p:nvCxnSpPr>
+          <p:cNvPr id="21" name="Straight Arrow Connector 20"/>
+          <p:cNvCxnSpPr>
+            <a:stCxn id="3" idx="0"/>
+            <a:endCxn id="5" idx="2"/>
+          </p:cNvCxnSpPr>
+          <p:nvPr/>
+        </p:nvCxnSpPr>
+        <p:spPr>
+          <a:xfrm flipV="1">
+            <a:off x="675005" y="1666599"/>
+            <a:ext cx="1137035" cy="568600"/>
+          </a:xfrm>
+          <a:prstGeom prst="straightConnector1">
+            <a:avLst/>
+          </a:prstGeom>
+          <a:ln>
+            <a:tailEnd type="arrow"/>
+          </a:ln>
+        </p:spPr>
+        <p:style>
+          <a:lnRef idx="1">
+            <a:schemeClr val="accent1"/>
+          </a:lnRef>
+          <a:fillRef idx="0">
+            <a:schemeClr val="accent1"/>
+          </a:fillRef>
+          <a:effectRef idx="0">
+            <a:schemeClr val="accent1"/>
+          </a:effectRef>
+          <a:fontRef idx="minor">
+            <a:schemeClr val="tx1"/>
+          </a:fontRef>
+        </p:style>
+      </p:cxnSp>
+      <p:cxnSp>
+        <p:nvCxnSpPr>
+          <p:cNvPr id="23" name="Straight Arrow Connector 22"/>
+          <p:cNvCxnSpPr>
+            <a:stCxn id="5" idx="6"/>
+            <a:endCxn id="9" idx="1"/>
+          </p:cNvCxnSpPr>
+          <p:nvPr/>
+        </p:nvCxnSpPr>
+        <p:spPr>
+          <a:xfrm>
+            <a:off x="2839085" y="1666599"/>
+            <a:ext cx="643255" cy="0"/>
+          </a:xfrm>
+          <a:prstGeom prst="straightConnector1">
+            <a:avLst/>
+          </a:prstGeom>
+          <a:ln>
+            <a:tailEnd type="arrow"/>
+          </a:ln>
+        </p:spPr>
+        <p:style>
+          <a:lnRef idx="1">
+            <a:schemeClr val="accent1"/>
+          </a:lnRef>
+          <a:fillRef idx="0">
+            <a:schemeClr val="accent1"/>
+          </a:fillRef>
+          <a:effectRef idx="0">
+            <a:schemeClr val="accent1"/>
+          </a:effectRef>
+          <a:fontRef idx="minor">
+            <a:schemeClr val="tx1"/>
+          </a:fontRef>
+        </p:style>
+      </p:cxnSp>
+      <p:cxnSp>
+        <p:nvCxnSpPr>
+          <p:cNvPr id="25" name="Straight Arrow Connector 24"/>
+          <p:cNvCxnSpPr>
+            <a:stCxn id="9" idx="2"/>
+            <a:endCxn id="11" idx="0"/>
+          </p:cNvCxnSpPr>
+          <p:nvPr/>
+        </p:nvCxnSpPr>
+        <p:spPr>
+          <a:xfrm>
+            <a:off x="4027170" y="2037798"/>
+            <a:ext cx="2858" cy="639872"/>
+          </a:xfrm>
+          <a:prstGeom prst="straightConnector1">
+            <a:avLst/>
+          </a:prstGeom>
+          <a:ln>
+            <a:tailEnd type="arrow"/>
+          </a:ln>
+        </p:spPr>
+        <p:style>
+          <a:lnRef idx="1">
+            <a:schemeClr val="accent1"/>
+          </a:lnRef>
+          <a:fillRef idx="0">
+            <a:schemeClr val="accent1"/>
+          </a:fillRef>
+          <a:effectRef idx="0">
+            <a:schemeClr val="accent1"/>
+          </a:effectRef>
+          <a:fontRef idx="minor">
+            <a:schemeClr val="tx1"/>
+          </a:fontRef>
+        </p:style>
+      </p:cxnSp>
+      <p:cxnSp>
+        <p:nvCxnSpPr>
+          <p:cNvPr id="27" name="Straight Arrow Connector 26"/>
+          <p:cNvCxnSpPr>
+            <a:stCxn id="11" idx="4"/>
+            <a:endCxn id="12" idx="0"/>
+          </p:cNvCxnSpPr>
+          <p:nvPr/>
+        </p:nvCxnSpPr>
+        <p:spPr>
+          <a:xfrm>
+            <a:off x="4030028" y="3248065"/>
+            <a:ext cx="25717" cy="1058752"/>
+          </a:xfrm>
+          <a:prstGeom prst="straightConnector1">
+            <a:avLst/>
+          </a:prstGeom>
+          <a:ln>
+            <a:tailEnd type="arrow"/>
+          </a:ln>
+        </p:spPr>
+        <p:style>
+          <a:lnRef idx="1">
+            <a:schemeClr val="accent1"/>
+          </a:lnRef>
+          <a:fillRef idx="0">
+            <a:schemeClr val="accent1"/>
+          </a:fillRef>
+          <a:effectRef idx="0">
+            <a:schemeClr val="accent1"/>
+          </a:effectRef>
+          <a:fontRef idx="minor">
+            <a:schemeClr val="tx1"/>
+          </a:fontRef>
+        </p:style>
+      </p:cxnSp>
+      <p:cxnSp>
+        <p:nvCxnSpPr>
+          <p:cNvPr id="29" name="Straight Arrow Connector 28"/>
+          <p:cNvCxnSpPr/>
+          <p:nvPr/>
+        </p:nvCxnSpPr>
+        <p:spPr>
+          <a:xfrm>
+            <a:off x="2563845" y="6096000"/>
+            <a:ext cx="2652045" cy="0"/>
+          </a:xfrm>
+          <a:prstGeom prst="straightConnector1">
+            <a:avLst/>
+          </a:prstGeom>
+          <a:ln>
+            <a:tailEnd type="arrow"/>
+          </a:ln>
+        </p:spPr>
+        <p:style>
+          <a:lnRef idx="1">
+            <a:schemeClr val="accent1"/>
+          </a:lnRef>
+          <a:fillRef idx="0">
+            <a:schemeClr val="accent1"/>
+          </a:fillRef>
+          <a:effectRef idx="0">
+            <a:schemeClr val="accent1"/>
+          </a:effectRef>
+          <a:fontRef idx="minor">
+            <a:schemeClr val="tx1"/>
+          </a:fontRef>
+        </p:style>
+      </p:cxnSp>
+      <p:cxnSp>
+        <p:nvCxnSpPr>
+          <p:cNvPr id="33" name="Straight Arrow Connector 32"/>
+          <p:cNvCxnSpPr>
+            <a:stCxn id="9" idx="3"/>
+            <a:endCxn id="14" idx="2"/>
+          </p:cNvCxnSpPr>
+          <p:nvPr/>
+        </p:nvCxnSpPr>
+        <p:spPr>
+          <a:xfrm flipV="1">
+            <a:off x="4572000" y="1666598"/>
+            <a:ext cx="3195320" cy="1"/>
+          </a:xfrm>
+          <a:prstGeom prst="straightConnector1">
+            <a:avLst/>
+          </a:prstGeom>
+          <a:ln>
+            <a:tailEnd type="arrow"/>
+          </a:ln>
+        </p:spPr>
+        <p:style>
+          <a:lnRef idx="1">
+            <a:schemeClr val="accent1"/>
+          </a:lnRef>
+          <a:fillRef idx="0">
+            <a:schemeClr val="accent1"/>
+          </a:fillRef>
+          <a:effectRef idx="0">
+            <a:schemeClr val="accent1"/>
+          </a:effectRef>
+          <a:fontRef idx="minor">
+            <a:schemeClr val="tx1"/>
+          </a:fontRef>
+        </p:style>
+      </p:cxnSp>
+      <p:cxnSp>
+        <p:nvCxnSpPr>
+          <p:cNvPr id="41" name="Straight Arrow Connector 40"/>
+          <p:cNvCxnSpPr>
+            <a:stCxn id="16" idx="0"/>
+            <a:endCxn id="15" idx="2"/>
+          </p:cNvCxnSpPr>
+          <p:nvPr/>
+        </p:nvCxnSpPr>
+        <p:spPr>
+          <a:xfrm flipV="1">
+            <a:off x="5977890" y="2571198"/>
+            <a:ext cx="0" cy="744607"/>
+          </a:xfrm>
+          <a:prstGeom prst="straightConnector1">
+            <a:avLst/>
+          </a:prstGeom>
+          <a:ln>
+            <a:tailEnd type="arrow"/>
+          </a:ln>
+        </p:spPr>
+        <p:style>
+          <a:lnRef idx="1">
+            <a:schemeClr val="accent1"/>
+          </a:lnRef>
+          <a:fillRef idx="0">
+            <a:schemeClr val="accent1"/>
+          </a:fillRef>
+          <a:effectRef idx="0">
+            <a:schemeClr val="accent1"/>
+          </a:effectRef>
+          <a:fontRef idx="minor">
+            <a:schemeClr val="tx1"/>
+          </a:fontRef>
+        </p:style>
+      </p:cxnSp>
+      <p:cxnSp>
+        <p:nvCxnSpPr>
+          <p:cNvPr id="43" name="Straight Arrow Connector 42"/>
+          <p:cNvCxnSpPr>
+            <a:stCxn id="17" idx="0"/>
+            <a:endCxn id="18" idx="2"/>
+          </p:cNvCxnSpPr>
+          <p:nvPr/>
+        </p:nvCxnSpPr>
+        <p:spPr>
+          <a:xfrm flipV="1">
+            <a:off x="5977890" y="5009598"/>
+            <a:ext cx="0" cy="690630"/>
+          </a:xfrm>
+          <a:prstGeom prst="straightConnector1">
+            <a:avLst/>
+          </a:prstGeom>
+          <a:ln>
+            <a:tailEnd type="arrow"/>
+          </a:ln>
+        </p:spPr>
+        <p:style>
+          <a:lnRef idx="1">
+            <a:schemeClr val="accent1"/>
+          </a:lnRef>
+          <a:fillRef idx="0">
+            <a:schemeClr val="accent1"/>
+          </a:fillRef>
+          <a:effectRef idx="0">
+            <a:schemeClr val="accent1"/>
+          </a:effectRef>
+          <a:fontRef idx="minor">
+            <a:schemeClr val="tx1"/>
+          </a:fontRef>
+        </p:style>
+      </p:cxnSp>
+      <p:cxnSp>
+        <p:nvCxnSpPr>
+          <p:cNvPr id="45" name="Elbow Connector 44"/>
+          <p:cNvCxnSpPr>
+            <a:stCxn id="15" idx="0"/>
+            <a:endCxn id="14" idx="2"/>
+          </p:cNvCxnSpPr>
+          <p:nvPr/>
+        </p:nvCxnSpPr>
+        <p:spPr>
+          <a:xfrm rot="5400000" flipH="1" flipV="1">
+            <a:off x="6791504" y="852984"/>
+            <a:ext cx="162202" cy="1789430"/>
+          </a:xfrm>
+          <a:prstGeom prst="bentConnector2">
+            <a:avLst/>
+          </a:prstGeom>
+          <a:ln>
+            <a:tailEnd type="arrow"/>
+          </a:ln>
+        </p:spPr>
+        <p:style>
+          <a:lnRef idx="1">
+            <a:schemeClr val="accent1"/>
+          </a:lnRef>
+          <a:fillRef idx="0">
+            <a:schemeClr val="accent1"/>
+          </a:fillRef>
+          <a:effectRef idx="0">
+            <a:schemeClr val="accent1"/>
+          </a:effectRef>
+          <a:fontRef idx="minor">
+            <a:schemeClr val="tx1"/>
+          </a:fontRef>
+        </p:style>
+      </p:cxnSp>
+      <p:cxnSp>
+        <p:nvCxnSpPr>
+          <p:cNvPr id="47" name="Elbow Connector 46"/>
+          <p:cNvCxnSpPr/>
+          <p:nvPr/>
+        </p:nvCxnSpPr>
+        <p:spPr>
+          <a:xfrm rot="16200000" flipH="1">
+            <a:off x="4142312" y="4913297"/>
+            <a:ext cx="936211" cy="1160145"/>
+          </a:xfrm>
+          <a:prstGeom prst="bentConnector2">
+            <a:avLst/>
+          </a:prstGeom>
+          <a:ln>
+            <a:tailEnd type="arrow"/>
+          </a:ln>
+        </p:spPr>
+        <p:style>
+          <a:lnRef idx="1">
+            <a:schemeClr val="accent1"/>
+          </a:lnRef>
+          <a:fillRef idx="0">
+            <a:schemeClr val="accent1"/>
+          </a:fillRef>
+          <a:effectRef idx="0">
+            <a:schemeClr val="accent1"/>
+          </a:effectRef>
+          <a:fontRef idx="minor">
+            <a:schemeClr val="tx1"/>
+          </a:fontRef>
+        </p:style>
+      </p:cxnSp>
+      <p:sp>
+        <p:nvSpPr>
+          <p:cNvPr id="49" name="Flowchart: Connector 48"/>
+          <p:cNvSpPr/>
+          <p:nvPr/>
+        </p:nvSpPr>
+        <p:spPr>
+          <a:xfrm>
+            <a:off x="469995" y="3135471"/>
+            <a:ext cx="410018" cy="369729"/>
+          </a:xfrm>
+          <a:prstGeom prst="flowChartConnector">
+            <a:avLst/>
+          </a:prstGeom>
+        </p:spPr>
+        <p:style>
+          <a:lnRef idx="1">
+            <a:schemeClr val="dk1"/>
+          </a:lnRef>
+          <a:fillRef idx="2">
+            <a:schemeClr val="dk1"/>
+          </a:fillRef>
+          <a:effectRef idx="1">
+            <a:schemeClr val="dk1"/>
+          </a:effectRef>
+          <a:fontRef idx="minor">
+            <a:schemeClr val="dk1"/>
+          </a:fontRef>
+        </p:style>
+        <p:txBody>
+          <a:bodyPr rtlCol="0" anchor="ctr"/>
+          <a:lstStyle/>
+          <a:p>
+            <a:pPr algn="ctr"/>
+            <a:r>
+              <a:rPr lang="en-US" b="1" smtClean="0"/>
+              <a:t>1</a:t>
+            </a:r>
+            <a:endParaRPr lang="en-US" b="1"/>
+          </a:p>
+        </p:txBody>
+      </p:sp>
+      <p:sp>
+        <p:nvSpPr>
+          <p:cNvPr id="50" name="Flowchart: Connector 49"/>
+          <p:cNvSpPr/>
+          <p:nvPr/>
+        </p:nvSpPr>
+        <p:spPr>
+          <a:xfrm>
+            <a:off x="6667596" y="3352800"/>
+            <a:ext cx="410018" cy="369729"/>
+          </a:xfrm>
+          <a:prstGeom prst="flowChartConnector">
+            <a:avLst/>
+          </a:prstGeom>
+        </p:spPr>
+        <p:style>
+          <a:lnRef idx="1">
+            <a:schemeClr val="dk1"/>
+          </a:lnRef>
+          <a:fillRef idx="2">
+            <a:schemeClr val="dk1"/>
+          </a:fillRef>
+          <a:effectRef idx="1">
+            <a:schemeClr val="dk1"/>
+          </a:effectRef>
+          <a:fontRef idx="minor">
+            <a:schemeClr val="dk1"/>
+          </a:fontRef>
+        </p:style>
+        <p:txBody>
+          <a:bodyPr rtlCol="0" anchor="ctr"/>
+          <a:lstStyle/>
+          <a:p>
+            <a:pPr algn="ctr"/>
+            <a:r>
+              <a:rPr lang="en-US" b="1" smtClean="0"/>
+              <a:t>6</a:t>
+            </a:r>
+            <a:endParaRPr lang="en-US" b="1"/>
+          </a:p>
+        </p:txBody>
+      </p:sp>
+      <p:sp>
+        <p:nvSpPr>
+          <p:cNvPr id="51" name="Flowchart: Connector 50"/>
+          <p:cNvSpPr/>
+          <p:nvPr/>
+        </p:nvSpPr>
+        <p:spPr>
+          <a:xfrm>
+            <a:off x="6295582" y="5345780"/>
+            <a:ext cx="410018" cy="369729"/>
+          </a:xfrm>
+          <a:prstGeom prst="flowChartConnector">
+            <a:avLst/>
+          </a:prstGeom>
+        </p:spPr>
+        <p:style>
+          <a:lnRef idx="1">
+            <a:schemeClr val="dk1"/>
+          </a:lnRef>
+          <a:fillRef idx="2">
+            <a:schemeClr val="dk1"/>
+          </a:fillRef>
+          <a:effectRef idx="1">
+            <a:schemeClr val="dk1"/>
+          </a:effectRef>
+          <a:fontRef idx="minor">
+            <a:schemeClr val="dk1"/>
+          </a:fontRef>
+        </p:style>
+        <p:txBody>
+          <a:bodyPr rtlCol="0" anchor="ctr"/>
+          <a:lstStyle/>
+          <a:p>
+            <a:pPr algn="ctr"/>
+            <a:r>
+              <a:rPr lang="en-US" b="1" smtClean="0"/>
+              <a:t>5</a:t>
+            </a:r>
+            <a:endParaRPr lang="en-US" b="1"/>
+          </a:p>
+        </p:txBody>
+      </p:sp>
+      <p:sp>
+        <p:nvSpPr>
+          <p:cNvPr id="52" name="Flowchart: Connector 51"/>
+          <p:cNvSpPr/>
+          <p:nvPr/>
+        </p:nvSpPr>
+        <p:spPr>
+          <a:xfrm>
+            <a:off x="1811148" y="5123640"/>
+            <a:ext cx="410018" cy="369729"/>
+          </a:xfrm>
+          <a:prstGeom prst="flowChartConnector">
+            <a:avLst/>
+          </a:prstGeom>
+        </p:spPr>
+        <p:style>
+          <a:lnRef idx="1">
+            <a:schemeClr val="dk1"/>
+          </a:lnRef>
+          <a:fillRef idx="2">
+            <a:schemeClr val="dk1"/>
+          </a:fillRef>
+          <a:effectRef idx="1">
+            <a:schemeClr val="dk1"/>
+          </a:effectRef>
+          <a:fontRef idx="minor">
+            <a:schemeClr val="dk1"/>
+          </a:fontRef>
+        </p:style>
+        <p:txBody>
+          <a:bodyPr rtlCol="0" anchor="ctr"/>
+          <a:lstStyle/>
+          <a:p>
+            <a:pPr algn="ctr"/>
+            <a:r>
+              <a:rPr lang="en-US" b="1" smtClean="0"/>
+              <a:t>4</a:t>
+            </a:r>
+            <a:endParaRPr lang="en-US" b="1"/>
+          </a:p>
+        </p:txBody>
+      </p:sp>
+      <p:sp>
+        <p:nvSpPr>
+          <p:cNvPr id="53" name="Flowchart: Connector 52"/>
+          <p:cNvSpPr/>
+          <p:nvPr/>
+        </p:nvSpPr>
+        <p:spPr>
+          <a:xfrm>
+            <a:off x="3352800" y="3276600"/>
+            <a:ext cx="410018" cy="369729"/>
+          </a:xfrm>
+          <a:prstGeom prst="flowChartConnector">
+            <a:avLst/>
+          </a:prstGeom>
+        </p:spPr>
+        <p:style>
+          <a:lnRef idx="1">
+            <a:schemeClr val="dk1"/>
+          </a:lnRef>
+          <a:fillRef idx="2">
+            <a:schemeClr val="dk1"/>
+          </a:fillRef>
+          <a:effectRef idx="1">
+            <a:schemeClr val="dk1"/>
+          </a:effectRef>
+          <a:fontRef idx="minor">
+            <a:schemeClr val="dk1"/>
+          </a:fontRef>
+        </p:style>
+        <p:txBody>
+          <a:bodyPr rtlCol="0" anchor="ctr"/>
+          <a:lstStyle/>
+          <a:p>
+            <a:pPr algn="ctr"/>
+            <a:r>
+              <a:rPr lang="en-US" b="1" smtClean="0"/>
+              <a:t>3</a:t>
+            </a:r>
+            <a:endParaRPr lang="en-US" b="1"/>
+          </a:p>
+        </p:txBody>
+      </p:sp>
+      <p:sp>
+        <p:nvSpPr>
+          <p:cNvPr id="54" name="Flowchart: Connector 53"/>
+          <p:cNvSpPr/>
+          <p:nvPr/>
+        </p:nvSpPr>
+        <p:spPr>
+          <a:xfrm>
+            <a:off x="2104582" y="2144871"/>
+            <a:ext cx="410018" cy="369729"/>
+          </a:xfrm>
+          <a:prstGeom prst="flowChartConnector">
+            <a:avLst/>
+          </a:prstGeom>
+        </p:spPr>
+        <p:style>
+          <a:lnRef idx="1">
+            <a:schemeClr val="dk1"/>
+          </a:lnRef>
+          <a:fillRef idx="2">
+            <a:schemeClr val="dk1"/>
+          </a:fillRef>
+          <a:effectRef idx="1">
+            <a:schemeClr val="dk1"/>
+          </a:effectRef>
+          <a:fontRef idx="minor">
+            <a:schemeClr val="dk1"/>
+          </a:fontRef>
+        </p:style>
+        <p:txBody>
+          <a:bodyPr rtlCol="0" anchor="ctr"/>
+          <a:lstStyle/>
+          <a:p>
+            <a:pPr algn="ctr"/>
+            <a:r>
+              <a:rPr lang="en-US" b="1" smtClean="0"/>
+              <a:t>2</a:t>
+            </a:r>
+            <a:endParaRPr lang="en-US" b="1"/>
+          </a:p>
+        </p:txBody>
+      </p:sp>
+      <p:sp>
+        <p:nvSpPr>
+          <p:cNvPr id="55" name="Flowchart: Connector 54"/>
+          <p:cNvSpPr/>
+          <p:nvPr/>
+        </p:nvSpPr>
+        <p:spPr>
+          <a:xfrm>
+            <a:off x="8018876" y="2068671"/>
+            <a:ext cx="410018" cy="369729"/>
+          </a:xfrm>
+          <a:prstGeom prst="flowChartConnector">
+            <a:avLst/>
+          </a:prstGeom>
+        </p:spPr>
+        <p:style>
+          <a:lnRef idx="1">
+            <a:schemeClr val="dk1"/>
+          </a:lnRef>
+          <a:fillRef idx="2">
+            <a:schemeClr val="dk1"/>
+          </a:fillRef>
+          <a:effectRef idx="1">
+            <a:schemeClr val="dk1"/>
+          </a:effectRef>
+          <a:fontRef idx="minor">
+            <a:schemeClr val="dk1"/>
+          </a:fontRef>
+        </p:style>
+        <p:txBody>
+          <a:bodyPr rtlCol="0" anchor="ctr"/>
+          <a:lstStyle/>
+          <a:p>
+            <a:pPr algn="ctr"/>
+            <a:r>
+              <a:rPr lang="en-US" b="1" smtClean="0"/>
+              <a:t>7</a:t>
+            </a:r>
+            <a:endParaRPr lang="en-US" b="1"/>
+          </a:p>
+        </p:txBody>
+      </p:sp>
+      <p:cxnSp>
+        <p:nvCxnSpPr>
+          <p:cNvPr id="265" name="Straight Arrow Connector 264"/>
+          <p:cNvCxnSpPr>
+            <a:stCxn id="18" idx="0"/>
+            <a:endCxn id="16" idx="4"/>
+          </p:cNvCxnSpPr>
+          <p:nvPr/>
+        </p:nvCxnSpPr>
+        <p:spPr>
+          <a:xfrm flipV="1">
+            <a:off x="5977890" y="3886200"/>
+            <a:ext cx="0" cy="381000"/>
+          </a:xfrm>
+          <a:prstGeom prst="straightConnector1">
+            <a:avLst/>
+          </a:prstGeom>
+          <a:ln>
+            <a:tailEnd type="arrow"/>
+          </a:ln>
+        </p:spPr>
+        <p:style>
+          <a:lnRef idx="1">
+            <a:schemeClr val="accent1"/>
+          </a:lnRef>
+          <a:fillRef idx="0">
+            <a:schemeClr val="accent1"/>
+          </a:fillRef>
+          <a:effectRef idx="0">
+            <a:schemeClr val="accent1"/>
+          </a:effectRef>
+          <a:fontRef idx="minor">
+            <a:schemeClr val="tx1"/>
+          </a:fontRef>
+        </p:style>
+      </p:cxnSp>
+      <p:cxnSp>
+        <p:nvCxnSpPr>
+          <p:cNvPr id="313" name="Elbow Connector 312"/>
+          <p:cNvCxnSpPr>
+            <a:stCxn id="19" idx="2"/>
+            <a:endCxn id="17" idx="6"/>
+          </p:cNvCxnSpPr>
+          <p:nvPr/>
+        </p:nvCxnSpPr>
+        <p:spPr>
+          <a:xfrm rot="5400000">
+            <a:off x="7170717" y="4594437"/>
+            <a:ext cx="960163" cy="1821815"/>
+          </a:xfrm>
+          <a:prstGeom prst="bentConnector2">
+            <a:avLst/>
+          </a:prstGeom>
+          <a:ln>
+            <a:tailEnd type="arrow"/>
+          </a:ln>
+        </p:spPr>
+        <p:style>
+          <a:lnRef idx="1">
+            <a:schemeClr val="accent1"/>
+          </a:lnRef>
+          <a:fillRef idx="0">
+            <a:schemeClr val="accent1"/>
+          </a:fillRef>
+          <a:effectRef idx="0">
+            <a:schemeClr val="accent1"/>
+          </a:effectRef>
+          <a:fontRef idx="minor">
+            <a:schemeClr val="tx1"/>
+          </a:fontRef>
+        </p:style>
+      </p:cxnSp>
     </p:spTree>
     <p:extLst>
       <p:ext uri="{BB962C8B-B14F-4D97-AF65-F5344CB8AC3E}">
-        <p14:creationId xmlns:p14="http://schemas.microsoft.com/office/powerpoint/2010/main" val="225202525"/>
+        <p14:creationId xmlns:p14="http://schemas.microsoft.com/office/powerpoint/2010/main" val="1772877458"/>
       </p:ext>
     </p:extLst>
   </p:cSld>
   <p:clrMapOvr>
     <a:masterClrMapping/>
   </p:clrMapOvr>
-  <mc:AlternateContent xmlns:mc="http://schemas.openxmlformats.org/markup-compatibility/2006">
-    <mc:Choice xmlns:p14="http://schemas.microsoft.com/office/powerpoint/2010/main" Requires="p14">
+  <mc:AlternateContent xmlns:mc="http://schemas.openxmlformats.org/markup-compatibility/2006" xmlns:p14="http://schemas.microsoft.com/office/powerpoint/2010/main">
+    <mc:Choice Requires="p14">
       <p:transition spd="slow" p14:dur="1600">
         <p14:gallery dir="l"/>
       </p:transition>
     </mc:Choice>
-    <mc:Fallback>
+    <mc:Fallback xmlns="">
       <p:transition spd="slow">
         <p:fade/>
       </p:transition>
@@ -34742,9 +35935,1264 @@
   <p:timing>
     <p:tnLst>
       <p:par>
-        <p:cTn id="1" dur="indefinite" restart="never" nodeType="tmRoot"/>
+        <p:cTn id="1" dur="indefinite" restart="never" nodeType="tmRoot">
+          <p:childTnLst>
+            <p:seq concurrent="1" nextAc="seek">
+              <p:cTn id="2" dur="indefinite" nodeType="mainSeq">
+                <p:childTnLst>
+                  <p:par>
+                    <p:cTn id="3" fill="hold">
+                      <p:stCondLst>
+                        <p:cond delay="indefinite"/>
+                      </p:stCondLst>
+                      <p:childTnLst>
+                        <p:par>
+                          <p:cTn id="4" fill="hold">
+                            <p:stCondLst>
+                              <p:cond delay="0"/>
+                            </p:stCondLst>
+                            <p:childTnLst>
+                              <p:par>
+                                <p:cTn id="5" presetID="10" presetClass="entr" presetSubtype="0" fill="hold" grpId="0" nodeType="clickEffect">
+                                  <p:stCondLst>
+                                    <p:cond delay="0"/>
+                                  </p:stCondLst>
+                                  <p:childTnLst>
+                                    <p:set>
+                                      <p:cBhvr>
+                                        <p:cTn id="6" dur="1" fill="hold">
+                                          <p:stCondLst>
+                                            <p:cond delay="0"/>
+                                          </p:stCondLst>
+                                        </p:cTn>
+                                        <p:tgtEl>
+                                          <p:spTgt spid="49"/>
+                                        </p:tgtEl>
+                                        <p:attrNameLst>
+                                          <p:attrName>style.visibility</p:attrName>
+                                        </p:attrNameLst>
+                                      </p:cBhvr>
+                                      <p:to>
+                                        <p:strVal val="visible"/>
+                                      </p:to>
+                                    </p:set>
+                                    <p:animEffect transition="in" filter="fade">
+                                      <p:cBhvr>
+                                        <p:cTn id="7" dur="500"/>
+                                        <p:tgtEl>
+                                          <p:spTgt spid="49"/>
+                                        </p:tgtEl>
+                                      </p:cBhvr>
+                                    </p:animEffect>
+                                  </p:childTnLst>
+                                </p:cTn>
+                              </p:par>
+                              <p:par>
+                                <p:cTn id="8" presetID="10" presetClass="entr" presetSubtype="0" fill="hold" grpId="0" nodeType="withEffect">
+                                  <p:stCondLst>
+                                    <p:cond delay="0"/>
+                                  </p:stCondLst>
+                                  <p:childTnLst>
+                                    <p:set>
+                                      <p:cBhvr>
+                                        <p:cTn id="9" dur="1" fill="hold">
+                                          <p:stCondLst>
+                                            <p:cond delay="0"/>
+                                          </p:stCondLst>
+                                        </p:cTn>
+                                        <p:tgtEl>
+                                          <p:spTgt spid="3"/>
+                                        </p:tgtEl>
+                                        <p:attrNameLst>
+                                          <p:attrName>style.visibility</p:attrName>
+                                        </p:attrNameLst>
+                                      </p:cBhvr>
+                                      <p:to>
+                                        <p:strVal val="visible"/>
+                                      </p:to>
+                                    </p:set>
+                                    <p:animEffect transition="in" filter="fade">
+                                      <p:cBhvr>
+                                        <p:cTn id="10" dur="500"/>
+                                        <p:tgtEl>
+                                          <p:spTgt spid="3"/>
+                                        </p:tgtEl>
+                                      </p:cBhvr>
+                                    </p:animEffect>
+                                  </p:childTnLst>
+                                </p:cTn>
+                              </p:par>
+                            </p:childTnLst>
+                          </p:cTn>
+                        </p:par>
+                      </p:childTnLst>
+                    </p:cTn>
+                  </p:par>
+                  <p:par>
+                    <p:cTn id="11" fill="hold">
+                      <p:stCondLst>
+                        <p:cond delay="indefinite"/>
+                      </p:stCondLst>
+                      <p:childTnLst>
+                        <p:par>
+                          <p:cTn id="12" fill="hold">
+                            <p:stCondLst>
+                              <p:cond delay="0"/>
+                            </p:stCondLst>
+                            <p:childTnLst>
+                              <p:par>
+                                <p:cTn id="13" presetID="10" presetClass="entr" presetSubtype="0" fill="hold" nodeType="clickEffect">
+                                  <p:stCondLst>
+                                    <p:cond delay="0"/>
+                                  </p:stCondLst>
+                                  <p:childTnLst>
+                                    <p:set>
+                                      <p:cBhvr>
+                                        <p:cTn id="14" dur="1" fill="hold">
+                                          <p:stCondLst>
+                                            <p:cond delay="0"/>
+                                          </p:stCondLst>
+                                        </p:cTn>
+                                        <p:tgtEl>
+                                          <p:spTgt spid="21"/>
+                                        </p:tgtEl>
+                                        <p:attrNameLst>
+                                          <p:attrName>style.visibility</p:attrName>
+                                        </p:attrNameLst>
+                                      </p:cBhvr>
+                                      <p:to>
+                                        <p:strVal val="visible"/>
+                                      </p:to>
+                                    </p:set>
+                                    <p:animEffect transition="in" filter="fade">
+                                      <p:cBhvr>
+                                        <p:cTn id="15" dur="500"/>
+                                        <p:tgtEl>
+                                          <p:spTgt spid="21"/>
+                                        </p:tgtEl>
+                                      </p:cBhvr>
+                                    </p:animEffect>
+                                  </p:childTnLst>
+                                </p:cTn>
+                              </p:par>
+                              <p:par>
+                                <p:cTn id="16" presetID="10" presetClass="entr" presetSubtype="0" fill="hold" grpId="0" nodeType="withEffect">
+                                  <p:stCondLst>
+                                    <p:cond delay="0"/>
+                                  </p:stCondLst>
+                                  <p:childTnLst>
+                                    <p:set>
+                                      <p:cBhvr>
+                                        <p:cTn id="17" dur="1" fill="hold">
+                                          <p:stCondLst>
+                                            <p:cond delay="0"/>
+                                          </p:stCondLst>
+                                        </p:cTn>
+                                        <p:tgtEl>
+                                          <p:spTgt spid="54"/>
+                                        </p:tgtEl>
+                                        <p:attrNameLst>
+                                          <p:attrName>style.visibility</p:attrName>
+                                        </p:attrNameLst>
+                                      </p:cBhvr>
+                                      <p:to>
+                                        <p:strVal val="visible"/>
+                                      </p:to>
+                                    </p:set>
+                                    <p:animEffect transition="in" filter="fade">
+                                      <p:cBhvr>
+                                        <p:cTn id="18" dur="500"/>
+                                        <p:tgtEl>
+                                          <p:spTgt spid="54"/>
+                                        </p:tgtEl>
+                                      </p:cBhvr>
+                                    </p:animEffect>
+                                  </p:childTnLst>
+                                </p:cTn>
+                              </p:par>
+                              <p:par>
+                                <p:cTn id="19" presetID="10" presetClass="entr" presetSubtype="0" fill="hold" grpId="0" nodeType="withEffect">
+                                  <p:stCondLst>
+                                    <p:cond delay="0"/>
+                                  </p:stCondLst>
+                                  <p:childTnLst>
+                                    <p:set>
+                                      <p:cBhvr>
+                                        <p:cTn id="20" dur="1" fill="hold">
+                                          <p:stCondLst>
+                                            <p:cond delay="0"/>
+                                          </p:stCondLst>
+                                        </p:cTn>
+                                        <p:tgtEl>
+                                          <p:spTgt spid="5"/>
+                                        </p:tgtEl>
+                                        <p:attrNameLst>
+                                          <p:attrName>style.visibility</p:attrName>
+                                        </p:attrNameLst>
+                                      </p:cBhvr>
+                                      <p:to>
+                                        <p:strVal val="visible"/>
+                                      </p:to>
+                                    </p:set>
+                                    <p:animEffect transition="in" filter="fade">
+                                      <p:cBhvr>
+                                        <p:cTn id="21" dur="500"/>
+                                        <p:tgtEl>
+                                          <p:spTgt spid="5"/>
+                                        </p:tgtEl>
+                                      </p:cBhvr>
+                                    </p:animEffect>
+                                  </p:childTnLst>
+                                </p:cTn>
+                              </p:par>
+                              <p:par>
+                                <p:cTn id="22" presetID="10" presetClass="entr" presetSubtype="0" fill="hold" nodeType="withEffect">
+                                  <p:stCondLst>
+                                    <p:cond delay="0"/>
+                                  </p:stCondLst>
+                                  <p:childTnLst>
+                                    <p:set>
+                                      <p:cBhvr>
+                                        <p:cTn id="23" dur="1" fill="hold">
+                                          <p:stCondLst>
+                                            <p:cond delay="0"/>
+                                          </p:stCondLst>
+                                        </p:cTn>
+                                        <p:tgtEl>
+                                          <p:spTgt spid="23"/>
+                                        </p:tgtEl>
+                                        <p:attrNameLst>
+                                          <p:attrName>style.visibility</p:attrName>
+                                        </p:attrNameLst>
+                                      </p:cBhvr>
+                                      <p:to>
+                                        <p:strVal val="visible"/>
+                                      </p:to>
+                                    </p:set>
+                                    <p:animEffect transition="in" filter="fade">
+                                      <p:cBhvr>
+                                        <p:cTn id="24" dur="500"/>
+                                        <p:tgtEl>
+                                          <p:spTgt spid="23"/>
+                                        </p:tgtEl>
+                                      </p:cBhvr>
+                                    </p:animEffect>
+                                  </p:childTnLst>
+                                </p:cTn>
+                              </p:par>
+                              <p:par>
+                                <p:cTn id="25" presetID="10" presetClass="entr" presetSubtype="0" fill="hold" grpId="0" nodeType="withEffect">
+                                  <p:stCondLst>
+                                    <p:cond delay="0"/>
+                                  </p:stCondLst>
+                                  <p:childTnLst>
+                                    <p:set>
+                                      <p:cBhvr>
+                                        <p:cTn id="26" dur="1" fill="hold">
+                                          <p:stCondLst>
+                                            <p:cond delay="0"/>
+                                          </p:stCondLst>
+                                        </p:cTn>
+                                        <p:tgtEl>
+                                          <p:spTgt spid="9"/>
+                                        </p:tgtEl>
+                                        <p:attrNameLst>
+                                          <p:attrName>style.visibility</p:attrName>
+                                        </p:attrNameLst>
+                                      </p:cBhvr>
+                                      <p:to>
+                                        <p:strVal val="visible"/>
+                                      </p:to>
+                                    </p:set>
+                                    <p:animEffect transition="in" filter="fade">
+                                      <p:cBhvr>
+                                        <p:cTn id="27" dur="500"/>
+                                        <p:tgtEl>
+                                          <p:spTgt spid="9"/>
+                                        </p:tgtEl>
+                                      </p:cBhvr>
+                                    </p:animEffect>
+                                  </p:childTnLst>
+                                </p:cTn>
+                              </p:par>
+                            </p:childTnLst>
+                          </p:cTn>
+                        </p:par>
+                      </p:childTnLst>
+                    </p:cTn>
+                  </p:par>
+                  <p:par>
+                    <p:cTn id="28" fill="hold">
+                      <p:stCondLst>
+                        <p:cond delay="indefinite"/>
+                      </p:stCondLst>
+                      <p:childTnLst>
+                        <p:par>
+                          <p:cTn id="29" fill="hold">
+                            <p:stCondLst>
+                              <p:cond delay="0"/>
+                            </p:stCondLst>
+                            <p:childTnLst>
+                              <p:par>
+                                <p:cTn id="30" presetID="10" presetClass="entr" presetSubtype="0" fill="hold" nodeType="clickEffect">
+                                  <p:stCondLst>
+                                    <p:cond delay="0"/>
+                                  </p:stCondLst>
+                                  <p:childTnLst>
+                                    <p:set>
+                                      <p:cBhvr>
+                                        <p:cTn id="31" dur="1" fill="hold">
+                                          <p:stCondLst>
+                                            <p:cond delay="0"/>
+                                          </p:stCondLst>
+                                        </p:cTn>
+                                        <p:tgtEl>
+                                          <p:spTgt spid="25"/>
+                                        </p:tgtEl>
+                                        <p:attrNameLst>
+                                          <p:attrName>style.visibility</p:attrName>
+                                        </p:attrNameLst>
+                                      </p:cBhvr>
+                                      <p:to>
+                                        <p:strVal val="visible"/>
+                                      </p:to>
+                                    </p:set>
+                                    <p:animEffect transition="in" filter="fade">
+                                      <p:cBhvr>
+                                        <p:cTn id="32" dur="500"/>
+                                        <p:tgtEl>
+                                          <p:spTgt spid="25"/>
+                                        </p:tgtEl>
+                                      </p:cBhvr>
+                                    </p:animEffect>
+                                  </p:childTnLst>
+                                </p:cTn>
+                              </p:par>
+                              <p:par>
+                                <p:cTn id="33" presetID="10" presetClass="entr" presetSubtype="0" fill="hold" grpId="0" nodeType="withEffect">
+                                  <p:stCondLst>
+                                    <p:cond delay="0"/>
+                                  </p:stCondLst>
+                                  <p:childTnLst>
+                                    <p:set>
+                                      <p:cBhvr>
+                                        <p:cTn id="34" dur="1" fill="hold">
+                                          <p:stCondLst>
+                                            <p:cond delay="0"/>
+                                          </p:stCondLst>
+                                        </p:cTn>
+                                        <p:tgtEl>
+                                          <p:spTgt spid="53"/>
+                                        </p:tgtEl>
+                                        <p:attrNameLst>
+                                          <p:attrName>style.visibility</p:attrName>
+                                        </p:attrNameLst>
+                                      </p:cBhvr>
+                                      <p:to>
+                                        <p:strVal val="visible"/>
+                                      </p:to>
+                                    </p:set>
+                                    <p:animEffect transition="in" filter="fade">
+                                      <p:cBhvr>
+                                        <p:cTn id="35" dur="500"/>
+                                        <p:tgtEl>
+                                          <p:spTgt spid="53"/>
+                                        </p:tgtEl>
+                                      </p:cBhvr>
+                                    </p:animEffect>
+                                  </p:childTnLst>
+                                </p:cTn>
+                              </p:par>
+                              <p:par>
+                                <p:cTn id="36" presetID="10" presetClass="entr" presetSubtype="0" fill="hold" grpId="0" nodeType="withEffect">
+                                  <p:stCondLst>
+                                    <p:cond delay="0"/>
+                                  </p:stCondLst>
+                                  <p:childTnLst>
+                                    <p:set>
+                                      <p:cBhvr>
+                                        <p:cTn id="37" dur="1" fill="hold">
+                                          <p:stCondLst>
+                                            <p:cond delay="0"/>
+                                          </p:stCondLst>
+                                        </p:cTn>
+                                        <p:tgtEl>
+                                          <p:spTgt spid="11"/>
+                                        </p:tgtEl>
+                                        <p:attrNameLst>
+                                          <p:attrName>style.visibility</p:attrName>
+                                        </p:attrNameLst>
+                                      </p:cBhvr>
+                                      <p:to>
+                                        <p:strVal val="visible"/>
+                                      </p:to>
+                                    </p:set>
+                                    <p:animEffect transition="in" filter="fade">
+                                      <p:cBhvr>
+                                        <p:cTn id="38" dur="500"/>
+                                        <p:tgtEl>
+                                          <p:spTgt spid="11"/>
+                                        </p:tgtEl>
+                                      </p:cBhvr>
+                                    </p:animEffect>
+                                  </p:childTnLst>
+                                </p:cTn>
+                              </p:par>
+                              <p:par>
+                                <p:cTn id="39" presetID="10" presetClass="entr" presetSubtype="0" fill="hold" nodeType="withEffect">
+                                  <p:stCondLst>
+                                    <p:cond delay="0"/>
+                                  </p:stCondLst>
+                                  <p:childTnLst>
+                                    <p:set>
+                                      <p:cBhvr>
+                                        <p:cTn id="40" dur="1" fill="hold">
+                                          <p:stCondLst>
+                                            <p:cond delay="0"/>
+                                          </p:stCondLst>
+                                        </p:cTn>
+                                        <p:tgtEl>
+                                          <p:spTgt spid="27"/>
+                                        </p:tgtEl>
+                                        <p:attrNameLst>
+                                          <p:attrName>style.visibility</p:attrName>
+                                        </p:attrNameLst>
+                                      </p:cBhvr>
+                                      <p:to>
+                                        <p:strVal val="visible"/>
+                                      </p:to>
+                                    </p:set>
+                                    <p:animEffect transition="in" filter="fade">
+                                      <p:cBhvr>
+                                        <p:cTn id="41" dur="500"/>
+                                        <p:tgtEl>
+                                          <p:spTgt spid="27"/>
+                                        </p:tgtEl>
+                                      </p:cBhvr>
+                                    </p:animEffect>
+                                  </p:childTnLst>
+                                </p:cTn>
+                              </p:par>
+                              <p:par>
+                                <p:cTn id="42" presetID="10" presetClass="entr" presetSubtype="0" fill="hold" grpId="0" nodeType="withEffect">
+                                  <p:stCondLst>
+                                    <p:cond delay="0"/>
+                                  </p:stCondLst>
+                                  <p:childTnLst>
+                                    <p:set>
+                                      <p:cBhvr>
+                                        <p:cTn id="43" dur="1" fill="hold">
+                                          <p:stCondLst>
+                                            <p:cond delay="0"/>
+                                          </p:stCondLst>
+                                        </p:cTn>
+                                        <p:tgtEl>
+                                          <p:spTgt spid="12"/>
+                                        </p:tgtEl>
+                                        <p:attrNameLst>
+                                          <p:attrName>style.visibility</p:attrName>
+                                        </p:attrNameLst>
+                                      </p:cBhvr>
+                                      <p:to>
+                                        <p:strVal val="visible"/>
+                                      </p:to>
+                                    </p:set>
+                                    <p:animEffect transition="in" filter="fade">
+                                      <p:cBhvr>
+                                        <p:cTn id="44" dur="500"/>
+                                        <p:tgtEl>
+                                          <p:spTgt spid="12"/>
+                                        </p:tgtEl>
+                                      </p:cBhvr>
+                                    </p:animEffect>
+                                  </p:childTnLst>
+                                </p:cTn>
+                              </p:par>
+                            </p:childTnLst>
+                          </p:cTn>
+                        </p:par>
+                      </p:childTnLst>
+                    </p:cTn>
+                  </p:par>
+                  <p:par>
+                    <p:cTn id="45" fill="hold">
+                      <p:stCondLst>
+                        <p:cond delay="indefinite"/>
+                      </p:stCondLst>
+                      <p:childTnLst>
+                        <p:par>
+                          <p:cTn id="46" fill="hold">
+                            <p:stCondLst>
+                              <p:cond delay="0"/>
+                            </p:stCondLst>
+                            <p:childTnLst>
+                              <p:par>
+                                <p:cTn id="47" presetID="10" presetClass="entr" presetSubtype="0" fill="hold" grpId="0" nodeType="clickEffect">
+                                  <p:stCondLst>
+                                    <p:cond delay="0"/>
+                                  </p:stCondLst>
+                                  <p:childTnLst>
+                                    <p:set>
+                                      <p:cBhvr>
+                                        <p:cTn id="48" dur="1" fill="hold">
+                                          <p:stCondLst>
+                                            <p:cond delay="0"/>
+                                          </p:stCondLst>
+                                        </p:cTn>
+                                        <p:tgtEl>
+                                          <p:spTgt spid="52"/>
+                                        </p:tgtEl>
+                                        <p:attrNameLst>
+                                          <p:attrName>style.visibility</p:attrName>
+                                        </p:attrNameLst>
+                                      </p:cBhvr>
+                                      <p:to>
+                                        <p:strVal val="visible"/>
+                                      </p:to>
+                                    </p:set>
+                                    <p:animEffect transition="in" filter="fade">
+                                      <p:cBhvr>
+                                        <p:cTn id="49" dur="500"/>
+                                        <p:tgtEl>
+                                          <p:spTgt spid="52"/>
+                                        </p:tgtEl>
+                                      </p:cBhvr>
+                                    </p:animEffect>
+                                  </p:childTnLst>
+                                </p:cTn>
+                              </p:par>
+                              <p:par>
+                                <p:cTn id="50" presetID="10" presetClass="entr" presetSubtype="0" fill="hold" grpId="0" nodeType="withEffect">
+                                  <p:stCondLst>
+                                    <p:cond delay="0"/>
+                                  </p:stCondLst>
+                                  <p:childTnLst>
+                                    <p:set>
+                                      <p:cBhvr>
+                                        <p:cTn id="51" dur="1" fill="hold">
+                                          <p:stCondLst>
+                                            <p:cond delay="0"/>
+                                          </p:stCondLst>
+                                        </p:cTn>
+                                        <p:tgtEl>
+                                          <p:spTgt spid="13"/>
+                                        </p:tgtEl>
+                                        <p:attrNameLst>
+                                          <p:attrName>style.visibility</p:attrName>
+                                        </p:attrNameLst>
+                                      </p:cBhvr>
+                                      <p:to>
+                                        <p:strVal val="visible"/>
+                                      </p:to>
+                                    </p:set>
+                                    <p:animEffect transition="in" filter="fade">
+                                      <p:cBhvr>
+                                        <p:cTn id="52" dur="500"/>
+                                        <p:tgtEl>
+                                          <p:spTgt spid="13"/>
+                                        </p:tgtEl>
+                                      </p:cBhvr>
+                                    </p:animEffect>
+                                  </p:childTnLst>
+                                </p:cTn>
+                              </p:par>
+                              <p:par>
+                                <p:cTn id="53" presetID="10" presetClass="entr" presetSubtype="0" fill="hold" grpId="0" nodeType="withEffect">
+                                  <p:stCondLst>
+                                    <p:cond delay="0"/>
+                                  </p:stCondLst>
+                                  <p:childTnLst>
+                                    <p:set>
+                                      <p:cBhvr>
+                                        <p:cTn id="54" dur="1" fill="hold">
+                                          <p:stCondLst>
+                                            <p:cond delay="0"/>
+                                          </p:stCondLst>
+                                        </p:cTn>
+                                        <p:tgtEl>
+                                          <p:spTgt spid="19"/>
+                                        </p:tgtEl>
+                                        <p:attrNameLst>
+                                          <p:attrName>style.visibility</p:attrName>
+                                        </p:attrNameLst>
+                                      </p:cBhvr>
+                                      <p:to>
+                                        <p:strVal val="visible"/>
+                                      </p:to>
+                                    </p:set>
+                                    <p:animEffect transition="in" filter="fade">
+                                      <p:cBhvr>
+                                        <p:cTn id="55" dur="500"/>
+                                        <p:tgtEl>
+                                          <p:spTgt spid="19"/>
+                                        </p:tgtEl>
+                                      </p:cBhvr>
+                                    </p:animEffect>
+                                  </p:childTnLst>
+                                </p:cTn>
+                              </p:par>
+                            </p:childTnLst>
+                          </p:cTn>
+                        </p:par>
+                      </p:childTnLst>
+                    </p:cTn>
+                  </p:par>
+                  <p:par>
+                    <p:cTn id="56" fill="hold">
+                      <p:stCondLst>
+                        <p:cond delay="indefinite"/>
+                      </p:stCondLst>
+                      <p:childTnLst>
+                        <p:par>
+                          <p:cTn id="57" fill="hold">
+                            <p:stCondLst>
+                              <p:cond delay="0"/>
+                            </p:stCondLst>
+                            <p:childTnLst>
+                              <p:par>
+                                <p:cTn id="58" presetID="10" presetClass="entr" presetSubtype="0" fill="hold" nodeType="clickEffect">
+                                  <p:stCondLst>
+                                    <p:cond delay="0"/>
+                                  </p:stCondLst>
+                                  <p:childTnLst>
+                                    <p:set>
+                                      <p:cBhvr>
+                                        <p:cTn id="59" dur="1" fill="hold">
+                                          <p:stCondLst>
+                                            <p:cond delay="0"/>
+                                          </p:stCondLst>
+                                        </p:cTn>
+                                        <p:tgtEl>
+                                          <p:spTgt spid="47"/>
+                                        </p:tgtEl>
+                                        <p:attrNameLst>
+                                          <p:attrName>style.visibility</p:attrName>
+                                        </p:attrNameLst>
+                                      </p:cBhvr>
+                                      <p:to>
+                                        <p:strVal val="visible"/>
+                                      </p:to>
+                                    </p:set>
+                                    <p:animEffect transition="in" filter="fade">
+                                      <p:cBhvr>
+                                        <p:cTn id="60" dur="500"/>
+                                        <p:tgtEl>
+                                          <p:spTgt spid="47"/>
+                                        </p:tgtEl>
+                                      </p:cBhvr>
+                                    </p:animEffect>
+                                  </p:childTnLst>
+                                </p:cTn>
+                              </p:par>
+                              <p:par>
+                                <p:cTn id="61" presetID="10" presetClass="entr" presetSubtype="0" fill="hold" nodeType="withEffect">
+                                  <p:stCondLst>
+                                    <p:cond delay="0"/>
+                                  </p:stCondLst>
+                                  <p:childTnLst>
+                                    <p:set>
+                                      <p:cBhvr>
+                                        <p:cTn id="62" dur="1" fill="hold">
+                                          <p:stCondLst>
+                                            <p:cond delay="0"/>
+                                          </p:stCondLst>
+                                        </p:cTn>
+                                        <p:tgtEl>
+                                          <p:spTgt spid="29"/>
+                                        </p:tgtEl>
+                                        <p:attrNameLst>
+                                          <p:attrName>style.visibility</p:attrName>
+                                        </p:attrNameLst>
+                                      </p:cBhvr>
+                                      <p:to>
+                                        <p:strVal val="visible"/>
+                                      </p:to>
+                                    </p:set>
+                                    <p:animEffect transition="in" filter="fade">
+                                      <p:cBhvr>
+                                        <p:cTn id="63" dur="500"/>
+                                        <p:tgtEl>
+                                          <p:spTgt spid="29"/>
+                                        </p:tgtEl>
+                                      </p:cBhvr>
+                                    </p:animEffect>
+                                  </p:childTnLst>
+                                </p:cTn>
+                              </p:par>
+                              <p:par>
+                                <p:cTn id="64" presetID="10" presetClass="entr" presetSubtype="0" fill="hold" nodeType="withEffect">
+                                  <p:stCondLst>
+                                    <p:cond delay="0"/>
+                                  </p:stCondLst>
+                                  <p:childTnLst>
+                                    <p:set>
+                                      <p:cBhvr>
+                                        <p:cTn id="65" dur="1" fill="hold">
+                                          <p:stCondLst>
+                                            <p:cond delay="0"/>
+                                          </p:stCondLst>
+                                        </p:cTn>
+                                        <p:tgtEl>
+                                          <p:spTgt spid="43"/>
+                                        </p:tgtEl>
+                                        <p:attrNameLst>
+                                          <p:attrName>style.visibility</p:attrName>
+                                        </p:attrNameLst>
+                                      </p:cBhvr>
+                                      <p:to>
+                                        <p:strVal val="visible"/>
+                                      </p:to>
+                                    </p:set>
+                                    <p:animEffect transition="in" filter="fade">
+                                      <p:cBhvr>
+                                        <p:cTn id="66" dur="500"/>
+                                        <p:tgtEl>
+                                          <p:spTgt spid="43"/>
+                                        </p:tgtEl>
+                                      </p:cBhvr>
+                                    </p:animEffect>
+                                  </p:childTnLst>
+                                </p:cTn>
+                              </p:par>
+                              <p:par>
+                                <p:cTn id="67" presetID="10" presetClass="entr" presetSubtype="0" fill="hold" nodeType="withEffect">
+                                  <p:stCondLst>
+                                    <p:cond delay="0"/>
+                                  </p:stCondLst>
+                                  <p:childTnLst>
+                                    <p:set>
+                                      <p:cBhvr>
+                                        <p:cTn id="68" dur="1" fill="hold">
+                                          <p:stCondLst>
+                                            <p:cond delay="0"/>
+                                          </p:stCondLst>
+                                        </p:cTn>
+                                        <p:tgtEl>
+                                          <p:spTgt spid="313"/>
+                                        </p:tgtEl>
+                                        <p:attrNameLst>
+                                          <p:attrName>style.visibility</p:attrName>
+                                        </p:attrNameLst>
+                                      </p:cBhvr>
+                                      <p:to>
+                                        <p:strVal val="visible"/>
+                                      </p:to>
+                                    </p:set>
+                                    <p:animEffect transition="in" filter="fade">
+                                      <p:cBhvr>
+                                        <p:cTn id="69" dur="500"/>
+                                        <p:tgtEl>
+                                          <p:spTgt spid="313"/>
+                                        </p:tgtEl>
+                                      </p:cBhvr>
+                                    </p:animEffect>
+                                  </p:childTnLst>
+                                </p:cTn>
+                              </p:par>
+                              <p:par>
+                                <p:cTn id="70" presetID="10" presetClass="entr" presetSubtype="0" fill="hold" grpId="0" nodeType="withEffect">
+                                  <p:stCondLst>
+                                    <p:cond delay="0"/>
+                                  </p:stCondLst>
+                                  <p:childTnLst>
+                                    <p:set>
+                                      <p:cBhvr>
+                                        <p:cTn id="71" dur="1" fill="hold">
+                                          <p:stCondLst>
+                                            <p:cond delay="0"/>
+                                          </p:stCondLst>
+                                        </p:cTn>
+                                        <p:tgtEl>
+                                          <p:spTgt spid="51"/>
+                                        </p:tgtEl>
+                                        <p:attrNameLst>
+                                          <p:attrName>style.visibility</p:attrName>
+                                        </p:attrNameLst>
+                                      </p:cBhvr>
+                                      <p:to>
+                                        <p:strVal val="visible"/>
+                                      </p:to>
+                                    </p:set>
+                                    <p:animEffect transition="in" filter="fade">
+                                      <p:cBhvr>
+                                        <p:cTn id="72" dur="500"/>
+                                        <p:tgtEl>
+                                          <p:spTgt spid="51"/>
+                                        </p:tgtEl>
+                                      </p:cBhvr>
+                                    </p:animEffect>
+                                  </p:childTnLst>
+                                </p:cTn>
+                              </p:par>
+                              <p:par>
+                                <p:cTn id="73" presetID="10" presetClass="entr" presetSubtype="0" fill="hold" grpId="0" nodeType="withEffect">
+                                  <p:stCondLst>
+                                    <p:cond delay="0"/>
+                                  </p:stCondLst>
+                                  <p:childTnLst>
+                                    <p:set>
+                                      <p:cBhvr>
+                                        <p:cTn id="74" dur="1" fill="hold">
+                                          <p:stCondLst>
+                                            <p:cond delay="0"/>
+                                          </p:stCondLst>
+                                        </p:cTn>
+                                        <p:tgtEl>
+                                          <p:spTgt spid="17"/>
+                                        </p:tgtEl>
+                                        <p:attrNameLst>
+                                          <p:attrName>style.visibility</p:attrName>
+                                        </p:attrNameLst>
+                                      </p:cBhvr>
+                                      <p:to>
+                                        <p:strVal val="visible"/>
+                                      </p:to>
+                                    </p:set>
+                                    <p:animEffect transition="in" filter="fade">
+                                      <p:cBhvr>
+                                        <p:cTn id="75" dur="500"/>
+                                        <p:tgtEl>
+                                          <p:spTgt spid="17"/>
+                                        </p:tgtEl>
+                                      </p:cBhvr>
+                                    </p:animEffect>
+                                  </p:childTnLst>
+                                </p:cTn>
+                              </p:par>
+                              <p:par>
+                                <p:cTn id="76" presetID="10" presetClass="entr" presetSubtype="0" fill="hold" grpId="0" nodeType="withEffect">
+                                  <p:stCondLst>
+                                    <p:cond delay="0"/>
+                                  </p:stCondLst>
+                                  <p:childTnLst>
+                                    <p:set>
+                                      <p:cBhvr>
+                                        <p:cTn id="77" dur="1" fill="hold">
+                                          <p:stCondLst>
+                                            <p:cond delay="0"/>
+                                          </p:stCondLst>
+                                        </p:cTn>
+                                        <p:tgtEl>
+                                          <p:spTgt spid="18"/>
+                                        </p:tgtEl>
+                                        <p:attrNameLst>
+                                          <p:attrName>style.visibility</p:attrName>
+                                        </p:attrNameLst>
+                                      </p:cBhvr>
+                                      <p:to>
+                                        <p:strVal val="visible"/>
+                                      </p:to>
+                                    </p:set>
+                                    <p:animEffect transition="in" filter="fade">
+                                      <p:cBhvr>
+                                        <p:cTn id="78" dur="500"/>
+                                        <p:tgtEl>
+                                          <p:spTgt spid="18"/>
+                                        </p:tgtEl>
+                                      </p:cBhvr>
+                                    </p:animEffect>
+                                  </p:childTnLst>
+                                </p:cTn>
+                              </p:par>
+                            </p:childTnLst>
+                          </p:cTn>
+                        </p:par>
+                      </p:childTnLst>
+                    </p:cTn>
+                  </p:par>
+                  <p:par>
+                    <p:cTn id="79" fill="hold">
+                      <p:stCondLst>
+                        <p:cond delay="indefinite"/>
+                      </p:stCondLst>
+                      <p:childTnLst>
+                        <p:par>
+                          <p:cTn id="80" fill="hold">
+                            <p:stCondLst>
+                              <p:cond delay="0"/>
+                            </p:stCondLst>
+                            <p:childTnLst>
+                              <p:par>
+                                <p:cTn id="81" presetID="10" presetClass="entr" presetSubtype="0" fill="hold" nodeType="clickEffect">
+                                  <p:stCondLst>
+                                    <p:cond delay="0"/>
+                                  </p:stCondLst>
+                                  <p:childTnLst>
+                                    <p:set>
+                                      <p:cBhvr>
+                                        <p:cTn id="82" dur="1" fill="hold">
+                                          <p:stCondLst>
+                                            <p:cond delay="0"/>
+                                          </p:stCondLst>
+                                        </p:cTn>
+                                        <p:tgtEl>
+                                          <p:spTgt spid="265"/>
+                                        </p:tgtEl>
+                                        <p:attrNameLst>
+                                          <p:attrName>style.visibility</p:attrName>
+                                        </p:attrNameLst>
+                                      </p:cBhvr>
+                                      <p:to>
+                                        <p:strVal val="visible"/>
+                                      </p:to>
+                                    </p:set>
+                                    <p:animEffect transition="in" filter="fade">
+                                      <p:cBhvr>
+                                        <p:cTn id="83" dur="500"/>
+                                        <p:tgtEl>
+                                          <p:spTgt spid="265"/>
+                                        </p:tgtEl>
+                                      </p:cBhvr>
+                                    </p:animEffect>
+                                  </p:childTnLst>
+                                </p:cTn>
+                              </p:par>
+                              <p:par>
+                                <p:cTn id="84" presetID="10" presetClass="entr" presetSubtype="0" fill="hold" grpId="0" nodeType="withEffect">
+                                  <p:stCondLst>
+                                    <p:cond delay="0"/>
+                                  </p:stCondLst>
+                                  <p:childTnLst>
+                                    <p:set>
+                                      <p:cBhvr>
+                                        <p:cTn id="85" dur="1" fill="hold">
+                                          <p:stCondLst>
+                                            <p:cond delay="0"/>
+                                          </p:stCondLst>
+                                        </p:cTn>
+                                        <p:tgtEl>
+                                          <p:spTgt spid="16"/>
+                                        </p:tgtEl>
+                                        <p:attrNameLst>
+                                          <p:attrName>style.visibility</p:attrName>
+                                        </p:attrNameLst>
+                                      </p:cBhvr>
+                                      <p:to>
+                                        <p:strVal val="visible"/>
+                                      </p:to>
+                                    </p:set>
+                                    <p:animEffect transition="in" filter="fade">
+                                      <p:cBhvr>
+                                        <p:cTn id="86" dur="500"/>
+                                        <p:tgtEl>
+                                          <p:spTgt spid="16"/>
+                                        </p:tgtEl>
+                                      </p:cBhvr>
+                                    </p:animEffect>
+                                  </p:childTnLst>
+                                </p:cTn>
+                              </p:par>
+                              <p:par>
+                                <p:cTn id="87" presetID="10" presetClass="entr" presetSubtype="0" fill="hold" nodeType="withEffect">
+                                  <p:stCondLst>
+                                    <p:cond delay="0"/>
+                                  </p:stCondLst>
+                                  <p:childTnLst>
+                                    <p:set>
+                                      <p:cBhvr>
+                                        <p:cTn id="88" dur="1" fill="hold">
+                                          <p:stCondLst>
+                                            <p:cond delay="0"/>
+                                          </p:stCondLst>
+                                        </p:cTn>
+                                        <p:tgtEl>
+                                          <p:spTgt spid="41"/>
+                                        </p:tgtEl>
+                                        <p:attrNameLst>
+                                          <p:attrName>style.visibility</p:attrName>
+                                        </p:attrNameLst>
+                                      </p:cBhvr>
+                                      <p:to>
+                                        <p:strVal val="visible"/>
+                                      </p:to>
+                                    </p:set>
+                                    <p:animEffect transition="in" filter="fade">
+                                      <p:cBhvr>
+                                        <p:cTn id="89" dur="500"/>
+                                        <p:tgtEl>
+                                          <p:spTgt spid="41"/>
+                                        </p:tgtEl>
+                                      </p:cBhvr>
+                                    </p:animEffect>
+                                  </p:childTnLst>
+                                </p:cTn>
+                              </p:par>
+                              <p:par>
+                                <p:cTn id="90" presetID="10" presetClass="entr" presetSubtype="0" fill="hold" grpId="0" nodeType="withEffect">
+                                  <p:stCondLst>
+                                    <p:cond delay="0"/>
+                                  </p:stCondLst>
+                                  <p:childTnLst>
+                                    <p:set>
+                                      <p:cBhvr>
+                                        <p:cTn id="91" dur="1" fill="hold">
+                                          <p:stCondLst>
+                                            <p:cond delay="0"/>
+                                          </p:stCondLst>
+                                        </p:cTn>
+                                        <p:tgtEl>
+                                          <p:spTgt spid="15"/>
+                                        </p:tgtEl>
+                                        <p:attrNameLst>
+                                          <p:attrName>style.visibility</p:attrName>
+                                        </p:attrNameLst>
+                                      </p:cBhvr>
+                                      <p:to>
+                                        <p:strVal val="visible"/>
+                                      </p:to>
+                                    </p:set>
+                                    <p:animEffect transition="in" filter="fade">
+                                      <p:cBhvr>
+                                        <p:cTn id="92" dur="500"/>
+                                        <p:tgtEl>
+                                          <p:spTgt spid="15"/>
+                                        </p:tgtEl>
+                                      </p:cBhvr>
+                                    </p:animEffect>
+                                  </p:childTnLst>
+                                </p:cTn>
+                              </p:par>
+                              <p:par>
+                                <p:cTn id="93" presetID="10" presetClass="entr" presetSubtype="0" fill="hold" grpId="0" nodeType="withEffect">
+                                  <p:stCondLst>
+                                    <p:cond delay="0"/>
+                                  </p:stCondLst>
+                                  <p:childTnLst>
+                                    <p:set>
+                                      <p:cBhvr>
+                                        <p:cTn id="94" dur="1" fill="hold">
+                                          <p:stCondLst>
+                                            <p:cond delay="0"/>
+                                          </p:stCondLst>
+                                        </p:cTn>
+                                        <p:tgtEl>
+                                          <p:spTgt spid="50"/>
+                                        </p:tgtEl>
+                                        <p:attrNameLst>
+                                          <p:attrName>style.visibility</p:attrName>
+                                        </p:attrNameLst>
+                                      </p:cBhvr>
+                                      <p:to>
+                                        <p:strVal val="visible"/>
+                                      </p:to>
+                                    </p:set>
+                                    <p:animEffect transition="in" filter="fade">
+                                      <p:cBhvr>
+                                        <p:cTn id="95" dur="500"/>
+                                        <p:tgtEl>
+                                          <p:spTgt spid="50"/>
+                                        </p:tgtEl>
+                                      </p:cBhvr>
+                                    </p:animEffect>
+                                  </p:childTnLst>
+                                </p:cTn>
+                              </p:par>
+                            </p:childTnLst>
+                          </p:cTn>
+                        </p:par>
+                      </p:childTnLst>
+                    </p:cTn>
+                  </p:par>
+                  <p:par>
+                    <p:cTn id="96" fill="hold">
+                      <p:stCondLst>
+                        <p:cond delay="indefinite"/>
+                      </p:stCondLst>
+                      <p:childTnLst>
+                        <p:par>
+                          <p:cTn id="97" fill="hold">
+                            <p:stCondLst>
+                              <p:cond delay="0"/>
+                            </p:stCondLst>
+                            <p:childTnLst>
+                              <p:par>
+                                <p:cTn id="98" presetID="10" presetClass="entr" presetSubtype="0" fill="hold" nodeType="clickEffect">
+                                  <p:stCondLst>
+                                    <p:cond delay="0"/>
+                                  </p:stCondLst>
+                                  <p:childTnLst>
+                                    <p:set>
+                                      <p:cBhvr>
+                                        <p:cTn id="99" dur="1" fill="hold">
+                                          <p:stCondLst>
+                                            <p:cond delay="0"/>
+                                          </p:stCondLst>
+                                        </p:cTn>
+                                        <p:tgtEl>
+                                          <p:spTgt spid="33"/>
+                                        </p:tgtEl>
+                                        <p:attrNameLst>
+                                          <p:attrName>style.visibility</p:attrName>
+                                        </p:attrNameLst>
+                                      </p:cBhvr>
+                                      <p:to>
+                                        <p:strVal val="visible"/>
+                                      </p:to>
+                                    </p:set>
+                                    <p:animEffect transition="in" filter="fade">
+                                      <p:cBhvr>
+                                        <p:cTn id="100" dur="500"/>
+                                        <p:tgtEl>
+                                          <p:spTgt spid="33"/>
+                                        </p:tgtEl>
+                                      </p:cBhvr>
+                                    </p:animEffect>
+                                  </p:childTnLst>
+                                </p:cTn>
+                              </p:par>
+                              <p:par>
+                                <p:cTn id="101" presetID="10" presetClass="entr" presetSubtype="0" fill="hold" nodeType="withEffect">
+                                  <p:stCondLst>
+                                    <p:cond delay="0"/>
+                                  </p:stCondLst>
+                                  <p:childTnLst>
+                                    <p:set>
+                                      <p:cBhvr>
+                                        <p:cTn id="102" dur="1" fill="hold">
+                                          <p:stCondLst>
+                                            <p:cond delay="0"/>
+                                          </p:stCondLst>
+                                        </p:cTn>
+                                        <p:tgtEl>
+                                          <p:spTgt spid="45"/>
+                                        </p:tgtEl>
+                                        <p:attrNameLst>
+                                          <p:attrName>style.visibility</p:attrName>
+                                        </p:attrNameLst>
+                                      </p:cBhvr>
+                                      <p:to>
+                                        <p:strVal val="visible"/>
+                                      </p:to>
+                                    </p:set>
+                                    <p:animEffect transition="in" filter="fade">
+                                      <p:cBhvr>
+                                        <p:cTn id="103" dur="500"/>
+                                        <p:tgtEl>
+                                          <p:spTgt spid="45"/>
+                                        </p:tgtEl>
+                                      </p:cBhvr>
+                                    </p:animEffect>
+                                  </p:childTnLst>
+                                </p:cTn>
+                              </p:par>
+                              <p:par>
+                                <p:cTn id="104" presetID="10" presetClass="entr" presetSubtype="0" fill="hold" grpId="0" nodeType="withEffect">
+                                  <p:stCondLst>
+                                    <p:cond delay="0"/>
+                                  </p:stCondLst>
+                                  <p:childTnLst>
+                                    <p:set>
+                                      <p:cBhvr>
+                                        <p:cTn id="105" dur="1" fill="hold">
+                                          <p:stCondLst>
+                                            <p:cond delay="0"/>
+                                          </p:stCondLst>
+                                        </p:cTn>
+                                        <p:tgtEl>
+                                          <p:spTgt spid="14"/>
+                                        </p:tgtEl>
+                                        <p:attrNameLst>
+                                          <p:attrName>style.visibility</p:attrName>
+                                        </p:attrNameLst>
+                                      </p:cBhvr>
+                                      <p:to>
+                                        <p:strVal val="visible"/>
+                                      </p:to>
+                                    </p:set>
+                                    <p:animEffect transition="in" filter="fade">
+                                      <p:cBhvr>
+                                        <p:cTn id="106" dur="500"/>
+                                        <p:tgtEl>
+                                          <p:spTgt spid="14"/>
+                                        </p:tgtEl>
+                                      </p:cBhvr>
+                                    </p:animEffect>
+                                  </p:childTnLst>
+                                </p:cTn>
+                              </p:par>
+                              <p:par>
+                                <p:cTn id="107" presetID="10" presetClass="entr" presetSubtype="0" fill="hold" grpId="0" nodeType="withEffect">
+                                  <p:stCondLst>
+                                    <p:cond delay="0"/>
+                                  </p:stCondLst>
+                                  <p:childTnLst>
+                                    <p:set>
+                                      <p:cBhvr>
+                                        <p:cTn id="108" dur="1" fill="hold">
+                                          <p:stCondLst>
+                                            <p:cond delay="0"/>
+                                          </p:stCondLst>
+                                        </p:cTn>
+                                        <p:tgtEl>
+                                          <p:spTgt spid="55"/>
+                                        </p:tgtEl>
+                                        <p:attrNameLst>
+                                          <p:attrName>style.visibility</p:attrName>
+                                        </p:attrNameLst>
+                                      </p:cBhvr>
+                                      <p:to>
+                                        <p:strVal val="visible"/>
+                                      </p:to>
+                                    </p:set>
+                                    <p:animEffect transition="in" filter="fade">
+                                      <p:cBhvr>
+                                        <p:cTn id="109" dur="500"/>
+                                        <p:tgtEl>
+                                          <p:spTgt spid="55"/>
+                                        </p:tgtEl>
+                                      </p:cBhvr>
+                                    </p:animEffect>
+                                  </p:childTnLst>
+                                </p:cTn>
+                              </p:par>
+                            </p:childTnLst>
+                          </p:cTn>
+                        </p:par>
+                      </p:childTnLst>
+                    </p:cTn>
+                  </p:par>
+                </p:childTnLst>
+              </p:cTn>
+              <p:prevCondLst>
+                <p:cond evt="onPrev" delay="0">
+                  <p:tgtEl>
+                    <p:sldTgt/>
+                  </p:tgtEl>
+                </p:cond>
+              </p:prevCondLst>
+              <p:nextCondLst>
+                <p:cond evt="onNext" delay="0">
+                  <p:tgtEl>
+                    <p:sldTgt/>
+                  </p:tgtEl>
+                </p:cond>
+              </p:nextCondLst>
+            </p:seq>
+          </p:childTnLst>
+        </p:cTn>
       </p:par>
     </p:tnLst>
+    <p:bldLst>
+      <p:bldP spid="3" grpId="0" animBg="1"/>
+      <p:bldP spid="5" grpId="0" animBg="1"/>
+      <p:bldP spid="9" grpId="0" animBg="1"/>
+      <p:bldP spid="11" grpId="0" animBg="1"/>
+      <p:bldP spid="12" grpId="0" animBg="1"/>
+      <p:bldP spid="13" grpId="0" animBg="1"/>
+      <p:bldP spid="14" grpId="0" animBg="1"/>
+      <p:bldP spid="15" grpId="0" animBg="1"/>
+      <p:bldP spid="16" grpId="0" animBg="1"/>
+      <p:bldP spid="17" grpId="0" animBg="1"/>
+      <p:bldP spid="18" grpId="0" animBg="1"/>
+      <p:bldP spid="19" grpId="0" animBg="1"/>
+      <p:bldP spid="49" grpId="0" animBg="1"/>
+      <p:bldP spid="50" grpId="0" animBg="1"/>
+      <p:bldP spid="51" grpId="0" animBg="1"/>
+      <p:bldP spid="52" grpId="0" animBg="1"/>
+      <p:bldP spid="53" grpId="0" animBg="1"/>
+      <p:bldP spid="54" grpId="0" animBg="1"/>
+      <p:bldP spid="55" grpId="0" animBg="1"/>
+    </p:bldLst>
   </p:timing>
 </p:sld>
 </file>
